--- a/Presentazione_tesi.pptx
+++ b/Presentazione_tesi.pptx
@@ -2,10 +2,18 @@
 <file path=ppt/presentation.xml><?xml version="1.0" encoding="utf-8"?>
 <p:presentation xmlns:a="http://schemas.openxmlformats.org/drawingml/2006/main" xmlns:r="http://schemas.openxmlformats.org/officeDocument/2006/relationships" xmlns:p="http://schemas.openxmlformats.org/presentationml/2006/main" autoCompressPictures="0">
   <p:sldMasterIdLst>
-    <p:sldMasterId id="2147483648" r:id="rId1"/>
+    <p:sldMasterId id="2147483665" r:id="rId1"/>
   </p:sldMasterIdLst>
   <p:sldIdLst>
     <p:sldId id="256" r:id="rId2"/>
+    <p:sldId id="257" r:id="rId3"/>
+    <p:sldId id="258" r:id="rId4"/>
+    <p:sldId id="259" r:id="rId5"/>
+    <p:sldId id="260" r:id="rId6"/>
+    <p:sldId id="261" r:id="rId7"/>
+    <p:sldId id="262" r:id="rId8"/>
+    <p:sldId id="263" r:id="rId9"/>
+    <p:sldId id="264" r:id="rId10"/>
   </p:sldIdLst>
   <p:sldSz cx="12192000" cy="6858000"/>
   <p:notesSz cx="6858000" cy="9144000"/>
@@ -104,11 +112,16 @@
       </a:defRPr>
     </a:lvl9pPr>
   </p:defaultTextStyle>
+  <p:extLst>
+    <p:ext uri="{EFAFB233-063F-42B5-8137-9DF3F51BA10A}">
+      <p15:sldGuideLst xmlns:p15="http://schemas.microsoft.com/office/powerpoint/2012/main"/>
+    </p:ext>
+  </p:extLst>
 </p:presentation>
 </file>
 
 <file path=ppt/slideLayouts/slideLayout1.xml><?xml version="1.0" encoding="utf-8"?>
-<p:sldLayout xmlns:a="http://schemas.openxmlformats.org/drawingml/2006/main" xmlns:r="http://schemas.openxmlformats.org/officeDocument/2006/relationships" xmlns:p="http://schemas.openxmlformats.org/presentationml/2006/main" type="title" preserve="1">
+<p:sldLayout xmlns:a="http://schemas.openxmlformats.org/drawingml/2006/main" xmlns:r="http://schemas.openxmlformats.org/officeDocument/2006/relationships" xmlns:p="http://schemas.openxmlformats.org/presentationml/2006/main" showMasterSp="0" type="title" preserve="1">
   <p:cSld name="Title Slide">
     <p:spTree>
       <p:nvGrpSpPr>
@@ -124,6 +137,536 @@
           <a:chExt cx="0" cy="0"/>
         </a:xfrm>
       </p:grpSpPr>
+      <p:grpSp>
+        <p:nvGrpSpPr>
+          <p:cNvPr id="7" name="Group 6"/>
+          <p:cNvGrpSpPr/>
+          <p:nvPr/>
+        </p:nvGrpSpPr>
+        <p:grpSpPr>
+          <a:xfrm>
+            <a:off x="0" y="-8467"/>
+            <a:ext cx="12192000" cy="6866467"/>
+            <a:chOff x="0" y="-8467"/>
+            <a:chExt cx="12192000" cy="6866467"/>
+          </a:xfrm>
+        </p:grpSpPr>
+        <p:cxnSp>
+          <p:nvCxnSpPr>
+            <p:cNvPr id="32" name="Straight Connector 31"/>
+            <p:cNvCxnSpPr/>
+            <p:nvPr/>
+          </p:nvCxnSpPr>
+          <p:spPr>
+            <a:xfrm>
+              <a:off x="9371012" y="0"/>
+              <a:ext cx="1219200" cy="6858000"/>
+            </a:xfrm>
+            <a:prstGeom prst="line">
+              <a:avLst/>
+            </a:prstGeom>
+            <a:ln w="9525">
+              <a:solidFill>
+                <a:schemeClr val="bg1">
+                  <a:lumMod val="75000"/>
+                </a:schemeClr>
+              </a:solidFill>
+            </a:ln>
+          </p:spPr>
+          <p:style>
+            <a:lnRef idx="2">
+              <a:schemeClr val="accent1"/>
+            </a:lnRef>
+            <a:fillRef idx="0">
+              <a:schemeClr val="accent1"/>
+            </a:fillRef>
+            <a:effectRef idx="1">
+              <a:schemeClr val="accent1"/>
+            </a:effectRef>
+            <a:fontRef idx="minor">
+              <a:schemeClr val="tx1"/>
+            </a:fontRef>
+          </p:style>
+        </p:cxnSp>
+        <p:cxnSp>
+          <p:nvCxnSpPr>
+            <p:cNvPr id="21" name="Straight Connector 20"/>
+            <p:cNvCxnSpPr/>
+            <p:nvPr/>
+          </p:nvCxnSpPr>
+          <p:spPr>
+            <a:xfrm flipH="1">
+              <a:off x="7425267" y="3681413"/>
+              <a:ext cx="4763558" cy="3176587"/>
+            </a:xfrm>
+            <a:prstGeom prst="line">
+              <a:avLst/>
+            </a:prstGeom>
+            <a:ln w="9525">
+              <a:solidFill>
+                <a:schemeClr val="bg1">
+                  <a:lumMod val="85000"/>
+                </a:schemeClr>
+              </a:solidFill>
+            </a:ln>
+          </p:spPr>
+          <p:style>
+            <a:lnRef idx="2">
+              <a:schemeClr val="accent1"/>
+            </a:lnRef>
+            <a:fillRef idx="0">
+              <a:schemeClr val="accent1"/>
+            </a:fillRef>
+            <a:effectRef idx="1">
+              <a:schemeClr val="accent1"/>
+            </a:effectRef>
+            <a:fontRef idx="minor">
+              <a:schemeClr val="tx1"/>
+            </a:fontRef>
+          </p:style>
+        </p:cxnSp>
+        <p:sp>
+          <p:nvSpPr>
+            <p:cNvPr id="24" name="Rectangle 23"/>
+            <p:cNvSpPr/>
+            <p:nvPr/>
+          </p:nvSpPr>
+          <p:spPr>
+            <a:xfrm>
+              <a:off x="9181476" y="-8467"/>
+              <a:ext cx="3007349" cy="6866467"/>
+            </a:xfrm>
+            <a:custGeom>
+              <a:avLst/>
+              <a:gdLst/>
+              <a:ahLst/>
+              <a:cxnLst/>
+              <a:rect l="l" t="t" r="r" b="b"/>
+              <a:pathLst>
+                <a:path w="3007349" h="6866467">
+                  <a:moveTo>
+                    <a:pt x="2045532" y="0"/>
+                  </a:moveTo>
+                  <a:lnTo>
+                    <a:pt x="3007349" y="0"/>
+                  </a:lnTo>
+                  <a:lnTo>
+                    <a:pt x="3007349" y="6866467"/>
+                  </a:lnTo>
+                  <a:lnTo>
+                    <a:pt x="0" y="6866467"/>
+                  </a:lnTo>
+                  <a:lnTo>
+                    <a:pt x="2045532" y="0"/>
+                  </a:lnTo>
+                  <a:close/>
+                </a:path>
+              </a:pathLst>
+            </a:custGeom>
+            <a:solidFill>
+              <a:schemeClr val="accent1">
+                <a:alpha val="30000"/>
+              </a:schemeClr>
+            </a:solidFill>
+            <a:ln>
+              <a:noFill/>
+            </a:ln>
+            <a:effectLst/>
+          </p:spPr>
+          <p:style>
+            <a:lnRef idx="1">
+              <a:schemeClr val="accent1"/>
+            </a:lnRef>
+            <a:fillRef idx="3">
+              <a:schemeClr val="accent1"/>
+            </a:fillRef>
+            <a:effectRef idx="2">
+              <a:schemeClr val="accent1"/>
+            </a:effectRef>
+            <a:fontRef idx="minor">
+              <a:schemeClr val="lt1"/>
+            </a:fontRef>
+          </p:style>
+        </p:sp>
+        <p:sp>
+          <p:nvSpPr>
+            <p:cNvPr id="26" name="Rectangle 25"/>
+            <p:cNvSpPr/>
+            <p:nvPr/>
+          </p:nvSpPr>
+          <p:spPr>
+            <a:xfrm>
+              <a:off x="9603442" y="-8467"/>
+              <a:ext cx="2588558" cy="6866467"/>
+            </a:xfrm>
+            <a:custGeom>
+              <a:avLst/>
+              <a:gdLst/>
+              <a:ahLst/>
+              <a:cxnLst/>
+              <a:rect l="l" t="t" r="r" b="b"/>
+              <a:pathLst>
+                <a:path w="2573311" h="6866467">
+                  <a:moveTo>
+                    <a:pt x="0" y="0"/>
+                  </a:moveTo>
+                  <a:lnTo>
+                    <a:pt x="2573311" y="0"/>
+                  </a:lnTo>
+                  <a:lnTo>
+                    <a:pt x="2573311" y="6866467"/>
+                  </a:lnTo>
+                  <a:lnTo>
+                    <a:pt x="1202336" y="6866467"/>
+                  </a:lnTo>
+                  <a:lnTo>
+                    <a:pt x="0" y="0"/>
+                  </a:lnTo>
+                  <a:close/>
+                </a:path>
+              </a:pathLst>
+            </a:custGeom>
+            <a:solidFill>
+              <a:schemeClr val="accent1">
+                <a:alpha val="20000"/>
+              </a:schemeClr>
+            </a:solidFill>
+            <a:ln>
+              <a:noFill/>
+            </a:ln>
+            <a:effectLst/>
+          </p:spPr>
+          <p:style>
+            <a:lnRef idx="1">
+              <a:schemeClr val="accent1"/>
+            </a:lnRef>
+            <a:fillRef idx="3">
+              <a:schemeClr val="accent1"/>
+            </a:fillRef>
+            <a:effectRef idx="2">
+              <a:schemeClr val="accent1"/>
+            </a:effectRef>
+            <a:fontRef idx="minor">
+              <a:schemeClr val="lt1"/>
+            </a:fontRef>
+          </p:style>
+        </p:sp>
+        <p:sp>
+          <p:nvSpPr>
+            <p:cNvPr id="27" name="Isosceles Triangle 26"/>
+            <p:cNvSpPr/>
+            <p:nvPr/>
+          </p:nvSpPr>
+          <p:spPr>
+            <a:xfrm>
+              <a:off x="8932333" y="3048000"/>
+              <a:ext cx="3259667" cy="3810000"/>
+            </a:xfrm>
+            <a:prstGeom prst="triangle">
+              <a:avLst>
+                <a:gd name="adj" fmla="val 100000"/>
+              </a:avLst>
+            </a:prstGeom>
+            <a:solidFill>
+              <a:schemeClr val="accent2">
+                <a:alpha val="72000"/>
+              </a:schemeClr>
+            </a:solidFill>
+            <a:ln>
+              <a:noFill/>
+            </a:ln>
+            <a:effectLst/>
+          </p:spPr>
+          <p:style>
+            <a:lnRef idx="1">
+              <a:schemeClr val="accent1"/>
+            </a:lnRef>
+            <a:fillRef idx="3">
+              <a:schemeClr val="accent1"/>
+            </a:fillRef>
+            <a:effectRef idx="2">
+              <a:schemeClr val="accent1"/>
+            </a:effectRef>
+            <a:fontRef idx="minor">
+              <a:schemeClr val="lt1"/>
+            </a:fontRef>
+          </p:style>
+        </p:sp>
+        <p:sp>
+          <p:nvSpPr>
+            <p:cNvPr id="28" name="Rectangle 27"/>
+            <p:cNvSpPr/>
+            <p:nvPr/>
+          </p:nvSpPr>
+          <p:spPr>
+            <a:xfrm>
+              <a:off x="9334500" y="-8467"/>
+              <a:ext cx="2854326" cy="6866467"/>
+            </a:xfrm>
+            <a:custGeom>
+              <a:avLst/>
+              <a:gdLst/>
+              <a:ahLst/>
+              <a:cxnLst/>
+              <a:rect l="l" t="t" r="r" b="b"/>
+              <a:pathLst>
+                <a:path w="2858013" h="6866467">
+                  <a:moveTo>
+                    <a:pt x="0" y="0"/>
+                  </a:moveTo>
+                  <a:lnTo>
+                    <a:pt x="2858013" y="0"/>
+                  </a:lnTo>
+                  <a:lnTo>
+                    <a:pt x="2858013" y="6866467"/>
+                  </a:lnTo>
+                  <a:lnTo>
+                    <a:pt x="2473942" y="6866467"/>
+                  </a:lnTo>
+                  <a:lnTo>
+                    <a:pt x="0" y="0"/>
+                  </a:lnTo>
+                  <a:close/>
+                </a:path>
+              </a:pathLst>
+            </a:custGeom>
+            <a:solidFill>
+              <a:schemeClr val="accent2">
+                <a:lumMod val="75000"/>
+                <a:alpha val="70000"/>
+              </a:schemeClr>
+            </a:solidFill>
+            <a:ln>
+              <a:noFill/>
+            </a:ln>
+            <a:effectLst/>
+          </p:spPr>
+          <p:style>
+            <a:lnRef idx="1">
+              <a:schemeClr val="accent1"/>
+            </a:lnRef>
+            <a:fillRef idx="3">
+              <a:schemeClr val="accent1"/>
+            </a:fillRef>
+            <a:effectRef idx="2">
+              <a:schemeClr val="accent1"/>
+            </a:effectRef>
+            <a:fontRef idx="minor">
+              <a:schemeClr val="lt1"/>
+            </a:fontRef>
+          </p:style>
+        </p:sp>
+        <p:sp>
+          <p:nvSpPr>
+            <p:cNvPr id="29" name="Rectangle 28"/>
+            <p:cNvSpPr/>
+            <p:nvPr/>
+          </p:nvSpPr>
+          <p:spPr>
+            <a:xfrm>
+              <a:off x="10898730" y="-8467"/>
+              <a:ext cx="1290094" cy="6866467"/>
+            </a:xfrm>
+            <a:custGeom>
+              <a:avLst/>
+              <a:gdLst/>
+              <a:ahLst/>
+              <a:cxnLst/>
+              <a:rect l="l" t="t" r="r" b="b"/>
+              <a:pathLst>
+                <a:path w="1290094" h="6858000">
+                  <a:moveTo>
+                    <a:pt x="1019735" y="0"/>
+                  </a:moveTo>
+                  <a:lnTo>
+                    <a:pt x="1290094" y="0"/>
+                  </a:lnTo>
+                  <a:lnTo>
+                    <a:pt x="1290094" y="6858000"/>
+                  </a:lnTo>
+                  <a:lnTo>
+                    <a:pt x="0" y="6858000"/>
+                  </a:lnTo>
+                  <a:lnTo>
+                    <a:pt x="1019735" y="0"/>
+                  </a:lnTo>
+                  <a:close/>
+                </a:path>
+              </a:pathLst>
+            </a:custGeom>
+            <a:solidFill>
+              <a:schemeClr val="accent1">
+                <a:lumMod val="60000"/>
+                <a:lumOff val="40000"/>
+                <a:alpha val="70000"/>
+              </a:schemeClr>
+            </a:solidFill>
+            <a:ln>
+              <a:noFill/>
+            </a:ln>
+            <a:effectLst/>
+          </p:spPr>
+          <p:style>
+            <a:lnRef idx="1">
+              <a:schemeClr val="accent1"/>
+            </a:lnRef>
+            <a:fillRef idx="3">
+              <a:schemeClr val="accent1"/>
+            </a:fillRef>
+            <a:effectRef idx="2">
+              <a:schemeClr val="accent1"/>
+            </a:effectRef>
+            <a:fontRef idx="minor">
+              <a:schemeClr val="lt1"/>
+            </a:fontRef>
+          </p:style>
+        </p:sp>
+        <p:sp>
+          <p:nvSpPr>
+            <p:cNvPr id="30" name="Rectangle 29"/>
+            <p:cNvSpPr/>
+            <p:nvPr/>
+          </p:nvSpPr>
+          <p:spPr>
+            <a:xfrm>
+              <a:off x="10938999" y="-8467"/>
+              <a:ext cx="1249825" cy="6866467"/>
+            </a:xfrm>
+            <a:custGeom>
+              <a:avLst/>
+              <a:gdLst/>
+              <a:ahLst/>
+              <a:cxnLst/>
+              <a:rect l="l" t="t" r="r" b="b"/>
+              <a:pathLst>
+                <a:path w="1249825" h="6858000">
+                  <a:moveTo>
+                    <a:pt x="0" y="0"/>
+                  </a:moveTo>
+                  <a:lnTo>
+                    <a:pt x="1249825" y="0"/>
+                  </a:lnTo>
+                  <a:lnTo>
+                    <a:pt x="1249825" y="6858000"/>
+                  </a:lnTo>
+                  <a:lnTo>
+                    <a:pt x="1109382" y="6858000"/>
+                  </a:lnTo>
+                  <a:lnTo>
+                    <a:pt x="0" y="0"/>
+                  </a:lnTo>
+                  <a:close/>
+                </a:path>
+              </a:pathLst>
+            </a:custGeom>
+            <a:solidFill>
+              <a:schemeClr val="accent1">
+                <a:alpha val="65000"/>
+              </a:schemeClr>
+            </a:solidFill>
+            <a:ln>
+              <a:noFill/>
+            </a:ln>
+            <a:effectLst/>
+          </p:spPr>
+          <p:style>
+            <a:lnRef idx="1">
+              <a:schemeClr val="accent1"/>
+            </a:lnRef>
+            <a:fillRef idx="3">
+              <a:schemeClr val="accent1"/>
+            </a:fillRef>
+            <a:effectRef idx="2">
+              <a:schemeClr val="accent1"/>
+            </a:effectRef>
+            <a:fontRef idx="minor">
+              <a:schemeClr val="lt1"/>
+            </a:fontRef>
+          </p:style>
+        </p:sp>
+        <p:sp>
+          <p:nvSpPr>
+            <p:cNvPr id="31" name="Isosceles Triangle 30"/>
+            <p:cNvSpPr/>
+            <p:nvPr/>
+          </p:nvSpPr>
+          <p:spPr>
+            <a:xfrm>
+              <a:off x="10371666" y="3589867"/>
+              <a:ext cx="1817159" cy="3268133"/>
+            </a:xfrm>
+            <a:prstGeom prst="triangle">
+              <a:avLst>
+                <a:gd name="adj" fmla="val 100000"/>
+              </a:avLst>
+            </a:prstGeom>
+            <a:solidFill>
+              <a:schemeClr val="accent1">
+                <a:alpha val="80000"/>
+              </a:schemeClr>
+            </a:solidFill>
+            <a:ln>
+              <a:noFill/>
+            </a:ln>
+            <a:effectLst/>
+          </p:spPr>
+          <p:style>
+            <a:lnRef idx="1">
+              <a:schemeClr val="accent1"/>
+            </a:lnRef>
+            <a:fillRef idx="3">
+              <a:schemeClr val="accent1"/>
+            </a:fillRef>
+            <a:effectRef idx="2">
+              <a:schemeClr val="accent1"/>
+            </a:effectRef>
+            <a:fontRef idx="minor">
+              <a:schemeClr val="lt1"/>
+            </a:fontRef>
+          </p:style>
+        </p:sp>
+        <p:sp>
+          <p:nvSpPr>
+            <p:cNvPr id="19" name="Isosceles Triangle 18"/>
+            <p:cNvSpPr/>
+            <p:nvPr/>
+          </p:nvSpPr>
+          <p:spPr>
+            <a:xfrm rot="10800000">
+              <a:off x="0" y="0"/>
+              <a:ext cx="842596" cy="5666154"/>
+            </a:xfrm>
+            <a:prstGeom prst="triangle">
+              <a:avLst>
+                <a:gd name="adj" fmla="val 100000"/>
+              </a:avLst>
+            </a:prstGeom>
+            <a:solidFill>
+              <a:schemeClr val="accent1">
+                <a:alpha val="85000"/>
+              </a:schemeClr>
+            </a:solidFill>
+            <a:ln>
+              <a:noFill/>
+            </a:ln>
+            <a:effectLst/>
+          </p:spPr>
+          <p:style>
+            <a:lnRef idx="1">
+              <a:schemeClr val="accent1"/>
+            </a:lnRef>
+            <a:fillRef idx="3">
+              <a:schemeClr val="accent1"/>
+            </a:fillRef>
+            <a:effectRef idx="2">
+              <a:schemeClr val="accent1"/>
+            </a:effectRef>
+            <a:fontRef idx="minor">
+              <a:schemeClr val="lt1"/>
+            </a:fontRef>
+          </p:style>
+        </p:sp>
+      </p:grpSp>
       <p:sp>
         <p:nvSpPr>
           <p:cNvPr id="2" name="Title 1"/>
@@ -136,17 +679,21 @@
         </p:nvSpPr>
         <p:spPr>
           <a:xfrm>
-            <a:off x="2589213" y="2514600"/>
-            <a:ext cx="8915399" cy="2262781"/>
+            <a:off x="1507067" y="2404534"/>
+            <a:ext cx="7766936" cy="1646302"/>
           </a:xfrm>
         </p:spPr>
         <p:txBody>
           <a:bodyPr anchor="b">
-            <a:normAutofit/>
+            <a:noAutofit/>
           </a:bodyPr>
           <a:lstStyle>
-            <a:lvl1pPr>
-              <a:defRPr sz="5400"/>
+            <a:lvl1pPr algn="r">
+              <a:defRPr sz="5400">
+                <a:solidFill>
+                  <a:schemeClr val="accent1"/>
+                </a:solidFill>
+              </a:defRPr>
             </a:lvl1pPr>
           </a:lstStyle>
           <a:p>
@@ -170,20 +717,20 @@
         </p:nvSpPr>
         <p:spPr>
           <a:xfrm>
-            <a:off x="2589213" y="4777379"/>
-            <a:ext cx="8915399" cy="1126283"/>
+            <a:off x="1507067" y="4050833"/>
+            <a:ext cx="7766936" cy="1096899"/>
           </a:xfrm>
         </p:spPr>
         <p:txBody>
           <a:bodyPr anchor="t"/>
           <a:lstStyle>
-            <a:lvl1pPr marL="0" indent="0" algn="l">
+            <a:lvl1pPr marL="0" indent="0" algn="r">
               <a:buNone/>
               <a:defRPr>
                 <a:solidFill>
                   <a:schemeClr val="tx1">
-                    <a:lumMod val="65000"/>
-                    <a:lumOff val="35000"/>
+                    <a:lumMod val="50000"/>
+                    <a:lumOff val="50000"/>
                   </a:schemeClr>
                 </a:solidFill>
               </a:defRPr>
@@ -294,9 +841,9 @@
           <a:lstStyle/>
           <a:p>
             <a:fld id="{B61BEF0D-F0BB-DE4B-95CE-6DB70DBA9567}" type="datetimeFigureOut">
-              <a:rPr lang="en-US" dirty="0"/>
+              <a:rPr lang="en-US" smtClean="0"/>
               <a:pPr/>
-              <a:t>9/25/2017</a:t>
+              <a:t>10/8/2017</a:t>
             </a:fld>
             <a:endParaRPr lang="en-US" dirty="0"/>
           </a:p>
@@ -323,88 +870,6 @@
       </p:sp>
       <p:sp>
         <p:nvSpPr>
-          <p:cNvPr id="7" name="Freeform 6"/>
-          <p:cNvSpPr/>
-          <p:nvPr/>
-        </p:nvSpPr>
-        <p:spPr bwMode="auto">
-          <a:xfrm>
-            <a:off x="0" y="4323810"/>
-            <a:ext cx="1744652" cy="778589"/>
-          </a:xfrm>
-          <a:custGeom>
-            <a:avLst/>
-            <a:gdLst/>
-            <a:ahLst/>
-            <a:cxnLst/>
-            <a:rect l="0" t="0" r="r" b="b"/>
-            <a:pathLst>
-              <a:path w="372" h="166">
-                <a:moveTo>
-                  <a:pt x="287" y="166"/>
-                </a:moveTo>
-                <a:cubicBezTo>
-                  <a:pt x="290" y="166"/>
-                  <a:pt x="292" y="165"/>
-                  <a:pt x="293" y="164"/>
-                </a:cubicBezTo>
-                <a:cubicBezTo>
-                  <a:pt x="293" y="163"/>
-                  <a:pt x="294" y="163"/>
-                  <a:pt x="294" y="163"/>
-                </a:cubicBezTo>
-                <a:cubicBezTo>
-                  <a:pt x="370" y="87"/>
-                  <a:pt x="370" y="87"/>
-                  <a:pt x="370" y="87"/>
-                </a:cubicBezTo>
-                <a:cubicBezTo>
-                  <a:pt x="372" y="85"/>
-                  <a:pt x="372" y="81"/>
-                  <a:pt x="370" y="78"/>
-                </a:cubicBezTo>
-                <a:cubicBezTo>
-                  <a:pt x="294" y="3"/>
-                  <a:pt x="294" y="3"/>
-                  <a:pt x="294" y="3"/>
-                </a:cubicBezTo>
-                <a:cubicBezTo>
-                  <a:pt x="294" y="2"/>
-                  <a:pt x="293" y="2"/>
-                  <a:pt x="293" y="2"/>
-                </a:cubicBezTo>
-                <a:cubicBezTo>
-                  <a:pt x="292" y="1"/>
-                  <a:pt x="290" y="0"/>
-                  <a:pt x="287" y="0"/>
-                </a:cubicBezTo>
-                <a:cubicBezTo>
-                  <a:pt x="0" y="0"/>
-                  <a:pt x="0" y="0"/>
-                  <a:pt x="0" y="0"/>
-                </a:cubicBezTo>
-                <a:cubicBezTo>
-                  <a:pt x="0" y="166"/>
-                  <a:pt x="0" y="166"/>
-                  <a:pt x="0" y="166"/>
-                </a:cubicBezTo>
-                <a:lnTo>
-                  <a:pt x="287" y="166"/>
-                </a:lnTo>
-                <a:close/>
-              </a:path>
-            </a:pathLst>
-          </a:custGeom>
-          <a:solidFill>
-            <a:schemeClr val="accent1"/>
-          </a:solidFill>
-          <a:ln>
-            <a:noFill/>
-          </a:ln>
-        </p:spPr>
-      </p:sp>
-      <p:sp>
-        <p:nvSpPr>
           <p:cNvPr id="6" name="Slide Number Placeholder 5"/>
           <p:cNvSpPr>
             <a:spLocks noGrp="1"/>
@@ -413,18 +878,13 @@
             <p:ph type="sldNum" sz="quarter" idx="12"/>
           </p:nvPr>
         </p:nvSpPr>
-        <p:spPr>
-          <a:xfrm>
-            <a:off x="531812" y="4529540"/>
-            <a:ext cx="779767" cy="365125"/>
-          </a:xfrm>
-        </p:spPr>
+        <p:spPr/>
         <p:txBody>
           <a:bodyPr/>
           <a:lstStyle/>
           <a:p>
             <a:fld id="{D57F1E4F-1CFF-5643-939E-217C01CDF565}" type="slidenum">
-              <a:rPr lang="en-US" dirty="0"/>
+              <a:rPr lang="en-US" smtClean="0"/>
               <a:pPr/>
               <a:t>‹#›</a:t>
             </a:fld>
@@ -433,6 +893,11 @@
         </p:txBody>
       </p:sp>
     </p:spTree>
+    <p:extLst>
+      <p:ext uri="{BB962C8B-B14F-4D97-AF65-F5344CB8AC3E}">
+        <p14:creationId xmlns:p14="http://schemas.microsoft.com/office/powerpoint/2010/main" val="2835366789"/>
+      </p:ext>
+    </p:extLst>
   </p:cSld>
   <p:clrMapOvr>
     <a:masterClrMapping/>
@@ -469,8 +934,8 @@
         </p:nvSpPr>
         <p:spPr>
           <a:xfrm>
-            <a:off x="2589212" y="609600"/>
-            <a:ext cx="8915399" cy="3117040"/>
+            <a:off x="677335" y="609600"/>
+            <a:ext cx="8596668" cy="3403600"/>
           </a:xfrm>
         </p:spPr>
         <p:txBody>
@@ -479,7 +944,7 @@
           </a:bodyPr>
           <a:lstStyle>
             <a:lvl1pPr algn="l">
-              <a:defRPr sz="4800" b="0" cap="none"/>
+              <a:defRPr sz="4400" b="0" cap="none"/>
             </a:lvl1pPr>
           </a:lstStyle>
           <a:p>
@@ -503,8 +968,8 @@
         </p:nvSpPr>
         <p:spPr>
           <a:xfrm>
-            <a:off x="2589212" y="4354046"/>
-            <a:ext cx="8915399" cy="1555864"/>
+            <a:off x="677335" y="4470400"/>
+            <a:ext cx="8596668" cy="1570962"/>
           </a:xfrm>
         </p:spPr>
         <p:txBody>
@@ -517,8 +982,8 @@
               <a:defRPr sz="1800">
                 <a:solidFill>
                   <a:schemeClr val="tx1">
-                    <a:lumMod val="65000"/>
-                    <a:lumOff val="35000"/>
+                    <a:lumMod val="75000"/>
+                    <a:lumOff val="25000"/>
                   </a:schemeClr>
                 </a:solidFill>
               </a:defRPr>
@@ -629,9 +1094,9 @@
           <a:lstStyle/>
           <a:p>
             <a:fld id="{B61BEF0D-F0BB-DE4B-95CE-6DB70DBA9567}" type="datetimeFigureOut">
-              <a:rPr lang="en-US" dirty="0"/>
+              <a:rPr lang="en-US" smtClean="0"/>
               <a:pPr/>
-              <a:t>9/25/2017</a:t>
+              <a:t>10/8/2017</a:t>
             </a:fld>
             <a:endParaRPr lang="en-US" dirty="0"/>
           </a:p>
@@ -658,88 +1123,6 @@
       </p:sp>
       <p:sp>
         <p:nvSpPr>
-          <p:cNvPr id="9" name="Freeform 11"/>
-          <p:cNvSpPr/>
-          <p:nvPr/>
-        </p:nvSpPr>
-        <p:spPr bwMode="auto">
-          <a:xfrm flipV="1">
-            <a:off x="-4189" y="3178175"/>
-            <a:ext cx="1588527" cy="507297"/>
-          </a:xfrm>
-          <a:custGeom>
-            <a:avLst/>
-            <a:gdLst/>
-            <a:ahLst/>
-            <a:cxnLst/>
-            <a:rect l="l" t="t" r="r" b="b"/>
-            <a:pathLst>
-              <a:path w="9248" h="10000">
-                <a:moveTo>
-                  <a:pt x="9248" y="4701"/>
-                </a:moveTo>
-                <a:lnTo>
-                  <a:pt x="7915" y="188"/>
-                </a:lnTo>
-                <a:cubicBezTo>
-                  <a:pt x="7906" y="156"/>
-                  <a:pt x="7895" y="126"/>
-                  <a:pt x="7886" y="94"/>
-                </a:cubicBezTo>
-                <a:cubicBezTo>
-                  <a:pt x="7859" y="0"/>
-                  <a:pt x="7831" y="0"/>
-                  <a:pt x="7803" y="0"/>
-                </a:cubicBezTo>
-                <a:lnTo>
-                  <a:pt x="7275" y="0"/>
-                </a:lnTo>
-                <a:lnTo>
-                  <a:pt x="0" y="70"/>
-                </a:lnTo>
-                <a:cubicBezTo>
-                  <a:pt x="8" y="3380"/>
-                  <a:pt x="17" y="6690"/>
-                  <a:pt x="25" y="10000"/>
-                </a:cubicBezTo>
-                <a:lnTo>
-                  <a:pt x="7275" y="9966"/>
-                </a:lnTo>
-                <a:lnTo>
-                  <a:pt x="7803" y="9966"/>
-                </a:lnTo>
-                <a:cubicBezTo>
-                  <a:pt x="7831" y="9966"/>
-                  <a:pt x="7859" y="9872"/>
-                  <a:pt x="7886" y="9872"/>
-                </a:cubicBezTo>
-                <a:cubicBezTo>
-                  <a:pt x="7886" y="9778"/>
-                  <a:pt x="7915" y="9778"/>
-                  <a:pt x="7915" y="9778"/>
-                </a:cubicBezTo>
-                <a:lnTo>
-                  <a:pt x="9248" y="5265"/>
-                </a:lnTo>
-                <a:cubicBezTo>
-                  <a:pt x="9303" y="5077"/>
-                  <a:pt x="9303" y="4889"/>
-                  <a:pt x="9248" y="4701"/>
-                </a:cubicBezTo>
-                <a:close/>
-              </a:path>
-            </a:pathLst>
-          </a:custGeom>
-          <a:solidFill>
-            <a:schemeClr val="accent1"/>
-          </a:solidFill>
-          <a:ln>
-            <a:noFill/>
-          </a:ln>
-        </p:spPr>
-      </p:sp>
-      <p:sp>
-        <p:nvSpPr>
           <p:cNvPr id="6" name="Slide Number Placeholder 5"/>
           <p:cNvSpPr>
             <a:spLocks noGrp="1"/>
@@ -748,18 +1131,13 @@
             <p:ph type="sldNum" sz="quarter" idx="12"/>
           </p:nvPr>
         </p:nvSpPr>
-        <p:spPr>
-          <a:xfrm>
-            <a:off x="531812" y="3244139"/>
-            <a:ext cx="779767" cy="365125"/>
-          </a:xfrm>
-        </p:spPr>
+        <p:spPr/>
         <p:txBody>
           <a:bodyPr/>
           <a:lstStyle/>
           <a:p>
             <a:fld id="{D57F1E4F-1CFF-5643-939E-217C01CDF565}" type="slidenum">
-              <a:rPr lang="en-US" dirty="0"/>
+              <a:rPr lang="en-US" smtClean="0"/>
               <a:pPr/>
               <a:t>‹#›</a:t>
             </a:fld>
@@ -768,6 +1146,11 @@
         </p:txBody>
       </p:sp>
     </p:spTree>
+    <p:extLst>
+      <p:ext uri="{BB962C8B-B14F-4D97-AF65-F5344CB8AC3E}">
+        <p14:creationId xmlns:p14="http://schemas.microsoft.com/office/powerpoint/2010/main" val="587473698"/>
+      </p:ext>
+    </p:extLst>
   </p:cSld>
   <p:clrMapOvr>
     <a:masterClrMapping/>
@@ -804,8 +1187,8 @@
         </p:nvSpPr>
         <p:spPr>
           <a:xfrm>
-            <a:off x="2849949" y="609600"/>
-            <a:ext cx="8393926" cy="2895600"/>
+            <a:off x="931334" y="609600"/>
+            <a:ext cx="8094134" cy="3022600"/>
           </a:xfrm>
         </p:spPr>
         <p:txBody>
@@ -814,7 +1197,7 @@
           </a:bodyPr>
           <a:lstStyle>
             <a:lvl1pPr algn="l">
-              <a:defRPr sz="4800" b="0" cap="none"/>
+              <a:defRPr sz="4400" b="0" cap="none"/>
             </a:lvl1pPr>
           </a:lstStyle>
           <a:p>
@@ -828,7 +1211,7 @@
       </p:sp>
       <p:sp>
         <p:nvSpPr>
-          <p:cNvPr id="13" name="Text Placeholder 9"/>
+          <p:cNvPr id="23" name="Text Placeholder 9"/>
           <p:cNvSpPr>
             <a:spLocks noGrp="1"/>
           </p:cNvSpPr>
@@ -838,8 +1221,8 @@
         </p:nvSpPr>
         <p:spPr>
           <a:xfrm>
-            <a:off x="3275012" y="3505200"/>
-            <a:ext cx="7536554" cy="381000"/>
+            <a:off x="1366139" y="3632200"/>
+            <a:ext cx="7224524" cy="381000"/>
           </a:xfrm>
         </p:spPr>
         <p:txBody>
@@ -901,8 +1284,8 @@
         </p:nvSpPr>
         <p:spPr>
           <a:xfrm>
-            <a:off x="2589212" y="4354046"/>
-            <a:ext cx="8915399" cy="1555864"/>
+            <a:off x="677335" y="4470400"/>
+            <a:ext cx="8596668" cy="1570962"/>
           </a:xfrm>
         </p:spPr>
         <p:txBody>
@@ -915,8 +1298,8 @@
               <a:defRPr sz="1800">
                 <a:solidFill>
                   <a:schemeClr val="tx1">
-                    <a:lumMod val="65000"/>
-                    <a:lumOff val="35000"/>
+                    <a:lumMod val="75000"/>
+                    <a:lumOff val="25000"/>
                   </a:schemeClr>
                 </a:solidFill>
               </a:defRPr>
@@ -1027,9 +1410,9 @@
           <a:lstStyle/>
           <a:p>
             <a:fld id="{B61BEF0D-F0BB-DE4B-95CE-6DB70DBA9567}" type="datetimeFigureOut">
-              <a:rPr lang="en-US" dirty="0"/>
+              <a:rPr lang="en-US" smtClean="0"/>
               <a:pPr/>
-              <a:t>9/25/2017</a:t>
+              <a:t>10/8/2017</a:t>
             </a:fld>
             <a:endParaRPr lang="en-US" dirty="0"/>
           </a:p>
@@ -1056,88 +1439,6 @@
       </p:sp>
       <p:sp>
         <p:nvSpPr>
-          <p:cNvPr id="11" name="Freeform 11"/>
-          <p:cNvSpPr/>
-          <p:nvPr/>
-        </p:nvSpPr>
-        <p:spPr bwMode="auto">
-          <a:xfrm flipV="1">
-            <a:off x="-4189" y="3178175"/>
-            <a:ext cx="1588527" cy="507297"/>
-          </a:xfrm>
-          <a:custGeom>
-            <a:avLst/>
-            <a:gdLst/>
-            <a:ahLst/>
-            <a:cxnLst/>
-            <a:rect l="l" t="t" r="r" b="b"/>
-            <a:pathLst>
-              <a:path w="9248" h="10000">
-                <a:moveTo>
-                  <a:pt x="9248" y="4701"/>
-                </a:moveTo>
-                <a:lnTo>
-                  <a:pt x="7915" y="188"/>
-                </a:lnTo>
-                <a:cubicBezTo>
-                  <a:pt x="7906" y="156"/>
-                  <a:pt x="7895" y="126"/>
-                  <a:pt x="7886" y="94"/>
-                </a:cubicBezTo>
-                <a:cubicBezTo>
-                  <a:pt x="7859" y="0"/>
-                  <a:pt x="7831" y="0"/>
-                  <a:pt x="7803" y="0"/>
-                </a:cubicBezTo>
-                <a:lnTo>
-                  <a:pt x="7275" y="0"/>
-                </a:lnTo>
-                <a:lnTo>
-                  <a:pt x="0" y="70"/>
-                </a:lnTo>
-                <a:cubicBezTo>
-                  <a:pt x="8" y="3380"/>
-                  <a:pt x="17" y="6690"/>
-                  <a:pt x="25" y="10000"/>
-                </a:cubicBezTo>
-                <a:lnTo>
-                  <a:pt x="7275" y="9966"/>
-                </a:lnTo>
-                <a:lnTo>
-                  <a:pt x="7803" y="9966"/>
-                </a:lnTo>
-                <a:cubicBezTo>
-                  <a:pt x="7831" y="9966"/>
-                  <a:pt x="7859" y="9872"/>
-                  <a:pt x="7886" y="9872"/>
-                </a:cubicBezTo>
-                <a:cubicBezTo>
-                  <a:pt x="7886" y="9778"/>
-                  <a:pt x="7915" y="9778"/>
-                  <a:pt x="7915" y="9778"/>
-                </a:cubicBezTo>
-                <a:lnTo>
-                  <a:pt x="9248" y="5265"/>
-                </a:lnTo>
-                <a:cubicBezTo>
-                  <a:pt x="9303" y="5077"/>
-                  <a:pt x="9303" y="4889"/>
-                  <a:pt x="9248" y="4701"/>
-                </a:cubicBezTo>
-                <a:close/>
-              </a:path>
-            </a:pathLst>
-          </a:custGeom>
-          <a:solidFill>
-            <a:schemeClr val="accent1"/>
-          </a:solidFill>
-          <a:ln>
-            <a:noFill/>
-          </a:ln>
-        </p:spPr>
-      </p:sp>
-      <p:sp>
-        <p:nvSpPr>
           <p:cNvPr id="6" name="Slide Number Placeholder 5"/>
           <p:cNvSpPr>
             <a:spLocks noGrp="1"/>
@@ -1146,18 +1447,13 @@
             <p:ph type="sldNum" sz="quarter" idx="12"/>
           </p:nvPr>
         </p:nvSpPr>
-        <p:spPr>
-          <a:xfrm>
-            <a:off x="531812" y="3244139"/>
-            <a:ext cx="779767" cy="365125"/>
-          </a:xfrm>
-        </p:spPr>
+        <p:spPr/>
         <p:txBody>
           <a:bodyPr/>
           <a:lstStyle/>
           <a:p>
             <a:fld id="{D57F1E4F-1CFF-5643-939E-217C01CDF565}" type="slidenum">
-              <a:rPr lang="en-US" dirty="0"/>
+              <a:rPr lang="en-US" smtClean="0"/>
               <a:pPr/>
               <a:t>‹#›</a:t>
             </a:fld>
@@ -1167,13 +1463,13 @@
       </p:sp>
       <p:sp>
         <p:nvSpPr>
-          <p:cNvPr id="14" name="TextBox 13"/>
+          <p:cNvPr id="20" name="TextBox 19"/>
           <p:cNvSpPr txBox="1"/>
           <p:nvPr/>
         </p:nvSpPr>
         <p:spPr>
           <a:xfrm>
-            <a:off x="2467652" y="648005"/>
+            <a:off x="541870" y="790378"/>
             <a:ext cx="609600" cy="584776"/>
           </a:xfrm>
           <a:prstGeom prst="rect">
@@ -1193,7 +1489,10 @@
                   <a:noFill/>
                 </a:ln>
                 <a:solidFill>
-                  <a:schemeClr val="accent1"/>
+                  <a:schemeClr val="accent1">
+                    <a:lumMod val="60000"/>
+                    <a:lumOff val="40000"/>
+                  </a:schemeClr>
                 </a:solidFill>
                 <a:effectLst/>
                 <a:latin typeface="Arial"/>
@@ -1205,13 +1504,13 @@
       </p:sp>
       <p:sp>
         <p:nvSpPr>
-          <p:cNvPr id="15" name="TextBox 14"/>
+          <p:cNvPr id="22" name="TextBox 21"/>
           <p:cNvSpPr txBox="1"/>
           <p:nvPr/>
         </p:nvSpPr>
         <p:spPr>
           <a:xfrm>
-            <a:off x="11114852" y="2905306"/>
+            <a:off x="8893011" y="2886556"/>
             <a:ext cx="609600" cy="584776"/>
           </a:xfrm>
           <a:prstGeom prst="rect">
@@ -1224,23 +1523,40 @@
           </a:bodyPr>
           <a:lstStyle/>
           <a:p>
+            <a:pPr lvl="0"/>
             <a:r>
               <a:rPr lang="en-US" sz="8000" baseline="0" dirty="0">
                 <a:ln w="3175" cmpd="sng">
                   <a:noFill/>
                 </a:ln>
                 <a:solidFill>
-                  <a:schemeClr val="accent1"/>
-                </a:solidFill>
-                <a:effectLst/>
+                  <a:schemeClr val="accent1">
+                    <a:lumMod val="60000"/>
+                    <a:lumOff val="40000"/>
+                  </a:schemeClr>
+                </a:solidFill>
                 <a:latin typeface="Arial"/>
               </a:rPr>
               <a:t>”</a:t>
             </a:r>
+            <a:endParaRPr lang="en-US" dirty="0">
+              <a:solidFill>
+                <a:schemeClr val="accent1">
+                  <a:lumMod val="60000"/>
+                  <a:lumOff val="40000"/>
+                </a:schemeClr>
+              </a:solidFill>
+              <a:latin typeface="Arial"/>
+            </a:endParaRPr>
           </a:p>
         </p:txBody>
       </p:sp>
     </p:spTree>
+    <p:extLst>
+      <p:ext uri="{BB962C8B-B14F-4D97-AF65-F5344CB8AC3E}">
+        <p14:creationId xmlns:p14="http://schemas.microsoft.com/office/powerpoint/2010/main" val="1193783117"/>
+      </p:ext>
+    </p:extLst>
   </p:cSld>
   <p:clrMapOvr>
     <a:masterClrMapping/>
@@ -1277,8 +1593,8 @@
         </p:nvSpPr>
         <p:spPr>
           <a:xfrm>
-            <a:off x="2589213" y="2438400"/>
-            <a:ext cx="8915400" cy="2724845"/>
+            <a:off x="677335" y="1931988"/>
+            <a:ext cx="8596668" cy="2595460"/>
           </a:xfrm>
         </p:spPr>
         <p:txBody>
@@ -1287,7 +1603,7 @@
           </a:bodyPr>
           <a:lstStyle>
             <a:lvl1pPr algn="l">
-              <a:defRPr sz="4800" b="0"/>
+              <a:defRPr sz="4400" b="0" cap="none"/>
             </a:lvl1pPr>
           </a:lstStyle>
           <a:p>
@@ -1301,41 +1617,119 @@
       </p:sp>
       <p:sp>
         <p:nvSpPr>
-          <p:cNvPr id="4" name="Text Placeholder 3"/>
-          <p:cNvSpPr>
-            <a:spLocks noGrp="1"/>
-          </p:cNvSpPr>
-          <p:nvPr>
-            <p:ph type="body" sz="half" idx="2"/>
+          <p:cNvPr id="3" name="Text Placeholder 2"/>
+          <p:cNvSpPr>
+            <a:spLocks noGrp="1"/>
+          </p:cNvSpPr>
+          <p:nvPr>
+            <p:ph type="body" idx="1"/>
           </p:nvPr>
         </p:nvSpPr>
         <p:spPr>
           <a:xfrm>
-            <a:off x="2589213" y="5181600"/>
-            <a:ext cx="8915400" cy="729622"/>
+            <a:off x="677335" y="4527448"/>
+            <a:ext cx="8596668" cy="1513914"/>
           </a:xfrm>
         </p:spPr>
         <p:txBody>
-          <a:bodyPr vert="horz" lIns="91440" tIns="45720" rIns="91440" bIns="45720" rtlCol="0" anchor="t">
+          <a:bodyPr anchor="t">
             <a:normAutofit/>
           </a:bodyPr>
           <a:lstStyle>
-            <a:lvl1pPr>
-              <a:buNone/>
-              <a:defRPr lang="en-US">
+            <a:lvl1pPr marL="0" indent="0" algn="l">
+              <a:buNone/>
+              <a:defRPr sz="1800">
                 <a:solidFill>
                   <a:schemeClr val="tx1">
-                    <a:lumMod val="65000"/>
-                    <a:lumOff val="35000"/>
+                    <a:lumMod val="75000"/>
+                    <a:lumOff val="25000"/>
                   </a:schemeClr>
                 </a:solidFill>
               </a:defRPr>
             </a:lvl1pPr>
+            <a:lvl2pPr marL="457200" indent="0">
+              <a:buNone/>
+              <a:defRPr sz="1800">
+                <a:solidFill>
+                  <a:schemeClr val="tx1">
+                    <a:tint val="75000"/>
+                  </a:schemeClr>
+                </a:solidFill>
+              </a:defRPr>
+            </a:lvl2pPr>
+            <a:lvl3pPr marL="914400" indent="0">
+              <a:buNone/>
+              <a:defRPr sz="1600">
+                <a:solidFill>
+                  <a:schemeClr val="tx1">
+                    <a:tint val="75000"/>
+                  </a:schemeClr>
+                </a:solidFill>
+              </a:defRPr>
+            </a:lvl3pPr>
+            <a:lvl4pPr marL="1371600" indent="0">
+              <a:buNone/>
+              <a:defRPr sz="1400">
+                <a:solidFill>
+                  <a:schemeClr val="tx1">
+                    <a:tint val="75000"/>
+                  </a:schemeClr>
+                </a:solidFill>
+              </a:defRPr>
+            </a:lvl4pPr>
+            <a:lvl5pPr marL="1828800" indent="0">
+              <a:buNone/>
+              <a:defRPr sz="1400">
+                <a:solidFill>
+                  <a:schemeClr val="tx1">
+                    <a:tint val="75000"/>
+                  </a:schemeClr>
+                </a:solidFill>
+              </a:defRPr>
+            </a:lvl5pPr>
+            <a:lvl6pPr marL="2286000" indent="0">
+              <a:buNone/>
+              <a:defRPr sz="1400">
+                <a:solidFill>
+                  <a:schemeClr val="tx1">
+                    <a:tint val="75000"/>
+                  </a:schemeClr>
+                </a:solidFill>
+              </a:defRPr>
+            </a:lvl6pPr>
+            <a:lvl7pPr marL="2743200" indent="0">
+              <a:buNone/>
+              <a:defRPr sz="1400">
+                <a:solidFill>
+                  <a:schemeClr val="tx1">
+                    <a:tint val="75000"/>
+                  </a:schemeClr>
+                </a:solidFill>
+              </a:defRPr>
+            </a:lvl7pPr>
+            <a:lvl8pPr marL="3200400" indent="0">
+              <a:buNone/>
+              <a:defRPr sz="1400">
+                <a:solidFill>
+                  <a:schemeClr val="tx1">
+                    <a:tint val="75000"/>
+                  </a:schemeClr>
+                </a:solidFill>
+              </a:defRPr>
+            </a:lvl8pPr>
+            <a:lvl9pPr marL="3657600" indent="0">
+              <a:buNone/>
+              <a:defRPr sz="1400">
+                <a:solidFill>
+                  <a:schemeClr val="tx1">
+                    <a:tint val="75000"/>
+                  </a:schemeClr>
+                </a:solidFill>
+              </a:defRPr>
+            </a:lvl9pPr>
           </a:lstStyle>
           <a:p>
-            <a:pPr marL="0" lvl="0" indent="0">
-              <a:buNone/>
-            </a:pPr>
+            <a:pPr lvl="0"/>
             <a:r>
               <a:rPr lang="en-US" smtClean="0"/>
               <a:t>Click to edit Master text styles</a:t>
@@ -1345,7 +1739,7 @@
       </p:sp>
       <p:sp>
         <p:nvSpPr>
-          <p:cNvPr id="5" name="Date Placeholder 4"/>
+          <p:cNvPr id="4" name="Date Placeholder 3"/>
           <p:cNvSpPr>
             <a:spLocks noGrp="1"/>
           </p:cNvSpPr>
@@ -1359,9 +1753,9 @@
           <a:lstStyle/>
           <a:p>
             <a:fld id="{B61BEF0D-F0BB-DE4B-95CE-6DB70DBA9567}" type="datetimeFigureOut">
-              <a:rPr lang="en-US" dirty="0"/>
+              <a:rPr lang="en-US" smtClean="0"/>
               <a:pPr/>
-              <a:t>9/25/2017</a:t>
+              <a:t>10/8/2017</a:t>
             </a:fld>
             <a:endParaRPr lang="en-US" dirty="0"/>
           </a:p>
@@ -1369,7 +1763,7 @@
       </p:sp>
       <p:sp>
         <p:nvSpPr>
-          <p:cNvPr id="6" name="Footer Placeholder 5"/>
+          <p:cNvPr id="5" name="Footer Placeholder 4"/>
           <p:cNvSpPr>
             <a:spLocks noGrp="1"/>
           </p:cNvSpPr>
@@ -1388,89 +1782,7 @@
       </p:sp>
       <p:sp>
         <p:nvSpPr>
-          <p:cNvPr id="9" name="Freeform 11"/>
-          <p:cNvSpPr/>
-          <p:nvPr/>
-        </p:nvSpPr>
-        <p:spPr bwMode="auto">
-          <a:xfrm flipV="1">
-            <a:off x="-4189" y="4911725"/>
-            <a:ext cx="1588527" cy="507297"/>
-          </a:xfrm>
-          <a:custGeom>
-            <a:avLst/>
-            <a:gdLst/>
-            <a:ahLst/>
-            <a:cxnLst/>
-            <a:rect l="l" t="t" r="r" b="b"/>
-            <a:pathLst>
-              <a:path w="9248" h="10000">
-                <a:moveTo>
-                  <a:pt x="9248" y="4701"/>
-                </a:moveTo>
-                <a:lnTo>
-                  <a:pt x="7915" y="188"/>
-                </a:lnTo>
-                <a:cubicBezTo>
-                  <a:pt x="7906" y="156"/>
-                  <a:pt x="7895" y="126"/>
-                  <a:pt x="7886" y="94"/>
-                </a:cubicBezTo>
-                <a:cubicBezTo>
-                  <a:pt x="7859" y="0"/>
-                  <a:pt x="7831" y="0"/>
-                  <a:pt x="7803" y="0"/>
-                </a:cubicBezTo>
-                <a:lnTo>
-                  <a:pt x="7275" y="0"/>
-                </a:lnTo>
-                <a:lnTo>
-                  <a:pt x="0" y="70"/>
-                </a:lnTo>
-                <a:cubicBezTo>
-                  <a:pt x="8" y="3380"/>
-                  <a:pt x="17" y="6690"/>
-                  <a:pt x="25" y="10000"/>
-                </a:cubicBezTo>
-                <a:lnTo>
-                  <a:pt x="7275" y="9966"/>
-                </a:lnTo>
-                <a:lnTo>
-                  <a:pt x="7803" y="9966"/>
-                </a:lnTo>
-                <a:cubicBezTo>
-                  <a:pt x="7831" y="9966"/>
-                  <a:pt x="7859" y="9872"/>
-                  <a:pt x="7886" y="9872"/>
-                </a:cubicBezTo>
-                <a:cubicBezTo>
-                  <a:pt x="7886" y="9778"/>
-                  <a:pt x="7915" y="9778"/>
-                  <a:pt x="7915" y="9778"/>
-                </a:cubicBezTo>
-                <a:lnTo>
-                  <a:pt x="9248" y="5265"/>
-                </a:lnTo>
-                <a:cubicBezTo>
-                  <a:pt x="9303" y="5077"/>
-                  <a:pt x="9303" y="4889"/>
-                  <a:pt x="9248" y="4701"/>
-                </a:cubicBezTo>
-                <a:close/>
-              </a:path>
-            </a:pathLst>
-          </a:custGeom>
-          <a:solidFill>
-            <a:schemeClr val="accent1"/>
-          </a:solidFill>
-          <a:ln>
-            <a:noFill/>
-          </a:ln>
-        </p:spPr>
-      </p:sp>
-      <p:sp>
-        <p:nvSpPr>
-          <p:cNvPr id="7" name="Slide Number Placeholder 6"/>
+          <p:cNvPr id="6" name="Slide Number Placeholder 5"/>
           <p:cNvSpPr>
             <a:spLocks noGrp="1"/>
           </p:cNvSpPr>
@@ -1478,18 +1790,13 @@
             <p:ph type="sldNum" sz="quarter" idx="12"/>
           </p:nvPr>
         </p:nvSpPr>
-        <p:spPr>
-          <a:xfrm>
-            <a:off x="531812" y="4983087"/>
-            <a:ext cx="779767" cy="365125"/>
-          </a:xfrm>
-        </p:spPr>
+        <p:spPr/>
         <p:txBody>
           <a:bodyPr/>
           <a:lstStyle/>
           <a:p>
             <a:fld id="{D57F1E4F-1CFF-5643-939E-217C01CDF565}" type="slidenum">
-              <a:rPr lang="en-US" dirty="0"/>
+              <a:rPr lang="en-US" smtClean="0"/>
               <a:pPr/>
               <a:t>‹#›</a:t>
             </a:fld>
@@ -1498,6 +1805,11 @@
         </p:txBody>
       </p:sp>
     </p:spTree>
+    <p:extLst>
+      <p:ext uri="{BB962C8B-B14F-4D97-AF65-F5344CB8AC3E}">
+        <p14:creationId xmlns:p14="http://schemas.microsoft.com/office/powerpoint/2010/main" val="841243230"/>
+      </p:ext>
+    </p:extLst>
   </p:cSld>
   <p:clrMapOvr>
     <a:masterClrMapping/>
@@ -1524,7 +1836,7 @@
       </p:grpSpPr>
       <p:sp>
         <p:nvSpPr>
-          <p:cNvPr id="12" name="Title 1"/>
+          <p:cNvPr id="2" name="Title 1"/>
           <p:cNvSpPr>
             <a:spLocks noGrp="1"/>
           </p:cNvSpPr>
@@ -1534,8 +1846,8 @@
         </p:nvSpPr>
         <p:spPr>
           <a:xfrm>
-            <a:off x="2849949" y="609600"/>
-            <a:ext cx="8393926" cy="2895600"/>
+            <a:off x="931334" y="609600"/>
+            <a:ext cx="8094134" cy="3022600"/>
           </a:xfrm>
         </p:spPr>
         <p:txBody>
@@ -1544,7 +1856,7 @@
           </a:bodyPr>
           <a:lstStyle>
             <a:lvl1pPr algn="l">
-              <a:defRPr sz="4800" b="0" cap="none"/>
+              <a:defRPr sz="4400" b="0" cap="none"/>
             </a:lvl1pPr>
           </a:lstStyle>
           <a:p>
@@ -1558,7 +1870,7 @@
       </p:sp>
       <p:sp>
         <p:nvSpPr>
-          <p:cNvPr id="21" name="Text Placeholder 9"/>
+          <p:cNvPr id="23" name="Text Placeholder 9"/>
           <p:cNvSpPr>
             <a:spLocks noGrp="1"/>
           </p:cNvSpPr>
@@ -1568,8 +1880,8 @@
         </p:nvSpPr>
         <p:spPr>
           <a:xfrm>
-            <a:off x="2589212" y="4343400"/>
-            <a:ext cx="8915400" cy="838200"/>
+            <a:off x="677332" y="4013200"/>
+            <a:ext cx="8596669" cy="514248"/>
           </a:xfrm>
         </p:spPr>
         <p:txBody>
@@ -1582,7 +1894,10 @@
               <a:buNone/>
               <a:defRPr sz="2400">
                 <a:solidFill>
-                  <a:schemeClr val="accent1"/>
+                  <a:schemeClr val="tx1">
+                    <a:lumMod val="75000"/>
+                    <a:lumOff val="25000"/>
+                  </a:schemeClr>
                 </a:solidFill>
               </a:defRPr>
             </a:lvl1pPr>
@@ -1618,41 +1933,119 @@
       </p:sp>
       <p:sp>
         <p:nvSpPr>
-          <p:cNvPr id="4" name="Text Placeholder 3"/>
-          <p:cNvSpPr>
-            <a:spLocks noGrp="1"/>
-          </p:cNvSpPr>
-          <p:nvPr>
-            <p:ph type="body" sz="half" idx="2"/>
+          <p:cNvPr id="3" name="Text Placeholder 2"/>
+          <p:cNvSpPr>
+            <a:spLocks noGrp="1"/>
+          </p:cNvSpPr>
+          <p:nvPr>
+            <p:ph type="body" idx="1"/>
           </p:nvPr>
         </p:nvSpPr>
         <p:spPr>
           <a:xfrm>
-            <a:off x="2589213" y="5181600"/>
-            <a:ext cx="8915400" cy="729622"/>
+            <a:off x="677335" y="4527448"/>
+            <a:ext cx="8596668" cy="1513914"/>
           </a:xfrm>
         </p:spPr>
         <p:txBody>
-          <a:bodyPr vert="horz" lIns="91440" tIns="45720" rIns="91440" bIns="45720" rtlCol="0" anchor="t">
+          <a:bodyPr anchor="t">
             <a:normAutofit/>
           </a:bodyPr>
           <a:lstStyle>
-            <a:lvl1pPr>
-              <a:buNone/>
-              <a:defRPr lang="en-US">
+            <a:lvl1pPr marL="0" indent="0" algn="l">
+              <a:buNone/>
+              <a:defRPr sz="1800">
                 <a:solidFill>
                   <a:schemeClr val="tx1">
-                    <a:lumMod val="65000"/>
-                    <a:lumOff val="35000"/>
+                    <a:lumMod val="50000"/>
+                    <a:lumOff val="50000"/>
                   </a:schemeClr>
                 </a:solidFill>
               </a:defRPr>
             </a:lvl1pPr>
+            <a:lvl2pPr marL="457200" indent="0">
+              <a:buNone/>
+              <a:defRPr sz="1800">
+                <a:solidFill>
+                  <a:schemeClr val="tx1">
+                    <a:tint val="75000"/>
+                  </a:schemeClr>
+                </a:solidFill>
+              </a:defRPr>
+            </a:lvl2pPr>
+            <a:lvl3pPr marL="914400" indent="0">
+              <a:buNone/>
+              <a:defRPr sz="1600">
+                <a:solidFill>
+                  <a:schemeClr val="tx1">
+                    <a:tint val="75000"/>
+                  </a:schemeClr>
+                </a:solidFill>
+              </a:defRPr>
+            </a:lvl3pPr>
+            <a:lvl4pPr marL="1371600" indent="0">
+              <a:buNone/>
+              <a:defRPr sz="1400">
+                <a:solidFill>
+                  <a:schemeClr val="tx1">
+                    <a:tint val="75000"/>
+                  </a:schemeClr>
+                </a:solidFill>
+              </a:defRPr>
+            </a:lvl4pPr>
+            <a:lvl5pPr marL="1828800" indent="0">
+              <a:buNone/>
+              <a:defRPr sz="1400">
+                <a:solidFill>
+                  <a:schemeClr val="tx1">
+                    <a:tint val="75000"/>
+                  </a:schemeClr>
+                </a:solidFill>
+              </a:defRPr>
+            </a:lvl5pPr>
+            <a:lvl6pPr marL="2286000" indent="0">
+              <a:buNone/>
+              <a:defRPr sz="1400">
+                <a:solidFill>
+                  <a:schemeClr val="tx1">
+                    <a:tint val="75000"/>
+                  </a:schemeClr>
+                </a:solidFill>
+              </a:defRPr>
+            </a:lvl6pPr>
+            <a:lvl7pPr marL="2743200" indent="0">
+              <a:buNone/>
+              <a:defRPr sz="1400">
+                <a:solidFill>
+                  <a:schemeClr val="tx1">
+                    <a:tint val="75000"/>
+                  </a:schemeClr>
+                </a:solidFill>
+              </a:defRPr>
+            </a:lvl7pPr>
+            <a:lvl8pPr marL="3200400" indent="0">
+              <a:buNone/>
+              <a:defRPr sz="1400">
+                <a:solidFill>
+                  <a:schemeClr val="tx1">
+                    <a:tint val="75000"/>
+                  </a:schemeClr>
+                </a:solidFill>
+              </a:defRPr>
+            </a:lvl8pPr>
+            <a:lvl9pPr marL="3657600" indent="0">
+              <a:buNone/>
+              <a:defRPr sz="1400">
+                <a:solidFill>
+                  <a:schemeClr val="tx1">
+                    <a:tint val="75000"/>
+                  </a:schemeClr>
+                </a:solidFill>
+              </a:defRPr>
+            </a:lvl9pPr>
           </a:lstStyle>
           <a:p>
-            <a:pPr marL="0" lvl="0" indent="0">
-              <a:buNone/>
-            </a:pPr>
+            <a:pPr lvl="0"/>
             <a:r>
               <a:rPr lang="en-US" smtClean="0"/>
               <a:t>Click to edit Master text styles</a:t>
@@ -1662,7 +2055,7 @@
       </p:sp>
       <p:sp>
         <p:nvSpPr>
-          <p:cNvPr id="5" name="Date Placeholder 4"/>
+          <p:cNvPr id="4" name="Date Placeholder 3"/>
           <p:cNvSpPr>
             <a:spLocks noGrp="1"/>
           </p:cNvSpPr>
@@ -1676,9 +2069,9 @@
           <a:lstStyle/>
           <a:p>
             <a:fld id="{B61BEF0D-F0BB-DE4B-95CE-6DB70DBA9567}" type="datetimeFigureOut">
-              <a:rPr lang="en-US" dirty="0"/>
+              <a:rPr lang="en-US" smtClean="0"/>
               <a:pPr/>
-              <a:t>9/25/2017</a:t>
+              <a:t>10/8/2017</a:t>
             </a:fld>
             <a:endParaRPr lang="en-US" dirty="0"/>
           </a:p>
@@ -1686,7 +2079,7 @@
       </p:sp>
       <p:sp>
         <p:nvSpPr>
-          <p:cNvPr id="6" name="Footer Placeholder 5"/>
+          <p:cNvPr id="5" name="Footer Placeholder 4"/>
           <p:cNvSpPr>
             <a:spLocks noGrp="1"/>
           </p:cNvSpPr>
@@ -1705,89 +2098,7 @@
       </p:sp>
       <p:sp>
         <p:nvSpPr>
-          <p:cNvPr id="11" name="Freeform 11"/>
-          <p:cNvSpPr/>
-          <p:nvPr/>
-        </p:nvSpPr>
-        <p:spPr bwMode="auto">
-          <a:xfrm flipV="1">
-            <a:off x="-4189" y="4911725"/>
-            <a:ext cx="1588527" cy="507297"/>
-          </a:xfrm>
-          <a:custGeom>
-            <a:avLst/>
-            <a:gdLst/>
-            <a:ahLst/>
-            <a:cxnLst/>
-            <a:rect l="l" t="t" r="r" b="b"/>
-            <a:pathLst>
-              <a:path w="9248" h="10000">
-                <a:moveTo>
-                  <a:pt x="9248" y="4701"/>
-                </a:moveTo>
-                <a:lnTo>
-                  <a:pt x="7915" y="188"/>
-                </a:lnTo>
-                <a:cubicBezTo>
-                  <a:pt x="7906" y="156"/>
-                  <a:pt x="7895" y="126"/>
-                  <a:pt x="7886" y="94"/>
-                </a:cubicBezTo>
-                <a:cubicBezTo>
-                  <a:pt x="7859" y="0"/>
-                  <a:pt x="7831" y="0"/>
-                  <a:pt x="7803" y="0"/>
-                </a:cubicBezTo>
-                <a:lnTo>
-                  <a:pt x="7275" y="0"/>
-                </a:lnTo>
-                <a:lnTo>
-                  <a:pt x="0" y="70"/>
-                </a:lnTo>
-                <a:cubicBezTo>
-                  <a:pt x="8" y="3380"/>
-                  <a:pt x="17" y="6690"/>
-                  <a:pt x="25" y="10000"/>
-                </a:cubicBezTo>
-                <a:lnTo>
-                  <a:pt x="7275" y="9966"/>
-                </a:lnTo>
-                <a:lnTo>
-                  <a:pt x="7803" y="9966"/>
-                </a:lnTo>
-                <a:cubicBezTo>
-                  <a:pt x="7831" y="9966"/>
-                  <a:pt x="7859" y="9872"/>
-                  <a:pt x="7886" y="9872"/>
-                </a:cubicBezTo>
-                <a:cubicBezTo>
-                  <a:pt x="7886" y="9778"/>
-                  <a:pt x="7915" y="9778"/>
-                  <a:pt x="7915" y="9778"/>
-                </a:cubicBezTo>
-                <a:lnTo>
-                  <a:pt x="9248" y="5265"/>
-                </a:lnTo>
-                <a:cubicBezTo>
-                  <a:pt x="9303" y="5077"/>
-                  <a:pt x="9303" y="4889"/>
-                  <a:pt x="9248" y="4701"/>
-                </a:cubicBezTo>
-                <a:close/>
-              </a:path>
-            </a:pathLst>
-          </a:custGeom>
-          <a:solidFill>
-            <a:schemeClr val="accent1"/>
-          </a:solidFill>
-          <a:ln>
-            <a:noFill/>
-          </a:ln>
-        </p:spPr>
-      </p:sp>
-      <p:sp>
-        <p:nvSpPr>
-          <p:cNvPr id="7" name="Slide Number Placeholder 6"/>
+          <p:cNvPr id="6" name="Slide Number Placeholder 5"/>
           <p:cNvSpPr>
             <a:spLocks noGrp="1"/>
           </p:cNvSpPr>
@@ -1795,18 +2106,13 @@
             <p:ph type="sldNum" sz="quarter" idx="12"/>
           </p:nvPr>
         </p:nvSpPr>
-        <p:spPr>
-          <a:xfrm>
-            <a:off x="531812" y="4983087"/>
-            <a:ext cx="779767" cy="365125"/>
-          </a:xfrm>
-        </p:spPr>
+        <p:spPr/>
         <p:txBody>
           <a:bodyPr/>
           <a:lstStyle/>
           <a:p>
             <a:fld id="{D57F1E4F-1CFF-5643-939E-217C01CDF565}" type="slidenum">
-              <a:rPr lang="en-US" dirty="0"/>
+              <a:rPr lang="en-US" smtClean="0"/>
               <a:pPr/>
               <a:t>‹#›</a:t>
             </a:fld>
@@ -1816,13 +2122,13 @@
       </p:sp>
       <p:sp>
         <p:nvSpPr>
-          <p:cNvPr id="17" name="TextBox 16"/>
+          <p:cNvPr id="24" name="TextBox 23"/>
           <p:cNvSpPr txBox="1"/>
           <p:nvPr/>
         </p:nvSpPr>
         <p:spPr>
           <a:xfrm>
-            <a:off x="2467652" y="648005"/>
+            <a:off x="541870" y="790378"/>
             <a:ext cx="609600" cy="584776"/>
           </a:xfrm>
           <a:prstGeom prst="rect">
@@ -1842,7 +2148,10 @@
                   <a:noFill/>
                 </a:ln>
                 <a:solidFill>
-                  <a:schemeClr val="accent1"/>
+                  <a:schemeClr val="accent1">
+                    <a:lumMod val="60000"/>
+                    <a:lumOff val="40000"/>
+                  </a:schemeClr>
                 </a:solidFill>
                 <a:effectLst/>
                 <a:latin typeface="Arial"/>
@@ -1854,13 +2163,13 @@
       </p:sp>
       <p:sp>
         <p:nvSpPr>
-          <p:cNvPr id="18" name="TextBox 17"/>
+          <p:cNvPr id="25" name="TextBox 24"/>
           <p:cNvSpPr txBox="1"/>
           <p:nvPr/>
         </p:nvSpPr>
         <p:spPr>
           <a:xfrm>
-            <a:off x="11114852" y="2905306"/>
+            <a:off x="8893011" y="2886556"/>
             <a:ext cx="609600" cy="584776"/>
           </a:xfrm>
           <a:prstGeom prst="rect">
@@ -1880,7 +2189,10 @@
                   <a:noFill/>
                 </a:ln>
                 <a:solidFill>
-                  <a:schemeClr val="accent1"/>
+                  <a:schemeClr val="accent1">
+                    <a:lumMod val="60000"/>
+                    <a:lumOff val="40000"/>
+                  </a:schemeClr>
                 </a:solidFill>
                 <a:effectLst/>
                 <a:latin typeface="Arial"/>
@@ -1891,6 +2203,11 @@
         </p:txBody>
       </p:sp>
     </p:spTree>
+    <p:extLst>
+      <p:ext uri="{BB962C8B-B14F-4D97-AF65-F5344CB8AC3E}">
+        <p14:creationId xmlns:p14="http://schemas.microsoft.com/office/powerpoint/2010/main" val="1170435301"/>
+      </p:ext>
+    </p:extLst>
   </p:cSld>
   <p:clrMapOvr>
     <a:masterClrMapping/>
@@ -1927,8 +2244,8 @@
         </p:nvSpPr>
         <p:spPr>
           <a:xfrm>
-            <a:off x="2589212" y="627407"/>
-            <a:ext cx="8915399" cy="2880020"/>
+            <a:off x="685799" y="609600"/>
+            <a:ext cx="8588203" cy="3022600"/>
           </a:xfrm>
         </p:spPr>
         <p:txBody>
@@ -1937,7 +2254,7 @@
           </a:bodyPr>
           <a:lstStyle>
             <a:lvl1pPr algn="l">
-              <a:defRPr sz="4800" b="0"/>
+              <a:defRPr sz="4400" b="0" cap="none"/>
             </a:lvl1pPr>
           </a:lstStyle>
           <a:p>
@@ -1951,7 +2268,7 @@
       </p:sp>
       <p:sp>
         <p:nvSpPr>
-          <p:cNvPr id="21" name="Text Placeholder 9"/>
+          <p:cNvPr id="23" name="Text Placeholder 9"/>
           <p:cNvSpPr>
             <a:spLocks noGrp="1"/>
           </p:cNvSpPr>
@@ -1961,8 +2278,8 @@
         </p:nvSpPr>
         <p:spPr>
           <a:xfrm>
-            <a:off x="2589212" y="4343400"/>
-            <a:ext cx="8915400" cy="838200"/>
+            <a:off x="677332" y="4013200"/>
+            <a:ext cx="8596669" cy="514248"/>
           </a:xfrm>
         </p:spPr>
         <p:txBody>
@@ -2011,41 +2328,119 @@
       </p:sp>
       <p:sp>
         <p:nvSpPr>
-          <p:cNvPr id="4" name="Text Placeholder 3"/>
-          <p:cNvSpPr>
-            <a:spLocks noGrp="1"/>
-          </p:cNvSpPr>
-          <p:nvPr>
-            <p:ph type="body" sz="half" idx="2"/>
+          <p:cNvPr id="3" name="Text Placeholder 2"/>
+          <p:cNvSpPr>
+            <a:spLocks noGrp="1"/>
+          </p:cNvSpPr>
+          <p:nvPr>
+            <p:ph type="body" idx="1"/>
           </p:nvPr>
         </p:nvSpPr>
         <p:spPr>
           <a:xfrm>
-            <a:off x="2589213" y="5181600"/>
-            <a:ext cx="8915400" cy="729622"/>
+            <a:off x="677335" y="4527448"/>
+            <a:ext cx="8596668" cy="1513914"/>
           </a:xfrm>
         </p:spPr>
         <p:txBody>
-          <a:bodyPr vert="horz" lIns="91440" tIns="45720" rIns="91440" bIns="45720" rtlCol="0" anchor="t">
+          <a:bodyPr anchor="t">
             <a:normAutofit/>
           </a:bodyPr>
           <a:lstStyle>
-            <a:lvl1pPr>
-              <a:buNone/>
-              <a:defRPr lang="en-US">
+            <a:lvl1pPr marL="0" indent="0" algn="l">
+              <a:buNone/>
+              <a:defRPr sz="1800">
                 <a:solidFill>
                   <a:schemeClr val="tx1">
-                    <a:lumMod val="65000"/>
-                    <a:lumOff val="35000"/>
+                    <a:lumMod val="50000"/>
+                    <a:lumOff val="50000"/>
                   </a:schemeClr>
                 </a:solidFill>
               </a:defRPr>
             </a:lvl1pPr>
+            <a:lvl2pPr marL="457200" indent="0">
+              <a:buNone/>
+              <a:defRPr sz="1800">
+                <a:solidFill>
+                  <a:schemeClr val="tx1">
+                    <a:tint val="75000"/>
+                  </a:schemeClr>
+                </a:solidFill>
+              </a:defRPr>
+            </a:lvl2pPr>
+            <a:lvl3pPr marL="914400" indent="0">
+              <a:buNone/>
+              <a:defRPr sz="1600">
+                <a:solidFill>
+                  <a:schemeClr val="tx1">
+                    <a:tint val="75000"/>
+                  </a:schemeClr>
+                </a:solidFill>
+              </a:defRPr>
+            </a:lvl3pPr>
+            <a:lvl4pPr marL="1371600" indent="0">
+              <a:buNone/>
+              <a:defRPr sz="1400">
+                <a:solidFill>
+                  <a:schemeClr val="tx1">
+                    <a:tint val="75000"/>
+                  </a:schemeClr>
+                </a:solidFill>
+              </a:defRPr>
+            </a:lvl4pPr>
+            <a:lvl5pPr marL="1828800" indent="0">
+              <a:buNone/>
+              <a:defRPr sz="1400">
+                <a:solidFill>
+                  <a:schemeClr val="tx1">
+                    <a:tint val="75000"/>
+                  </a:schemeClr>
+                </a:solidFill>
+              </a:defRPr>
+            </a:lvl5pPr>
+            <a:lvl6pPr marL="2286000" indent="0">
+              <a:buNone/>
+              <a:defRPr sz="1400">
+                <a:solidFill>
+                  <a:schemeClr val="tx1">
+                    <a:tint val="75000"/>
+                  </a:schemeClr>
+                </a:solidFill>
+              </a:defRPr>
+            </a:lvl6pPr>
+            <a:lvl7pPr marL="2743200" indent="0">
+              <a:buNone/>
+              <a:defRPr sz="1400">
+                <a:solidFill>
+                  <a:schemeClr val="tx1">
+                    <a:tint val="75000"/>
+                  </a:schemeClr>
+                </a:solidFill>
+              </a:defRPr>
+            </a:lvl7pPr>
+            <a:lvl8pPr marL="3200400" indent="0">
+              <a:buNone/>
+              <a:defRPr sz="1400">
+                <a:solidFill>
+                  <a:schemeClr val="tx1">
+                    <a:tint val="75000"/>
+                  </a:schemeClr>
+                </a:solidFill>
+              </a:defRPr>
+            </a:lvl8pPr>
+            <a:lvl9pPr marL="3657600" indent="0">
+              <a:buNone/>
+              <a:defRPr sz="1400">
+                <a:solidFill>
+                  <a:schemeClr val="tx1">
+                    <a:tint val="75000"/>
+                  </a:schemeClr>
+                </a:solidFill>
+              </a:defRPr>
+            </a:lvl9pPr>
           </a:lstStyle>
           <a:p>
-            <a:pPr marL="0" lvl="0" indent="0">
-              <a:buNone/>
-            </a:pPr>
+            <a:pPr lvl="0"/>
             <a:r>
               <a:rPr lang="en-US" smtClean="0"/>
               <a:t>Click to edit Master text styles</a:t>
@@ -2055,7 +2450,7 @@
       </p:sp>
       <p:sp>
         <p:nvSpPr>
-          <p:cNvPr id="5" name="Date Placeholder 4"/>
+          <p:cNvPr id="4" name="Date Placeholder 3"/>
           <p:cNvSpPr>
             <a:spLocks noGrp="1"/>
           </p:cNvSpPr>
@@ -2069,9 +2464,9 @@
           <a:lstStyle/>
           <a:p>
             <a:fld id="{B61BEF0D-F0BB-DE4B-95CE-6DB70DBA9567}" type="datetimeFigureOut">
-              <a:rPr lang="en-US" dirty="0"/>
+              <a:rPr lang="en-US" smtClean="0"/>
               <a:pPr/>
-              <a:t>9/25/2017</a:t>
+              <a:t>10/8/2017</a:t>
             </a:fld>
             <a:endParaRPr lang="en-US" dirty="0"/>
           </a:p>
@@ -2079,7 +2474,7 @@
       </p:sp>
       <p:sp>
         <p:nvSpPr>
-          <p:cNvPr id="6" name="Footer Placeholder 5"/>
+          <p:cNvPr id="5" name="Footer Placeholder 4"/>
           <p:cNvSpPr>
             <a:spLocks noGrp="1"/>
           </p:cNvSpPr>
@@ -2098,89 +2493,7 @@
       </p:sp>
       <p:sp>
         <p:nvSpPr>
-          <p:cNvPr id="9" name="Freeform 11"/>
-          <p:cNvSpPr/>
-          <p:nvPr/>
-        </p:nvSpPr>
-        <p:spPr bwMode="auto">
-          <a:xfrm flipV="1">
-            <a:off x="-4189" y="4911725"/>
-            <a:ext cx="1588527" cy="507297"/>
-          </a:xfrm>
-          <a:custGeom>
-            <a:avLst/>
-            <a:gdLst/>
-            <a:ahLst/>
-            <a:cxnLst/>
-            <a:rect l="l" t="t" r="r" b="b"/>
-            <a:pathLst>
-              <a:path w="9248" h="10000">
-                <a:moveTo>
-                  <a:pt x="9248" y="4701"/>
-                </a:moveTo>
-                <a:lnTo>
-                  <a:pt x="7915" y="188"/>
-                </a:lnTo>
-                <a:cubicBezTo>
-                  <a:pt x="7906" y="156"/>
-                  <a:pt x="7895" y="126"/>
-                  <a:pt x="7886" y="94"/>
-                </a:cubicBezTo>
-                <a:cubicBezTo>
-                  <a:pt x="7859" y="0"/>
-                  <a:pt x="7831" y="0"/>
-                  <a:pt x="7803" y="0"/>
-                </a:cubicBezTo>
-                <a:lnTo>
-                  <a:pt x="7275" y="0"/>
-                </a:lnTo>
-                <a:lnTo>
-                  <a:pt x="0" y="70"/>
-                </a:lnTo>
-                <a:cubicBezTo>
-                  <a:pt x="8" y="3380"/>
-                  <a:pt x="17" y="6690"/>
-                  <a:pt x="25" y="10000"/>
-                </a:cubicBezTo>
-                <a:lnTo>
-                  <a:pt x="7275" y="9966"/>
-                </a:lnTo>
-                <a:lnTo>
-                  <a:pt x="7803" y="9966"/>
-                </a:lnTo>
-                <a:cubicBezTo>
-                  <a:pt x="7831" y="9966"/>
-                  <a:pt x="7859" y="9872"/>
-                  <a:pt x="7886" y="9872"/>
-                </a:cubicBezTo>
-                <a:cubicBezTo>
-                  <a:pt x="7886" y="9778"/>
-                  <a:pt x="7915" y="9778"/>
-                  <a:pt x="7915" y="9778"/>
-                </a:cubicBezTo>
-                <a:lnTo>
-                  <a:pt x="9248" y="5265"/>
-                </a:lnTo>
-                <a:cubicBezTo>
-                  <a:pt x="9303" y="5077"/>
-                  <a:pt x="9303" y="4889"/>
-                  <a:pt x="9248" y="4701"/>
-                </a:cubicBezTo>
-                <a:close/>
-              </a:path>
-            </a:pathLst>
-          </a:custGeom>
-          <a:solidFill>
-            <a:schemeClr val="accent1"/>
-          </a:solidFill>
-          <a:ln>
-            <a:noFill/>
-          </a:ln>
-        </p:spPr>
-      </p:sp>
-      <p:sp>
-        <p:nvSpPr>
-          <p:cNvPr id="7" name="Slide Number Placeholder 6"/>
+          <p:cNvPr id="6" name="Slide Number Placeholder 5"/>
           <p:cNvSpPr>
             <a:spLocks noGrp="1"/>
           </p:cNvSpPr>
@@ -2188,18 +2501,13 @@
             <p:ph type="sldNum" sz="quarter" idx="12"/>
           </p:nvPr>
         </p:nvSpPr>
-        <p:spPr>
-          <a:xfrm>
-            <a:off x="531812" y="4983087"/>
-            <a:ext cx="779767" cy="365125"/>
-          </a:xfrm>
-        </p:spPr>
+        <p:spPr/>
         <p:txBody>
           <a:bodyPr/>
           <a:lstStyle/>
           <a:p>
             <a:fld id="{D57F1E4F-1CFF-5643-939E-217C01CDF565}" type="slidenum">
-              <a:rPr lang="en-US" dirty="0"/>
+              <a:rPr lang="en-US" smtClean="0"/>
               <a:pPr/>
               <a:t>‹#›</a:t>
             </a:fld>
@@ -2208,6 +2516,11 @@
         </p:txBody>
       </p:sp>
     </p:spTree>
+    <p:extLst>
+      <p:ext uri="{BB962C8B-B14F-4D97-AF65-F5344CB8AC3E}">
+        <p14:creationId xmlns:p14="http://schemas.microsoft.com/office/powerpoint/2010/main" val="1815423858"/>
+      </p:ext>
+    </p:extLst>
   </p:cSld>
   <p:clrMapOvr>
     <a:masterClrMapping/>
@@ -2267,7 +2580,7 @@
         </p:nvSpPr>
         <p:spPr/>
         <p:txBody>
-          <a:bodyPr vert="eaVert" anchor="t"/>
+          <a:bodyPr vert="eaVert"/>
           <a:lstStyle/>
           <a:p>
             <a:pPr lvl="0"/>
@@ -2323,9 +2636,9 @@
           <a:lstStyle/>
           <a:p>
             <a:fld id="{B61BEF0D-F0BB-DE4B-95CE-6DB70DBA9567}" type="datetimeFigureOut">
-              <a:rPr lang="en-US" dirty="0"/>
+              <a:rPr lang="en-US" smtClean="0"/>
               <a:pPr/>
-              <a:t>9/25/2017</a:t>
+              <a:t>10/8/2017</a:t>
             </a:fld>
             <a:endParaRPr lang="en-US" dirty="0"/>
           </a:p>
@@ -2352,88 +2665,6 @@
       </p:sp>
       <p:sp>
         <p:nvSpPr>
-          <p:cNvPr id="8" name="Freeform 11"/>
-          <p:cNvSpPr/>
-          <p:nvPr/>
-        </p:nvSpPr>
-        <p:spPr bwMode="auto">
-          <a:xfrm flipV="1">
-            <a:off x="-4189" y="714375"/>
-            <a:ext cx="1588527" cy="507297"/>
-          </a:xfrm>
-          <a:custGeom>
-            <a:avLst/>
-            <a:gdLst/>
-            <a:ahLst/>
-            <a:cxnLst/>
-            <a:rect l="l" t="t" r="r" b="b"/>
-            <a:pathLst>
-              <a:path w="9248" h="10000">
-                <a:moveTo>
-                  <a:pt x="9248" y="4701"/>
-                </a:moveTo>
-                <a:lnTo>
-                  <a:pt x="7915" y="188"/>
-                </a:lnTo>
-                <a:cubicBezTo>
-                  <a:pt x="7906" y="156"/>
-                  <a:pt x="7895" y="126"/>
-                  <a:pt x="7886" y="94"/>
-                </a:cubicBezTo>
-                <a:cubicBezTo>
-                  <a:pt x="7859" y="0"/>
-                  <a:pt x="7831" y="0"/>
-                  <a:pt x="7803" y="0"/>
-                </a:cubicBezTo>
-                <a:lnTo>
-                  <a:pt x="7275" y="0"/>
-                </a:lnTo>
-                <a:lnTo>
-                  <a:pt x="0" y="70"/>
-                </a:lnTo>
-                <a:cubicBezTo>
-                  <a:pt x="8" y="3380"/>
-                  <a:pt x="17" y="6690"/>
-                  <a:pt x="25" y="10000"/>
-                </a:cubicBezTo>
-                <a:lnTo>
-                  <a:pt x="7275" y="9966"/>
-                </a:lnTo>
-                <a:lnTo>
-                  <a:pt x="7803" y="9966"/>
-                </a:lnTo>
-                <a:cubicBezTo>
-                  <a:pt x="7831" y="9966"/>
-                  <a:pt x="7859" y="9872"/>
-                  <a:pt x="7886" y="9872"/>
-                </a:cubicBezTo>
-                <a:cubicBezTo>
-                  <a:pt x="7886" y="9778"/>
-                  <a:pt x="7915" y="9778"/>
-                  <a:pt x="7915" y="9778"/>
-                </a:cubicBezTo>
-                <a:lnTo>
-                  <a:pt x="9248" y="5265"/>
-                </a:lnTo>
-                <a:cubicBezTo>
-                  <a:pt x="9303" y="5077"/>
-                  <a:pt x="9303" y="4889"/>
-                  <a:pt x="9248" y="4701"/>
-                </a:cubicBezTo>
-                <a:close/>
-              </a:path>
-            </a:pathLst>
-          </a:custGeom>
-          <a:solidFill>
-            <a:schemeClr val="accent1"/>
-          </a:solidFill>
-          <a:ln>
-            <a:noFill/>
-          </a:ln>
-        </p:spPr>
-      </p:sp>
-      <p:sp>
-        <p:nvSpPr>
           <p:cNvPr id="6" name="Slide Number Placeholder 5"/>
           <p:cNvSpPr>
             <a:spLocks noGrp="1"/>
@@ -2448,7 +2679,7 @@
           <a:lstStyle/>
           <a:p>
             <a:fld id="{D57F1E4F-1CFF-5643-939E-217C01CDF565}" type="slidenum">
-              <a:rPr lang="en-US" dirty="0"/>
+              <a:rPr lang="en-US" smtClean="0"/>
               <a:pPr/>
               <a:t>‹#›</a:t>
             </a:fld>
@@ -2457,6 +2688,11 @@
         </p:txBody>
       </p:sp>
     </p:spTree>
+    <p:extLst>
+      <p:ext uri="{BB962C8B-B14F-4D97-AF65-F5344CB8AC3E}">
+        <p14:creationId xmlns:p14="http://schemas.microsoft.com/office/powerpoint/2010/main" val="992836803"/>
+      </p:ext>
+    </p:extLst>
   </p:cSld>
   <p:clrMapOvr>
     <a:masterClrMapping/>
@@ -2493,8 +2729,8 @@
         </p:nvSpPr>
         <p:spPr>
           <a:xfrm>
-            <a:off x="9294812" y="627405"/>
-            <a:ext cx="2207601" cy="5283817"/>
+            <a:off x="7967673" y="609599"/>
+            <a:ext cx="1304743" cy="5251451"/>
           </a:xfrm>
         </p:spPr>
         <p:txBody>
@@ -2521,8 +2757,8 @@
         </p:nvSpPr>
         <p:spPr>
           <a:xfrm>
-            <a:off x="2589212" y="627405"/>
-            <a:ext cx="6477000" cy="5283817"/>
+            <a:off x="677335" y="609600"/>
+            <a:ext cx="7060150" cy="5251450"/>
           </a:xfrm>
         </p:spPr>
         <p:txBody>
@@ -2582,9 +2818,9 @@
           <a:lstStyle/>
           <a:p>
             <a:fld id="{B61BEF0D-F0BB-DE4B-95CE-6DB70DBA9567}" type="datetimeFigureOut">
-              <a:rPr lang="en-US" dirty="0"/>
+              <a:rPr lang="en-US" smtClean="0"/>
               <a:pPr/>
-              <a:t>9/25/2017</a:t>
+              <a:t>10/8/2017</a:t>
             </a:fld>
             <a:endParaRPr lang="en-US" dirty="0"/>
           </a:p>
@@ -2611,88 +2847,6 @@
       </p:sp>
       <p:sp>
         <p:nvSpPr>
-          <p:cNvPr id="8" name="Freeform 11"/>
-          <p:cNvSpPr/>
-          <p:nvPr/>
-        </p:nvSpPr>
-        <p:spPr bwMode="auto">
-          <a:xfrm flipV="1">
-            <a:off x="-4189" y="714375"/>
-            <a:ext cx="1588527" cy="507297"/>
-          </a:xfrm>
-          <a:custGeom>
-            <a:avLst/>
-            <a:gdLst/>
-            <a:ahLst/>
-            <a:cxnLst/>
-            <a:rect l="l" t="t" r="r" b="b"/>
-            <a:pathLst>
-              <a:path w="9248" h="10000">
-                <a:moveTo>
-                  <a:pt x="9248" y="4701"/>
-                </a:moveTo>
-                <a:lnTo>
-                  <a:pt x="7915" y="188"/>
-                </a:lnTo>
-                <a:cubicBezTo>
-                  <a:pt x="7906" y="156"/>
-                  <a:pt x="7895" y="126"/>
-                  <a:pt x="7886" y="94"/>
-                </a:cubicBezTo>
-                <a:cubicBezTo>
-                  <a:pt x="7859" y="0"/>
-                  <a:pt x="7831" y="0"/>
-                  <a:pt x="7803" y="0"/>
-                </a:cubicBezTo>
-                <a:lnTo>
-                  <a:pt x="7275" y="0"/>
-                </a:lnTo>
-                <a:lnTo>
-                  <a:pt x="0" y="70"/>
-                </a:lnTo>
-                <a:cubicBezTo>
-                  <a:pt x="8" y="3380"/>
-                  <a:pt x="17" y="6690"/>
-                  <a:pt x="25" y="10000"/>
-                </a:cubicBezTo>
-                <a:lnTo>
-                  <a:pt x="7275" y="9966"/>
-                </a:lnTo>
-                <a:lnTo>
-                  <a:pt x="7803" y="9966"/>
-                </a:lnTo>
-                <a:cubicBezTo>
-                  <a:pt x="7831" y="9966"/>
-                  <a:pt x="7859" y="9872"/>
-                  <a:pt x="7886" y="9872"/>
-                </a:cubicBezTo>
-                <a:cubicBezTo>
-                  <a:pt x="7886" y="9778"/>
-                  <a:pt x="7915" y="9778"/>
-                  <a:pt x="7915" y="9778"/>
-                </a:cubicBezTo>
-                <a:lnTo>
-                  <a:pt x="9248" y="5265"/>
-                </a:lnTo>
-                <a:cubicBezTo>
-                  <a:pt x="9303" y="5077"/>
-                  <a:pt x="9303" y="4889"/>
-                  <a:pt x="9248" y="4701"/>
-                </a:cubicBezTo>
-                <a:close/>
-              </a:path>
-            </a:pathLst>
-          </a:custGeom>
-          <a:solidFill>
-            <a:schemeClr val="accent1"/>
-          </a:solidFill>
-          <a:ln>
-            <a:noFill/>
-          </a:ln>
-        </p:spPr>
-      </p:sp>
-      <p:sp>
-        <p:nvSpPr>
           <p:cNvPr id="6" name="Slide Number Placeholder 5"/>
           <p:cNvSpPr>
             <a:spLocks noGrp="1"/>
@@ -2707,7 +2861,7 @@
           <a:lstStyle/>
           <a:p>
             <a:fld id="{D57F1E4F-1CFF-5643-939E-217C01CDF565}" type="slidenum">
-              <a:rPr lang="en-US" dirty="0"/>
+              <a:rPr lang="en-US" smtClean="0"/>
               <a:pPr/>
               <a:t>‹#›</a:t>
             </a:fld>
@@ -2716,6 +2870,11 @@
         </p:txBody>
       </p:sp>
     </p:spTree>
+    <p:extLst>
+      <p:ext uri="{BB962C8B-B14F-4D97-AF65-F5344CB8AC3E}">
+        <p14:creationId xmlns:p14="http://schemas.microsoft.com/office/powerpoint/2010/main" val="888650132"/>
+      </p:ext>
+    </p:extLst>
   </p:cSld>
   <p:clrMapOvr>
     <a:masterClrMapping/>
@@ -2750,89 +2909,109 @@
             <p:ph type="title"/>
           </p:nvPr>
         </p:nvSpPr>
-        <p:spPr>
-          <a:xfrm>
-            <a:off x="2592925" y="624110"/>
-            <a:ext cx="8911687" cy="1280890"/>
-          </a:xfrm>
-        </p:spPr>
+        <p:spPr/>
+        <p:txBody>
+          <a:bodyPr>
+            <a:normAutofit/>
+          </a:bodyPr>
+          <a:lstStyle>
+            <a:lvl1pPr>
+              <a:defRPr sz="3600"/>
+            </a:lvl1pPr>
+          </a:lstStyle>
+          <a:p>
+            <a:r>
+              <a:rPr lang="en-US" smtClean="0"/>
+              <a:t>Click to edit Master title style</a:t>
+            </a:r>
+            <a:endParaRPr lang="en-US" dirty="0"/>
+          </a:p>
+        </p:txBody>
+      </p:sp>
+      <p:sp>
+        <p:nvSpPr>
+          <p:cNvPr id="3" name="Content Placeholder 2"/>
+          <p:cNvSpPr>
+            <a:spLocks noGrp="1"/>
+          </p:cNvSpPr>
+          <p:nvPr>
+            <p:ph idx="1"/>
+          </p:nvPr>
+        </p:nvSpPr>
+        <p:spPr/>
         <p:txBody>
           <a:bodyPr/>
           <a:lstStyle/>
           <a:p>
-            <a:r>
-              <a:rPr lang="en-US" smtClean="0"/>
-              <a:t>Click to edit Master title style</a:t>
-            </a:r>
-            <a:endParaRPr lang="en-US" dirty="0"/>
-          </a:p>
-        </p:txBody>
-      </p:sp>
-      <p:sp>
-        <p:nvSpPr>
-          <p:cNvPr id="3" name="Content Placeholder 2"/>
-          <p:cNvSpPr>
-            <a:spLocks noGrp="1"/>
-          </p:cNvSpPr>
-          <p:nvPr>
-            <p:ph idx="1"/>
-          </p:nvPr>
-        </p:nvSpPr>
-        <p:spPr>
-          <a:xfrm>
-            <a:off x="2589212" y="2133600"/>
-            <a:ext cx="8915400" cy="3777622"/>
-          </a:xfrm>
-        </p:spPr>
+            <a:pPr lvl="0"/>
+            <a:r>
+              <a:rPr lang="en-US" smtClean="0"/>
+              <a:t>Click to edit Master text styles</a:t>
+            </a:r>
+          </a:p>
+          <a:p>
+            <a:pPr lvl="1"/>
+            <a:r>
+              <a:rPr lang="en-US" smtClean="0"/>
+              <a:t>Second level</a:t>
+            </a:r>
+          </a:p>
+          <a:p>
+            <a:pPr lvl="2"/>
+            <a:r>
+              <a:rPr lang="en-US" smtClean="0"/>
+              <a:t>Third level</a:t>
+            </a:r>
+          </a:p>
+          <a:p>
+            <a:pPr lvl="3"/>
+            <a:r>
+              <a:rPr lang="en-US" smtClean="0"/>
+              <a:t>Fourth level</a:t>
+            </a:r>
+          </a:p>
+          <a:p>
+            <a:pPr lvl="4"/>
+            <a:r>
+              <a:rPr lang="en-US" smtClean="0"/>
+              <a:t>Fifth level</a:t>
+            </a:r>
+            <a:endParaRPr lang="en-US" dirty="0"/>
+          </a:p>
+        </p:txBody>
+      </p:sp>
+      <p:sp>
+        <p:nvSpPr>
+          <p:cNvPr id="4" name="Date Placeholder 3"/>
+          <p:cNvSpPr>
+            <a:spLocks noGrp="1"/>
+          </p:cNvSpPr>
+          <p:nvPr>
+            <p:ph type="dt" sz="half" idx="10"/>
+          </p:nvPr>
+        </p:nvSpPr>
+        <p:spPr/>
         <p:txBody>
           <a:bodyPr/>
           <a:lstStyle/>
           <a:p>
-            <a:pPr lvl="0"/>
-            <a:r>
-              <a:rPr lang="en-US" smtClean="0"/>
-              <a:t>Click to edit Master text styles</a:t>
-            </a:r>
-          </a:p>
-          <a:p>
-            <a:pPr lvl="1"/>
-            <a:r>
-              <a:rPr lang="en-US" smtClean="0"/>
-              <a:t>Second level</a:t>
-            </a:r>
-          </a:p>
-          <a:p>
-            <a:pPr lvl="2"/>
-            <a:r>
-              <a:rPr lang="en-US" smtClean="0"/>
-              <a:t>Third level</a:t>
-            </a:r>
-          </a:p>
-          <a:p>
-            <a:pPr lvl="3"/>
-            <a:r>
-              <a:rPr lang="en-US" smtClean="0"/>
-              <a:t>Fourth level</a:t>
-            </a:r>
-          </a:p>
-          <a:p>
-            <a:pPr lvl="4"/>
-            <a:r>
-              <a:rPr lang="en-US" smtClean="0"/>
-              <a:t>Fifth level</a:t>
-            </a:r>
-            <a:endParaRPr lang="en-US" dirty="0"/>
-          </a:p>
-        </p:txBody>
-      </p:sp>
-      <p:sp>
-        <p:nvSpPr>
-          <p:cNvPr id="4" name="Date Placeholder 3"/>
-          <p:cNvSpPr>
-            <a:spLocks noGrp="1"/>
-          </p:cNvSpPr>
-          <p:nvPr>
-            <p:ph type="dt" sz="half" idx="10"/>
+            <a:fld id="{B61BEF0D-F0BB-DE4B-95CE-6DB70DBA9567}" type="datetimeFigureOut">
+              <a:rPr lang="en-US" smtClean="0"/>
+              <a:pPr/>
+              <a:t>10/8/2017</a:t>
+            </a:fld>
+            <a:endParaRPr lang="en-US" dirty="0"/>
+          </a:p>
+        </p:txBody>
+      </p:sp>
+      <p:sp>
+        <p:nvSpPr>
+          <p:cNvPr id="5" name="Footer Placeholder 4"/>
+          <p:cNvSpPr>
+            <a:spLocks noGrp="1"/>
+          </p:cNvSpPr>
+          <p:nvPr>
+            <p:ph type="ftr" sz="quarter" idx="11"/>
           </p:nvPr>
         </p:nvSpPr>
         <p:spPr/>
@@ -2840,23 +3019,18 @@
           <a:bodyPr/>
           <a:lstStyle/>
           <a:p>
-            <a:fld id="{B61BEF0D-F0BB-DE4B-95CE-6DB70DBA9567}" type="datetimeFigureOut">
-              <a:rPr lang="en-US" dirty="0"/>
-              <a:pPr/>
-              <a:t>9/25/2017</a:t>
-            </a:fld>
-            <a:endParaRPr lang="en-US" dirty="0"/>
-          </a:p>
-        </p:txBody>
-      </p:sp>
-      <p:sp>
-        <p:nvSpPr>
-          <p:cNvPr id="5" name="Footer Placeholder 4"/>
-          <p:cNvSpPr>
-            <a:spLocks noGrp="1"/>
-          </p:cNvSpPr>
-          <p:nvPr>
-            <p:ph type="ftr" sz="quarter" idx="11"/>
+            <a:endParaRPr lang="en-US" dirty="0"/>
+          </a:p>
+        </p:txBody>
+      </p:sp>
+      <p:sp>
+        <p:nvSpPr>
+          <p:cNvPr id="6" name="Slide Number Placeholder 5"/>
+          <p:cNvSpPr>
+            <a:spLocks noGrp="1"/>
+          </p:cNvSpPr>
+          <p:nvPr>
+            <p:ph type="sldNum" sz="quarter" idx="12"/>
           </p:nvPr>
         </p:nvSpPr>
         <p:spPr/>
@@ -2864,109 +3038,8 @@
           <a:bodyPr/>
           <a:lstStyle/>
           <a:p>
-            <a:endParaRPr lang="en-US" dirty="0"/>
-          </a:p>
-        </p:txBody>
-      </p:sp>
-      <p:sp>
-        <p:nvSpPr>
-          <p:cNvPr id="8" name="Freeform 11"/>
-          <p:cNvSpPr/>
-          <p:nvPr/>
-        </p:nvSpPr>
-        <p:spPr bwMode="auto">
-          <a:xfrm flipV="1">
-            <a:off x="-4189" y="714375"/>
-            <a:ext cx="1588527" cy="507297"/>
-          </a:xfrm>
-          <a:custGeom>
-            <a:avLst/>
-            <a:gdLst/>
-            <a:ahLst/>
-            <a:cxnLst/>
-            <a:rect l="l" t="t" r="r" b="b"/>
-            <a:pathLst>
-              <a:path w="9248" h="10000">
-                <a:moveTo>
-                  <a:pt x="9248" y="4701"/>
-                </a:moveTo>
-                <a:lnTo>
-                  <a:pt x="7915" y="188"/>
-                </a:lnTo>
-                <a:cubicBezTo>
-                  <a:pt x="7906" y="156"/>
-                  <a:pt x="7895" y="126"/>
-                  <a:pt x="7886" y="94"/>
-                </a:cubicBezTo>
-                <a:cubicBezTo>
-                  <a:pt x="7859" y="0"/>
-                  <a:pt x="7831" y="0"/>
-                  <a:pt x="7803" y="0"/>
-                </a:cubicBezTo>
-                <a:lnTo>
-                  <a:pt x="7275" y="0"/>
-                </a:lnTo>
-                <a:lnTo>
-                  <a:pt x="0" y="70"/>
-                </a:lnTo>
-                <a:cubicBezTo>
-                  <a:pt x="8" y="3380"/>
-                  <a:pt x="17" y="6690"/>
-                  <a:pt x="25" y="10000"/>
-                </a:cubicBezTo>
-                <a:lnTo>
-                  <a:pt x="7275" y="9966"/>
-                </a:lnTo>
-                <a:lnTo>
-                  <a:pt x="7803" y="9966"/>
-                </a:lnTo>
-                <a:cubicBezTo>
-                  <a:pt x="7831" y="9966"/>
-                  <a:pt x="7859" y="9872"/>
-                  <a:pt x="7886" y="9872"/>
-                </a:cubicBezTo>
-                <a:cubicBezTo>
-                  <a:pt x="7886" y="9778"/>
-                  <a:pt x="7915" y="9778"/>
-                  <a:pt x="7915" y="9778"/>
-                </a:cubicBezTo>
-                <a:lnTo>
-                  <a:pt x="9248" y="5265"/>
-                </a:lnTo>
-                <a:cubicBezTo>
-                  <a:pt x="9303" y="5077"/>
-                  <a:pt x="9303" y="4889"/>
-                  <a:pt x="9248" y="4701"/>
-                </a:cubicBezTo>
-                <a:close/>
-              </a:path>
-            </a:pathLst>
-          </a:custGeom>
-          <a:solidFill>
-            <a:schemeClr val="accent1"/>
-          </a:solidFill>
-          <a:ln>
-            <a:noFill/>
-          </a:ln>
-        </p:spPr>
-      </p:sp>
-      <p:sp>
-        <p:nvSpPr>
-          <p:cNvPr id="6" name="Slide Number Placeholder 5"/>
-          <p:cNvSpPr>
-            <a:spLocks noGrp="1"/>
-          </p:cNvSpPr>
-          <p:nvPr>
-            <p:ph type="sldNum" sz="quarter" idx="12"/>
-          </p:nvPr>
-        </p:nvSpPr>
-        <p:spPr/>
-        <p:txBody>
-          <a:bodyPr/>
-          <a:lstStyle/>
-          <a:p>
             <a:fld id="{D57F1E4F-1CFF-5643-939E-217C01CDF565}" type="slidenum">
-              <a:rPr lang="en-US" dirty="0"/>
+              <a:rPr lang="en-US" smtClean="0"/>
               <a:pPr/>
               <a:t>‹#›</a:t>
             </a:fld>
@@ -2975,6 +3048,11 @@
         </p:txBody>
       </p:sp>
     </p:spTree>
+    <p:extLst>
+      <p:ext uri="{BB962C8B-B14F-4D97-AF65-F5344CB8AC3E}">
+        <p14:creationId xmlns:p14="http://schemas.microsoft.com/office/powerpoint/2010/main" val="3933308683"/>
+      </p:ext>
+    </p:extLst>
   </p:cSld>
   <p:clrMapOvr>
     <a:masterClrMapping/>
@@ -3011,8 +3089,8 @@
         </p:nvSpPr>
         <p:spPr>
           <a:xfrm>
-            <a:off x="2589212" y="2058750"/>
-            <a:ext cx="8915399" cy="1468800"/>
+            <a:off x="677335" y="2700867"/>
+            <a:ext cx="8596668" cy="1826581"/>
           </a:xfrm>
         </p:spPr>
         <p:txBody>
@@ -3043,8 +3121,8 @@
         </p:nvSpPr>
         <p:spPr>
           <a:xfrm>
-            <a:off x="2589212" y="3530129"/>
-            <a:ext cx="8915399" cy="860400"/>
+            <a:off x="677335" y="4527448"/>
+            <a:ext cx="8596668" cy="860400"/>
           </a:xfrm>
         </p:spPr>
         <p:txBody>
@@ -3055,8 +3133,8 @@
               <a:defRPr sz="2000">
                 <a:solidFill>
                   <a:schemeClr val="tx1">
-                    <a:lumMod val="65000"/>
-                    <a:lumOff val="35000"/>
+                    <a:lumMod val="50000"/>
+                    <a:lumOff val="50000"/>
                   </a:schemeClr>
                 </a:solidFill>
               </a:defRPr>
@@ -3167,9 +3245,9 @@
           <a:lstStyle/>
           <a:p>
             <a:fld id="{B61BEF0D-F0BB-DE4B-95CE-6DB70DBA9567}" type="datetimeFigureOut">
-              <a:rPr lang="en-US" dirty="0"/>
+              <a:rPr lang="en-US" smtClean="0"/>
               <a:pPr/>
-              <a:t>9/25/2017</a:t>
+              <a:t>10/8/2017</a:t>
             </a:fld>
             <a:endParaRPr lang="en-US" dirty="0"/>
           </a:p>
@@ -3196,88 +3274,6 @@
       </p:sp>
       <p:sp>
         <p:nvSpPr>
-          <p:cNvPr id="9" name="Freeform 11"/>
-          <p:cNvSpPr/>
-          <p:nvPr/>
-        </p:nvSpPr>
-        <p:spPr bwMode="auto">
-          <a:xfrm flipV="1">
-            <a:off x="-4189" y="3178175"/>
-            <a:ext cx="1588527" cy="507297"/>
-          </a:xfrm>
-          <a:custGeom>
-            <a:avLst/>
-            <a:gdLst/>
-            <a:ahLst/>
-            <a:cxnLst/>
-            <a:rect l="l" t="t" r="r" b="b"/>
-            <a:pathLst>
-              <a:path w="9248" h="10000">
-                <a:moveTo>
-                  <a:pt x="9248" y="4701"/>
-                </a:moveTo>
-                <a:lnTo>
-                  <a:pt x="7915" y="188"/>
-                </a:lnTo>
-                <a:cubicBezTo>
-                  <a:pt x="7906" y="156"/>
-                  <a:pt x="7895" y="126"/>
-                  <a:pt x="7886" y="94"/>
-                </a:cubicBezTo>
-                <a:cubicBezTo>
-                  <a:pt x="7859" y="0"/>
-                  <a:pt x="7831" y="0"/>
-                  <a:pt x="7803" y="0"/>
-                </a:cubicBezTo>
-                <a:lnTo>
-                  <a:pt x="7275" y="0"/>
-                </a:lnTo>
-                <a:lnTo>
-                  <a:pt x="0" y="70"/>
-                </a:lnTo>
-                <a:cubicBezTo>
-                  <a:pt x="8" y="3380"/>
-                  <a:pt x="17" y="6690"/>
-                  <a:pt x="25" y="10000"/>
-                </a:cubicBezTo>
-                <a:lnTo>
-                  <a:pt x="7275" y="9966"/>
-                </a:lnTo>
-                <a:lnTo>
-                  <a:pt x="7803" y="9966"/>
-                </a:lnTo>
-                <a:cubicBezTo>
-                  <a:pt x="7831" y="9966"/>
-                  <a:pt x="7859" y="9872"/>
-                  <a:pt x="7886" y="9872"/>
-                </a:cubicBezTo>
-                <a:cubicBezTo>
-                  <a:pt x="7886" y="9778"/>
-                  <a:pt x="7915" y="9778"/>
-                  <a:pt x="7915" y="9778"/>
-                </a:cubicBezTo>
-                <a:lnTo>
-                  <a:pt x="9248" y="5265"/>
-                </a:lnTo>
-                <a:cubicBezTo>
-                  <a:pt x="9303" y="5077"/>
-                  <a:pt x="9303" y="4889"/>
-                  <a:pt x="9248" y="4701"/>
-                </a:cubicBezTo>
-                <a:close/>
-              </a:path>
-            </a:pathLst>
-          </a:custGeom>
-          <a:solidFill>
-            <a:schemeClr val="accent1"/>
-          </a:solidFill>
-          <a:ln>
-            <a:noFill/>
-          </a:ln>
-        </p:spPr>
-      </p:sp>
-      <p:sp>
-        <p:nvSpPr>
           <p:cNvPr id="6" name="Slide Number Placeholder 5"/>
           <p:cNvSpPr>
             <a:spLocks noGrp="1"/>
@@ -3286,18 +3282,13 @@
             <p:ph type="sldNum" sz="quarter" idx="12"/>
           </p:nvPr>
         </p:nvSpPr>
-        <p:spPr>
-          <a:xfrm>
-            <a:off x="531812" y="3244139"/>
-            <a:ext cx="779767" cy="365125"/>
-          </a:xfrm>
-        </p:spPr>
+        <p:spPr/>
         <p:txBody>
           <a:bodyPr/>
           <a:lstStyle/>
           <a:p>
             <a:fld id="{D57F1E4F-1CFF-5643-939E-217C01CDF565}" type="slidenum">
-              <a:rPr lang="en-US" dirty="0"/>
+              <a:rPr lang="en-US" smtClean="0"/>
               <a:pPr/>
               <a:t>‹#›</a:t>
             </a:fld>
@@ -3306,6 +3297,11 @@
         </p:txBody>
       </p:sp>
     </p:spTree>
+    <p:extLst>
+      <p:ext uri="{BB962C8B-B14F-4D97-AF65-F5344CB8AC3E}">
+        <p14:creationId xmlns:p14="http://schemas.microsoft.com/office/powerpoint/2010/main" val="3146989337"/>
+      </p:ext>
+    </p:extLst>
   </p:cSld>
   <p:clrMapOvr>
     <a:masterClrMapping/>
@@ -3332,7 +3328,7 @@
       </p:grpSpPr>
       <p:sp>
         <p:nvSpPr>
-          <p:cNvPr id="8" name="Title 7"/>
+          <p:cNvPr id="2" name="Title 1"/>
           <p:cNvSpPr>
             <a:spLocks noGrp="1"/>
           </p:cNvSpPr>
@@ -3365,14 +3361,12 @@
         </p:nvSpPr>
         <p:spPr>
           <a:xfrm>
-            <a:off x="2589212" y="2133600"/>
-            <a:ext cx="4313864" cy="3777622"/>
+            <a:off x="677334" y="2160589"/>
+            <a:ext cx="4184035" cy="3880772"/>
           </a:xfrm>
         </p:spPr>
         <p:txBody>
-          <a:bodyPr>
-            <a:normAutofit/>
-          </a:bodyPr>
+          <a:bodyPr/>
           <a:lstStyle/>
           <a:p>
             <a:pPr lvl="0"/>
@@ -3424,14 +3418,12 @@
         </p:nvSpPr>
         <p:spPr>
           <a:xfrm>
-            <a:off x="7190747" y="2126222"/>
-            <a:ext cx="4313864" cy="3777622"/>
+            <a:off x="5089970" y="2160589"/>
+            <a:ext cx="4184034" cy="3880773"/>
           </a:xfrm>
         </p:spPr>
         <p:txBody>
-          <a:bodyPr>
-            <a:normAutofit/>
-          </a:bodyPr>
+          <a:bodyPr/>
           <a:lstStyle/>
           <a:p>
             <a:pPr lvl="0"/>
@@ -3487,9 +3479,9 @@
           <a:lstStyle/>
           <a:p>
             <a:fld id="{B61BEF0D-F0BB-DE4B-95CE-6DB70DBA9567}" type="datetimeFigureOut">
-              <a:rPr lang="en-US" dirty="0"/>
+              <a:rPr lang="en-US" smtClean="0"/>
               <a:pPr/>
-              <a:t>9/25/2017</a:t>
+              <a:t>10/8/2017</a:t>
             </a:fld>
             <a:endParaRPr lang="en-US" dirty="0"/>
           </a:p>
@@ -3516,89 +3508,7 @@
       </p:sp>
       <p:sp>
         <p:nvSpPr>
-          <p:cNvPr id="10" name="Freeform 11"/>
-          <p:cNvSpPr/>
-          <p:nvPr/>
-        </p:nvSpPr>
-        <p:spPr bwMode="auto">
-          <a:xfrm flipV="1">
-            <a:off x="-4189" y="714375"/>
-            <a:ext cx="1588527" cy="507297"/>
-          </a:xfrm>
-          <a:custGeom>
-            <a:avLst/>
-            <a:gdLst/>
-            <a:ahLst/>
-            <a:cxnLst/>
-            <a:rect l="l" t="t" r="r" b="b"/>
-            <a:pathLst>
-              <a:path w="9248" h="10000">
-                <a:moveTo>
-                  <a:pt x="9248" y="4701"/>
-                </a:moveTo>
-                <a:lnTo>
-                  <a:pt x="7915" y="188"/>
-                </a:lnTo>
-                <a:cubicBezTo>
-                  <a:pt x="7906" y="156"/>
-                  <a:pt x="7895" y="126"/>
-                  <a:pt x="7886" y="94"/>
-                </a:cubicBezTo>
-                <a:cubicBezTo>
-                  <a:pt x="7859" y="0"/>
-                  <a:pt x="7831" y="0"/>
-                  <a:pt x="7803" y="0"/>
-                </a:cubicBezTo>
-                <a:lnTo>
-                  <a:pt x="7275" y="0"/>
-                </a:lnTo>
-                <a:lnTo>
-                  <a:pt x="0" y="70"/>
-                </a:lnTo>
-                <a:cubicBezTo>
-                  <a:pt x="8" y="3380"/>
-                  <a:pt x="17" y="6690"/>
-                  <a:pt x="25" y="10000"/>
-                </a:cubicBezTo>
-                <a:lnTo>
-                  <a:pt x="7275" y="9966"/>
-                </a:lnTo>
-                <a:lnTo>
-                  <a:pt x="7803" y="9966"/>
-                </a:lnTo>
-                <a:cubicBezTo>
-                  <a:pt x="7831" y="9966"/>
-                  <a:pt x="7859" y="9872"/>
-                  <a:pt x="7886" y="9872"/>
-                </a:cubicBezTo>
-                <a:cubicBezTo>
-                  <a:pt x="7886" y="9778"/>
-                  <a:pt x="7915" y="9778"/>
-                  <a:pt x="7915" y="9778"/>
-                </a:cubicBezTo>
-                <a:lnTo>
-                  <a:pt x="9248" y="5265"/>
-                </a:lnTo>
-                <a:cubicBezTo>
-                  <a:pt x="9303" y="5077"/>
-                  <a:pt x="9303" y="4889"/>
-                  <a:pt x="9248" y="4701"/>
-                </a:cubicBezTo>
-                <a:close/>
-              </a:path>
-            </a:pathLst>
-          </a:custGeom>
-          <a:solidFill>
-            <a:schemeClr val="accent1"/>
-          </a:solidFill>
-          <a:ln>
-            <a:noFill/>
-          </a:ln>
-        </p:spPr>
-      </p:sp>
-      <p:sp>
-        <p:nvSpPr>
-          <p:cNvPr id="11" name="Slide Number Placeholder 5"/>
+          <p:cNvPr id="7" name="Slide Number Placeholder 6"/>
           <p:cNvSpPr>
             <a:spLocks noGrp="1"/>
           </p:cNvSpPr>
@@ -3606,18 +3516,13 @@
             <p:ph type="sldNum" sz="quarter" idx="12"/>
           </p:nvPr>
         </p:nvSpPr>
-        <p:spPr>
-          <a:xfrm>
-            <a:off x="531812" y="787782"/>
-            <a:ext cx="779767" cy="365125"/>
-          </a:xfrm>
-        </p:spPr>
+        <p:spPr/>
         <p:txBody>
           <a:bodyPr/>
           <a:lstStyle/>
           <a:p>
             <a:fld id="{D57F1E4F-1CFF-5643-939E-217C01CDF565}" type="slidenum">
-              <a:rPr lang="en-US" dirty="0"/>
+              <a:rPr lang="en-US" smtClean="0"/>
               <a:pPr/>
               <a:t>‹#›</a:t>
             </a:fld>
@@ -3626,6 +3531,11 @@
         </p:txBody>
       </p:sp>
     </p:spTree>
+    <p:extLst>
+      <p:ext uri="{BB962C8B-B14F-4D97-AF65-F5344CB8AC3E}">
+        <p14:creationId xmlns:p14="http://schemas.microsoft.com/office/powerpoint/2010/main" val="1374955600"/>
+      </p:ext>
+    </p:extLst>
   </p:cSld>
   <p:clrMapOvr>
     <a:masterClrMapping/>
@@ -3652,7 +3562,7 @@
       </p:grpSpPr>
       <p:sp>
         <p:nvSpPr>
-          <p:cNvPr id="10" name="Title 13"/>
+          <p:cNvPr id="2" name="Title 1"/>
           <p:cNvSpPr>
             <a:spLocks noGrp="1"/>
           </p:cNvSpPr>
@@ -3663,7 +3573,11 @@
         <p:spPr/>
         <p:txBody>
           <a:bodyPr/>
-          <a:lstStyle/>
+          <a:lstStyle>
+            <a:lvl1pPr>
+              <a:defRPr/>
+            </a:lvl1pPr>
+          </a:lstStyle>
           <a:p>
             <a:r>
               <a:rPr lang="en-US" smtClean="0"/>
@@ -3685,8 +3599,8 @@
         </p:nvSpPr>
         <p:spPr>
           <a:xfrm>
-            <a:off x="2939373" y="1972703"/>
-            <a:ext cx="3992732" cy="576262"/>
+            <a:off x="675745" y="2160983"/>
+            <a:ext cx="4185623" cy="576262"/>
           </a:xfrm>
         </p:spPr>
         <p:txBody>
@@ -3752,8 +3666,8 @@
         </p:nvSpPr>
         <p:spPr>
           <a:xfrm>
-            <a:off x="2589212" y="2548966"/>
-            <a:ext cx="4342893" cy="3354060"/>
+            <a:off x="675745" y="2737245"/>
+            <a:ext cx="4185623" cy="3304117"/>
           </a:xfrm>
         </p:spPr>
         <p:txBody>
@@ -3811,8 +3725,8 @@
         </p:nvSpPr>
         <p:spPr>
           <a:xfrm>
-            <a:off x="7506629" y="1969475"/>
-            <a:ext cx="3999001" cy="576262"/>
+            <a:off x="5088383" y="2160983"/>
+            <a:ext cx="4185618" cy="576262"/>
           </a:xfrm>
         </p:spPr>
         <p:txBody>
@@ -3878,8 +3792,8 @@
         </p:nvSpPr>
         <p:spPr>
           <a:xfrm>
-            <a:off x="7166957" y="2545738"/>
-            <a:ext cx="4338674" cy="3354060"/>
+            <a:off x="5088384" y="2737245"/>
+            <a:ext cx="4185617" cy="3304117"/>
           </a:xfrm>
         </p:spPr>
         <p:txBody>
@@ -3941,9 +3855,9 @@
           <a:lstStyle/>
           <a:p>
             <a:fld id="{B61BEF0D-F0BB-DE4B-95CE-6DB70DBA9567}" type="datetimeFigureOut">
-              <a:rPr lang="en-US" dirty="0"/>
+              <a:rPr lang="en-US" smtClean="0"/>
               <a:pPr/>
-              <a:t>9/25/2017</a:t>
+              <a:t>10/8/2017</a:t>
             </a:fld>
             <a:endParaRPr lang="en-US" dirty="0"/>
           </a:p>
@@ -3970,89 +3884,7 @@
       </p:sp>
       <p:sp>
         <p:nvSpPr>
-          <p:cNvPr id="12" name="Freeform 11"/>
-          <p:cNvSpPr/>
-          <p:nvPr/>
-        </p:nvSpPr>
-        <p:spPr bwMode="auto">
-          <a:xfrm flipV="1">
-            <a:off x="-4189" y="714375"/>
-            <a:ext cx="1588527" cy="507297"/>
-          </a:xfrm>
-          <a:custGeom>
-            <a:avLst/>
-            <a:gdLst/>
-            <a:ahLst/>
-            <a:cxnLst/>
-            <a:rect l="l" t="t" r="r" b="b"/>
-            <a:pathLst>
-              <a:path w="9248" h="10000">
-                <a:moveTo>
-                  <a:pt x="9248" y="4701"/>
-                </a:moveTo>
-                <a:lnTo>
-                  <a:pt x="7915" y="188"/>
-                </a:lnTo>
-                <a:cubicBezTo>
-                  <a:pt x="7906" y="156"/>
-                  <a:pt x="7895" y="126"/>
-                  <a:pt x="7886" y="94"/>
-                </a:cubicBezTo>
-                <a:cubicBezTo>
-                  <a:pt x="7859" y="0"/>
-                  <a:pt x="7831" y="0"/>
-                  <a:pt x="7803" y="0"/>
-                </a:cubicBezTo>
-                <a:lnTo>
-                  <a:pt x="7275" y="0"/>
-                </a:lnTo>
-                <a:lnTo>
-                  <a:pt x="0" y="70"/>
-                </a:lnTo>
-                <a:cubicBezTo>
-                  <a:pt x="8" y="3380"/>
-                  <a:pt x="17" y="6690"/>
-                  <a:pt x="25" y="10000"/>
-                </a:cubicBezTo>
-                <a:lnTo>
-                  <a:pt x="7275" y="9966"/>
-                </a:lnTo>
-                <a:lnTo>
-                  <a:pt x="7803" y="9966"/>
-                </a:lnTo>
-                <a:cubicBezTo>
-                  <a:pt x="7831" y="9966"/>
-                  <a:pt x="7859" y="9872"/>
-                  <a:pt x="7886" y="9872"/>
-                </a:cubicBezTo>
-                <a:cubicBezTo>
-                  <a:pt x="7886" y="9778"/>
-                  <a:pt x="7915" y="9778"/>
-                  <a:pt x="7915" y="9778"/>
-                </a:cubicBezTo>
-                <a:lnTo>
-                  <a:pt x="9248" y="5265"/>
-                </a:lnTo>
-                <a:cubicBezTo>
-                  <a:pt x="9303" y="5077"/>
-                  <a:pt x="9303" y="4889"/>
-                  <a:pt x="9248" y="4701"/>
-                </a:cubicBezTo>
-                <a:close/>
-              </a:path>
-            </a:pathLst>
-          </a:custGeom>
-          <a:solidFill>
-            <a:schemeClr val="accent1"/>
-          </a:solidFill>
-          <a:ln>
-            <a:noFill/>
-          </a:ln>
-        </p:spPr>
-      </p:sp>
-      <p:sp>
-        <p:nvSpPr>
-          <p:cNvPr id="13" name="Slide Number Placeholder 5"/>
+          <p:cNvPr id="9" name="Slide Number Placeholder 8"/>
           <p:cNvSpPr>
             <a:spLocks noGrp="1"/>
           </p:cNvSpPr>
@@ -4060,18 +3892,13 @@
             <p:ph type="sldNum" sz="quarter" idx="12"/>
           </p:nvPr>
         </p:nvSpPr>
-        <p:spPr>
-          <a:xfrm>
-            <a:off x="531812" y="787782"/>
-            <a:ext cx="779767" cy="365125"/>
-          </a:xfrm>
-        </p:spPr>
+        <p:spPr/>
         <p:txBody>
           <a:bodyPr/>
           <a:lstStyle/>
           <a:p>
             <a:fld id="{D57F1E4F-1CFF-5643-939E-217C01CDF565}" type="slidenum">
-              <a:rPr lang="en-US" dirty="0"/>
+              <a:rPr lang="en-US" smtClean="0"/>
               <a:pPr/>
               <a:t>‹#›</a:t>
             </a:fld>
@@ -4080,6 +3907,11 @@
         </p:txBody>
       </p:sp>
     </p:spTree>
+    <p:extLst>
+      <p:ext uri="{BB962C8B-B14F-4D97-AF65-F5344CB8AC3E}">
+        <p14:creationId xmlns:p14="http://schemas.microsoft.com/office/powerpoint/2010/main" val="1571422072"/>
+      </p:ext>
+    </p:extLst>
   </p:cSld>
   <p:clrMapOvr>
     <a:masterClrMapping/>
@@ -4114,27 +3946,56 @@
             <p:ph type="title"/>
           </p:nvPr>
         </p:nvSpPr>
+        <p:spPr>
+          <a:xfrm>
+            <a:off x="677334" y="609600"/>
+            <a:ext cx="8596668" cy="1320800"/>
+          </a:xfrm>
+        </p:spPr>
+        <p:txBody>
+          <a:bodyPr/>
+          <a:lstStyle/>
+          <a:p>
+            <a:r>
+              <a:rPr lang="en-US" smtClean="0"/>
+              <a:t>Click to edit Master title style</a:t>
+            </a:r>
+            <a:endParaRPr lang="en-US" dirty="0"/>
+          </a:p>
+        </p:txBody>
+      </p:sp>
+      <p:sp>
+        <p:nvSpPr>
+          <p:cNvPr id="3" name="Date Placeholder 2"/>
+          <p:cNvSpPr>
+            <a:spLocks noGrp="1"/>
+          </p:cNvSpPr>
+          <p:nvPr>
+            <p:ph type="dt" sz="half" idx="10"/>
+          </p:nvPr>
+        </p:nvSpPr>
         <p:spPr/>
         <p:txBody>
           <a:bodyPr/>
           <a:lstStyle/>
           <a:p>
-            <a:r>
-              <a:rPr lang="en-US" smtClean="0"/>
-              <a:t>Click to edit Master title style</a:t>
-            </a:r>
-            <a:endParaRPr lang="en-US" dirty="0"/>
-          </a:p>
-        </p:txBody>
-      </p:sp>
-      <p:sp>
-        <p:nvSpPr>
-          <p:cNvPr id="3" name="Date Placeholder 2"/>
-          <p:cNvSpPr>
-            <a:spLocks noGrp="1"/>
-          </p:cNvSpPr>
-          <p:nvPr>
-            <p:ph type="dt" sz="half" idx="10"/>
+            <a:fld id="{B61BEF0D-F0BB-DE4B-95CE-6DB70DBA9567}" type="datetimeFigureOut">
+              <a:rPr lang="en-US" smtClean="0"/>
+              <a:pPr/>
+              <a:t>10/8/2017</a:t>
+            </a:fld>
+            <a:endParaRPr lang="en-US" dirty="0"/>
+          </a:p>
+        </p:txBody>
+      </p:sp>
+      <p:sp>
+        <p:nvSpPr>
+          <p:cNvPr id="4" name="Footer Placeholder 3"/>
+          <p:cNvSpPr>
+            <a:spLocks noGrp="1"/>
+          </p:cNvSpPr>
+          <p:nvPr>
+            <p:ph type="ftr" sz="quarter" idx="11"/>
           </p:nvPr>
         </p:nvSpPr>
         <p:spPr/>
@@ -4142,23 +4003,18 @@
           <a:bodyPr/>
           <a:lstStyle/>
           <a:p>
-            <a:fld id="{B61BEF0D-F0BB-DE4B-95CE-6DB70DBA9567}" type="datetimeFigureOut">
-              <a:rPr lang="en-US" dirty="0"/>
-              <a:pPr/>
-              <a:t>9/25/2017</a:t>
-            </a:fld>
-            <a:endParaRPr lang="en-US" dirty="0"/>
-          </a:p>
-        </p:txBody>
-      </p:sp>
-      <p:sp>
-        <p:nvSpPr>
-          <p:cNvPr id="4" name="Footer Placeholder 3"/>
-          <p:cNvSpPr>
-            <a:spLocks noGrp="1"/>
-          </p:cNvSpPr>
-          <p:nvPr>
-            <p:ph type="ftr" sz="quarter" idx="11"/>
+            <a:endParaRPr lang="en-US" dirty="0"/>
+          </a:p>
+        </p:txBody>
+      </p:sp>
+      <p:sp>
+        <p:nvSpPr>
+          <p:cNvPr id="5" name="Slide Number Placeholder 4"/>
+          <p:cNvSpPr>
+            <a:spLocks noGrp="1"/>
+          </p:cNvSpPr>
+          <p:nvPr>
+            <p:ph type="sldNum" sz="quarter" idx="12"/>
           </p:nvPr>
         </p:nvSpPr>
         <p:spPr/>
@@ -4166,109 +4022,8 @@
           <a:bodyPr/>
           <a:lstStyle/>
           <a:p>
-            <a:endParaRPr lang="en-US" dirty="0"/>
-          </a:p>
-        </p:txBody>
-      </p:sp>
-      <p:sp>
-        <p:nvSpPr>
-          <p:cNvPr id="7" name="Freeform 11"/>
-          <p:cNvSpPr/>
-          <p:nvPr/>
-        </p:nvSpPr>
-        <p:spPr bwMode="auto">
-          <a:xfrm flipV="1">
-            <a:off x="-4189" y="714375"/>
-            <a:ext cx="1588527" cy="507297"/>
-          </a:xfrm>
-          <a:custGeom>
-            <a:avLst/>
-            <a:gdLst/>
-            <a:ahLst/>
-            <a:cxnLst/>
-            <a:rect l="l" t="t" r="r" b="b"/>
-            <a:pathLst>
-              <a:path w="9248" h="10000">
-                <a:moveTo>
-                  <a:pt x="9248" y="4701"/>
-                </a:moveTo>
-                <a:lnTo>
-                  <a:pt x="7915" y="188"/>
-                </a:lnTo>
-                <a:cubicBezTo>
-                  <a:pt x="7906" y="156"/>
-                  <a:pt x="7895" y="126"/>
-                  <a:pt x="7886" y="94"/>
-                </a:cubicBezTo>
-                <a:cubicBezTo>
-                  <a:pt x="7859" y="0"/>
-                  <a:pt x="7831" y="0"/>
-                  <a:pt x="7803" y="0"/>
-                </a:cubicBezTo>
-                <a:lnTo>
-                  <a:pt x="7275" y="0"/>
-                </a:lnTo>
-                <a:lnTo>
-                  <a:pt x="0" y="70"/>
-                </a:lnTo>
-                <a:cubicBezTo>
-                  <a:pt x="8" y="3380"/>
-                  <a:pt x="17" y="6690"/>
-                  <a:pt x="25" y="10000"/>
-                </a:cubicBezTo>
-                <a:lnTo>
-                  <a:pt x="7275" y="9966"/>
-                </a:lnTo>
-                <a:lnTo>
-                  <a:pt x="7803" y="9966"/>
-                </a:lnTo>
-                <a:cubicBezTo>
-                  <a:pt x="7831" y="9966"/>
-                  <a:pt x="7859" y="9872"/>
-                  <a:pt x="7886" y="9872"/>
-                </a:cubicBezTo>
-                <a:cubicBezTo>
-                  <a:pt x="7886" y="9778"/>
-                  <a:pt x="7915" y="9778"/>
-                  <a:pt x="7915" y="9778"/>
-                </a:cubicBezTo>
-                <a:lnTo>
-                  <a:pt x="9248" y="5265"/>
-                </a:lnTo>
-                <a:cubicBezTo>
-                  <a:pt x="9303" y="5077"/>
-                  <a:pt x="9303" y="4889"/>
-                  <a:pt x="9248" y="4701"/>
-                </a:cubicBezTo>
-                <a:close/>
-              </a:path>
-            </a:pathLst>
-          </a:custGeom>
-          <a:solidFill>
-            <a:schemeClr val="accent1"/>
-          </a:solidFill>
-          <a:ln>
-            <a:noFill/>
-          </a:ln>
-        </p:spPr>
-      </p:sp>
-      <p:sp>
-        <p:nvSpPr>
-          <p:cNvPr id="5" name="Slide Number Placeholder 4"/>
-          <p:cNvSpPr>
-            <a:spLocks noGrp="1"/>
-          </p:cNvSpPr>
-          <p:nvPr>
-            <p:ph type="sldNum" sz="quarter" idx="12"/>
-          </p:nvPr>
-        </p:nvSpPr>
-        <p:spPr/>
-        <p:txBody>
-          <a:bodyPr/>
-          <a:lstStyle/>
-          <a:p>
             <a:fld id="{D57F1E4F-1CFF-5643-939E-217C01CDF565}" type="slidenum">
-              <a:rPr lang="en-US" dirty="0"/>
+              <a:rPr lang="en-US" smtClean="0"/>
               <a:pPr/>
               <a:t>‹#›</a:t>
             </a:fld>
@@ -4277,6 +4032,11 @@
         </p:txBody>
       </p:sp>
     </p:spTree>
+    <p:extLst>
+      <p:ext uri="{BB962C8B-B14F-4D97-AF65-F5344CB8AC3E}">
+        <p14:creationId xmlns:p14="http://schemas.microsoft.com/office/powerpoint/2010/main" val="385997210"/>
+      </p:ext>
+    </p:extLst>
   </p:cSld>
   <p:clrMapOvr>
     <a:masterClrMapping/>
@@ -4317,9 +4077,9 @@
           <a:lstStyle/>
           <a:p>
             <a:fld id="{B61BEF0D-F0BB-DE4B-95CE-6DB70DBA9567}" type="datetimeFigureOut">
-              <a:rPr lang="en-US" dirty="0"/>
+              <a:rPr lang="en-US" smtClean="0"/>
               <a:pPr/>
-              <a:t>9/25/2017</a:t>
+              <a:t>10/8/2017</a:t>
             </a:fld>
             <a:endParaRPr lang="en-US" dirty="0"/>
           </a:p>
@@ -4346,88 +4106,6 @@
       </p:sp>
       <p:sp>
         <p:nvSpPr>
-          <p:cNvPr id="6" name="Freeform 11"/>
-          <p:cNvSpPr/>
-          <p:nvPr/>
-        </p:nvSpPr>
-        <p:spPr bwMode="auto">
-          <a:xfrm flipV="1">
-            <a:off x="-4189" y="714375"/>
-            <a:ext cx="1588527" cy="507297"/>
-          </a:xfrm>
-          <a:custGeom>
-            <a:avLst/>
-            <a:gdLst/>
-            <a:ahLst/>
-            <a:cxnLst/>
-            <a:rect l="l" t="t" r="r" b="b"/>
-            <a:pathLst>
-              <a:path w="9248" h="10000">
-                <a:moveTo>
-                  <a:pt x="9248" y="4701"/>
-                </a:moveTo>
-                <a:lnTo>
-                  <a:pt x="7915" y="188"/>
-                </a:lnTo>
-                <a:cubicBezTo>
-                  <a:pt x="7906" y="156"/>
-                  <a:pt x="7895" y="126"/>
-                  <a:pt x="7886" y="94"/>
-                </a:cubicBezTo>
-                <a:cubicBezTo>
-                  <a:pt x="7859" y="0"/>
-                  <a:pt x="7831" y="0"/>
-                  <a:pt x="7803" y="0"/>
-                </a:cubicBezTo>
-                <a:lnTo>
-                  <a:pt x="7275" y="0"/>
-                </a:lnTo>
-                <a:lnTo>
-                  <a:pt x="0" y="70"/>
-                </a:lnTo>
-                <a:cubicBezTo>
-                  <a:pt x="8" y="3380"/>
-                  <a:pt x="17" y="6690"/>
-                  <a:pt x="25" y="10000"/>
-                </a:cubicBezTo>
-                <a:lnTo>
-                  <a:pt x="7275" y="9966"/>
-                </a:lnTo>
-                <a:lnTo>
-                  <a:pt x="7803" y="9966"/>
-                </a:lnTo>
-                <a:cubicBezTo>
-                  <a:pt x="7831" y="9966"/>
-                  <a:pt x="7859" y="9872"/>
-                  <a:pt x="7886" y="9872"/>
-                </a:cubicBezTo>
-                <a:cubicBezTo>
-                  <a:pt x="7886" y="9778"/>
-                  <a:pt x="7915" y="9778"/>
-                  <a:pt x="7915" y="9778"/>
-                </a:cubicBezTo>
-                <a:lnTo>
-                  <a:pt x="9248" y="5265"/>
-                </a:lnTo>
-                <a:cubicBezTo>
-                  <a:pt x="9303" y="5077"/>
-                  <a:pt x="9303" y="4889"/>
-                  <a:pt x="9248" y="4701"/>
-                </a:cubicBezTo>
-                <a:close/>
-              </a:path>
-            </a:pathLst>
-          </a:custGeom>
-          <a:solidFill>
-            <a:schemeClr val="accent1"/>
-          </a:solidFill>
-          <a:ln>
-            <a:noFill/>
-          </a:ln>
-        </p:spPr>
-      </p:sp>
-      <p:sp>
-        <p:nvSpPr>
           <p:cNvPr id="4" name="Slide Number Placeholder 3"/>
           <p:cNvSpPr>
             <a:spLocks noGrp="1"/>
@@ -4442,7 +4120,7 @@
           <a:lstStyle/>
           <a:p>
             <a:fld id="{D57F1E4F-1CFF-5643-939E-217C01CDF565}" type="slidenum">
-              <a:rPr lang="en-US" dirty="0"/>
+              <a:rPr lang="en-US" smtClean="0"/>
               <a:pPr/>
               <a:t>‹#›</a:t>
             </a:fld>
@@ -4451,6 +4129,11 @@
         </p:txBody>
       </p:sp>
     </p:spTree>
+    <p:extLst>
+      <p:ext uri="{BB962C8B-B14F-4D97-AF65-F5344CB8AC3E}">
+        <p14:creationId xmlns:p14="http://schemas.microsoft.com/office/powerpoint/2010/main" val="3395333237"/>
+      </p:ext>
+    </p:extLst>
   </p:cSld>
   <p:clrMapOvr>
     <a:masterClrMapping/>
@@ -4487,15 +4170,17 @@
         </p:nvSpPr>
         <p:spPr>
           <a:xfrm>
-            <a:off x="2589212" y="446088"/>
-            <a:ext cx="3505199" cy="976312"/>
+            <a:off x="677334" y="1498604"/>
+            <a:ext cx="3854528" cy="1278466"/>
           </a:xfrm>
         </p:spPr>
         <p:txBody>
-          <a:bodyPr anchor="b"/>
+          <a:bodyPr anchor="b">
+            <a:normAutofit/>
+          </a:bodyPr>
           <a:lstStyle>
-            <a:lvl1pPr algn="l">
-              <a:defRPr sz="2000" b="0"/>
+            <a:lvl1pPr>
+              <a:defRPr sz="2000"/>
             </a:lvl1pPr>
           </a:lstStyle>
           <a:p>
@@ -4519,12 +4204,12 @@
         </p:nvSpPr>
         <p:spPr>
           <a:xfrm>
-            <a:off x="6323012" y="446088"/>
-            <a:ext cx="5181600" cy="5414963"/>
+            <a:off x="4760461" y="514924"/>
+            <a:ext cx="4513541" cy="5526437"/>
           </a:xfrm>
         </p:spPr>
         <p:txBody>
-          <a:bodyPr anchor="ctr">
+          <a:bodyPr>
             <a:normAutofit/>
           </a:bodyPr>
           <a:lstStyle/>
@@ -4578,48 +4263,50 @@
         </p:nvSpPr>
         <p:spPr>
           <a:xfrm>
-            <a:off x="2589212" y="1598613"/>
-            <a:ext cx="3505199" cy="4262436"/>
+            <a:off x="677334" y="2777069"/>
+            <a:ext cx="3854528" cy="2584449"/>
           </a:xfrm>
         </p:spPr>
         <p:txBody>
-          <a:bodyPr/>
+          <a:bodyPr>
+            <a:normAutofit/>
+          </a:bodyPr>
           <a:lstStyle>
             <a:lvl1pPr marL="0" indent="0">
               <a:buNone/>
               <a:defRPr sz="1400"/>
             </a:lvl1pPr>
-            <a:lvl2pPr marL="457200" indent="0">
+            <a:lvl2pPr marL="457063" indent="0">
+              <a:buNone/>
+              <a:defRPr sz="1400"/>
+            </a:lvl2pPr>
+            <a:lvl3pPr marL="914126" indent="0">
               <a:buNone/>
               <a:defRPr sz="1200"/>
-            </a:lvl2pPr>
-            <a:lvl3pPr marL="914400" indent="0">
+            </a:lvl3pPr>
+            <a:lvl4pPr marL="1371189" indent="0">
               <a:buNone/>
               <a:defRPr sz="1000"/>
-            </a:lvl3pPr>
-            <a:lvl4pPr marL="1371600" indent="0">
-              <a:buNone/>
-              <a:defRPr sz="900"/>
             </a:lvl4pPr>
-            <a:lvl5pPr marL="1828800" indent="0">
-              <a:buNone/>
-              <a:defRPr sz="900"/>
+            <a:lvl5pPr marL="1828251" indent="0">
+              <a:buNone/>
+              <a:defRPr sz="1000"/>
             </a:lvl5pPr>
-            <a:lvl6pPr marL="2286000" indent="0">
-              <a:buNone/>
-              <a:defRPr sz="900"/>
+            <a:lvl6pPr marL="2285314" indent="0">
+              <a:buNone/>
+              <a:defRPr sz="1000"/>
             </a:lvl6pPr>
-            <a:lvl7pPr marL="2743200" indent="0">
-              <a:buNone/>
-              <a:defRPr sz="900"/>
+            <a:lvl7pPr marL="2742377" indent="0">
+              <a:buNone/>
+              <a:defRPr sz="1000"/>
             </a:lvl7pPr>
-            <a:lvl8pPr marL="3200400" indent="0">
-              <a:buNone/>
-              <a:defRPr sz="900"/>
+            <a:lvl8pPr marL="3199440" indent="0">
+              <a:buNone/>
+              <a:defRPr sz="1000"/>
             </a:lvl8pPr>
-            <a:lvl9pPr marL="3657600" indent="0">
-              <a:buNone/>
-              <a:defRPr sz="900"/>
+            <a:lvl9pPr marL="3656503" indent="0">
+              <a:buNone/>
+              <a:defRPr sz="1000"/>
             </a:lvl9pPr>
           </a:lstStyle>
           <a:p>
@@ -4647,9 +4334,9 @@
           <a:lstStyle/>
           <a:p>
             <a:fld id="{B61BEF0D-F0BB-DE4B-95CE-6DB70DBA9567}" type="datetimeFigureOut">
-              <a:rPr lang="en-US" dirty="0"/>
+              <a:rPr lang="en-US" smtClean="0"/>
               <a:pPr/>
-              <a:t>9/25/2017</a:t>
+              <a:t>10/8/2017</a:t>
             </a:fld>
             <a:endParaRPr lang="en-US" dirty="0"/>
           </a:p>
@@ -4676,88 +4363,6 @@
       </p:sp>
       <p:sp>
         <p:nvSpPr>
-          <p:cNvPr id="9" name="Freeform 11"/>
-          <p:cNvSpPr/>
-          <p:nvPr/>
-        </p:nvSpPr>
-        <p:spPr bwMode="auto">
-          <a:xfrm flipV="1">
-            <a:off x="-4189" y="714375"/>
-            <a:ext cx="1588527" cy="507297"/>
-          </a:xfrm>
-          <a:custGeom>
-            <a:avLst/>
-            <a:gdLst/>
-            <a:ahLst/>
-            <a:cxnLst/>
-            <a:rect l="l" t="t" r="r" b="b"/>
-            <a:pathLst>
-              <a:path w="9248" h="10000">
-                <a:moveTo>
-                  <a:pt x="9248" y="4701"/>
-                </a:moveTo>
-                <a:lnTo>
-                  <a:pt x="7915" y="188"/>
-                </a:lnTo>
-                <a:cubicBezTo>
-                  <a:pt x="7906" y="156"/>
-                  <a:pt x="7895" y="126"/>
-                  <a:pt x="7886" y="94"/>
-                </a:cubicBezTo>
-                <a:cubicBezTo>
-                  <a:pt x="7859" y="0"/>
-                  <a:pt x="7831" y="0"/>
-                  <a:pt x="7803" y="0"/>
-                </a:cubicBezTo>
-                <a:lnTo>
-                  <a:pt x="7275" y="0"/>
-                </a:lnTo>
-                <a:lnTo>
-                  <a:pt x="0" y="70"/>
-                </a:lnTo>
-                <a:cubicBezTo>
-                  <a:pt x="8" y="3380"/>
-                  <a:pt x="17" y="6690"/>
-                  <a:pt x="25" y="10000"/>
-                </a:cubicBezTo>
-                <a:lnTo>
-                  <a:pt x="7275" y="9966"/>
-                </a:lnTo>
-                <a:lnTo>
-                  <a:pt x="7803" y="9966"/>
-                </a:lnTo>
-                <a:cubicBezTo>
-                  <a:pt x="7831" y="9966"/>
-                  <a:pt x="7859" y="9872"/>
-                  <a:pt x="7886" y="9872"/>
-                </a:cubicBezTo>
-                <a:cubicBezTo>
-                  <a:pt x="7886" y="9778"/>
-                  <a:pt x="7915" y="9778"/>
-                  <a:pt x="7915" y="9778"/>
-                </a:cubicBezTo>
-                <a:lnTo>
-                  <a:pt x="9248" y="5265"/>
-                </a:lnTo>
-                <a:cubicBezTo>
-                  <a:pt x="9303" y="5077"/>
-                  <a:pt x="9303" y="4889"/>
-                  <a:pt x="9248" y="4701"/>
-                </a:cubicBezTo>
-                <a:close/>
-              </a:path>
-            </a:pathLst>
-          </a:custGeom>
-          <a:solidFill>
-            <a:schemeClr val="accent1"/>
-          </a:solidFill>
-          <a:ln>
-            <a:noFill/>
-          </a:ln>
-        </p:spPr>
-      </p:sp>
-      <p:sp>
-        <p:nvSpPr>
           <p:cNvPr id="7" name="Slide Number Placeholder 6"/>
           <p:cNvSpPr>
             <a:spLocks noGrp="1"/>
@@ -4772,7 +4377,7 @@
           <a:lstStyle/>
           <a:p>
             <a:fld id="{D57F1E4F-1CFF-5643-939E-217C01CDF565}" type="slidenum">
-              <a:rPr lang="en-US" dirty="0"/>
+              <a:rPr lang="en-US" smtClean="0"/>
               <a:pPr/>
               <a:t>‹#›</a:t>
             </a:fld>
@@ -4781,6 +4386,11 @@
         </p:txBody>
       </p:sp>
     </p:spTree>
+    <p:extLst>
+      <p:ext uri="{BB962C8B-B14F-4D97-AF65-F5344CB8AC3E}">
+        <p14:creationId xmlns:p14="http://schemas.microsoft.com/office/powerpoint/2010/main" val="2223621097"/>
+      </p:ext>
+    </p:extLst>
   </p:cSld>
   <p:clrMapOvr>
     <a:masterClrMapping/>
@@ -4817,8 +4427,8 @@
         </p:nvSpPr>
         <p:spPr>
           <a:xfrm>
-            <a:off x="2589213" y="4800600"/>
-            <a:ext cx="8915400" cy="566738"/>
+            <a:off x="677334" y="4800600"/>
+            <a:ext cx="8596667" cy="566738"/>
           </a:xfrm>
         </p:spPr>
         <p:txBody>
@@ -4851,8 +4461,8 @@
         </p:nvSpPr>
         <p:spPr>
           <a:xfrm>
-            <a:off x="2589212" y="634965"/>
-            <a:ext cx="8915400" cy="3854970"/>
+            <a:off x="677334" y="609600"/>
+            <a:ext cx="8596668" cy="3845718"/>
           </a:xfrm>
         </p:spPr>
         <p:txBody>
@@ -4918,8 +4528,8 @@
         </p:nvSpPr>
         <p:spPr>
           <a:xfrm>
-            <a:off x="2589213" y="5367338"/>
-            <a:ext cx="8915400" cy="493712"/>
+            <a:off x="677334" y="5367338"/>
+            <a:ext cx="8596667" cy="674024"/>
           </a:xfrm>
         </p:spPr>
         <p:txBody>
@@ -4989,9 +4599,9 @@
           <a:lstStyle/>
           <a:p>
             <a:fld id="{B61BEF0D-F0BB-DE4B-95CE-6DB70DBA9567}" type="datetimeFigureOut">
-              <a:rPr lang="en-US" dirty="0"/>
+              <a:rPr lang="en-US" smtClean="0"/>
               <a:pPr/>
-              <a:t>9/25/2017</a:t>
+              <a:t>10/8/2017</a:t>
             </a:fld>
             <a:endParaRPr lang="en-US" dirty="0"/>
           </a:p>
@@ -5018,88 +4628,6 @@
       </p:sp>
       <p:sp>
         <p:nvSpPr>
-          <p:cNvPr id="9" name="Freeform 11"/>
-          <p:cNvSpPr/>
-          <p:nvPr/>
-        </p:nvSpPr>
-        <p:spPr bwMode="auto">
-          <a:xfrm flipV="1">
-            <a:off x="-4189" y="4911725"/>
-            <a:ext cx="1588527" cy="507297"/>
-          </a:xfrm>
-          <a:custGeom>
-            <a:avLst/>
-            <a:gdLst/>
-            <a:ahLst/>
-            <a:cxnLst/>
-            <a:rect l="l" t="t" r="r" b="b"/>
-            <a:pathLst>
-              <a:path w="9248" h="10000">
-                <a:moveTo>
-                  <a:pt x="9248" y="4701"/>
-                </a:moveTo>
-                <a:lnTo>
-                  <a:pt x="7915" y="188"/>
-                </a:lnTo>
-                <a:cubicBezTo>
-                  <a:pt x="7906" y="156"/>
-                  <a:pt x="7895" y="126"/>
-                  <a:pt x="7886" y="94"/>
-                </a:cubicBezTo>
-                <a:cubicBezTo>
-                  <a:pt x="7859" y="0"/>
-                  <a:pt x="7831" y="0"/>
-                  <a:pt x="7803" y="0"/>
-                </a:cubicBezTo>
-                <a:lnTo>
-                  <a:pt x="7275" y="0"/>
-                </a:lnTo>
-                <a:lnTo>
-                  <a:pt x="0" y="70"/>
-                </a:lnTo>
-                <a:cubicBezTo>
-                  <a:pt x="8" y="3380"/>
-                  <a:pt x="17" y="6690"/>
-                  <a:pt x="25" y="10000"/>
-                </a:cubicBezTo>
-                <a:lnTo>
-                  <a:pt x="7275" y="9966"/>
-                </a:lnTo>
-                <a:lnTo>
-                  <a:pt x="7803" y="9966"/>
-                </a:lnTo>
-                <a:cubicBezTo>
-                  <a:pt x="7831" y="9966"/>
-                  <a:pt x="7859" y="9872"/>
-                  <a:pt x="7886" y="9872"/>
-                </a:cubicBezTo>
-                <a:cubicBezTo>
-                  <a:pt x="7886" y="9778"/>
-                  <a:pt x="7915" y="9778"/>
-                  <a:pt x="7915" y="9778"/>
-                </a:cubicBezTo>
-                <a:lnTo>
-                  <a:pt x="9248" y="5265"/>
-                </a:lnTo>
-                <a:cubicBezTo>
-                  <a:pt x="9303" y="5077"/>
-                  <a:pt x="9303" y="4889"/>
-                  <a:pt x="9248" y="4701"/>
-                </a:cubicBezTo>
-                <a:close/>
-              </a:path>
-            </a:pathLst>
-          </a:custGeom>
-          <a:solidFill>
-            <a:schemeClr val="accent1"/>
-          </a:solidFill>
-          <a:ln>
-            <a:noFill/>
-          </a:ln>
-        </p:spPr>
-      </p:sp>
-      <p:sp>
-        <p:nvSpPr>
           <p:cNvPr id="7" name="Slide Number Placeholder 6"/>
           <p:cNvSpPr>
             <a:spLocks noGrp="1"/>
@@ -5108,18 +4636,13 @@
             <p:ph type="sldNum" sz="quarter" idx="12"/>
           </p:nvPr>
         </p:nvSpPr>
-        <p:spPr>
-          <a:xfrm>
-            <a:off x="531812" y="4983087"/>
-            <a:ext cx="779767" cy="365125"/>
-          </a:xfrm>
-        </p:spPr>
+        <p:spPr/>
         <p:txBody>
           <a:bodyPr/>
           <a:lstStyle/>
           <a:p>
             <a:fld id="{D57F1E4F-1CFF-5643-939E-217C01CDF565}" type="slidenum">
-              <a:rPr lang="en-US" dirty="0"/>
+              <a:rPr lang="en-US" smtClean="0"/>
               <a:pPr/>
               <a:t>‹#›</a:t>
             </a:fld>
@@ -5128,6 +4651,11 @@
         </p:txBody>
       </p:sp>
     </p:spTree>
+    <p:extLst>
+      <p:ext uri="{BB962C8B-B14F-4D97-AF65-F5344CB8AC3E}">
+        <p14:creationId xmlns:p14="http://schemas.microsoft.com/office/powerpoint/2010/main" val="1082813607"/>
+      </p:ext>
+    </p:extLst>
   </p:cSld>
   <p:clrMapOvr>
     <a:masterClrMapping/>
@@ -5139,8 +4667,8 @@
 <p:sldMaster xmlns:a="http://schemas.openxmlformats.org/drawingml/2006/main" xmlns:r="http://schemas.openxmlformats.org/officeDocument/2006/relationships" xmlns:p="http://schemas.openxmlformats.org/presentationml/2006/main">
   <p:cSld>
     <p:bg>
-      <p:bgRef idx="1003">
-        <a:schemeClr val="bg2"/>
+      <p:bgRef idx="1001">
+        <a:schemeClr val="bg1"/>
       </p:bgRef>
     </p:bg>
     <p:spTree>
@@ -5159,1835 +4687,548 @@
       </p:grpSpPr>
       <p:grpSp>
         <p:nvGrpSpPr>
-          <p:cNvPr id="23" name="Group 22"/>
+          <p:cNvPr id="7" name="Group 6"/>
           <p:cNvGrpSpPr/>
           <p:nvPr/>
         </p:nvGrpSpPr>
         <p:grpSpPr>
           <a:xfrm>
-            <a:off x="1" y="228600"/>
-            <a:ext cx="2851516" cy="6638628"/>
-            <a:chOff x="2487613" y="285750"/>
-            <a:chExt cx="2428875" cy="5654676"/>
+            <a:off x="0" y="-8467"/>
+            <a:ext cx="12192000" cy="6866467"/>
+            <a:chOff x="0" y="-8467"/>
+            <a:chExt cx="12192000" cy="6866467"/>
           </a:xfrm>
         </p:grpSpPr>
+        <p:cxnSp>
+          <p:nvCxnSpPr>
+            <p:cNvPr id="20" name="Straight Connector 19"/>
+            <p:cNvCxnSpPr/>
+            <p:nvPr/>
+          </p:nvCxnSpPr>
+          <p:spPr>
+            <a:xfrm>
+              <a:off x="9371012" y="0"/>
+              <a:ext cx="1219200" cy="6858000"/>
+            </a:xfrm>
+            <a:prstGeom prst="line">
+              <a:avLst/>
+            </a:prstGeom>
+            <a:ln w="9525">
+              <a:solidFill>
+                <a:schemeClr val="bg1">
+                  <a:lumMod val="75000"/>
+                </a:schemeClr>
+              </a:solidFill>
+            </a:ln>
+          </p:spPr>
+          <p:style>
+            <a:lnRef idx="2">
+              <a:schemeClr val="accent1"/>
+            </a:lnRef>
+            <a:fillRef idx="0">
+              <a:schemeClr val="accent1"/>
+            </a:fillRef>
+            <a:effectRef idx="1">
+              <a:schemeClr val="accent1"/>
+            </a:effectRef>
+            <a:fontRef idx="minor">
+              <a:schemeClr val="tx1"/>
+            </a:fontRef>
+          </p:style>
+        </p:cxnSp>
+        <p:cxnSp>
+          <p:nvCxnSpPr>
+            <p:cNvPr id="21" name="Straight Connector 20"/>
+            <p:cNvCxnSpPr/>
+            <p:nvPr/>
+          </p:nvCxnSpPr>
+          <p:spPr>
+            <a:xfrm flipH="1">
+              <a:off x="7425267" y="3681413"/>
+              <a:ext cx="4763558" cy="3176587"/>
+            </a:xfrm>
+            <a:prstGeom prst="line">
+              <a:avLst/>
+            </a:prstGeom>
+            <a:ln w="9525">
+              <a:solidFill>
+                <a:schemeClr val="bg1">
+                  <a:lumMod val="85000"/>
+                </a:schemeClr>
+              </a:solidFill>
+            </a:ln>
+          </p:spPr>
+          <p:style>
+            <a:lnRef idx="2">
+              <a:schemeClr val="accent1"/>
+            </a:lnRef>
+            <a:fillRef idx="0">
+              <a:schemeClr val="accent1"/>
+            </a:fillRef>
+            <a:effectRef idx="1">
+              <a:schemeClr val="accent1"/>
+            </a:effectRef>
+            <a:fontRef idx="minor">
+              <a:schemeClr val="tx1"/>
+            </a:fontRef>
+          </p:style>
+        </p:cxnSp>
         <p:sp>
           <p:nvSpPr>
-            <p:cNvPr id="24" name="Freeform 11"/>
+            <p:cNvPr id="22" name="Rectangle 23"/>
             <p:cNvSpPr/>
             <p:nvPr/>
           </p:nvSpPr>
-          <p:spPr bwMode="auto">
+          <p:spPr>
             <a:xfrm>
-              <a:off x="2487613" y="2284413"/>
-              <a:ext cx="85725" cy="533400"/>
+              <a:off x="9181476" y="-8467"/>
+              <a:ext cx="3007349" cy="6866467"/>
             </a:xfrm>
             <a:custGeom>
               <a:avLst/>
               <a:gdLst/>
               <a:ahLst/>
               <a:cxnLst/>
-              <a:rect l="0" t="0" r="r" b="b"/>
+              <a:rect l="l" t="t" r="r" b="b"/>
               <a:pathLst>
-                <a:path w="22" h="136">
+                <a:path w="3007349" h="6866467">
                   <a:moveTo>
-                    <a:pt x="22" y="136"/>
+                    <a:pt x="2045532" y="0"/>
                   </a:moveTo>
-                  <a:cubicBezTo>
-                    <a:pt x="20" y="117"/>
-                    <a:pt x="19" y="99"/>
-                    <a:pt x="17" y="80"/>
-                  </a:cubicBezTo>
-                  <a:cubicBezTo>
-                    <a:pt x="11" y="54"/>
-                    <a:pt x="6" y="27"/>
-                    <a:pt x="0" y="0"/>
-                  </a:cubicBezTo>
-                  <a:cubicBezTo>
-                    <a:pt x="0" y="35"/>
-                    <a:pt x="0" y="35"/>
-                    <a:pt x="0" y="35"/>
-                  </a:cubicBezTo>
-                  <a:cubicBezTo>
-                    <a:pt x="6" y="64"/>
-                    <a:pt x="13" y="94"/>
-                    <a:pt x="20" y="124"/>
-                  </a:cubicBezTo>
-                  <a:cubicBezTo>
-                    <a:pt x="20" y="128"/>
-                    <a:pt x="21" y="132"/>
-                    <a:pt x="22" y="136"/>
-                  </a:cubicBezTo>
+                  <a:lnTo>
+                    <a:pt x="3007349" y="0"/>
+                  </a:lnTo>
+                  <a:lnTo>
+                    <a:pt x="3007349" y="6866467"/>
+                  </a:lnTo>
+                  <a:lnTo>
+                    <a:pt x="0" y="6866467"/>
+                  </a:lnTo>
+                  <a:lnTo>
+                    <a:pt x="2045532" y="0"/>
+                  </a:lnTo>
                   <a:close/>
                 </a:path>
               </a:pathLst>
             </a:custGeom>
             <a:solidFill>
-              <a:schemeClr val="tx2">
+              <a:schemeClr val="accent1">
+                <a:alpha val="30000"/>
+              </a:schemeClr>
+            </a:solidFill>
+            <a:ln>
+              <a:noFill/>
+            </a:ln>
+            <a:effectLst/>
+          </p:spPr>
+          <p:style>
+            <a:lnRef idx="1">
+              <a:schemeClr val="accent1"/>
+            </a:lnRef>
+            <a:fillRef idx="3">
+              <a:schemeClr val="accent1"/>
+            </a:fillRef>
+            <a:effectRef idx="2">
+              <a:schemeClr val="accent1"/>
+            </a:effectRef>
+            <a:fontRef idx="minor">
+              <a:schemeClr val="lt1"/>
+            </a:fontRef>
+          </p:style>
+        </p:sp>
+        <p:sp>
+          <p:nvSpPr>
+            <p:cNvPr id="23" name="Rectangle 25"/>
+            <p:cNvSpPr/>
+            <p:nvPr/>
+          </p:nvSpPr>
+          <p:spPr>
+            <a:xfrm>
+              <a:off x="9603442" y="-8467"/>
+              <a:ext cx="2588558" cy="6866467"/>
+            </a:xfrm>
+            <a:custGeom>
+              <a:avLst/>
+              <a:gdLst/>
+              <a:ahLst/>
+              <a:cxnLst/>
+              <a:rect l="l" t="t" r="r" b="b"/>
+              <a:pathLst>
+                <a:path w="2573311" h="6866467">
+                  <a:moveTo>
+                    <a:pt x="0" y="0"/>
+                  </a:moveTo>
+                  <a:lnTo>
+                    <a:pt x="2573311" y="0"/>
+                  </a:lnTo>
+                  <a:lnTo>
+                    <a:pt x="2573311" y="6866467"/>
+                  </a:lnTo>
+                  <a:lnTo>
+                    <a:pt x="1202336" y="6866467"/>
+                  </a:lnTo>
+                  <a:lnTo>
+                    <a:pt x="0" y="0"/>
+                  </a:lnTo>
+                  <a:close/>
+                </a:path>
+              </a:pathLst>
+            </a:custGeom>
+            <a:solidFill>
+              <a:schemeClr val="accent1">
                 <a:alpha val="20000"/>
               </a:schemeClr>
             </a:solidFill>
             <a:ln>
               <a:noFill/>
             </a:ln>
+            <a:effectLst/>
           </p:spPr>
+          <p:style>
+            <a:lnRef idx="1">
+              <a:schemeClr val="accent1"/>
+            </a:lnRef>
+            <a:fillRef idx="3">
+              <a:schemeClr val="accent1"/>
+            </a:fillRef>
+            <a:effectRef idx="2">
+              <a:schemeClr val="accent1"/>
+            </a:effectRef>
+            <a:fontRef idx="minor">
+              <a:schemeClr val="lt1"/>
+            </a:fontRef>
+          </p:style>
         </p:sp>
         <p:sp>
           <p:nvSpPr>
-            <p:cNvPr id="25" name="Freeform 12"/>
+            <p:cNvPr id="24" name="Isosceles Triangle 23"/>
             <p:cNvSpPr/>
             <p:nvPr/>
           </p:nvSpPr>
-          <p:spPr bwMode="auto">
+          <p:spPr>
             <a:xfrm>
-              <a:off x="2597151" y="2779713"/>
-              <a:ext cx="550863" cy="1978025"/>
+              <a:off x="8932333" y="3048000"/>
+              <a:ext cx="3259667" cy="3810000"/>
+            </a:xfrm>
+            <a:prstGeom prst="triangle">
+              <a:avLst>
+                <a:gd name="adj" fmla="val 100000"/>
+              </a:avLst>
+            </a:prstGeom>
+            <a:solidFill>
+              <a:schemeClr val="accent2">
+                <a:alpha val="72000"/>
+              </a:schemeClr>
+            </a:solidFill>
+            <a:ln>
+              <a:noFill/>
+            </a:ln>
+            <a:effectLst/>
+          </p:spPr>
+          <p:style>
+            <a:lnRef idx="1">
+              <a:schemeClr val="accent1"/>
+            </a:lnRef>
+            <a:fillRef idx="3">
+              <a:schemeClr val="accent1"/>
+            </a:fillRef>
+            <a:effectRef idx="2">
+              <a:schemeClr val="accent1"/>
+            </a:effectRef>
+            <a:fontRef idx="minor">
+              <a:schemeClr val="lt1"/>
+            </a:fontRef>
+          </p:style>
+        </p:sp>
+        <p:sp>
+          <p:nvSpPr>
+            <p:cNvPr id="25" name="Rectangle 27"/>
+            <p:cNvSpPr/>
+            <p:nvPr/>
+          </p:nvSpPr>
+          <p:spPr>
+            <a:xfrm>
+              <a:off x="9334500" y="-8467"/>
+              <a:ext cx="2854326" cy="6866467"/>
             </a:xfrm>
             <a:custGeom>
               <a:avLst/>
               <a:gdLst/>
               <a:ahLst/>
               <a:cxnLst/>
-              <a:rect l="0" t="0" r="r" b="b"/>
+              <a:rect l="l" t="t" r="r" b="b"/>
               <a:pathLst>
-                <a:path w="140" h="504">
+                <a:path w="2858013" h="6866467">
                   <a:moveTo>
-                    <a:pt x="86" y="350"/>
+                    <a:pt x="0" y="0"/>
                   </a:moveTo>
-                  <a:cubicBezTo>
-                    <a:pt x="103" y="402"/>
-                    <a:pt x="120" y="453"/>
-                    <a:pt x="139" y="504"/>
-                  </a:cubicBezTo>
-                  <a:cubicBezTo>
-                    <a:pt x="139" y="495"/>
-                    <a:pt x="139" y="487"/>
-                    <a:pt x="140" y="478"/>
-                  </a:cubicBezTo>
-                  <a:cubicBezTo>
-                    <a:pt x="124" y="435"/>
-                    <a:pt x="109" y="391"/>
-                    <a:pt x="95" y="347"/>
-                  </a:cubicBezTo>
-                  <a:cubicBezTo>
-                    <a:pt x="58" y="233"/>
-                    <a:pt x="27" y="117"/>
+                  <a:lnTo>
+                    <a:pt x="2858013" y="0"/>
+                  </a:lnTo>
+                  <a:lnTo>
+                    <a:pt x="2858013" y="6866467"/>
+                  </a:lnTo>
+                  <a:lnTo>
+                    <a:pt x="2473942" y="6866467"/>
+                  </a:lnTo>
+                  <a:lnTo>
                     <a:pt x="0" y="0"/>
-                  </a:cubicBezTo>
-                  <a:cubicBezTo>
-                    <a:pt x="2" y="20"/>
-                    <a:pt x="4" y="41"/>
-                    <a:pt x="6" y="61"/>
-                  </a:cubicBezTo>
-                  <a:cubicBezTo>
-                    <a:pt x="30" y="158"/>
-                    <a:pt x="56" y="255"/>
-                    <a:pt x="86" y="350"/>
-                  </a:cubicBezTo>
+                  </a:lnTo>
                   <a:close/>
                 </a:path>
               </a:pathLst>
             </a:custGeom>
             <a:solidFill>
-              <a:schemeClr val="tx2">
-                <a:alpha val="20000"/>
+              <a:schemeClr val="accent2">
+                <a:lumMod val="75000"/>
+                <a:alpha val="70000"/>
               </a:schemeClr>
             </a:solidFill>
             <a:ln>
               <a:noFill/>
             </a:ln>
+            <a:effectLst/>
           </p:spPr>
+          <p:style>
+            <a:lnRef idx="1">
+              <a:schemeClr val="accent1"/>
+            </a:lnRef>
+            <a:fillRef idx="3">
+              <a:schemeClr val="accent1"/>
+            </a:fillRef>
+            <a:effectRef idx="2">
+              <a:schemeClr val="accent1"/>
+            </a:effectRef>
+            <a:fontRef idx="minor">
+              <a:schemeClr val="lt1"/>
+            </a:fontRef>
+          </p:style>
         </p:sp>
         <p:sp>
           <p:nvSpPr>
-            <p:cNvPr id="26" name="Freeform 13"/>
+            <p:cNvPr id="26" name="Rectangle 28"/>
             <p:cNvSpPr/>
             <p:nvPr/>
           </p:nvSpPr>
-          <p:spPr bwMode="auto">
+          <p:spPr>
             <a:xfrm>
-              <a:off x="3175001" y="4730750"/>
-              <a:ext cx="519113" cy="1209675"/>
+              <a:off x="10898730" y="-8467"/>
+              <a:ext cx="1290094" cy="6866467"/>
             </a:xfrm>
             <a:custGeom>
               <a:avLst/>
               <a:gdLst/>
               <a:ahLst/>
               <a:cxnLst/>
-              <a:rect l="0" t="0" r="r" b="b"/>
+              <a:rect l="l" t="t" r="r" b="b"/>
               <a:pathLst>
-                <a:path w="132" h="308">
+                <a:path w="1290094" h="6858000">
                   <a:moveTo>
-                    <a:pt x="8" y="22"/>
+                    <a:pt x="1019735" y="0"/>
                   </a:moveTo>
-                  <a:cubicBezTo>
-                    <a:pt x="5" y="15"/>
-                    <a:pt x="2" y="8"/>
-                    <a:pt x="0" y="0"/>
-                  </a:cubicBezTo>
-                  <a:cubicBezTo>
-                    <a:pt x="0" y="10"/>
-                    <a:pt x="0" y="19"/>
-                    <a:pt x="0" y="29"/>
-                  </a:cubicBezTo>
-                  <a:cubicBezTo>
-                    <a:pt x="21" y="85"/>
-                    <a:pt x="44" y="140"/>
-                    <a:pt x="68" y="194"/>
-                  </a:cubicBezTo>
-                  <a:cubicBezTo>
-                    <a:pt x="85" y="232"/>
-                    <a:pt x="104" y="270"/>
-                    <a:pt x="123" y="308"/>
-                  </a:cubicBezTo>
-                  <a:cubicBezTo>
-                    <a:pt x="132" y="308"/>
-                    <a:pt x="132" y="308"/>
-                    <a:pt x="132" y="308"/>
-                  </a:cubicBezTo>
-                  <a:cubicBezTo>
-                    <a:pt x="113" y="269"/>
-                    <a:pt x="94" y="230"/>
-                    <a:pt x="77" y="190"/>
-                  </a:cubicBezTo>
-                  <a:cubicBezTo>
-                    <a:pt x="52" y="135"/>
-                    <a:pt x="29" y="79"/>
-                    <a:pt x="8" y="22"/>
-                  </a:cubicBezTo>
+                  <a:lnTo>
+                    <a:pt x="1290094" y="0"/>
+                  </a:lnTo>
+                  <a:lnTo>
+                    <a:pt x="1290094" y="6858000"/>
+                  </a:lnTo>
+                  <a:lnTo>
+                    <a:pt x="0" y="6858000"/>
+                  </a:lnTo>
+                  <a:lnTo>
+                    <a:pt x="1019735" y="0"/>
+                  </a:lnTo>
                   <a:close/>
                 </a:path>
               </a:pathLst>
             </a:custGeom>
             <a:solidFill>
-              <a:schemeClr val="tx2">
-                <a:alpha val="20000"/>
+              <a:schemeClr val="accent1">
+                <a:lumMod val="60000"/>
+                <a:lumOff val="40000"/>
+                <a:alpha val="70000"/>
               </a:schemeClr>
             </a:solidFill>
             <a:ln>
               <a:noFill/>
             </a:ln>
+            <a:effectLst/>
           </p:spPr>
+          <p:style>
+            <a:lnRef idx="1">
+              <a:schemeClr val="accent1"/>
+            </a:lnRef>
+            <a:fillRef idx="3">
+              <a:schemeClr val="accent1"/>
+            </a:fillRef>
+            <a:effectRef idx="2">
+              <a:schemeClr val="accent1"/>
+            </a:effectRef>
+            <a:fontRef idx="minor">
+              <a:schemeClr val="lt1"/>
+            </a:fontRef>
+          </p:style>
         </p:sp>
         <p:sp>
           <p:nvSpPr>
-            <p:cNvPr id="27" name="Freeform 14"/>
+            <p:cNvPr id="27" name="Rectangle 29"/>
             <p:cNvSpPr/>
             <p:nvPr/>
           </p:nvSpPr>
-          <p:spPr bwMode="auto">
+          <p:spPr>
             <a:xfrm>
-              <a:off x="3305176" y="5630863"/>
-              <a:ext cx="146050" cy="309563"/>
+              <a:off x="10938999" y="-8467"/>
+              <a:ext cx="1249825" cy="6866467"/>
             </a:xfrm>
             <a:custGeom>
               <a:avLst/>
               <a:gdLst/>
               <a:ahLst/>
               <a:cxnLst/>
-              <a:rect l="0" t="0" r="r" b="b"/>
+              <a:rect l="l" t="t" r="r" b="b"/>
               <a:pathLst>
-                <a:path w="37" h="79">
+                <a:path w="1249825" h="6858000">
                   <a:moveTo>
-                    <a:pt x="28" y="79"/>
+                    <a:pt x="0" y="0"/>
                   </a:moveTo>
-                  <a:cubicBezTo>
-                    <a:pt x="37" y="79"/>
-                    <a:pt x="37" y="79"/>
-                    <a:pt x="37" y="79"/>
-                  </a:cubicBezTo>
-                  <a:cubicBezTo>
-                    <a:pt x="24" y="53"/>
-                    <a:pt x="12" y="27"/>
+                  <a:lnTo>
+                    <a:pt x="1249825" y="0"/>
+                  </a:lnTo>
+                  <a:lnTo>
+                    <a:pt x="1249825" y="6858000"/>
+                  </a:lnTo>
+                  <a:lnTo>
+                    <a:pt x="1109382" y="6858000"/>
+                  </a:lnTo>
+                  <a:lnTo>
                     <a:pt x="0" y="0"/>
-                  </a:cubicBezTo>
-                  <a:cubicBezTo>
-                    <a:pt x="8" y="27"/>
-                    <a:pt x="17" y="53"/>
-                    <a:pt x="28" y="79"/>
-                  </a:cubicBezTo>
+                  </a:lnTo>
                   <a:close/>
                 </a:path>
               </a:pathLst>
             </a:custGeom>
             <a:solidFill>
-              <a:schemeClr val="tx2">
-                <a:alpha val="20000"/>
+              <a:schemeClr val="accent1">
+                <a:alpha val="65000"/>
               </a:schemeClr>
             </a:solidFill>
             <a:ln>
               <a:noFill/>
             </a:ln>
+            <a:effectLst/>
           </p:spPr>
+          <p:style>
+            <a:lnRef idx="1">
+              <a:schemeClr val="accent1"/>
+            </a:lnRef>
+            <a:fillRef idx="3">
+              <a:schemeClr val="accent1"/>
+            </a:fillRef>
+            <a:effectRef idx="2">
+              <a:schemeClr val="accent1"/>
+            </a:effectRef>
+            <a:fontRef idx="minor">
+              <a:schemeClr val="lt1"/>
+            </a:fontRef>
+          </p:style>
         </p:sp>
         <p:sp>
           <p:nvSpPr>
-            <p:cNvPr id="28" name="Freeform 15"/>
+            <p:cNvPr id="28" name="Isosceles Triangle 27"/>
             <p:cNvSpPr/>
             <p:nvPr/>
           </p:nvSpPr>
-          <p:spPr bwMode="auto">
+          <p:spPr>
             <a:xfrm>
-              <a:off x="2573338" y="2817813"/>
-              <a:ext cx="700088" cy="2835275"/>
+              <a:off x="10371666" y="3589867"/>
+              <a:ext cx="1817159" cy="3268133"/>
             </a:xfrm>
-            <a:custGeom>
-              <a:avLst/>
-              <a:gdLst/>
-              <a:ahLst/>
-              <a:cxnLst/>
-              <a:rect l="0" t="0" r="r" b="b"/>
-              <a:pathLst>
-                <a:path w="178" h="722">
-                  <a:moveTo>
-                    <a:pt x="162" y="660"/>
-                  </a:moveTo>
-                  <a:cubicBezTo>
-                    <a:pt x="145" y="618"/>
-                    <a:pt x="130" y="576"/>
-                    <a:pt x="116" y="534"/>
-                  </a:cubicBezTo>
-                  <a:cubicBezTo>
-                    <a:pt x="84" y="437"/>
-                    <a:pt x="59" y="337"/>
-                    <a:pt x="40" y="236"/>
-                  </a:cubicBezTo>
-                  <a:cubicBezTo>
-                    <a:pt x="29" y="175"/>
-                    <a:pt x="20" y="113"/>
-                    <a:pt x="12" y="51"/>
-                  </a:cubicBezTo>
-                  <a:cubicBezTo>
-                    <a:pt x="8" y="34"/>
-                    <a:pt x="4" y="17"/>
-                    <a:pt x="0" y="0"/>
-                  </a:cubicBezTo>
-                  <a:cubicBezTo>
-                    <a:pt x="8" y="79"/>
-                    <a:pt x="19" y="159"/>
-                    <a:pt x="33" y="237"/>
-                  </a:cubicBezTo>
-                  <a:cubicBezTo>
-                    <a:pt x="51" y="339"/>
-                    <a:pt x="76" y="439"/>
-                    <a:pt x="107" y="537"/>
-                  </a:cubicBezTo>
-                  <a:cubicBezTo>
-                    <a:pt x="123" y="586"/>
-                    <a:pt x="141" y="634"/>
-                    <a:pt x="160" y="681"/>
-                  </a:cubicBezTo>
-                  <a:cubicBezTo>
-                    <a:pt x="166" y="695"/>
-                    <a:pt x="172" y="708"/>
-                    <a:pt x="178" y="722"/>
-                  </a:cubicBezTo>
-                  <a:cubicBezTo>
-                    <a:pt x="176" y="717"/>
-                    <a:pt x="175" y="713"/>
-                    <a:pt x="174" y="708"/>
-                  </a:cubicBezTo>
-                  <a:cubicBezTo>
-                    <a:pt x="169" y="692"/>
-                    <a:pt x="165" y="676"/>
-                    <a:pt x="162" y="660"/>
-                  </a:cubicBezTo>
-                  <a:close/>
-                </a:path>
-              </a:pathLst>
-            </a:custGeom>
+            <a:prstGeom prst="triangle">
+              <a:avLst>
+                <a:gd name="adj" fmla="val 100000"/>
+              </a:avLst>
+            </a:prstGeom>
             <a:solidFill>
-              <a:schemeClr val="tx2">
-                <a:alpha val="20000"/>
+              <a:schemeClr val="accent1">
+                <a:alpha val="80000"/>
               </a:schemeClr>
             </a:solidFill>
             <a:ln>
               <a:noFill/>
             </a:ln>
+            <a:effectLst/>
           </p:spPr>
+          <p:style>
+            <a:lnRef idx="1">
+              <a:schemeClr val="accent1"/>
+            </a:lnRef>
+            <a:fillRef idx="3">
+              <a:schemeClr val="accent1"/>
+            </a:fillRef>
+            <a:effectRef idx="2">
+              <a:schemeClr val="accent1"/>
+            </a:effectRef>
+            <a:fontRef idx="minor">
+              <a:schemeClr val="lt1"/>
+            </a:fontRef>
+          </p:style>
         </p:sp>
         <p:sp>
           <p:nvSpPr>
-            <p:cNvPr id="29" name="Freeform 16"/>
+            <p:cNvPr id="29" name="Isosceles Triangle 28"/>
             <p:cNvSpPr/>
             <p:nvPr/>
           </p:nvSpPr>
-          <p:spPr bwMode="auto">
+          <p:spPr>
             <a:xfrm>
-              <a:off x="2506663" y="285750"/>
-              <a:ext cx="90488" cy="2493963"/>
+              <a:off x="0" y="4013200"/>
+              <a:ext cx="448733" cy="2844800"/>
             </a:xfrm>
-            <a:custGeom>
-              <a:avLst/>
-              <a:gdLst/>
-              <a:ahLst/>
-              <a:cxnLst/>
-              <a:rect l="0" t="0" r="r" b="b"/>
-              <a:pathLst>
-                <a:path w="23" h="635">
-                  <a:moveTo>
-                    <a:pt x="11" y="577"/>
-                  </a:moveTo>
-                  <a:cubicBezTo>
-                    <a:pt x="12" y="581"/>
-                    <a:pt x="12" y="585"/>
-                    <a:pt x="12" y="589"/>
-                  </a:cubicBezTo>
-                  <a:cubicBezTo>
-                    <a:pt x="15" y="603"/>
-                    <a:pt x="19" y="617"/>
-                    <a:pt x="22" y="632"/>
-                  </a:cubicBezTo>
-                  <a:cubicBezTo>
-                    <a:pt x="22" y="633"/>
-                    <a:pt x="22" y="634"/>
-                    <a:pt x="23" y="635"/>
-                  </a:cubicBezTo>
-                  <a:cubicBezTo>
-                    <a:pt x="21" y="615"/>
-                    <a:pt x="19" y="596"/>
-                    <a:pt x="17" y="576"/>
-                  </a:cubicBezTo>
-                  <a:cubicBezTo>
-                    <a:pt x="9" y="474"/>
-                    <a:pt x="5" y="372"/>
-                    <a:pt x="5" y="269"/>
-                  </a:cubicBezTo>
-                  <a:cubicBezTo>
-                    <a:pt x="6" y="179"/>
-                    <a:pt x="9" y="90"/>
-                    <a:pt x="15" y="0"/>
-                  </a:cubicBezTo>
-                  <a:cubicBezTo>
-                    <a:pt x="12" y="0"/>
-                    <a:pt x="12" y="0"/>
-                    <a:pt x="12" y="0"/>
-                  </a:cubicBezTo>
-                  <a:cubicBezTo>
-                    <a:pt x="5" y="89"/>
-                    <a:pt x="2" y="179"/>
-                    <a:pt x="1" y="269"/>
-                  </a:cubicBezTo>
-                  <a:cubicBezTo>
-                    <a:pt x="0" y="372"/>
-                    <a:pt x="3" y="474"/>
-                    <a:pt x="11" y="577"/>
-                  </a:cubicBezTo>
-                  <a:close/>
-                </a:path>
-              </a:pathLst>
-            </a:custGeom>
+            <a:prstGeom prst="triangle">
+              <a:avLst>
+                <a:gd name="adj" fmla="val 0"/>
+              </a:avLst>
+            </a:prstGeom>
             <a:solidFill>
-              <a:schemeClr val="tx2">
-                <a:alpha val="20000"/>
+              <a:schemeClr val="accent1">
+                <a:alpha val="85000"/>
               </a:schemeClr>
             </a:solidFill>
             <a:ln>
               <a:noFill/>
             </a:ln>
+            <a:effectLst/>
           </p:spPr>
-        </p:sp>
-        <p:sp>
-          <p:nvSpPr>
-            <p:cNvPr id="30" name="Freeform 17"/>
-            <p:cNvSpPr/>
-            <p:nvPr/>
-          </p:nvSpPr>
-          <p:spPr bwMode="auto">
-            <a:xfrm>
-              <a:off x="2554288" y="2598738"/>
-              <a:ext cx="66675" cy="420688"/>
-            </a:xfrm>
-            <a:custGeom>
-              <a:avLst/>
-              <a:gdLst/>
-              <a:ahLst/>
-              <a:cxnLst/>
-              <a:rect l="0" t="0" r="r" b="b"/>
-              <a:pathLst>
-                <a:path w="17" h="107">
-                  <a:moveTo>
-                    <a:pt x="0" y="0"/>
-                  </a:moveTo>
-                  <a:cubicBezTo>
-                    <a:pt x="2" y="19"/>
-                    <a:pt x="3" y="37"/>
-                    <a:pt x="5" y="56"/>
-                  </a:cubicBezTo>
-                  <a:cubicBezTo>
-                    <a:pt x="9" y="73"/>
-                    <a:pt x="13" y="90"/>
-                    <a:pt x="17" y="107"/>
-                  </a:cubicBezTo>
-                  <a:cubicBezTo>
-                    <a:pt x="15" y="87"/>
-                    <a:pt x="13" y="66"/>
-                    <a:pt x="11" y="46"/>
-                  </a:cubicBezTo>
-                  <a:cubicBezTo>
-                    <a:pt x="10" y="45"/>
-                    <a:pt x="10" y="44"/>
-                    <a:pt x="10" y="43"/>
-                  </a:cubicBezTo>
-                  <a:cubicBezTo>
-                    <a:pt x="7" y="28"/>
-                    <a:pt x="3" y="14"/>
-                    <a:pt x="0" y="0"/>
-                  </a:cubicBezTo>
-                  <a:close/>
-                </a:path>
-              </a:pathLst>
-            </a:custGeom>
-            <a:solidFill>
-              <a:schemeClr val="tx2">
-                <a:alpha val="20000"/>
-              </a:schemeClr>
-            </a:solidFill>
-            <a:ln>
-              <a:noFill/>
-            </a:ln>
-          </p:spPr>
-        </p:sp>
-        <p:sp>
-          <p:nvSpPr>
-            <p:cNvPr id="31" name="Freeform 18"/>
-            <p:cNvSpPr/>
-            <p:nvPr/>
-          </p:nvSpPr>
-          <p:spPr bwMode="auto">
-            <a:xfrm>
-              <a:off x="3143251" y="4757738"/>
-              <a:ext cx="161925" cy="873125"/>
-            </a:xfrm>
-            <a:custGeom>
-              <a:avLst/>
-              <a:gdLst/>
-              <a:ahLst/>
-              <a:cxnLst/>
-              <a:rect l="0" t="0" r="r" b="b"/>
-              <a:pathLst>
-                <a:path w="41" h="222">
-                  <a:moveTo>
-                    <a:pt x="0" y="0"/>
-                  </a:moveTo>
-                  <a:cubicBezTo>
-                    <a:pt x="0" y="31"/>
-                    <a:pt x="2" y="62"/>
-                    <a:pt x="5" y="93"/>
-                  </a:cubicBezTo>
-                  <a:cubicBezTo>
-                    <a:pt x="8" y="117"/>
-                    <a:pt x="12" y="142"/>
-                    <a:pt x="17" y="166"/>
-                  </a:cubicBezTo>
-                  <a:cubicBezTo>
-                    <a:pt x="19" y="172"/>
-                    <a:pt x="22" y="178"/>
-                    <a:pt x="24" y="184"/>
-                  </a:cubicBezTo>
-                  <a:cubicBezTo>
-                    <a:pt x="30" y="197"/>
-                    <a:pt x="35" y="209"/>
-                    <a:pt x="41" y="222"/>
-                  </a:cubicBezTo>
-                  <a:cubicBezTo>
-                    <a:pt x="40" y="219"/>
-                    <a:pt x="39" y="215"/>
-                    <a:pt x="38" y="212"/>
-                  </a:cubicBezTo>
-                  <a:cubicBezTo>
-                    <a:pt x="26" y="172"/>
-                    <a:pt x="18" y="132"/>
-                    <a:pt x="13" y="92"/>
-                  </a:cubicBezTo>
-                  <a:cubicBezTo>
-                    <a:pt x="11" y="68"/>
-                    <a:pt x="9" y="45"/>
-                    <a:pt x="8" y="22"/>
-                  </a:cubicBezTo>
-                  <a:cubicBezTo>
-                    <a:pt x="8" y="21"/>
-                    <a:pt x="7" y="20"/>
-                    <a:pt x="7" y="18"/>
-                  </a:cubicBezTo>
-                  <a:cubicBezTo>
-                    <a:pt x="5" y="12"/>
-                    <a:pt x="2" y="6"/>
-                    <a:pt x="0" y="0"/>
-                  </a:cubicBezTo>
-                  <a:close/>
-                </a:path>
-              </a:pathLst>
-            </a:custGeom>
-            <a:solidFill>
-              <a:schemeClr val="tx2">
-                <a:alpha val="20000"/>
-              </a:schemeClr>
-            </a:solidFill>
-            <a:ln>
-              <a:noFill/>
-            </a:ln>
-          </p:spPr>
-        </p:sp>
-        <p:sp>
-          <p:nvSpPr>
-            <p:cNvPr id="32" name="Freeform 19"/>
-            <p:cNvSpPr/>
-            <p:nvPr/>
-          </p:nvSpPr>
-          <p:spPr bwMode="auto">
-            <a:xfrm>
-              <a:off x="3148013" y="1282700"/>
-              <a:ext cx="1768475" cy="3448050"/>
-            </a:xfrm>
-            <a:custGeom>
-              <a:avLst/>
-              <a:gdLst/>
-              <a:ahLst/>
-              <a:cxnLst/>
-              <a:rect l="0" t="0" r="r" b="b"/>
-              <a:pathLst>
-                <a:path w="450" h="878">
-                  <a:moveTo>
-                    <a:pt x="7" y="854"/>
-                  </a:moveTo>
-                  <a:cubicBezTo>
-                    <a:pt x="10" y="772"/>
-                    <a:pt x="26" y="691"/>
-                    <a:pt x="50" y="613"/>
-                  </a:cubicBezTo>
-                  <a:cubicBezTo>
-                    <a:pt x="75" y="535"/>
-                    <a:pt x="109" y="460"/>
-                    <a:pt x="149" y="388"/>
-                  </a:cubicBezTo>
-                  <a:cubicBezTo>
-                    <a:pt x="189" y="316"/>
-                    <a:pt x="235" y="248"/>
-                    <a:pt x="285" y="183"/>
-                  </a:cubicBezTo>
-                  <a:cubicBezTo>
-                    <a:pt x="310" y="151"/>
-                    <a:pt x="337" y="119"/>
-                    <a:pt x="364" y="89"/>
-                  </a:cubicBezTo>
-                  <a:cubicBezTo>
-                    <a:pt x="378" y="74"/>
-                    <a:pt x="392" y="58"/>
-                    <a:pt x="406" y="44"/>
-                  </a:cubicBezTo>
-                  <a:cubicBezTo>
-                    <a:pt x="421" y="29"/>
-                    <a:pt x="435" y="15"/>
-                    <a:pt x="450" y="1"/>
-                  </a:cubicBezTo>
-                  <a:cubicBezTo>
-                    <a:pt x="450" y="0"/>
-                    <a:pt x="450" y="0"/>
-                    <a:pt x="450" y="0"/>
-                  </a:cubicBezTo>
-                  <a:cubicBezTo>
-                    <a:pt x="434" y="14"/>
-                    <a:pt x="420" y="28"/>
-                    <a:pt x="405" y="43"/>
-                  </a:cubicBezTo>
-                  <a:cubicBezTo>
-                    <a:pt x="391" y="57"/>
-                    <a:pt x="377" y="72"/>
-                    <a:pt x="363" y="88"/>
-                  </a:cubicBezTo>
-                  <a:cubicBezTo>
-                    <a:pt x="335" y="118"/>
-                    <a:pt x="308" y="149"/>
-                    <a:pt x="283" y="181"/>
-                  </a:cubicBezTo>
-                  <a:cubicBezTo>
-                    <a:pt x="232" y="246"/>
-                    <a:pt x="185" y="314"/>
-                    <a:pt x="145" y="386"/>
-                  </a:cubicBezTo>
-                  <a:cubicBezTo>
-                    <a:pt x="104" y="457"/>
-                    <a:pt x="70" y="533"/>
-                    <a:pt x="45" y="611"/>
-                  </a:cubicBezTo>
-                  <a:cubicBezTo>
-                    <a:pt x="19" y="690"/>
-                    <a:pt x="3" y="771"/>
-                    <a:pt x="0" y="854"/>
-                  </a:cubicBezTo>
-                  <a:cubicBezTo>
-                    <a:pt x="0" y="856"/>
-                    <a:pt x="0" y="857"/>
-                    <a:pt x="0" y="859"/>
-                  </a:cubicBezTo>
-                  <a:cubicBezTo>
-                    <a:pt x="2" y="865"/>
-                    <a:pt x="4" y="872"/>
-                    <a:pt x="7" y="878"/>
-                  </a:cubicBezTo>
-                  <a:cubicBezTo>
-                    <a:pt x="7" y="870"/>
-                    <a:pt x="7" y="862"/>
-                    <a:pt x="7" y="854"/>
-                  </a:cubicBezTo>
-                  <a:close/>
-                </a:path>
-              </a:pathLst>
-            </a:custGeom>
-            <a:solidFill>
-              <a:schemeClr val="tx2">
-                <a:alpha val="20000"/>
-              </a:schemeClr>
-            </a:solidFill>
-            <a:ln>
-              <a:noFill/>
-            </a:ln>
-          </p:spPr>
-        </p:sp>
-        <p:sp>
-          <p:nvSpPr>
-            <p:cNvPr id="33" name="Freeform 20"/>
-            <p:cNvSpPr/>
-            <p:nvPr/>
-          </p:nvSpPr>
-          <p:spPr bwMode="auto">
-            <a:xfrm>
-              <a:off x="3273426" y="5653088"/>
-              <a:ext cx="138113" cy="287338"/>
-            </a:xfrm>
-            <a:custGeom>
-              <a:avLst/>
-              <a:gdLst/>
-              <a:ahLst/>
-              <a:cxnLst/>
-              <a:rect l="0" t="0" r="r" b="b"/>
-              <a:pathLst>
-                <a:path w="35" h="73">
-                  <a:moveTo>
-                    <a:pt x="0" y="0"/>
-                  </a:moveTo>
-                  <a:cubicBezTo>
-                    <a:pt x="7" y="24"/>
-                    <a:pt x="16" y="49"/>
-                    <a:pt x="26" y="73"/>
-                  </a:cubicBezTo>
-                  <a:cubicBezTo>
-                    <a:pt x="35" y="73"/>
-                    <a:pt x="35" y="73"/>
-                    <a:pt x="35" y="73"/>
-                  </a:cubicBezTo>
-                  <a:cubicBezTo>
-                    <a:pt x="23" y="49"/>
-                    <a:pt x="11" y="24"/>
-                    <a:pt x="0" y="0"/>
-                  </a:cubicBezTo>
-                  <a:close/>
-                </a:path>
-              </a:pathLst>
-            </a:custGeom>
-            <a:solidFill>
-              <a:schemeClr val="tx2">
-                <a:alpha val="20000"/>
-              </a:schemeClr>
-            </a:solidFill>
-            <a:ln>
-              <a:noFill/>
-            </a:ln>
-          </p:spPr>
-        </p:sp>
-        <p:sp>
-          <p:nvSpPr>
-            <p:cNvPr id="34" name="Freeform 21"/>
-            <p:cNvSpPr/>
-            <p:nvPr/>
-          </p:nvSpPr>
-          <p:spPr bwMode="auto">
-            <a:xfrm>
-              <a:off x="3143251" y="4656138"/>
-              <a:ext cx="31750" cy="188913"/>
-            </a:xfrm>
-            <a:custGeom>
-              <a:avLst/>
-              <a:gdLst/>
-              <a:ahLst/>
-              <a:cxnLst/>
-              <a:rect l="0" t="0" r="r" b="b"/>
-              <a:pathLst>
-                <a:path w="8" h="48">
-                  <a:moveTo>
-                    <a:pt x="7" y="44"/>
-                  </a:moveTo>
-                  <a:cubicBezTo>
-                    <a:pt x="7" y="46"/>
-                    <a:pt x="8" y="47"/>
-                    <a:pt x="8" y="48"/>
-                  </a:cubicBezTo>
-                  <a:cubicBezTo>
-                    <a:pt x="8" y="38"/>
-                    <a:pt x="8" y="29"/>
-                    <a:pt x="8" y="19"/>
-                  </a:cubicBezTo>
-                  <a:cubicBezTo>
-                    <a:pt x="5" y="13"/>
-                    <a:pt x="3" y="6"/>
-                    <a:pt x="1" y="0"/>
-                  </a:cubicBezTo>
-                  <a:cubicBezTo>
-                    <a:pt x="0" y="9"/>
-                    <a:pt x="0" y="17"/>
-                    <a:pt x="0" y="26"/>
-                  </a:cubicBezTo>
-                  <a:cubicBezTo>
-                    <a:pt x="2" y="32"/>
-                    <a:pt x="5" y="38"/>
-                    <a:pt x="7" y="44"/>
-                  </a:cubicBezTo>
-                  <a:close/>
-                </a:path>
-              </a:pathLst>
-            </a:custGeom>
-            <a:solidFill>
-              <a:schemeClr val="tx2">
-                <a:alpha val="20000"/>
-              </a:schemeClr>
-            </a:solidFill>
-            <a:ln>
-              <a:noFill/>
-            </a:ln>
-          </p:spPr>
-        </p:sp>
-        <p:sp>
-          <p:nvSpPr>
-            <p:cNvPr id="35" name="Freeform 22"/>
-            <p:cNvSpPr/>
-            <p:nvPr/>
-          </p:nvSpPr>
-          <p:spPr bwMode="auto">
-            <a:xfrm>
-              <a:off x="3211513" y="5410200"/>
-              <a:ext cx="203200" cy="530225"/>
-            </a:xfrm>
-            <a:custGeom>
-              <a:avLst/>
-              <a:gdLst/>
-              <a:ahLst/>
-              <a:cxnLst/>
-              <a:rect l="0" t="0" r="r" b="b"/>
-              <a:pathLst>
-                <a:path w="52" h="135">
-                  <a:moveTo>
-                    <a:pt x="7" y="18"/>
-                  </a:moveTo>
-                  <a:cubicBezTo>
-                    <a:pt x="5" y="12"/>
-                    <a:pt x="2" y="6"/>
-                    <a:pt x="0" y="0"/>
-                  </a:cubicBezTo>
-                  <a:cubicBezTo>
-                    <a:pt x="3" y="16"/>
-                    <a:pt x="7" y="32"/>
-                    <a:pt x="12" y="48"/>
-                  </a:cubicBezTo>
-                  <a:cubicBezTo>
-                    <a:pt x="13" y="53"/>
-                    <a:pt x="14" y="57"/>
-                    <a:pt x="16" y="62"/>
-                  </a:cubicBezTo>
-                  <a:cubicBezTo>
-                    <a:pt x="27" y="86"/>
-                    <a:pt x="39" y="111"/>
-                    <a:pt x="51" y="135"/>
-                  </a:cubicBezTo>
-                  <a:cubicBezTo>
-                    <a:pt x="52" y="135"/>
-                    <a:pt x="52" y="135"/>
-                    <a:pt x="52" y="135"/>
-                  </a:cubicBezTo>
-                  <a:cubicBezTo>
-                    <a:pt x="41" y="109"/>
-                    <a:pt x="32" y="83"/>
-                    <a:pt x="24" y="56"/>
-                  </a:cubicBezTo>
-                  <a:cubicBezTo>
-                    <a:pt x="18" y="43"/>
-                    <a:pt x="13" y="31"/>
-                    <a:pt x="7" y="18"/>
-                  </a:cubicBezTo>
-                  <a:close/>
-                </a:path>
-              </a:pathLst>
-            </a:custGeom>
-            <a:solidFill>
-              <a:schemeClr val="tx2">
-                <a:alpha val="20000"/>
-              </a:schemeClr>
-            </a:solidFill>
-            <a:ln>
-              <a:noFill/>
-            </a:ln>
-          </p:spPr>
+          <p:style>
+            <a:lnRef idx="1">
+              <a:schemeClr val="accent1"/>
+            </a:lnRef>
+            <a:fillRef idx="3">
+              <a:schemeClr val="accent1"/>
+            </a:fillRef>
+            <a:effectRef idx="2">
+              <a:schemeClr val="accent1"/>
+            </a:effectRef>
+            <a:fontRef idx="minor">
+              <a:schemeClr val="lt1"/>
+            </a:fontRef>
+          </p:style>
         </p:sp>
       </p:grpSp>
-      <p:grpSp>
-        <p:nvGrpSpPr>
-          <p:cNvPr id="10" name="Group 9"/>
-          <p:cNvGrpSpPr/>
-          <p:nvPr/>
-        </p:nvGrpSpPr>
-        <p:grpSpPr>
-          <a:xfrm>
-            <a:off x="27221" y="-32"/>
-            <a:ext cx="2356674" cy="6853285"/>
-            <a:chOff x="6627813" y="195454"/>
-            <a:chExt cx="1952625" cy="5678297"/>
-          </a:xfrm>
-        </p:grpSpPr>
-        <p:sp>
-          <p:nvSpPr>
-            <p:cNvPr id="11" name="Freeform 27"/>
-            <p:cNvSpPr/>
-            <p:nvPr/>
-          </p:nvSpPr>
-          <p:spPr bwMode="auto">
-            <a:xfrm>
-              <a:off x="6627813" y="195454"/>
-              <a:ext cx="409575" cy="3646488"/>
-            </a:xfrm>
-            <a:custGeom>
-              <a:avLst/>
-              <a:gdLst/>
-              <a:ahLst/>
-              <a:cxnLst/>
-              <a:rect l="0" t="0" r="r" b="b"/>
-              <a:pathLst>
-                <a:path w="103" h="920">
-                  <a:moveTo>
-                    <a:pt x="7" y="210"/>
-                  </a:moveTo>
-                  <a:cubicBezTo>
-                    <a:pt x="11" y="288"/>
-                    <a:pt x="17" y="367"/>
-                    <a:pt x="26" y="445"/>
-                  </a:cubicBezTo>
-                  <a:cubicBezTo>
-                    <a:pt x="34" y="523"/>
-                    <a:pt x="44" y="601"/>
-                    <a:pt x="57" y="679"/>
-                  </a:cubicBezTo>
-                  <a:cubicBezTo>
-                    <a:pt x="69" y="757"/>
-                    <a:pt x="84" y="834"/>
-                    <a:pt x="101" y="911"/>
-                  </a:cubicBezTo>
-                  <a:cubicBezTo>
-                    <a:pt x="102" y="914"/>
-                    <a:pt x="103" y="917"/>
-                    <a:pt x="103" y="920"/>
-                  </a:cubicBezTo>
-                  <a:cubicBezTo>
-                    <a:pt x="102" y="905"/>
-                    <a:pt x="100" y="889"/>
-                    <a:pt x="99" y="874"/>
-                  </a:cubicBezTo>
-                  <a:cubicBezTo>
-                    <a:pt x="99" y="871"/>
-                    <a:pt x="99" y="868"/>
-                    <a:pt x="99" y="866"/>
-                  </a:cubicBezTo>
-                  <a:cubicBezTo>
-                    <a:pt x="85" y="803"/>
-                    <a:pt x="73" y="741"/>
-                    <a:pt x="63" y="678"/>
-                  </a:cubicBezTo>
-                  <a:cubicBezTo>
-                    <a:pt x="50" y="600"/>
-                    <a:pt x="39" y="523"/>
-                    <a:pt x="30" y="444"/>
-                  </a:cubicBezTo>
-                  <a:cubicBezTo>
-                    <a:pt x="21" y="366"/>
-                    <a:pt x="14" y="288"/>
-                    <a:pt x="9" y="209"/>
-                  </a:cubicBezTo>
-                  <a:cubicBezTo>
-                    <a:pt x="7" y="170"/>
-                    <a:pt x="5" y="131"/>
-                    <a:pt x="3" y="92"/>
-                  </a:cubicBezTo>
-                  <a:cubicBezTo>
-                    <a:pt x="2" y="61"/>
-                    <a:pt x="1" y="31"/>
-                    <a:pt x="1" y="0"/>
-                  </a:cubicBezTo>
-                  <a:cubicBezTo>
-                    <a:pt x="0" y="0"/>
-                    <a:pt x="0" y="0"/>
-                    <a:pt x="0" y="0"/>
-                  </a:cubicBezTo>
-                  <a:cubicBezTo>
-                    <a:pt x="0" y="31"/>
-                    <a:pt x="1" y="61"/>
-                    <a:pt x="1" y="92"/>
-                  </a:cubicBezTo>
-                  <a:cubicBezTo>
-                    <a:pt x="3" y="131"/>
-                    <a:pt x="4" y="170"/>
-                    <a:pt x="7" y="210"/>
-                  </a:cubicBezTo>
-                  <a:close/>
-                </a:path>
-              </a:pathLst>
-            </a:custGeom>
-            <a:solidFill>
-              <a:schemeClr val="tx2"/>
-            </a:solidFill>
-            <a:ln>
-              <a:noFill/>
-            </a:ln>
-          </p:spPr>
-        </p:sp>
-        <p:sp>
-          <p:nvSpPr>
-            <p:cNvPr id="12" name="Freeform 28"/>
-            <p:cNvSpPr/>
-            <p:nvPr/>
-          </p:nvSpPr>
-          <p:spPr bwMode="auto">
-            <a:xfrm>
-              <a:off x="7061201" y="3771900"/>
-              <a:ext cx="350838" cy="1309688"/>
-            </a:xfrm>
-            <a:custGeom>
-              <a:avLst/>
-              <a:gdLst/>
-              <a:ahLst/>
-              <a:cxnLst/>
-              <a:rect l="0" t="0" r="r" b="b"/>
-              <a:pathLst>
-                <a:path w="88" h="330">
-                  <a:moveTo>
-                    <a:pt x="53" y="229"/>
-                  </a:moveTo>
-                  <a:cubicBezTo>
-                    <a:pt x="64" y="263"/>
-                    <a:pt x="75" y="297"/>
-                    <a:pt x="88" y="330"/>
-                  </a:cubicBezTo>
-                  <a:cubicBezTo>
-                    <a:pt x="88" y="323"/>
-                    <a:pt x="88" y="315"/>
-                    <a:pt x="88" y="308"/>
-                  </a:cubicBezTo>
-                  <a:cubicBezTo>
-                    <a:pt x="88" y="307"/>
-                    <a:pt x="88" y="305"/>
-                    <a:pt x="88" y="304"/>
-                  </a:cubicBezTo>
-                  <a:cubicBezTo>
-                    <a:pt x="79" y="278"/>
-                    <a:pt x="70" y="252"/>
-                    <a:pt x="62" y="226"/>
-                  </a:cubicBezTo>
-                  <a:cubicBezTo>
-                    <a:pt x="38" y="152"/>
-                    <a:pt x="17" y="76"/>
-                    <a:pt x="0" y="0"/>
-                  </a:cubicBezTo>
-                  <a:cubicBezTo>
-                    <a:pt x="2" y="21"/>
-                    <a:pt x="4" y="42"/>
-                    <a:pt x="7" y="63"/>
-                  </a:cubicBezTo>
-                  <a:cubicBezTo>
-                    <a:pt x="21" y="119"/>
-                    <a:pt x="36" y="174"/>
-                    <a:pt x="53" y="229"/>
-                  </a:cubicBezTo>
-                  <a:close/>
-                </a:path>
-              </a:pathLst>
-            </a:custGeom>
-            <a:solidFill>
-              <a:schemeClr val="tx2"/>
-            </a:solidFill>
-            <a:ln>
-              <a:noFill/>
-            </a:ln>
-          </p:spPr>
-        </p:sp>
-        <p:sp>
-          <p:nvSpPr>
-            <p:cNvPr id="13" name="Freeform 29"/>
-            <p:cNvSpPr/>
-            <p:nvPr/>
-          </p:nvSpPr>
-          <p:spPr bwMode="auto">
-            <a:xfrm>
-              <a:off x="7439026" y="5053013"/>
-              <a:ext cx="357188" cy="820738"/>
-            </a:xfrm>
-            <a:custGeom>
-              <a:avLst/>
-              <a:gdLst/>
-              <a:ahLst/>
-              <a:cxnLst/>
-              <a:rect l="0" t="0" r="r" b="b"/>
-              <a:pathLst>
-                <a:path w="90" h="207">
-                  <a:moveTo>
-                    <a:pt x="6" y="15"/>
-                  </a:moveTo>
-                  <a:cubicBezTo>
-                    <a:pt x="4" y="10"/>
-                    <a:pt x="2" y="5"/>
-                    <a:pt x="0" y="0"/>
-                  </a:cubicBezTo>
-                  <a:cubicBezTo>
-                    <a:pt x="0" y="9"/>
-                    <a:pt x="0" y="19"/>
-                    <a:pt x="1" y="29"/>
-                  </a:cubicBezTo>
-                  <a:cubicBezTo>
-                    <a:pt x="14" y="62"/>
-                    <a:pt x="27" y="95"/>
-                    <a:pt x="42" y="127"/>
-                  </a:cubicBezTo>
-                  <a:cubicBezTo>
-                    <a:pt x="54" y="154"/>
-                    <a:pt x="67" y="181"/>
-                    <a:pt x="80" y="207"/>
-                  </a:cubicBezTo>
-                  <a:cubicBezTo>
-                    <a:pt x="90" y="207"/>
-                    <a:pt x="90" y="207"/>
-                    <a:pt x="90" y="207"/>
-                  </a:cubicBezTo>
-                  <a:cubicBezTo>
-                    <a:pt x="76" y="180"/>
-                    <a:pt x="63" y="152"/>
-                    <a:pt x="50" y="123"/>
-                  </a:cubicBezTo>
-                  <a:cubicBezTo>
-                    <a:pt x="34" y="88"/>
-                    <a:pt x="20" y="51"/>
-                    <a:pt x="6" y="15"/>
-                  </a:cubicBezTo>
-                  <a:close/>
-                </a:path>
-              </a:pathLst>
-            </a:custGeom>
-            <a:solidFill>
-              <a:schemeClr val="tx2"/>
-            </a:solidFill>
-            <a:ln>
-              <a:noFill/>
-            </a:ln>
-          </p:spPr>
-        </p:sp>
-        <p:sp>
-          <p:nvSpPr>
-            <p:cNvPr id="14" name="Freeform 30"/>
-            <p:cNvSpPr/>
-            <p:nvPr/>
-          </p:nvSpPr>
-          <p:spPr bwMode="auto">
-            <a:xfrm>
-              <a:off x="7037388" y="3811588"/>
-              <a:ext cx="457200" cy="1852613"/>
-            </a:xfrm>
-            <a:custGeom>
-              <a:avLst/>
-              <a:gdLst/>
-              <a:ahLst/>
-              <a:cxnLst/>
-              <a:rect l="0" t="0" r="r" b="b"/>
-              <a:pathLst>
-                <a:path w="115" h="467">
-                  <a:moveTo>
-                    <a:pt x="101" y="409"/>
-                  </a:moveTo>
-                  <a:cubicBezTo>
-                    <a:pt x="93" y="388"/>
-                    <a:pt x="85" y="366"/>
-                    <a:pt x="78" y="344"/>
-                  </a:cubicBezTo>
-                  <a:cubicBezTo>
-                    <a:pt x="57" y="281"/>
-                    <a:pt x="41" y="216"/>
-                    <a:pt x="29" y="151"/>
-                  </a:cubicBezTo>
-                  <a:cubicBezTo>
-                    <a:pt x="22" y="119"/>
-                    <a:pt x="17" y="86"/>
-                    <a:pt x="13" y="53"/>
-                  </a:cubicBezTo>
-                  <a:cubicBezTo>
-                    <a:pt x="9" y="35"/>
-                    <a:pt x="4" y="18"/>
-                    <a:pt x="0" y="0"/>
-                  </a:cubicBezTo>
-                  <a:cubicBezTo>
-                    <a:pt x="5" y="51"/>
-                    <a:pt x="12" y="102"/>
-                    <a:pt x="21" y="152"/>
-                  </a:cubicBezTo>
-                  <a:cubicBezTo>
-                    <a:pt x="33" y="218"/>
-                    <a:pt x="49" y="283"/>
-                    <a:pt x="69" y="347"/>
-                  </a:cubicBezTo>
-                  <a:cubicBezTo>
-                    <a:pt x="79" y="378"/>
-                    <a:pt x="90" y="410"/>
-                    <a:pt x="103" y="441"/>
-                  </a:cubicBezTo>
-                  <a:cubicBezTo>
-                    <a:pt x="107" y="449"/>
-                    <a:pt x="111" y="458"/>
-                    <a:pt x="115" y="467"/>
-                  </a:cubicBezTo>
-                  <a:cubicBezTo>
-                    <a:pt x="114" y="464"/>
-                    <a:pt x="113" y="461"/>
-                    <a:pt x="112" y="458"/>
-                  </a:cubicBezTo>
-                  <a:cubicBezTo>
-                    <a:pt x="108" y="442"/>
-                    <a:pt x="104" y="425"/>
-                    <a:pt x="101" y="409"/>
-                  </a:cubicBezTo>
-                  <a:close/>
-                </a:path>
-              </a:pathLst>
-            </a:custGeom>
-            <a:solidFill>
-              <a:schemeClr val="tx2"/>
-            </a:solidFill>
-            <a:ln>
-              <a:noFill/>
-            </a:ln>
-          </p:spPr>
-        </p:sp>
-        <p:sp>
-          <p:nvSpPr>
-            <p:cNvPr id="15" name="Freeform 31"/>
-            <p:cNvSpPr/>
-            <p:nvPr/>
-          </p:nvSpPr>
-          <p:spPr bwMode="auto">
-            <a:xfrm>
-              <a:off x="6992938" y="1263650"/>
-              <a:ext cx="144463" cy="2508250"/>
-            </a:xfrm>
-            <a:custGeom>
-              <a:avLst/>
-              <a:gdLst/>
-              <a:ahLst/>
-              <a:cxnLst/>
-              <a:rect l="0" t="0" r="r" b="b"/>
-              <a:pathLst>
-                <a:path w="36" h="633">
-                  <a:moveTo>
-                    <a:pt x="17" y="633"/>
-                  </a:moveTo>
-                  <a:cubicBezTo>
-                    <a:pt x="15" y="621"/>
-                    <a:pt x="14" y="609"/>
-                    <a:pt x="13" y="597"/>
-                  </a:cubicBezTo>
-                  <a:cubicBezTo>
-                    <a:pt x="8" y="530"/>
-                    <a:pt x="5" y="464"/>
-                    <a:pt x="5" y="398"/>
-                  </a:cubicBezTo>
-                  <a:cubicBezTo>
-                    <a:pt x="5" y="331"/>
-                    <a:pt x="8" y="265"/>
-                    <a:pt x="13" y="198"/>
-                  </a:cubicBezTo>
-                  <a:cubicBezTo>
-                    <a:pt x="15" y="165"/>
-                    <a:pt x="18" y="132"/>
-                    <a:pt x="22" y="99"/>
-                  </a:cubicBezTo>
-                  <a:cubicBezTo>
-                    <a:pt x="26" y="66"/>
-                    <a:pt x="30" y="33"/>
-                    <a:pt x="36" y="0"/>
-                  </a:cubicBezTo>
-                  <a:cubicBezTo>
-                    <a:pt x="35" y="0"/>
-                    <a:pt x="35" y="0"/>
-                    <a:pt x="35" y="0"/>
-                  </a:cubicBezTo>
-                  <a:cubicBezTo>
-                    <a:pt x="29" y="33"/>
-                    <a:pt x="24" y="66"/>
-                    <a:pt x="20" y="99"/>
-                  </a:cubicBezTo>
-                  <a:cubicBezTo>
-                    <a:pt x="16" y="132"/>
-                    <a:pt x="13" y="165"/>
-                    <a:pt x="10" y="198"/>
-                  </a:cubicBezTo>
-                  <a:cubicBezTo>
-                    <a:pt x="4" y="264"/>
-                    <a:pt x="1" y="331"/>
-                    <a:pt x="1" y="398"/>
-                  </a:cubicBezTo>
-                  <a:cubicBezTo>
-                    <a:pt x="0" y="461"/>
-                    <a:pt x="2" y="525"/>
-                    <a:pt x="7" y="589"/>
-                  </a:cubicBezTo>
-                  <a:cubicBezTo>
-                    <a:pt x="10" y="603"/>
-                    <a:pt x="13" y="618"/>
-                    <a:pt x="16" y="632"/>
-                  </a:cubicBezTo>
-                  <a:cubicBezTo>
-                    <a:pt x="16" y="632"/>
-                    <a:pt x="17" y="633"/>
-                    <a:pt x="17" y="633"/>
-                  </a:cubicBezTo>
-                  <a:close/>
-                </a:path>
-              </a:pathLst>
-            </a:custGeom>
-            <a:solidFill>
-              <a:schemeClr val="tx2"/>
-            </a:solidFill>
-            <a:ln>
-              <a:noFill/>
-            </a:ln>
-          </p:spPr>
-        </p:sp>
-        <p:sp>
-          <p:nvSpPr>
-            <p:cNvPr id="16" name="Freeform 32"/>
-            <p:cNvSpPr/>
-            <p:nvPr/>
-          </p:nvSpPr>
-          <p:spPr bwMode="auto">
-            <a:xfrm>
-              <a:off x="7526338" y="5640388"/>
-              <a:ext cx="111125" cy="233363"/>
-            </a:xfrm>
-            <a:custGeom>
-              <a:avLst/>
-              <a:gdLst/>
-              <a:ahLst/>
-              <a:cxnLst/>
-              <a:rect l="0" t="0" r="r" b="b"/>
-              <a:pathLst>
-                <a:path w="28" h="59">
-                  <a:moveTo>
-                    <a:pt x="22" y="59"/>
-                  </a:moveTo>
-                  <a:cubicBezTo>
-                    <a:pt x="28" y="59"/>
-                    <a:pt x="28" y="59"/>
-                    <a:pt x="28" y="59"/>
-                  </a:cubicBezTo>
-                  <a:cubicBezTo>
-                    <a:pt x="18" y="40"/>
-                    <a:pt x="9" y="20"/>
-                    <a:pt x="0" y="0"/>
-                  </a:cubicBezTo>
-                  <a:cubicBezTo>
-                    <a:pt x="6" y="20"/>
-                    <a:pt x="13" y="40"/>
-                    <a:pt x="22" y="59"/>
-                  </a:cubicBezTo>
-                  <a:close/>
-                </a:path>
-              </a:pathLst>
-            </a:custGeom>
-            <a:solidFill>
-              <a:schemeClr val="tx2"/>
-            </a:solidFill>
-            <a:ln>
-              <a:noFill/>
-            </a:ln>
-          </p:spPr>
-        </p:sp>
-        <p:sp>
-          <p:nvSpPr>
-            <p:cNvPr id="17" name="Freeform 33"/>
-            <p:cNvSpPr/>
-            <p:nvPr/>
-          </p:nvSpPr>
-          <p:spPr bwMode="auto">
-            <a:xfrm>
-              <a:off x="7021513" y="3598863"/>
-              <a:ext cx="68263" cy="423863"/>
-            </a:xfrm>
-            <a:custGeom>
-              <a:avLst/>
-              <a:gdLst/>
-              <a:ahLst/>
-              <a:cxnLst/>
-              <a:rect l="0" t="0" r="r" b="b"/>
-              <a:pathLst>
-                <a:path w="17" h="107">
-                  <a:moveTo>
-                    <a:pt x="4" y="54"/>
-                  </a:moveTo>
-                  <a:cubicBezTo>
-                    <a:pt x="8" y="72"/>
-                    <a:pt x="13" y="89"/>
-                    <a:pt x="17" y="107"/>
-                  </a:cubicBezTo>
-                  <a:cubicBezTo>
-                    <a:pt x="14" y="86"/>
-                    <a:pt x="12" y="65"/>
-                    <a:pt x="10" y="44"/>
-                  </a:cubicBezTo>
-                  <a:cubicBezTo>
-                    <a:pt x="10" y="44"/>
-                    <a:pt x="9" y="43"/>
-                    <a:pt x="9" y="43"/>
-                  </a:cubicBezTo>
-                  <a:cubicBezTo>
-                    <a:pt x="6" y="29"/>
-                    <a:pt x="3" y="14"/>
-                    <a:pt x="0" y="0"/>
-                  </a:cubicBezTo>
-                  <a:cubicBezTo>
-                    <a:pt x="0" y="2"/>
-                    <a:pt x="0" y="5"/>
-                    <a:pt x="0" y="8"/>
-                  </a:cubicBezTo>
-                  <a:cubicBezTo>
-                    <a:pt x="1" y="23"/>
-                    <a:pt x="3" y="39"/>
-                    <a:pt x="4" y="54"/>
-                  </a:cubicBezTo>
-                  <a:close/>
-                </a:path>
-              </a:pathLst>
-            </a:custGeom>
-            <a:solidFill>
-              <a:schemeClr val="tx2"/>
-            </a:solidFill>
-            <a:ln>
-              <a:noFill/>
-            </a:ln>
-          </p:spPr>
-        </p:sp>
-        <p:sp>
-          <p:nvSpPr>
-            <p:cNvPr id="18" name="Freeform 34"/>
-            <p:cNvSpPr/>
-            <p:nvPr/>
-          </p:nvSpPr>
-          <p:spPr bwMode="auto">
-            <a:xfrm>
-              <a:off x="7412038" y="2801938"/>
-              <a:ext cx="1168400" cy="2251075"/>
-            </a:xfrm>
-            <a:custGeom>
-              <a:avLst/>
-              <a:gdLst/>
-              <a:ahLst/>
-              <a:cxnLst/>
-              <a:rect l="0" t="0" r="r" b="b"/>
-              <a:pathLst>
-                <a:path w="294" h="568">
-                  <a:moveTo>
-                    <a:pt x="8" y="553"/>
-                  </a:moveTo>
-                  <a:cubicBezTo>
-                    <a:pt x="9" y="501"/>
-                    <a:pt x="19" y="448"/>
-                    <a:pt x="35" y="397"/>
-                  </a:cubicBezTo>
-                  <a:cubicBezTo>
-                    <a:pt x="51" y="347"/>
-                    <a:pt x="73" y="298"/>
-                    <a:pt x="99" y="252"/>
-                  </a:cubicBezTo>
-                  <a:cubicBezTo>
-                    <a:pt x="124" y="205"/>
-                    <a:pt x="154" y="161"/>
-                    <a:pt x="187" y="119"/>
-                  </a:cubicBezTo>
-                  <a:cubicBezTo>
-                    <a:pt x="203" y="98"/>
-                    <a:pt x="220" y="77"/>
-                    <a:pt x="238" y="58"/>
-                  </a:cubicBezTo>
-                  <a:cubicBezTo>
-                    <a:pt x="247" y="48"/>
-                    <a:pt x="256" y="38"/>
-                    <a:pt x="265" y="28"/>
-                  </a:cubicBezTo>
-                  <a:cubicBezTo>
-                    <a:pt x="274" y="19"/>
-                    <a:pt x="284" y="9"/>
-                    <a:pt x="294" y="0"/>
-                  </a:cubicBezTo>
-                  <a:cubicBezTo>
-                    <a:pt x="293" y="0"/>
-                    <a:pt x="293" y="0"/>
-                    <a:pt x="293" y="0"/>
-                  </a:cubicBezTo>
-                  <a:cubicBezTo>
-                    <a:pt x="283" y="9"/>
-                    <a:pt x="273" y="18"/>
-                    <a:pt x="264" y="27"/>
-                  </a:cubicBezTo>
-                  <a:cubicBezTo>
-                    <a:pt x="255" y="37"/>
-                    <a:pt x="246" y="47"/>
-                    <a:pt x="237" y="56"/>
-                  </a:cubicBezTo>
-                  <a:cubicBezTo>
-                    <a:pt x="218" y="76"/>
-                    <a:pt x="201" y="96"/>
-                    <a:pt x="185" y="117"/>
-                  </a:cubicBezTo>
-                  <a:cubicBezTo>
-                    <a:pt x="151" y="159"/>
-                    <a:pt x="121" y="203"/>
-                    <a:pt x="95" y="249"/>
-                  </a:cubicBezTo>
-                  <a:cubicBezTo>
-                    <a:pt x="68" y="296"/>
-                    <a:pt x="46" y="345"/>
-                    <a:pt x="30" y="396"/>
-                  </a:cubicBezTo>
-                  <a:cubicBezTo>
-                    <a:pt x="13" y="445"/>
-                    <a:pt x="3" y="497"/>
-                    <a:pt x="0" y="549"/>
-                  </a:cubicBezTo>
-                  <a:cubicBezTo>
-                    <a:pt x="3" y="555"/>
-                    <a:pt x="5" y="561"/>
-                    <a:pt x="7" y="568"/>
-                  </a:cubicBezTo>
-                  <a:cubicBezTo>
-                    <a:pt x="7" y="563"/>
-                    <a:pt x="7" y="558"/>
-                    <a:pt x="8" y="553"/>
-                  </a:cubicBezTo>
-                  <a:close/>
-                </a:path>
-              </a:pathLst>
-            </a:custGeom>
-            <a:solidFill>
-              <a:schemeClr val="tx2"/>
-            </a:solidFill>
-            <a:ln>
-              <a:noFill/>
-            </a:ln>
-          </p:spPr>
-        </p:sp>
-        <p:sp>
-          <p:nvSpPr>
-            <p:cNvPr id="19" name="Freeform 35"/>
-            <p:cNvSpPr/>
-            <p:nvPr/>
-          </p:nvSpPr>
-          <p:spPr bwMode="auto">
-            <a:xfrm>
-              <a:off x="7494588" y="5664200"/>
-              <a:ext cx="100013" cy="209550"/>
-            </a:xfrm>
-            <a:custGeom>
-              <a:avLst/>
-              <a:gdLst/>
-              <a:ahLst/>
-              <a:cxnLst/>
-              <a:rect l="0" t="0" r="r" b="b"/>
-              <a:pathLst>
-                <a:path w="25" h="53">
-                  <a:moveTo>
-                    <a:pt x="0" y="0"/>
-                  </a:moveTo>
-                  <a:cubicBezTo>
-                    <a:pt x="5" y="18"/>
-                    <a:pt x="12" y="36"/>
-                    <a:pt x="19" y="53"/>
-                  </a:cubicBezTo>
-                  <a:cubicBezTo>
-                    <a:pt x="25" y="53"/>
-                    <a:pt x="25" y="53"/>
-                    <a:pt x="25" y="53"/>
-                  </a:cubicBezTo>
-                  <a:cubicBezTo>
-                    <a:pt x="16" y="36"/>
-                    <a:pt x="8" y="18"/>
-                    <a:pt x="0" y="0"/>
-                  </a:cubicBezTo>
-                  <a:close/>
-                </a:path>
-              </a:pathLst>
-            </a:custGeom>
-            <a:solidFill>
-              <a:schemeClr val="tx2"/>
-            </a:solidFill>
-            <a:ln>
-              <a:noFill/>
-            </a:ln>
-          </p:spPr>
-        </p:sp>
-        <p:sp>
-          <p:nvSpPr>
-            <p:cNvPr id="20" name="Freeform 36"/>
-            <p:cNvSpPr/>
-            <p:nvPr/>
-          </p:nvSpPr>
-          <p:spPr bwMode="auto">
-            <a:xfrm>
-              <a:off x="7412038" y="5081588"/>
-              <a:ext cx="114300" cy="558800"/>
-            </a:xfrm>
-            <a:custGeom>
-              <a:avLst/>
-              <a:gdLst/>
-              <a:ahLst/>
-              <a:cxnLst/>
-              <a:rect l="0" t="0" r="r" b="b"/>
-              <a:pathLst>
-                <a:path w="29" h="141">
-                  <a:moveTo>
-                    <a:pt x="0" y="0"/>
-                  </a:moveTo>
-                  <a:cubicBezTo>
-                    <a:pt x="0" y="30"/>
-                    <a:pt x="2" y="60"/>
-                    <a:pt x="7" y="89"/>
-                  </a:cubicBezTo>
-                  <a:cubicBezTo>
-                    <a:pt x="11" y="98"/>
-                    <a:pt x="14" y="108"/>
-                    <a:pt x="18" y="117"/>
-                  </a:cubicBezTo>
-                  <a:cubicBezTo>
-                    <a:pt x="22" y="125"/>
-                    <a:pt x="25" y="133"/>
-                    <a:pt x="29" y="141"/>
-                  </a:cubicBezTo>
-                  <a:cubicBezTo>
-                    <a:pt x="28" y="139"/>
-                    <a:pt x="28" y="137"/>
-                    <a:pt x="27" y="135"/>
-                  </a:cubicBezTo>
-                  <a:cubicBezTo>
-                    <a:pt x="16" y="98"/>
-                    <a:pt x="10" y="60"/>
-                    <a:pt x="8" y="22"/>
-                  </a:cubicBezTo>
-                  <a:cubicBezTo>
-                    <a:pt x="7" y="18"/>
-                    <a:pt x="5" y="15"/>
-                    <a:pt x="4" y="11"/>
-                  </a:cubicBezTo>
-                  <a:cubicBezTo>
-                    <a:pt x="2" y="7"/>
-                    <a:pt x="1" y="3"/>
-                    <a:pt x="0" y="0"/>
-                  </a:cubicBezTo>
-                  <a:close/>
-                </a:path>
-              </a:pathLst>
-            </a:custGeom>
-            <a:solidFill>
-              <a:schemeClr val="tx2"/>
-            </a:solidFill>
-            <a:ln>
-              <a:noFill/>
-            </a:ln>
-          </p:spPr>
-        </p:sp>
-        <p:sp>
-          <p:nvSpPr>
-            <p:cNvPr id="21" name="Freeform 37"/>
-            <p:cNvSpPr/>
-            <p:nvPr/>
-          </p:nvSpPr>
-          <p:spPr bwMode="auto">
-            <a:xfrm>
-              <a:off x="7412038" y="4978400"/>
-              <a:ext cx="31750" cy="188913"/>
-            </a:xfrm>
-            <a:custGeom>
-              <a:avLst/>
-              <a:gdLst/>
-              <a:ahLst/>
-              <a:cxnLst/>
-              <a:rect l="0" t="0" r="r" b="b"/>
-              <a:pathLst>
-                <a:path w="8" h="48">
-                  <a:moveTo>
-                    <a:pt x="0" y="26"/>
-                  </a:moveTo>
-                  <a:cubicBezTo>
-                    <a:pt x="1" y="29"/>
-                    <a:pt x="2" y="33"/>
-                    <a:pt x="4" y="37"/>
-                  </a:cubicBezTo>
-                  <a:cubicBezTo>
-                    <a:pt x="5" y="41"/>
-                    <a:pt x="7" y="44"/>
-                    <a:pt x="8" y="48"/>
-                  </a:cubicBezTo>
-                  <a:cubicBezTo>
-                    <a:pt x="7" y="38"/>
-                    <a:pt x="7" y="28"/>
-                    <a:pt x="7" y="19"/>
-                  </a:cubicBezTo>
-                  <a:cubicBezTo>
-                    <a:pt x="5" y="12"/>
-                    <a:pt x="3" y="6"/>
-                    <a:pt x="0" y="0"/>
-                  </a:cubicBezTo>
-                  <a:cubicBezTo>
-                    <a:pt x="0" y="1"/>
-                    <a:pt x="0" y="3"/>
-                    <a:pt x="0" y="4"/>
-                  </a:cubicBezTo>
-                  <a:cubicBezTo>
-                    <a:pt x="0" y="11"/>
-                    <a:pt x="0" y="19"/>
-                    <a:pt x="0" y="26"/>
-                  </a:cubicBezTo>
-                  <a:close/>
-                </a:path>
-              </a:pathLst>
-            </a:custGeom>
-            <a:solidFill>
-              <a:schemeClr val="tx2"/>
-            </a:solidFill>
-            <a:ln>
-              <a:noFill/>
-            </a:ln>
-          </p:spPr>
-        </p:sp>
-        <p:sp>
-          <p:nvSpPr>
-            <p:cNvPr id="22" name="Freeform 38"/>
-            <p:cNvSpPr/>
-            <p:nvPr/>
-          </p:nvSpPr>
-          <p:spPr bwMode="auto">
-            <a:xfrm>
-              <a:off x="7439026" y="5434013"/>
-              <a:ext cx="174625" cy="439738"/>
-            </a:xfrm>
-            <a:custGeom>
-              <a:avLst/>
-              <a:gdLst/>
-              <a:ahLst/>
-              <a:cxnLst/>
-              <a:rect l="0" t="0" r="r" b="b"/>
-              <a:pathLst>
-                <a:path w="44" h="111">
-                  <a:moveTo>
-                    <a:pt x="11" y="28"/>
-                  </a:moveTo>
-                  <a:cubicBezTo>
-                    <a:pt x="7" y="19"/>
-                    <a:pt x="4" y="9"/>
-                    <a:pt x="0" y="0"/>
-                  </a:cubicBezTo>
-                  <a:cubicBezTo>
-                    <a:pt x="3" y="16"/>
-                    <a:pt x="7" y="33"/>
-                    <a:pt x="11" y="49"/>
-                  </a:cubicBezTo>
-                  <a:cubicBezTo>
-                    <a:pt x="12" y="52"/>
-                    <a:pt x="13" y="55"/>
-                    <a:pt x="14" y="58"/>
-                  </a:cubicBezTo>
-                  <a:cubicBezTo>
-                    <a:pt x="22" y="76"/>
-                    <a:pt x="30" y="94"/>
-                    <a:pt x="39" y="111"/>
-                  </a:cubicBezTo>
-                  <a:cubicBezTo>
-                    <a:pt x="44" y="111"/>
-                    <a:pt x="44" y="111"/>
-                    <a:pt x="44" y="111"/>
-                  </a:cubicBezTo>
-                  <a:cubicBezTo>
-                    <a:pt x="35" y="92"/>
-                    <a:pt x="28" y="72"/>
-                    <a:pt x="22" y="52"/>
-                  </a:cubicBezTo>
-                  <a:cubicBezTo>
-                    <a:pt x="18" y="44"/>
-                    <a:pt x="15" y="36"/>
-                    <a:pt x="11" y="28"/>
-                  </a:cubicBezTo>
-                  <a:close/>
-                </a:path>
-              </a:pathLst>
-            </a:custGeom>
-            <a:solidFill>
-              <a:schemeClr val="tx2"/>
-            </a:solidFill>
-            <a:ln>
-              <a:noFill/>
-            </a:ln>
-          </p:spPr>
-        </p:sp>
-      </p:grpSp>
-      <p:sp>
-        <p:nvSpPr>
-          <p:cNvPr id="7" name="Rectangle 6"/>
-          <p:cNvSpPr/>
-          <p:nvPr/>
+      <p:sp>
+        <p:nvSpPr>
+          <p:cNvPr id="2" name="Title Placeholder 1"/>
+          <p:cNvSpPr>
+            <a:spLocks noGrp="1"/>
+          </p:cNvSpPr>
+          <p:nvPr>
+            <p:ph type="title"/>
+          </p:nvPr>
         </p:nvSpPr>
         <p:spPr>
           <a:xfrm>
-            <a:off x="0" y="0"/>
-            <a:ext cx="182880" cy="6858000"/>
-          </a:xfrm>
-          <a:prstGeom prst="rect">
-            <a:avLst/>
-          </a:prstGeom>
-          <a:solidFill>
-            <a:schemeClr val="tx2"/>
-          </a:solidFill>
-          <a:ln>
-            <a:noFill/>
-          </a:ln>
-          <a:effectLst/>
-        </p:spPr>
-        <p:style>
-          <a:lnRef idx="1">
-            <a:schemeClr val="accent1"/>
-          </a:lnRef>
-          <a:fillRef idx="3">
-            <a:schemeClr val="accent1"/>
-          </a:fillRef>
-          <a:effectRef idx="2">
-            <a:schemeClr val="accent1"/>
-          </a:effectRef>
-          <a:fontRef idx="minor">
-            <a:schemeClr val="lt1"/>
-          </a:fontRef>
-        </p:style>
-      </p:sp>
-      <p:sp>
-        <p:nvSpPr>
-          <p:cNvPr id="2" name="Title Placeholder 1"/>
-          <p:cNvSpPr>
-            <a:spLocks noGrp="1"/>
-          </p:cNvSpPr>
-          <p:nvPr>
-            <p:ph type="title"/>
-          </p:nvPr>
-        </p:nvSpPr>
-        <p:spPr>
-          <a:xfrm>
-            <a:off x="2592924" y="624110"/>
-            <a:ext cx="8911687" cy="1280890"/>
+            <a:off x="677334" y="609600"/>
+            <a:ext cx="8596668" cy="1320800"/>
           </a:xfrm>
           <a:prstGeom prst="rect">
             <a:avLst/>
@@ -7019,8 +5260,8 @@
         </p:nvSpPr>
         <p:spPr>
           <a:xfrm>
-            <a:off x="2589212" y="2133600"/>
-            <a:ext cx="8915400" cy="3886200"/>
+            <a:off x="677334" y="2160589"/>
+            <a:ext cx="8596668" cy="3880773"/>
           </a:xfrm>
           <a:prstGeom prst="rect">
             <a:avLst/>
@@ -7081,8 +5322,8 @@
         </p:nvSpPr>
         <p:spPr>
           <a:xfrm>
-            <a:off x="10361612" y="6130437"/>
-            <a:ext cx="1146283" cy="370396"/>
+            <a:off x="7205133" y="6041362"/>
+            <a:ext cx="911939" cy="365125"/>
           </a:xfrm>
           <a:prstGeom prst="rect">
             <a:avLst/>
@@ -7103,9 +5344,9 @@
           </a:lstStyle>
           <a:p>
             <a:fld id="{B61BEF0D-F0BB-DE4B-95CE-6DB70DBA9567}" type="datetimeFigureOut">
-              <a:rPr lang="en-US" dirty="0"/>
+              <a:rPr lang="en-US" smtClean="0"/>
               <a:pPr/>
-              <a:t>9/25/2017</a:t>
+              <a:t>10/8/2017</a:t>
             </a:fld>
             <a:endParaRPr lang="en-US" dirty="0"/>
           </a:p>
@@ -7123,8 +5364,8 @@
         </p:nvSpPr>
         <p:spPr>
           <a:xfrm>
-            <a:off x="2589212" y="6135808"/>
-            <a:ext cx="7619999" cy="365125"/>
+            <a:off x="677334" y="6041362"/>
+            <a:ext cx="6297612" cy="365125"/>
           </a:xfrm>
           <a:prstGeom prst="rect">
             <a:avLst/>
@@ -7160,8 +5401,8 @@
         </p:nvSpPr>
         <p:spPr>
           <a:xfrm>
-            <a:off x="531812" y="787782"/>
-            <a:ext cx="779767" cy="365125"/>
+            <a:off x="8590663" y="6041362"/>
+            <a:ext cx="683339" cy="365125"/>
           </a:xfrm>
           <a:prstGeom prst="rect">
             <a:avLst/>
@@ -7171,16 +5412,16 @@
           <a:bodyPr vert="horz" lIns="91440" tIns="45720" rIns="91440" bIns="45720" rtlCol="0" anchor="ctr"/>
           <a:lstStyle>
             <a:lvl1pPr algn="r">
-              <a:defRPr sz="2000">
-                <a:solidFill>
-                  <a:srgbClr val="FEFFFF"/>
+              <a:defRPr sz="900">
+                <a:solidFill>
+                  <a:schemeClr val="accent1"/>
                 </a:solidFill>
               </a:defRPr>
             </a:lvl1pPr>
           </a:lstStyle>
           <a:p>
             <a:fld id="{D57F1E4F-1CFF-5643-939E-217C01CDF565}" type="slidenum">
-              <a:rPr lang="en-US" dirty="0"/>
+              <a:rPr lang="en-US" smtClean="0"/>
               <a:pPr/>
               <a:t>‹#›</a:t>
             </a:fld>
@@ -7189,25 +5430,30 @@
         </p:txBody>
       </p:sp>
     </p:spTree>
+    <p:extLst>
+      <p:ext uri="{BB962C8B-B14F-4D97-AF65-F5344CB8AC3E}">
+        <p14:creationId xmlns:p14="http://schemas.microsoft.com/office/powerpoint/2010/main" val="3314121659"/>
+      </p:ext>
+    </p:extLst>
   </p:cSld>
   <p:clrMap bg1="lt1" tx1="dk1" bg2="lt2" tx2="dk2" accent1="accent1" accent2="accent2" accent3="accent3" accent4="accent4" accent5="accent5" accent6="accent6" hlink="hlink" folHlink="folHlink"/>
   <p:sldLayoutIdLst>
-    <p:sldLayoutId id="2147483649" r:id="rId1"/>
-    <p:sldLayoutId id="2147483650" r:id="rId2"/>
-    <p:sldLayoutId id="2147483651" r:id="rId3"/>
-    <p:sldLayoutId id="2147483652" r:id="rId4"/>
-    <p:sldLayoutId id="2147483653" r:id="rId5"/>
-    <p:sldLayoutId id="2147483654" r:id="rId6"/>
-    <p:sldLayoutId id="2147483655" r:id="rId7"/>
-    <p:sldLayoutId id="2147483656" r:id="rId8"/>
-    <p:sldLayoutId id="2147483657" r:id="rId9"/>
-    <p:sldLayoutId id="2147483660" r:id="rId10"/>
-    <p:sldLayoutId id="2147483661" r:id="rId11"/>
-    <p:sldLayoutId id="2147483662" r:id="rId12"/>
-    <p:sldLayoutId id="2147483663" r:id="rId13"/>
-    <p:sldLayoutId id="2147483664" r:id="rId14"/>
-    <p:sldLayoutId id="2147483658" r:id="rId15"/>
-    <p:sldLayoutId id="2147483659" r:id="rId16"/>
+    <p:sldLayoutId id="2147483666" r:id="rId1"/>
+    <p:sldLayoutId id="2147483667" r:id="rId2"/>
+    <p:sldLayoutId id="2147483668" r:id="rId3"/>
+    <p:sldLayoutId id="2147483669" r:id="rId4"/>
+    <p:sldLayoutId id="2147483670" r:id="rId5"/>
+    <p:sldLayoutId id="2147483671" r:id="rId6"/>
+    <p:sldLayoutId id="2147483672" r:id="rId7"/>
+    <p:sldLayoutId id="2147483673" r:id="rId8"/>
+    <p:sldLayoutId id="2147483674" r:id="rId9"/>
+    <p:sldLayoutId id="2147483675" r:id="rId10"/>
+    <p:sldLayoutId id="2147483676" r:id="rId11"/>
+    <p:sldLayoutId id="2147483677" r:id="rId12"/>
+    <p:sldLayoutId id="2147483678" r:id="rId13"/>
+    <p:sldLayoutId id="2147483679" r:id="rId14"/>
+    <p:sldLayoutId id="2147483680" r:id="rId15"/>
+    <p:sldLayoutId id="2147483681" r:id="rId16"/>
   </p:sldLayoutIdLst>
   <p:txStyles>
     <p:titleStyle>
@@ -7218,10 +5464,7 @@
         <a:buNone/>
         <a:defRPr sz="3600" kern="1200">
           <a:solidFill>
-            <a:schemeClr val="tx1">
-              <a:lumMod val="85000"/>
-              <a:lumOff val="15000"/>
-            </a:schemeClr>
+            <a:schemeClr val="accent1"/>
           </a:solidFill>
           <a:latin typeface="+mj-lt"/>
           <a:ea typeface="+mj-ea"/>
@@ -7296,8 +5539,9 @@
         <a:buClr>
           <a:schemeClr val="accent1"/>
         </a:buClr>
+        <a:buSzPct val="80000"/>
         <a:buFont typeface="Wingdings 3" charset="2"/>
-        <a:buChar char=""/>
+        <a:buChar char=""/>
         <a:defRPr sz="1800" kern="1200">
           <a:solidFill>
             <a:schemeClr val="tx1">
@@ -7320,8 +5564,9 @@
         <a:buClr>
           <a:schemeClr val="accent1"/>
         </a:buClr>
+        <a:buSzPct val="80000"/>
         <a:buFont typeface="Wingdings 3" charset="2"/>
-        <a:buChar char=""/>
+        <a:buChar char=""/>
         <a:defRPr sz="1600" kern="1200">
           <a:solidFill>
             <a:schemeClr val="tx1">
@@ -7344,8 +5589,9 @@
         <a:buClr>
           <a:schemeClr val="accent1"/>
         </a:buClr>
+        <a:buSzPct val="80000"/>
         <a:buFont typeface="Wingdings 3" charset="2"/>
-        <a:buChar char=""/>
+        <a:buChar char=""/>
         <a:defRPr sz="1400" kern="1200">
           <a:solidFill>
             <a:schemeClr val="tx1">
@@ -7368,8 +5614,9 @@
         <a:buClr>
           <a:schemeClr val="accent1"/>
         </a:buClr>
+        <a:buSzPct val="80000"/>
         <a:buFont typeface="Wingdings 3" charset="2"/>
-        <a:buChar char=""/>
+        <a:buChar char=""/>
         <a:defRPr sz="1200" kern="1200">
           <a:solidFill>
             <a:schemeClr val="tx1">
@@ -7392,8 +5639,9 @@
         <a:buClr>
           <a:schemeClr val="accent1"/>
         </a:buClr>
+        <a:buSzPct val="80000"/>
         <a:buFont typeface="Wingdings 3" charset="2"/>
-        <a:buChar char=""/>
+        <a:buChar char=""/>
         <a:defRPr sz="1200" kern="1200">
           <a:solidFill>
             <a:schemeClr val="tx1">
@@ -7416,8 +5664,9 @@
         <a:buClr>
           <a:schemeClr val="accent1"/>
         </a:buClr>
+        <a:buSzPct val="80000"/>
         <a:buFont typeface="Wingdings 3" charset="2"/>
-        <a:buChar char=""/>
+        <a:buChar char=""/>
         <a:defRPr sz="1200" kern="1200">
           <a:solidFill>
             <a:schemeClr val="tx1">
@@ -7440,8 +5689,9 @@
         <a:buClr>
           <a:schemeClr val="accent1"/>
         </a:buClr>
+        <a:buSzPct val="80000"/>
         <a:buFont typeface="Wingdings 3" charset="2"/>
-        <a:buChar char=""/>
+        <a:buChar char=""/>
         <a:defRPr sz="1200" kern="1200">
           <a:solidFill>
             <a:schemeClr val="tx1">
@@ -7464,8 +5714,9 @@
         <a:buClr>
           <a:schemeClr val="accent1"/>
         </a:buClr>
+        <a:buSzPct val="80000"/>
         <a:buFont typeface="Wingdings 3" charset="2"/>
-        <a:buChar char=""/>
+        <a:buChar char=""/>
         <a:defRPr sz="1200" kern="1200">
           <a:solidFill>
             <a:schemeClr val="tx1">
@@ -7488,8 +5739,9 @@
         <a:buClr>
           <a:schemeClr val="accent1"/>
         </a:buClr>
+        <a:buSzPct val="80000"/>
         <a:buFont typeface="Wingdings 3" charset="2"/>
-        <a:buChar char=""/>
+        <a:buChar char=""/>
         <a:defRPr sz="1200" kern="1200">
           <a:solidFill>
             <a:schemeClr val="tx1">
@@ -7631,10 +5883,23 @@
         </p:nvSpPr>
         <p:spPr/>
         <p:txBody>
-          <a:bodyPr/>
-          <a:lstStyle/>
-          <a:p>
-            <a:endParaRPr lang="it-IT"/>
+          <a:bodyPr>
+            <a:normAutofit/>
+          </a:bodyPr>
+          <a:lstStyle/>
+          <a:p>
+            <a:r>
+              <a:rPr lang="it-IT" sz="3400" dirty="0"/>
+              <a:t>Chatbot di Facebook Messenger per la</a:t>
+            </a:r>
+            <a:br>
+              <a:rPr lang="it-IT" sz="3400" dirty="0"/>
+            </a:br>
+            <a:r>
+              <a:rPr lang="it-IT" sz="3400" dirty="0"/>
+              <a:t>risposta a domande frequenti</a:t>
+            </a:r>
+            <a:endParaRPr lang="it-IT" sz="3400" dirty="0"/>
           </a:p>
         </p:txBody>
       </p:sp>
@@ -7648,12 +5913,193 @@
             <p:ph type="subTitle" idx="1"/>
           </p:nvPr>
         </p:nvSpPr>
-        <p:spPr/>
-        <p:txBody>
-          <a:bodyPr/>
-          <a:lstStyle/>
-          <a:p>
-            <a:endParaRPr lang="it-IT"/>
+        <p:spPr>
+          <a:xfrm>
+            <a:off x="1507067" y="4424320"/>
+            <a:ext cx="7766936" cy="1096899"/>
+          </a:xfrm>
+        </p:spPr>
+        <p:txBody>
+          <a:bodyPr>
+            <a:normAutofit lnSpcReduction="10000"/>
+          </a:bodyPr>
+          <a:lstStyle/>
+          <a:p>
+            <a:r>
+              <a:rPr lang="it-IT" dirty="0" smtClean="0"/>
+              <a:t>Laureando: </a:t>
+            </a:r>
+            <a:r>
+              <a:rPr lang="it-IT" dirty="0" smtClean="0">
+                <a:solidFill>
+                  <a:schemeClr val="accent6"/>
+                </a:solidFill>
+              </a:rPr>
+              <a:t>Mauro Carlin</a:t>
+            </a:r>
+          </a:p>
+          <a:p>
+            <a:r>
+              <a:rPr lang="it-IT" dirty="0" smtClean="0"/>
+              <a:t>Relatore: </a:t>
+            </a:r>
+            <a:r>
+              <a:rPr lang="it-IT" dirty="0" smtClean="0">
+                <a:solidFill>
+                  <a:schemeClr val="accent6"/>
+                </a:solidFill>
+              </a:rPr>
+              <a:t>Paolo Baldan</a:t>
+            </a:r>
+          </a:p>
+          <a:p>
+            <a:r>
+              <a:rPr lang="it-IT" dirty="0" smtClean="0"/>
+              <a:t>Tutor esterno: </a:t>
+            </a:r>
+            <a:r>
+              <a:rPr lang="it-IT" dirty="0" smtClean="0">
+                <a:solidFill>
+                  <a:schemeClr val="accent6"/>
+                </a:solidFill>
+              </a:rPr>
+              <a:t>Marco Balcon</a:t>
+            </a:r>
+            <a:endParaRPr lang="it-IT" dirty="0">
+              <a:solidFill>
+                <a:schemeClr val="accent6"/>
+              </a:solidFill>
+            </a:endParaRPr>
+          </a:p>
+        </p:txBody>
+      </p:sp>
+      <p:pic>
+        <p:nvPicPr>
+          <p:cNvPr id="4" name="Picture 3"/>
+          <p:cNvPicPr>
+            <a:picLocks noChangeAspect="1"/>
+          </p:cNvPicPr>
+          <p:nvPr/>
+        </p:nvPicPr>
+        <p:blipFill>
+          <a:blip r:embed="rId2">
+            <a:extLst>
+              <a:ext uri="{28A0092B-C50C-407E-A947-70E740481C1C}">
+                <a14:useLocalDpi xmlns:a14="http://schemas.microsoft.com/office/drawing/2010/main" val="0"/>
+              </a:ext>
+            </a:extLst>
+          </a:blip>
+          <a:stretch>
+            <a:fillRect/>
+          </a:stretch>
+        </p:blipFill>
+        <p:spPr>
+          <a:xfrm>
+            <a:off x="1507067" y="634014"/>
+            <a:ext cx="1631322" cy="1641734"/>
+          </a:xfrm>
+          <a:prstGeom prst="rect">
+            <a:avLst/>
+          </a:prstGeom>
+        </p:spPr>
+      </p:pic>
+      <p:sp>
+        <p:nvSpPr>
+          <p:cNvPr id="5" name="TextBox 4"/>
+          <p:cNvSpPr txBox="1"/>
+          <p:nvPr/>
+        </p:nvSpPr>
+        <p:spPr>
+          <a:xfrm>
+            <a:off x="3138389" y="1004822"/>
+            <a:ext cx="5115503" cy="923330"/>
+          </a:xfrm>
+          <a:prstGeom prst="rect">
+            <a:avLst/>
+          </a:prstGeom>
+          <a:noFill/>
+        </p:spPr>
+        <p:txBody>
+          <a:bodyPr wrap="none" rtlCol="0">
+            <a:spAutoFit/>
+          </a:bodyPr>
+          <a:lstStyle/>
+          <a:p>
+            <a:pPr algn="ctr"/>
+            <a:r>
+              <a:rPr lang="it-IT" dirty="0">
+                <a:solidFill>
+                  <a:srgbClr val="C00000"/>
+                </a:solidFill>
+                <a:latin typeface="+mj-lt"/>
+              </a:rPr>
+              <a:t>Università degli Studi di Padova</a:t>
+            </a:r>
+          </a:p>
+          <a:p>
+            <a:pPr algn="ctr"/>
+            <a:r>
+              <a:rPr lang="it-IT" dirty="0">
+                <a:solidFill>
+                  <a:srgbClr val="C00000"/>
+                </a:solidFill>
+                <a:latin typeface="+mj-lt"/>
+              </a:rPr>
+              <a:t>Dipartimento di Matematica "Tullio Levi-Civita"</a:t>
+            </a:r>
+          </a:p>
+          <a:p>
+            <a:pPr algn="ctr"/>
+            <a:r>
+              <a:rPr lang="it-IT" dirty="0">
+                <a:solidFill>
+                  <a:srgbClr val="C00000"/>
+                </a:solidFill>
+                <a:latin typeface="+mj-lt"/>
+              </a:rPr>
+              <a:t>Corso di Laurea in Informatica</a:t>
+            </a:r>
+            <a:endParaRPr lang="it-IT" dirty="0">
+              <a:solidFill>
+                <a:srgbClr val="C00000"/>
+              </a:solidFill>
+              <a:latin typeface="+mj-lt"/>
+            </a:endParaRPr>
+          </a:p>
+        </p:txBody>
+      </p:sp>
+      <p:sp>
+        <p:nvSpPr>
+          <p:cNvPr id="7" name="TextBox 6"/>
+          <p:cNvSpPr txBox="1"/>
+          <p:nvPr/>
+        </p:nvSpPr>
+        <p:spPr>
+          <a:xfrm>
+            <a:off x="11050073" y="6359879"/>
+            <a:ext cx="1013139" cy="461665"/>
+          </a:xfrm>
+          <a:prstGeom prst="rect">
+            <a:avLst/>
+          </a:prstGeom>
+          <a:noFill/>
+        </p:spPr>
+        <p:txBody>
+          <a:bodyPr wrap="square" rtlCol="0">
+            <a:spAutoFit/>
+          </a:bodyPr>
+          <a:lstStyle/>
+          <a:p>
+            <a:pPr algn="r"/>
+            <a:r>
+              <a:rPr lang="it-IT" sz="2400" dirty="0" smtClean="0">
+                <a:latin typeface="Bell MT" panose="02020503060305020303" pitchFamily="18" charset="0"/>
+              </a:rPr>
+              <a:t>1/15</a:t>
+            </a:r>
+            <a:endParaRPr lang="it-IT" sz="2400" dirty="0">
+              <a:latin typeface="Bell MT" panose="02020503060305020303" pitchFamily="18" charset="0"/>
+            </a:endParaRPr>
           </a:p>
         </p:txBody>
       </p:sp>
@@ -7667,13 +6113,716 @@
   <p:clrMapOvr>
     <a:masterClrMapping/>
   </p:clrMapOvr>
+  <p:timing>
+    <p:tnLst>
+      <p:par>
+        <p:cTn id="1" dur="indefinite" restart="never" nodeType="tmRoot"/>
+      </p:par>
+    </p:tnLst>
+  </p:timing>
+</p:sld>
+</file>
+
+<file path=ppt/slides/slide2.xml><?xml version="1.0" encoding="utf-8"?>
+<p:sld xmlns:a="http://schemas.openxmlformats.org/drawingml/2006/main" xmlns:r="http://schemas.openxmlformats.org/officeDocument/2006/relationships" xmlns:p="http://schemas.openxmlformats.org/presentationml/2006/main">
+  <p:cSld>
+    <p:spTree>
+      <p:nvGrpSpPr>
+        <p:cNvPr id="1" name=""/>
+        <p:cNvGrpSpPr/>
+        <p:nvPr/>
+      </p:nvGrpSpPr>
+      <p:grpSpPr>
+        <a:xfrm>
+          <a:off x="0" y="0"/>
+          <a:ext cx="0" cy="0"/>
+          <a:chOff x="0" y="0"/>
+          <a:chExt cx="0" cy="0"/>
+        </a:xfrm>
+      </p:grpSpPr>
+      <p:sp>
+        <p:nvSpPr>
+          <p:cNvPr id="2" name="Title 1"/>
+          <p:cNvSpPr>
+            <a:spLocks noGrp="1"/>
+          </p:cNvSpPr>
+          <p:nvPr>
+            <p:ph type="title"/>
+          </p:nvPr>
+        </p:nvSpPr>
+        <p:spPr/>
+        <p:txBody>
+          <a:bodyPr/>
+          <a:lstStyle/>
+          <a:p>
+            <a:r>
+              <a:rPr lang="it-IT" dirty="0" smtClean="0"/>
+              <a:t>L’azienda: i-contact srl</a:t>
+            </a:r>
+            <a:endParaRPr lang="it-IT" dirty="0"/>
+          </a:p>
+        </p:txBody>
+      </p:sp>
+    </p:spTree>
+    <p:extLst>
+      <p:ext uri="{BB962C8B-B14F-4D97-AF65-F5344CB8AC3E}">
+        <p14:creationId xmlns:p14="http://schemas.microsoft.com/office/powerpoint/2010/main" val="2700379273"/>
+      </p:ext>
+    </p:extLst>
+  </p:cSld>
+  <p:clrMapOvr>
+    <a:masterClrMapping/>
+  </p:clrMapOvr>
+  <p:timing>
+    <p:tnLst>
+      <p:par>
+        <p:cTn id="1" dur="indefinite" restart="never" nodeType="tmRoot"/>
+      </p:par>
+    </p:tnLst>
+  </p:timing>
+</p:sld>
+</file>
+
+<file path=ppt/slides/slide3.xml><?xml version="1.0" encoding="utf-8"?>
+<p:sld xmlns:a="http://schemas.openxmlformats.org/drawingml/2006/main" xmlns:r="http://schemas.openxmlformats.org/officeDocument/2006/relationships" xmlns:p="http://schemas.openxmlformats.org/presentationml/2006/main">
+  <p:cSld>
+    <p:spTree>
+      <p:nvGrpSpPr>
+        <p:cNvPr id="1" name=""/>
+        <p:cNvGrpSpPr/>
+        <p:nvPr/>
+      </p:nvGrpSpPr>
+      <p:grpSpPr>
+        <a:xfrm>
+          <a:off x="0" y="0"/>
+          <a:ext cx="0" cy="0"/>
+          <a:chOff x="0" y="0"/>
+          <a:chExt cx="0" cy="0"/>
+        </a:xfrm>
+      </p:grpSpPr>
+      <p:sp>
+        <p:nvSpPr>
+          <p:cNvPr id="2" name="Title 1"/>
+          <p:cNvSpPr>
+            <a:spLocks noGrp="1"/>
+          </p:cNvSpPr>
+          <p:nvPr>
+            <p:ph type="title"/>
+          </p:nvPr>
+        </p:nvSpPr>
+        <p:spPr/>
+        <p:txBody>
+          <a:bodyPr/>
+          <a:lstStyle/>
+          <a:p>
+            <a:r>
+              <a:rPr lang="it-IT" dirty="0" smtClean="0"/>
+              <a:t>Il progetto - 1</a:t>
+            </a:r>
+            <a:endParaRPr lang="it-IT" dirty="0"/>
+          </a:p>
+        </p:txBody>
+      </p:sp>
+      <p:sp>
+        <p:nvSpPr>
+          <p:cNvPr id="3" name="Content Placeholder 2"/>
+          <p:cNvSpPr>
+            <a:spLocks noGrp="1"/>
+          </p:cNvSpPr>
+          <p:nvPr>
+            <p:ph idx="1"/>
+          </p:nvPr>
+        </p:nvSpPr>
+        <p:spPr/>
+        <p:txBody>
+          <a:bodyPr/>
+          <a:lstStyle/>
+          <a:p>
+            <a:r>
+              <a:rPr lang="it-IT" dirty="0" smtClean="0"/>
+              <a:t>Chatbot, spiegazione</a:t>
+            </a:r>
+            <a:endParaRPr lang="it-IT" dirty="0"/>
+          </a:p>
+        </p:txBody>
+      </p:sp>
+    </p:spTree>
+    <p:extLst>
+      <p:ext uri="{BB962C8B-B14F-4D97-AF65-F5344CB8AC3E}">
+        <p14:creationId xmlns:p14="http://schemas.microsoft.com/office/powerpoint/2010/main" val="48748494"/>
+      </p:ext>
+    </p:extLst>
+  </p:cSld>
+  <p:clrMapOvr>
+    <a:masterClrMapping/>
+  </p:clrMapOvr>
+  <p:timing>
+    <p:tnLst>
+      <p:par>
+        <p:cTn id="1" dur="indefinite" restart="never" nodeType="tmRoot"/>
+      </p:par>
+    </p:tnLst>
+  </p:timing>
+</p:sld>
+</file>
+
+<file path=ppt/slides/slide4.xml><?xml version="1.0" encoding="utf-8"?>
+<p:sld xmlns:a="http://schemas.openxmlformats.org/drawingml/2006/main" xmlns:r="http://schemas.openxmlformats.org/officeDocument/2006/relationships" xmlns:p="http://schemas.openxmlformats.org/presentationml/2006/main">
+  <p:cSld>
+    <p:spTree>
+      <p:nvGrpSpPr>
+        <p:cNvPr id="1" name=""/>
+        <p:cNvGrpSpPr/>
+        <p:nvPr/>
+      </p:nvGrpSpPr>
+      <p:grpSpPr>
+        <a:xfrm>
+          <a:off x="0" y="0"/>
+          <a:ext cx="0" cy="0"/>
+          <a:chOff x="0" y="0"/>
+          <a:chExt cx="0" cy="0"/>
+        </a:xfrm>
+      </p:grpSpPr>
+      <p:sp>
+        <p:nvSpPr>
+          <p:cNvPr id="2" name="Title 1"/>
+          <p:cNvSpPr>
+            <a:spLocks noGrp="1"/>
+          </p:cNvSpPr>
+          <p:nvPr>
+            <p:ph type="title"/>
+          </p:nvPr>
+        </p:nvSpPr>
+        <p:spPr/>
+        <p:txBody>
+          <a:bodyPr/>
+          <a:lstStyle/>
+          <a:p>
+            <a:r>
+              <a:rPr lang="it-IT" dirty="0" smtClean="0"/>
+              <a:t>Il progetto – 2</a:t>
+            </a:r>
+            <a:endParaRPr lang="it-IT" dirty="0"/>
+          </a:p>
+        </p:txBody>
+      </p:sp>
+      <p:sp>
+        <p:nvSpPr>
+          <p:cNvPr id="3" name="Content Placeholder 2"/>
+          <p:cNvSpPr>
+            <a:spLocks noGrp="1"/>
+          </p:cNvSpPr>
+          <p:nvPr>
+            <p:ph idx="1"/>
+          </p:nvPr>
+        </p:nvSpPr>
+        <p:spPr/>
+        <p:txBody>
+          <a:bodyPr/>
+          <a:lstStyle/>
+          <a:p>
+            <a:r>
+              <a:rPr lang="it-IT" dirty="0" smtClean="0"/>
+              <a:t>Chatbot specifici</a:t>
+            </a:r>
+            <a:endParaRPr lang="it-IT" dirty="0"/>
+          </a:p>
+        </p:txBody>
+      </p:sp>
+    </p:spTree>
+    <p:extLst>
+      <p:ext uri="{BB962C8B-B14F-4D97-AF65-F5344CB8AC3E}">
+        <p14:creationId xmlns:p14="http://schemas.microsoft.com/office/powerpoint/2010/main" val="471357986"/>
+      </p:ext>
+    </p:extLst>
+  </p:cSld>
+  <p:clrMapOvr>
+    <a:masterClrMapping/>
+  </p:clrMapOvr>
+  <p:timing>
+    <p:tnLst>
+      <p:par>
+        <p:cTn id="1" dur="indefinite" restart="never" nodeType="tmRoot"/>
+      </p:par>
+    </p:tnLst>
+  </p:timing>
+</p:sld>
+</file>
+
+<file path=ppt/slides/slide5.xml><?xml version="1.0" encoding="utf-8"?>
+<p:sld xmlns:a="http://schemas.openxmlformats.org/drawingml/2006/main" xmlns:r="http://schemas.openxmlformats.org/officeDocument/2006/relationships" xmlns:p="http://schemas.openxmlformats.org/presentationml/2006/main">
+  <p:cSld>
+    <p:spTree>
+      <p:nvGrpSpPr>
+        <p:cNvPr id="1" name=""/>
+        <p:cNvGrpSpPr/>
+        <p:nvPr/>
+      </p:nvGrpSpPr>
+      <p:grpSpPr>
+        <a:xfrm>
+          <a:off x="0" y="0"/>
+          <a:ext cx="0" cy="0"/>
+          <a:chOff x="0" y="0"/>
+          <a:chExt cx="0" cy="0"/>
+        </a:xfrm>
+      </p:grpSpPr>
+      <p:sp>
+        <p:nvSpPr>
+          <p:cNvPr id="2" name="Title 1"/>
+          <p:cNvSpPr>
+            <a:spLocks noGrp="1"/>
+          </p:cNvSpPr>
+          <p:nvPr>
+            <p:ph type="title"/>
+          </p:nvPr>
+        </p:nvSpPr>
+        <p:spPr/>
+        <p:txBody>
+          <a:bodyPr/>
+          <a:lstStyle/>
+          <a:p>
+            <a:r>
+              <a:rPr lang="it-IT" dirty="0" smtClean="0"/>
+              <a:t>Soluzione – Analisi NLP</a:t>
+            </a:r>
+            <a:endParaRPr lang="it-IT" dirty="0"/>
+          </a:p>
+        </p:txBody>
+      </p:sp>
+      <p:sp>
+        <p:nvSpPr>
+          <p:cNvPr id="3" name="Content Placeholder 2"/>
+          <p:cNvSpPr>
+            <a:spLocks noGrp="1"/>
+          </p:cNvSpPr>
+          <p:nvPr>
+            <p:ph idx="1"/>
+          </p:nvPr>
+        </p:nvSpPr>
+        <p:spPr/>
+        <p:txBody>
+          <a:bodyPr/>
+          <a:lstStyle/>
+          <a:p>
+            <a:endParaRPr lang="it-IT"/>
+          </a:p>
+        </p:txBody>
+      </p:sp>
+    </p:spTree>
+    <p:extLst>
+      <p:ext uri="{BB962C8B-B14F-4D97-AF65-F5344CB8AC3E}">
+        <p14:creationId xmlns:p14="http://schemas.microsoft.com/office/powerpoint/2010/main" val="1406516184"/>
+      </p:ext>
+    </p:extLst>
+  </p:cSld>
+  <p:clrMapOvr>
+    <a:masterClrMapping/>
+  </p:clrMapOvr>
+  <p:timing>
+    <p:tnLst>
+      <p:par>
+        <p:cTn id="1" dur="indefinite" restart="never" nodeType="tmRoot"/>
+      </p:par>
+    </p:tnLst>
+  </p:timing>
+</p:sld>
+</file>
+
+<file path=ppt/slides/slide6.xml><?xml version="1.0" encoding="utf-8"?>
+<p:sld xmlns:a="http://schemas.openxmlformats.org/drawingml/2006/main" xmlns:r="http://schemas.openxmlformats.org/officeDocument/2006/relationships" xmlns:p="http://schemas.openxmlformats.org/presentationml/2006/main">
+  <p:cSld>
+    <p:spTree>
+      <p:nvGrpSpPr>
+        <p:cNvPr id="1" name=""/>
+        <p:cNvGrpSpPr/>
+        <p:nvPr/>
+      </p:nvGrpSpPr>
+      <p:grpSpPr>
+        <a:xfrm>
+          <a:off x="0" y="0"/>
+          <a:ext cx="0" cy="0"/>
+          <a:chOff x="0" y="0"/>
+          <a:chExt cx="0" cy="0"/>
+        </a:xfrm>
+      </p:grpSpPr>
+      <p:sp>
+        <p:nvSpPr>
+          <p:cNvPr id="2" name="Title 1"/>
+          <p:cNvSpPr>
+            <a:spLocks noGrp="1"/>
+          </p:cNvSpPr>
+          <p:nvPr>
+            <p:ph type="title"/>
+          </p:nvPr>
+        </p:nvSpPr>
+        <p:spPr/>
+        <p:txBody>
+          <a:bodyPr/>
+          <a:lstStyle/>
+          <a:p>
+            <a:r>
+              <a:rPr lang="it-IT" dirty="0" smtClean="0"/>
+              <a:t>Soluzione - </a:t>
+            </a:r>
+            <a:endParaRPr lang="it-IT" dirty="0"/>
+          </a:p>
+        </p:txBody>
+      </p:sp>
+      <p:sp>
+        <p:nvSpPr>
+          <p:cNvPr id="3" name="Content Placeholder 2"/>
+          <p:cNvSpPr>
+            <a:spLocks noGrp="1"/>
+          </p:cNvSpPr>
+          <p:nvPr>
+            <p:ph idx="1"/>
+          </p:nvPr>
+        </p:nvSpPr>
+        <p:spPr/>
+        <p:txBody>
+          <a:bodyPr/>
+          <a:lstStyle/>
+          <a:p>
+            <a:r>
+              <a:rPr lang="it-IT" dirty="0" smtClean="0"/>
+              <a:t>Istruzione api.ai, agent…</a:t>
+            </a:r>
+            <a:endParaRPr lang="it-IT" dirty="0"/>
+          </a:p>
+        </p:txBody>
+      </p:sp>
+    </p:spTree>
+    <p:extLst>
+      <p:ext uri="{BB962C8B-B14F-4D97-AF65-F5344CB8AC3E}">
+        <p14:creationId xmlns:p14="http://schemas.microsoft.com/office/powerpoint/2010/main" val="2560453029"/>
+      </p:ext>
+    </p:extLst>
+  </p:cSld>
+  <p:clrMapOvr>
+    <a:masterClrMapping/>
+  </p:clrMapOvr>
+  <p:timing>
+    <p:tnLst>
+      <p:par>
+        <p:cTn id="1" dur="indefinite" restart="never" nodeType="tmRoot"/>
+      </p:par>
+    </p:tnLst>
+  </p:timing>
+</p:sld>
+</file>
+
+<file path=ppt/slides/slide7.xml><?xml version="1.0" encoding="utf-8"?>
+<p:sld xmlns:a="http://schemas.openxmlformats.org/drawingml/2006/main" xmlns:r="http://schemas.openxmlformats.org/officeDocument/2006/relationships" xmlns:p="http://schemas.openxmlformats.org/presentationml/2006/main">
+  <p:cSld>
+    <p:spTree>
+      <p:nvGrpSpPr>
+        <p:cNvPr id="1" name=""/>
+        <p:cNvGrpSpPr/>
+        <p:nvPr/>
+      </p:nvGrpSpPr>
+      <p:grpSpPr>
+        <a:xfrm>
+          <a:off x="0" y="0"/>
+          <a:ext cx="0" cy="0"/>
+          <a:chOff x="0" y="0"/>
+          <a:chExt cx="0" cy="0"/>
+        </a:xfrm>
+      </p:grpSpPr>
+      <p:sp>
+        <p:nvSpPr>
+          <p:cNvPr id="2" name="Title 1"/>
+          <p:cNvSpPr>
+            <a:spLocks noGrp="1"/>
+          </p:cNvSpPr>
+          <p:nvPr>
+            <p:ph type="title"/>
+          </p:nvPr>
+        </p:nvSpPr>
+        <p:spPr/>
+        <p:txBody>
+          <a:bodyPr/>
+          <a:lstStyle/>
+          <a:p>
+            <a:r>
+              <a:rPr lang="it-IT" dirty="0" smtClean="0"/>
+              <a:t>Progettazione - 1</a:t>
+            </a:r>
+            <a:endParaRPr lang="it-IT" dirty="0"/>
+          </a:p>
+        </p:txBody>
+      </p:sp>
+      <p:sp>
+        <p:nvSpPr>
+          <p:cNvPr id="3" name="Content Placeholder 2"/>
+          <p:cNvSpPr>
+            <a:spLocks noGrp="1"/>
+          </p:cNvSpPr>
+          <p:nvPr>
+            <p:ph idx="1"/>
+          </p:nvPr>
+        </p:nvSpPr>
+        <p:spPr/>
+        <p:txBody>
+          <a:bodyPr/>
+          <a:lstStyle/>
+          <a:p>
+            <a:endParaRPr lang="it-IT"/>
+          </a:p>
+        </p:txBody>
+      </p:sp>
+    </p:spTree>
+    <p:extLst>
+      <p:ext uri="{BB962C8B-B14F-4D97-AF65-F5344CB8AC3E}">
+        <p14:creationId xmlns:p14="http://schemas.microsoft.com/office/powerpoint/2010/main" val="1755466869"/>
+      </p:ext>
+    </p:extLst>
+  </p:cSld>
+  <p:clrMapOvr>
+    <a:masterClrMapping/>
+  </p:clrMapOvr>
+  <p:timing>
+    <p:tnLst>
+      <p:par>
+        <p:cTn id="1" dur="indefinite" restart="never" nodeType="tmRoot"/>
+      </p:par>
+    </p:tnLst>
+  </p:timing>
+</p:sld>
+</file>
+
+<file path=ppt/slides/slide8.xml><?xml version="1.0" encoding="utf-8"?>
+<p:sld xmlns:a="http://schemas.openxmlformats.org/drawingml/2006/main" xmlns:r="http://schemas.openxmlformats.org/officeDocument/2006/relationships" xmlns:p="http://schemas.openxmlformats.org/presentationml/2006/main">
+  <p:cSld>
+    <p:spTree>
+      <p:nvGrpSpPr>
+        <p:cNvPr id="1" name=""/>
+        <p:cNvGrpSpPr/>
+        <p:nvPr/>
+      </p:nvGrpSpPr>
+      <p:grpSpPr>
+        <a:xfrm>
+          <a:off x="0" y="0"/>
+          <a:ext cx="0" cy="0"/>
+          <a:chOff x="0" y="0"/>
+          <a:chExt cx="0" cy="0"/>
+        </a:xfrm>
+      </p:grpSpPr>
+      <p:sp>
+        <p:nvSpPr>
+          <p:cNvPr id="2" name="Title 1"/>
+          <p:cNvSpPr>
+            <a:spLocks noGrp="1"/>
+          </p:cNvSpPr>
+          <p:nvPr>
+            <p:ph type="title"/>
+          </p:nvPr>
+        </p:nvSpPr>
+        <p:spPr/>
+        <p:txBody>
+          <a:bodyPr/>
+          <a:lstStyle/>
+          <a:p>
+            <a:r>
+              <a:rPr lang="it-IT" dirty="0" smtClean="0"/>
+              <a:t>Progettazione – 2</a:t>
+            </a:r>
+            <a:endParaRPr lang="it-IT" dirty="0"/>
+          </a:p>
+        </p:txBody>
+      </p:sp>
+      <p:sp>
+        <p:nvSpPr>
+          <p:cNvPr id="3" name="Content Placeholder 2"/>
+          <p:cNvSpPr>
+            <a:spLocks noGrp="1"/>
+          </p:cNvSpPr>
+          <p:nvPr>
+            <p:ph idx="1"/>
+          </p:nvPr>
+        </p:nvSpPr>
+        <p:spPr/>
+        <p:txBody>
+          <a:bodyPr/>
+          <a:lstStyle/>
+          <a:p>
+            <a:endParaRPr lang="it-IT"/>
+          </a:p>
+        </p:txBody>
+      </p:sp>
+    </p:spTree>
+    <p:extLst>
+      <p:ext uri="{BB962C8B-B14F-4D97-AF65-F5344CB8AC3E}">
+        <p14:creationId xmlns:p14="http://schemas.microsoft.com/office/powerpoint/2010/main" val="1674858004"/>
+      </p:ext>
+    </p:extLst>
+  </p:cSld>
+  <p:clrMapOvr>
+    <a:masterClrMapping/>
+  </p:clrMapOvr>
+  <p:timing>
+    <p:tnLst>
+      <p:par>
+        <p:cTn id="1" dur="indefinite" restart="never" nodeType="tmRoot"/>
+      </p:par>
+    </p:tnLst>
+  </p:timing>
+</p:sld>
+</file>
+
+<file path=ppt/slides/slide9.xml><?xml version="1.0" encoding="utf-8"?>
+<p:sld xmlns:a="http://schemas.openxmlformats.org/drawingml/2006/main" xmlns:r="http://schemas.openxmlformats.org/officeDocument/2006/relationships" xmlns:p="http://schemas.openxmlformats.org/presentationml/2006/main">
+  <p:cSld>
+    <p:spTree>
+      <p:nvGrpSpPr>
+        <p:cNvPr id="1" name=""/>
+        <p:cNvGrpSpPr/>
+        <p:nvPr/>
+      </p:nvGrpSpPr>
+      <p:grpSpPr>
+        <a:xfrm>
+          <a:off x="0" y="0"/>
+          <a:ext cx="0" cy="0"/>
+          <a:chOff x="0" y="0"/>
+          <a:chExt cx="0" cy="0"/>
+        </a:xfrm>
+      </p:grpSpPr>
+      <p:sp>
+        <p:nvSpPr>
+          <p:cNvPr id="2" name="Title 1"/>
+          <p:cNvSpPr>
+            <a:spLocks noGrp="1"/>
+          </p:cNvSpPr>
+          <p:nvPr>
+            <p:ph type="title"/>
+          </p:nvPr>
+        </p:nvSpPr>
+        <p:spPr/>
+        <p:txBody>
+          <a:bodyPr/>
+          <a:lstStyle/>
+          <a:p>
+            <a:r>
+              <a:rPr lang="it-IT" dirty="0" smtClean="0"/>
+              <a:t>Strumenti utilizzati</a:t>
+            </a:r>
+            <a:endParaRPr lang="it-IT" dirty="0"/>
+          </a:p>
+        </p:txBody>
+      </p:sp>
+      <p:pic>
+        <p:nvPicPr>
+          <p:cNvPr id="4" name="Picture 3"/>
+          <p:cNvPicPr>
+            <a:picLocks noChangeAspect="1"/>
+          </p:cNvPicPr>
+          <p:nvPr/>
+        </p:nvPicPr>
+        <p:blipFill>
+          <a:blip r:embed="rId2">
+            <a:extLst>
+              <a:ext uri="{28A0092B-C50C-407E-A947-70E740481C1C}">
+                <a14:useLocalDpi xmlns:a14="http://schemas.microsoft.com/office/drawing/2010/main" val="0"/>
+              </a:ext>
+            </a:extLst>
+          </a:blip>
+          <a:stretch>
+            <a:fillRect/>
+          </a:stretch>
+        </p:blipFill>
+        <p:spPr>
+          <a:xfrm>
+            <a:off x="2080141" y="1584101"/>
+            <a:ext cx="3166586" cy="1142828"/>
+          </a:xfrm>
+          <a:prstGeom prst="rect">
+            <a:avLst/>
+          </a:prstGeom>
+        </p:spPr>
+      </p:pic>
+      <p:pic>
+        <p:nvPicPr>
+          <p:cNvPr id="5" name="Picture 4"/>
+          <p:cNvPicPr>
+            <a:picLocks noChangeAspect="1"/>
+          </p:cNvPicPr>
+          <p:nvPr/>
+        </p:nvPicPr>
+        <p:blipFill>
+          <a:blip r:embed="rId3">
+            <a:extLst>
+              <a:ext uri="{28A0092B-C50C-407E-A947-70E740481C1C}">
+                <a14:useLocalDpi xmlns:a14="http://schemas.microsoft.com/office/drawing/2010/main" val="0"/>
+              </a:ext>
+            </a:extLst>
+          </a:blip>
+          <a:stretch>
+            <a:fillRect/>
+          </a:stretch>
+        </p:blipFill>
+        <p:spPr>
+          <a:xfrm>
+            <a:off x="5246727" y="2644913"/>
+            <a:ext cx="3480001" cy="965915"/>
+          </a:xfrm>
+          <a:prstGeom prst="rect">
+            <a:avLst/>
+          </a:prstGeom>
+        </p:spPr>
+      </p:pic>
+      <p:pic>
+        <p:nvPicPr>
+          <p:cNvPr id="6" name="Picture 5"/>
+          <p:cNvPicPr>
+            <a:picLocks noChangeAspect="1"/>
+          </p:cNvPicPr>
+          <p:nvPr/>
+        </p:nvPicPr>
+        <p:blipFill>
+          <a:blip r:embed="rId4">
+            <a:extLst>
+              <a:ext uri="{28A0092B-C50C-407E-A947-70E740481C1C}">
+                <a14:useLocalDpi xmlns:a14="http://schemas.microsoft.com/office/drawing/2010/main" val="0"/>
+              </a:ext>
+            </a:extLst>
+          </a:blip>
+          <a:stretch>
+            <a:fillRect/>
+          </a:stretch>
+        </p:blipFill>
+        <p:spPr>
+          <a:xfrm>
+            <a:off x="1320287" y="3528811"/>
+            <a:ext cx="2499866" cy="715871"/>
+          </a:xfrm>
+          <a:prstGeom prst="rect">
+            <a:avLst/>
+          </a:prstGeom>
+        </p:spPr>
+      </p:pic>
+    </p:spTree>
+    <p:extLst>
+      <p:ext uri="{BB962C8B-B14F-4D97-AF65-F5344CB8AC3E}">
+        <p14:creationId xmlns:p14="http://schemas.microsoft.com/office/powerpoint/2010/main" val="2711640985"/>
+      </p:ext>
+    </p:extLst>
+  </p:cSld>
+  <p:clrMapOvr>
+    <a:masterClrMapping/>
+  </p:clrMapOvr>
+  <p:timing>
+    <p:tnLst>
+      <p:par>
+        <p:cTn id="1" dur="indefinite" restart="never" nodeType="tmRoot"/>
+      </p:par>
+    </p:tnLst>
+  </p:timing>
 </p:sld>
 </file>
 
 <file path=ppt/theme/theme1.xml><?xml version="1.0" encoding="utf-8"?>
-<a:theme xmlns:a="http://schemas.openxmlformats.org/drawingml/2006/main" name="Wisp">
+<a:theme xmlns:a="http://schemas.openxmlformats.org/drawingml/2006/main" name="Facet">
   <a:themeElements>
-    <a:clrScheme name="Wisp">
+    <a:clrScheme name="Yellow Orange">
       <a:dk1>
         <a:sysClr val="windowText" lastClr="000000"/>
       </a:dk1>
@@ -7681,48 +6830,48 @@
         <a:sysClr val="window" lastClr="FFFFFF"/>
       </a:lt1>
       <a:dk2>
-        <a:srgbClr val="647252"/>
+        <a:srgbClr val="4E3B30"/>
       </a:dk2>
       <a:lt2>
-        <a:srgbClr val="EAE8CF"/>
+        <a:srgbClr val="FBEEC9"/>
       </a:lt2>
       <a:accent1>
-        <a:srgbClr val="E78712"/>
+        <a:srgbClr val="F0A22E"/>
       </a:accent1>
       <a:accent2>
-        <a:srgbClr val="B73C26"/>
+        <a:srgbClr val="A5644E"/>
       </a:accent2>
       <a:accent3>
-        <a:srgbClr val="865331"/>
+        <a:srgbClr val="B58B80"/>
       </a:accent3>
       <a:accent4>
-        <a:srgbClr val="B38648"/>
+        <a:srgbClr val="C3986D"/>
       </a:accent4>
       <a:accent5>
-        <a:srgbClr val="BBB473"/>
+        <a:srgbClr val="A19574"/>
       </a:accent5>
       <a:accent6>
-        <a:srgbClr val="849276"/>
+        <a:srgbClr val="C17529"/>
       </a:accent6>
       <a:hlink>
-        <a:srgbClr val="FDAB2A"/>
+        <a:srgbClr val="AD1F1F"/>
       </a:hlink>
       <a:folHlink>
-        <a:srgbClr val="CCB182"/>
+        <a:srgbClr val="FFC42F"/>
       </a:folHlink>
     </a:clrScheme>
-    <a:fontScheme name="Wisp">
+    <a:fontScheme name="Facet">
       <a:majorFont>
-        <a:latin typeface="Century Gothic" panose="020B0502020202020204"/>
+        <a:latin typeface="Trebuchet MS" panose="020B0603020202020204"/>
         <a:ea typeface=""/>
         <a:cs typeface=""/>
         <a:font script="Jpan" typeface="メイリオ"/>
-        <a:font script="Hang" typeface="HY중고딕"/>
-        <a:font script="Hans" typeface="幼圆"/>
+        <a:font script="Hang" typeface="맑은 고딕"/>
+        <a:font script="Hans" typeface="方正姚体"/>
         <a:font script="Hant" typeface="微軟正黑體"/>
         <a:font script="Arab" typeface="Tahoma"/>
-        <a:font script="Hebr" typeface="Gisha"/>
-        <a:font script="Thai" typeface="DilleniaUPC"/>
+        <a:font script="Hebr" typeface="Arial"/>
+        <a:font script="Thai" typeface="Cordia New"/>
         <a:font script="Ethi" typeface="Nyala"/>
         <a:font script="Beng" typeface="Vrinda"/>
         <a:font script="Gujr" typeface="Shruti"/>
@@ -7748,16 +6897,16 @@
         <a:font script="Geor" typeface="Sylfaen"/>
       </a:majorFont>
       <a:minorFont>
-        <a:latin typeface="Century Gothic" panose="020B0502020202020204"/>
+        <a:latin typeface="Trebuchet MS" panose="020B0603020202020204"/>
         <a:ea typeface=""/>
         <a:cs typeface=""/>
         <a:font script="Jpan" typeface="メイリオ"/>
-        <a:font script="Hang" typeface="HY중고딕"/>
-        <a:font script="Hans" typeface="幼圆"/>
+        <a:font script="Hang" typeface="HY그래픽M"/>
+        <a:font script="Hans" typeface="华文新魏"/>
         <a:font script="Hant" typeface="微軟正黑體"/>
         <a:font script="Arab" typeface="Tahoma"/>
         <a:font script="Hebr" typeface="Gisha"/>
-        <a:font script="Thai" typeface="DilleniaUPC"/>
+        <a:font script="Thai" typeface="IrisUPC"/>
         <a:font script="Ethi" typeface="Nyala"/>
         <a:font script="Beng" typeface="Vrinda"/>
         <a:font script="Gujr" typeface="Shruti"/>
@@ -7778,33 +6927,43 @@
         <a:font script="Laoo" typeface="DokChampa"/>
         <a:font script="Sinh" typeface="Iskoola Pota"/>
         <a:font script="Mong" typeface="Mongolian Baiti"/>
-        <a:font script="Viet" typeface="Tahoma"/>
+        <a:font script="Viet" typeface="Arial"/>
         <a:font script="Uigh" typeface="Microsoft Uighur"/>
         <a:font script="Geor" typeface="Sylfaen"/>
       </a:minorFont>
     </a:fontScheme>
-    <a:fmtScheme name="Wisp">
+    <a:fmtScheme name="Facet">
       <a:fillStyleLst>
         <a:solidFill>
           <a:schemeClr val="phClr"/>
-        </a:solidFill>
-        <a:solidFill>
-          <a:schemeClr val="phClr">
-            <a:tint val="70000"/>
-            <a:lumMod val="104000"/>
-          </a:schemeClr>
         </a:solidFill>
         <a:gradFill rotWithShape="1">
           <a:gsLst>
             <a:gs pos="0">
               <a:schemeClr val="phClr">
-                <a:tint val="96000"/>
-                <a:lumMod val="104000"/>
+                <a:tint val="65000"/>
+                <a:lumMod val="110000"/>
               </a:schemeClr>
             </a:gs>
-            <a:gs pos="100000">
+            <a:gs pos="88000">
               <a:schemeClr val="phClr">
-                <a:shade val="98000"/>
+                <a:tint val="90000"/>
+              </a:schemeClr>
+            </a:gs>
+          </a:gsLst>
+          <a:lin ang="5400000" scaled="0"/>
+        </a:gradFill>
+        <a:gradFill rotWithShape="1">
+          <a:gsLst>
+            <a:gs pos="0">
+              <a:schemeClr val="phClr">
+                <a:tint val="96000"/>
+                <a:lumMod val="100000"/>
+              </a:schemeClr>
+            </a:gs>
+            <a:gs pos="78000">
+              <a:schemeClr val="phClr">
+                <a:shade val="94000"/>
                 <a:lumMod val="94000"/>
               </a:schemeClr>
             </a:gs>
@@ -7813,21 +6972,19 @@
         </a:gradFill>
       </a:fillStyleLst>
       <a:lnStyleLst>
-        <a:ln w="9525" cap="rnd" cmpd="sng" algn="ctr">
-          <a:solidFill>
-            <a:schemeClr val="phClr">
-              <a:shade val="90000"/>
-            </a:schemeClr>
-          </a:solidFill>
-          <a:prstDash val="solid"/>
-        </a:ln>
-        <a:ln w="15875" cap="rnd" cmpd="sng" algn="ctr">
+        <a:ln w="12700" cap="rnd" cmpd="sng" algn="ctr">
           <a:solidFill>
             <a:schemeClr val="phClr"/>
           </a:solidFill>
           <a:prstDash val="solid"/>
         </a:ln>
-        <a:ln w="22225" cap="rnd" cmpd="sng" algn="ctr">
+        <a:ln w="19050" cap="rnd" cmpd="sng" algn="ctr">
+          <a:solidFill>
+            <a:schemeClr val="phClr"/>
+          </a:solidFill>
+          <a:prstDash val="solid"/>
+        </a:ln>
+        <a:ln w="25400" cap="rnd" cmpd="sng" algn="ctr">
           <a:solidFill>
             <a:schemeClr val="phClr"/>
           </a:solidFill>
@@ -7842,7 +6999,7 @@
           <a:effectLst>
             <a:outerShdw blurRad="38100" dist="25400" dir="5400000" rotWithShape="0">
               <a:srgbClr val="000000">
-                <a:alpha val="25000"/>
+                <a:alpha val="35000"/>
               </a:srgbClr>
             </a:outerShdw>
           </a:effectLst>
@@ -7851,10 +7008,19 @@
           <a:effectLst>
             <a:outerShdw blurRad="50800" dist="38100" dir="5400000" rotWithShape="0">
               <a:srgbClr val="000000">
-                <a:alpha val="60000"/>
+                <a:alpha val="35000"/>
               </a:srgbClr>
             </a:outerShdw>
           </a:effectLst>
+          <a:scene3d>
+            <a:camera prst="orthographicFront">
+              <a:rot lat="0" lon="0" rev="0"/>
+            </a:camera>
+            <a:lightRig rig="threePt" dir="tl"/>
+          </a:scene3d>
+          <a:sp3d prstMaterial="plastic">
+            <a:bevelT w="0" h="0"/>
+          </a:sp3d>
         </a:effectStyle>
       </a:effectStyleLst>
       <a:bgFillStyleLst>
@@ -7866,14 +7032,13 @@
             <a:gs pos="0">
               <a:schemeClr val="phClr">
                 <a:tint val="90000"/>
-                <a:lumMod val="120000"/>
+                <a:lumMod val="104000"/>
               </a:schemeClr>
             </a:gs>
-            <a:gs pos="100000">
+            <a:gs pos="94000">
               <a:schemeClr val="phClr">
-                <a:shade val="98000"/>
-                <a:satMod val="120000"/>
-                <a:lumMod val="98000"/>
+                <a:shade val="96000"/>
+                <a:lumMod val="82000"/>
               </a:schemeClr>
             </a:gs>
           </a:gsLst>
@@ -7884,15 +7049,13 @@
             <a:gs pos="0">
               <a:schemeClr val="phClr">
                 <a:tint val="90000"/>
-                <a:satMod val="92000"/>
-                <a:lumMod val="120000"/>
+                <a:lumMod val="110000"/>
               </a:schemeClr>
             </a:gs>
             <a:gs pos="100000">
               <a:schemeClr val="phClr">
-                <a:shade val="98000"/>
-                <a:satMod val="120000"/>
-                <a:lumMod val="98000"/>
+                <a:shade val="94000"/>
+                <a:lumMod val="96000"/>
               </a:schemeClr>
             </a:gs>
           </a:gsLst>
@@ -7907,7 +7070,7 @@
   <a:extraClrSchemeLst/>
   <a:extLst>
     <a:ext uri="{05A4C25C-085E-4340-85A3-A5531E510DB2}">
-      <thm15:themeFamily xmlns:thm15="http://schemas.microsoft.com/office/thememl/2012/main" name="Wisp" id="{7CB32D59-10C0-40DD-B7BD-2E94284A981C}" vid="{54F6613E-5ED7-40ED-90A8-F639BE712C0E}"/>
+      <thm15:themeFamily xmlns:thm15="http://schemas.microsoft.com/office/thememl/2012/main" name="Facet" id="{C0C680CD-088A-49FC-A102-D699147F32B2}" vid="{CFBC31BA-B70F-4F30-BCAA-4F3011E16C4D}"/>
     </a:ext>
   </a:extLst>
 </a:theme>

--- a/Presentazione_tesi.pptx
+++ b/Presentazione_tesi.pptx
@@ -843,7 +843,7 @@
             <a:fld id="{B61BEF0D-F0BB-DE4B-95CE-6DB70DBA9567}" type="datetimeFigureOut">
               <a:rPr lang="en-US" smtClean="0"/>
               <a:pPr/>
-              <a:t>10/8/2017</a:t>
+              <a:t>10/20/2017</a:t>
             </a:fld>
             <a:endParaRPr lang="en-US" dirty="0"/>
           </a:p>
@@ -1096,7 +1096,7 @@
             <a:fld id="{B61BEF0D-F0BB-DE4B-95CE-6DB70DBA9567}" type="datetimeFigureOut">
               <a:rPr lang="en-US" smtClean="0"/>
               <a:pPr/>
-              <a:t>10/8/2017</a:t>
+              <a:t>10/20/2017</a:t>
             </a:fld>
             <a:endParaRPr lang="en-US" dirty="0"/>
           </a:p>
@@ -1412,7 +1412,7 @@
             <a:fld id="{B61BEF0D-F0BB-DE4B-95CE-6DB70DBA9567}" type="datetimeFigureOut">
               <a:rPr lang="en-US" smtClean="0"/>
               <a:pPr/>
-              <a:t>10/8/2017</a:t>
+              <a:t>10/20/2017</a:t>
             </a:fld>
             <a:endParaRPr lang="en-US" dirty="0"/>
           </a:p>
@@ -1755,7 +1755,7 @@
             <a:fld id="{B61BEF0D-F0BB-DE4B-95CE-6DB70DBA9567}" type="datetimeFigureOut">
               <a:rPr lang="en-US" smtClean="0"/>
               <a:pPr/>
-              <a:t>10/8/2017</a:t>
+              <a:t>10/20/2017</a:t>
             </a:fld>
             <a:endParaRPr lang="en-US" dirty="0"/>
           </a:p>
@@ -2071,7 +2071,7 @@
             <a:fld id="{B61BEF0D-F0BB-DE4B-95CE-6DB70DBA9567}" type="datetimeFigureOut">
               <a:rPr lang="en-US" smtClean="0"/>
               <a:pPr/>
-              <a:t>10/8/2017</a:t>
+              <a:t>10/20/2017</a:t>
             </a:fld>
             <a:endParaRPr lang="en-US" dirty="0"/>
           </a:p>
@@ -2466,7 +2466,7 @@
             <a:fld id="{B61BEF0D-F0BB-DE4B-95CE-6DB70DBA9567}" type="datetimeFigureOut">
               <a:rPr lang="en-US" smtClean="0"/>
               <a:pPr/>
-              <a:t>10/8/2017</a:t>
+              <a:t>10/20/2017</a:t>
             </a:fld>
             <a:endParaRPr lang="en-US" dirty="0"/>
           </a:p>
@@ -2638,7 +2638,7 @@
             <a:fld id="{B61BEF0D-F0BB-DE4B-95CE-6DB70DBA9567}" type="datetimeFigureOut">
               <a:rPr lang="en-US" smtClean="0"/>
               <a:pPr/>
-              <a:t>10/8/2017</a:t>
+              <a:t>10/20/2017</a:t>
             </a:fld>
             <a:endParaRPr lang="en-US" dirty="0"/>
           </a:p>
@@ -2820,7 +2820,7 @@
             <a:fld id="{B61BEF0D-F0BB-DE4B-95CE-6DB70DBA9567}" type="datetimeFigureOut">
               <a:rPr lang="en-US" smtClean="0"/>
               <a:pPr/>
-              <a:t>10/8/2017</a:t>
+              <a:t>10/20/2017</a:t>
             </a:fld>
             <a:endParaRPr lang="en-US" dirty="0"/>
           </a:p>
@@ -2998,7 +2998,7 @@
             <a:fld id="{B61BEF0D-F0BB-DE4B-95CE-6DB70DBA9567}" type="datetimeFigureOut">
               <a:rPr lang="en-US" smtClean="0"/>
               <a:pPr/>
-              <a:t>10/8/2017</a:t>
+              <a:t>10/20/2017</a:t>
             </a:fld>
             <a:endParaRPr lang="en-US" dirty="0"/>
           </a:p>
@@ -3247,7 +3247,7 @@
             <a:fld id="{B61BEF0D-F0BB-DE4B-95CE-6DB70DBA9567}" type="datetimeFigureOut">
               <a:rPr lang="en-US" smtClean="0"/>
               <a:pPr/>
-              <a:t>10/8/2017</a:t>
+              <a:t>10/20/2017</a:t>
             </a:fld>
             <a:endParaRPr lang="en-US" dirty="0"/>
           </a:p>
@@ -3481,7 +3481,7 @@
             <a:fld id="{B61BEF0D-F0BB-DE4B-95CE-6DB70DBA9567}" type="datetimeFigureOut">
               <a:rPr lang="en-US" smtClean="0"/>
               <a:pPr/>
-              <a:t>10/8/2017</a:t>
+              <a:t>10/20/2017</a:t>
             </a:fld>
             <a:endParaRPr lang="en-US" dirty="0"/>
           </a:p>
@@ -3857,7 +3857,7 @@
             <a:fld id="{B61BEF0D-F0BB-DE4B-95CE-6DB70DBA9567}" type="datetimeFigureOut">
               <a:rPr lang="en-US" smtClean="0"/>
               <a:pPr/>
-              <a:t>10/8/2017</a:t>
+              <a:t>10/20/2017</a:t>
             </a:fld>
             <a:endParaRPr lang="en-US" dirty="0"/>
           </a:p>
@@ -3982,7 +3982,7 @@
             <a:fld id="{B61BEF0D-F0BB-DE4B-95CE-6DB70DBA9567}" type="datetimeFigureOut">
               <a:rPr lang="en-US" smtClean="0"/>
               <a:pPr/>
-              <a:t>10/8/2017</a:t>
+              <a:t>10/20/2017</a:t>
             </a:fld>
             <a:endParaRPr lang="en-US" dirty="0"/>
           </a:p>
@@ -4079,7 +4079,7 @@
             <a:fld id="{B61BEF0D-F0BB-DE4B-95CE-6DB70DBA9567}" type="datetimeFigureOut">
               <a:rPr lang="en-US" smtClean="0"/>
               <a:pPr/>
-              <a:t>10/8/2017</a:t>
+              <a:t>10/20/2017</a:t>
             </a:fld>
             <a:endParaRPr lang="en-US" dirty="0"/>
           </a:p>
@@ -4336,7 +4336,7 @@
             <a:fld id="{B61BEF0D-F0BB-DE4B-95CE-6DB70DBA9567}" type="datetimeFigureOut">
               <a:rPr lang="en-US" smtClean="0"/>
               <a:pPr/>
-              <a:t>10/8/2017</a:t>
+              <a:t>10/20/2017</a:t>
             </a:fld>
             <a:endParaRPr lang="en-US" dirty="0"/>
           </a:p>
@@ -4601,7 +4601,7 @@
             <a:fld id="{B61BEF0D-F0BB-DE4B-95CE-6DB70DBA9567}" type="datetimeFigureOut">
               <a:rPr lang="en-US" smtClean="0"/>
               <a:pPr/>
-              <a:t>10/8/2017</a:t>
+              <a:t>10/20/2017</a:t>
             </a:fld>
             <a:endParaRPr lang="en-US" dirty="0"/>
           </a:p>
@@ -5346,7 +5346,7 @@
             <a:fld id="{B61BEF0D-F0BB-DE4B-95CE-6DB70DBA9567}" type="datetimeFigureOut">
               <a:rPr lang="en-US" smtClean="0"/>
               <a:pPr/>
-              <a:t>10/8/2017</a:t>
+              <a:t>10/20/2017</a:t>
             </a:fld>
             <a:endParaRPr lang="en-US" dirty="0"/>
           </a:p>
@@ -5899,7 +5899,6 @@
               <a:rPr lang="it-IT" sz="3400" dirty="0"/>
               <a:t>risposta a domande frequenti</a:t>
             </a:r>
-            <a:endParaRPr lang="it-IT" sz="3400" dirty="0"/>
           </a:p>
         </p:txBody>
       </p:sp>
@@ -6059,12 +6058,6 @@
               </a:rPr>
               <a:t>Corso di Laurea in Informatica</a:t>
             </a:r>
-            <a:endParaRPr lang="it-IT" dirty="0">
-              <a:solidFill>
-                <a:srgbClr val="C00000"/>
-              </a:solidFill>
-              <a:latin typeface="+mj-lt"/>
-            </a:endParaRPr>
           </a:p>
         </p:txBody>
       </p:sp>
@@ -6150,16 +6143,354 @@
             <p:ph type="title"/>
           </p:nvPr>
         </p:nvSpPr>
-        <p:spPr/>
-        <p:txBody>
-          <a:bodyPr/>
-          <a:lstStyle/>
-          <a:p>
-            <a:r>
-              <a:rPr lang="it-IT" dirty="0" smtClean="0"/>
-              <a:t>L’azienda: i-contact srl</a:t>
-            </a:r>
-            <a:endParaRPr lang="it-IT" dirty="0"/>
+        <p:spPr>
+          <a:xfrm>
+            <a:off x="540191" y="419728"/>
+            <a:ext cx="8596668" cy="1320800"/>
+          </a:xfrm>
+        </p:spPr>
+        <p:txBody>
+          <a:bodyPr>
+            <a:normAutofit/>
+          </a:bodyPr>
+          <a:lstStyle/>
+          <a:p>
+            <a:r>
+              <a:rPr lang="it-IT" sz="4400" dirty="0" smtClean="0"/>
+              <a:t>L’azienda: i-</a:t>
+            </a:r>
+            <a:r>
+              <a:rPr lang="it-IT" sz="4400" dirty="0" err="1" smtClean="0"/>
+              <a:t>contact</a:t>
+            </a:r>
+            <a:r>
+              <a:rPr lang="it-IT" sz="4400" dirty="0" smtClean="0"/>
+              <a:t> s.r.l.</a:t>
+            </a:r>
+            <a:endParaRPr lang="it-IT" sz="4400" dirty="0"/>
+          </a:p>
+        </p:txBody>
+      </p:sp>
+      <p:pic>
+        <p:nvPicPr>
+          <p:cNvPr id="4" name="Picture 3"/>
+          <p:cNvPicPr>
+            <a:picLocks noChangeAspect="1"/>
+          </p:cNvPicPr>
+          <p:nvPr/>
+        </p:nvPicPr>
+        <p:blipFill>
+          <a:blip r:embed="rId2">
+            <a:extLst>
+              <a:ext uri="{28A0092B-C50C-407E-A947-70E740481C1C}">
+                <a14:useLocalDpi xmlns:a14="http://schemas.microsoft.com/office/drawing/2010/main" val="0"/>
+              </a:ext>
+            </a:extLst>
+          </a:blip>
+          <a:stretch>
+            <a:fillRect/>
+          </a:stretch>
+        </p:blipFill>
+        <p:spPr>
+          <a:xfrm>
+            <a:off x="2731776" y="1484427"/>
+            <a:ext cx="4516192" cy="891946"/>
+          </a:xfrm>
+          <a:prstGeom prst="rect">
+            <a:avLst/>
+          </a:prstGeom>
+        </p:spPr>
+      </p:pic>
+      <p:pic>
+        <p:nvPicPr>
+          <p:cNvPr id="5" name="Picture 4"/>
+          <p:cNvPicPr>
+            <a:picLocks noChangeAspect="1"/>
+          </p:cNvPicPr>
+          <p:nvPr/>
+        </p:nvPicPr>
+        <p:blipFill>
+          <a:blip r:embed="rId3">
+            <a:extLst>
+              <a:ext uri="{28A0092B-C50C-407E-A947-70E740481C1C}">
+                <a14:useLocalDpi xmlns:a14="http://schemas.microsoft.com/office/drawing/2010/main" val="0"/>
+              </a:ext>
+            </a:extLst>
+          </a:blip>
+          <a:stretch>
+            <a:fillRect/>
+          </a:stretch>
+        </p:blipFill>
+        <p:spPr>
+          <a:xfrm>
+            <a:off x="4989872" y="4389062"/>
+            <a:ext cx="2543175" cy="1524000"/>
+          </a:xfrm>
+          <a:prstGeom prst="rect">
+            <a:avLst/>
+          </a:prstGeom>
+        </p:spPr>
+      </p:pic>
+      <p:pic>
+        <p:nvPicPr>
+          <p:cNvPr id="6" name="Picture 5"/>
+          <p:cNvPicPr>
+            <a:picLocks noChangeAspect="1"/>
+          </p:cNvPicPr>
+          <p:nvPr/>
+        </p:nvPicPr>
+        <p:blipFill>
+          <a:blip r:embed="rId4">
+            <a:extLst>
+              <a:ext uri="{28A0092B-C50C-407E-A947-70E740481C1C}">
+                <a14:useLocalDpi xmlns:a14="http://schemas.microsoft.com/office/drawing/2010/main" val="0"/>
+              </a:ext>
+            </a:extLst>
+          </a:blip>
+          <a:stretch>
+            <a:fillRect/>
+          </a:stretch>
+        </p:blipFill>
+        <p:spPr>
+          <a:xfrm>
+            <a:off x="433402" y="3083792"/>
+            <a:ext cx="2164642" cy="1305270"/>
+          </a:xfrm>
+          <a:prstGeom prst="rect">
+            <a:avLst/>
+          </a:prstGeom>
+        </p:spPr>
+      </p:pic>
+      <p:pic>
+        <p:nvPicPr>
+          <p:cNvPr id="7" name="Picture 6"/>
+          <p:cNvPicPr>
+            <a:picLocks noChangeAspect="1"/>
+          </p:cNvPicPr>
+          <p:nvPr/>
+        </p:nvPicPr>
+        <p:blipFill>
+          <a:blip r:embed="rId5">
+            <a:extLst>
+              <a:ext uri="{28A0092B-C50C-407E-A947-70E740481C1C}">
+                <a14:useLocalDpi xmlns:a14="http://schemas.microsoft.com/office/drawing/2010/main" val="0"/>
+              </a:ext>
+            </a:extLst>
+          </a:blip>
+          <a:stretch>
+            <a:fillRect/>
+          </a:stretch>
+        </p:blipFill>
+        <p:spPr>
+          <a:xfrm>
+            <a:off x="7019464" y="3060910"/>
+            <a:ext cx="2254538" cy="1351034"/>
+          </a:xfrm>
+          <a:prstGeom prst="rect">
+            <a:avLst/>
+          </a:prstGeom>
+        </p:spPr>
+      </p:pic>
+      <p:pic>
+        <p:nvPicPr>
+          <p:cNvPr id="8" name="Picture 7"/>
+          <p:cNvPicPr>
+            <a:picLocks noChangeAspect="1"/>
+          </p:cNvPicPr>
+          <p:nvPr/>
+        </p:nvPicPr>
+        <p:blipFill>
+          <a:blip r:embed="rId6">
+            <a:extLst>
+              <a:ext uri="{28A0092B-C50C-407E-A947-70E740481C1C}">
+                <a14:useLocalDpi xmlns:a14="http://schemas.microsoft.com/office/drawing/2010/main" val="0"/>
+              </a:ext>
+            </a:extLst>
+          </a:blip>
+          <a:stretch>
+            <a:fillRect/>
+          </a:stretch>
+        </p:blipFill>
+        <p:spPr>
+          <a:xfrm>
+            <a:off x="2205115" y="4389062"/>
+            <a:ext cx="2633410" cy="1578074"/>
+          </a:xfrm>
+          <a:prstGeom prst="rect">
+            <a:avLst/>
+          </a:prstGeom>
+        </p:spPr>
+      </p:pic>
+      <p:cxnSp>
+        <p:nvCxnSpPr>
+          <p:cNvPr id="10" name="Straight Arrow Connector 9"/>
+          <p:cNvCxnSpPr/>
+          <p:nvPr/>
+        </p:nvCxnSpPr>
+        <p:spPr>
+          <a:xfrm flipH="1">
+            <a:off x="2205115" y="2356834"/>
+            <a:ext cx="2173702" cy="1030310"/>
+          </a:xfrm>
+          <a:prstGeom prst="straightConnector1">
+            <a:avLst/>
+          </a:prstGeom>
+          <a:ln w="38100">
+            <a:tailEnd type="triangle"/>
+          </a:ln>
+        </p:spPr>
+        <p:style>
+          <a:lnRef idx="1">
+            <a:schemeClr val="accent1"/>
+          </a:lnRef>
+          <a:fillRef idx="0">
+            <a:schemeClr val="accent1"/>
+          </a:fillRef>
+          <a:effectRef idx="0">
+            <a:schemeClr val="accent1"/>
+          </a:effectRef>
+          <a:fontRef idx="minor">
+            <a:schemeClr val="tx1"/>
+          </a:fontRef>
+        </p:style>
+      </p:cxnSp>
+      <p:cxnSp>
+        <p:nvCxnSpPr>
+          <p:cNvPr id="12" name="Straight Arrow Connector 11"/>
+          <p:cNvCxnSpPr/>
+          <p:nvPr/>
+        </p:nvCxnSpPr>
+        <p:spPr>
+          <a:xfrm flipH="1">
+            <a:off x="3669581" y="2370413"/>
+            <a:ext cx="1075336" cy="1840979"/>
+          </a:xfrm>
+          <a:prstGeom prst="straightConnector1">
+            <a:avLst/>
+          </a:prstGeom>
+          <a:ln w="38100">
+            <a:tailEnd type="triangle"/>
+          </a:ln>
+        </p:spPr>
+        <p:style>
+          <a:lnRef idx="1">
+            <a:schemeClr val="accent1"/>
+          </a:lnRef>
+          <a:fillRef idx="0">
+            <a:schemeClr val="accent1"/>
+          </a:fillRef>
+          <a:effectRef idx="0">
+            <a:schemeClr val="accent1"/>
+          </a:effectRef>
+          <a:fontRef idx="minor">
+            <a:schemeClr val="tx1"/>
+          </a:fontRef>
+        </p:style>
+      </p:cxnSp>
+      <p:cxnSp>
+        <p:nvCxnSpPr>
+          <p:cNvPr id="13" name="Straight Arrow Connector 12"/>
+          <p:cNvCxnSpPr/>
+          <p:nvPr/>
+        </p:nvCxnSpPr>
+        <p:spPr>
+          <a:xfrm>
+            <a:off x="5193815" y="2370413"/>
+            <a:ext cx="814998" cy="1956645"/>
+          </a:xfrm>
+          <a:prstGeom prst="straightConnector1">
+            <a:avLst/>
+          </a:prstGeom>
+          <a:ln w="38100">
+            <a:tailEnd type="triangle"/>
+          </a:ln>
+        </p:spPr>
+        <p:style>
+          <a:lnRef idx="1">
+            <a:schemeClr val="accent1"/>
+          </a:lnRef>
+          <a:fillRef idx="0">
+            <a:schemeClr val="accent1"/>
+          </a:fillRef>
+          <a:effectRef idx="0">
+            <a:schemeClr val="accent1"/>
+          </a:effectRef>
+          <a:fontRef idx="minor">
+            <a:schemeClr val="tx1"/>
+          </a:fontRef>
+        </p:style>
+      </p:cxnSp>
+      <p:cxnSp>
+        <p:nvCxnSpPr>
+          <p:cNvPr id="14" name="Straight Arrow Connector 13"/>
+          <p:cNvCxnSpPr/>
+          <p:nvPr/>
+        </p:nvCxnSpPr>
+        <p:spPr>
+          <a:xfrm>
+            <a:off x="5682722" y="2356834"/>
+            <a:ext cx="1850325" cy="1092314"/>
+          </a:xfrm>
+          <a:prstGeom prst="straightConnector1">
+            <a:avLst/>
+          </a:prstGeom>
+          <a:ln w="38100">
+            <a:tailEnd type="triangle"/>
+          </a:ln>
+        </p:spPr>
+        <p:style>
+          <a:lnRef idx="1">
+            <a:schemeClr val="accent1"/>
+          </a:lnRef>
+          <a:fillRef idx="0">
+            <a:schemeClr val="accent1"/>
+          </a:fillRef>
+          <a:effectRef idx="0">
+            <a:schemeClr val="accent1"/>
+          </a:effectRef>
+          <a:fontRef idx="minor">
+            <a:schemeClr val="tx1"/>
+          </a:fontRef>
+        </p:style>
+      </p:cxnSp>
+      <p:sp>
+        <p:nvSpPr>
+          <p:cNvPr id="20" name="TextBox 19"/>
+          <p:cNvSpPr txBox="1"/>
+          <p:nvPr/>
+        </p:nvSpPr>
+        <p:spPr>
+          <a:xfrm>
+            <a:off x="11050073" y="6359879"/>
+            <a:ext cx="1013139" cy="461665"/>
+          </a:xfrm>
+          <a:prstGeom prst="rect">
+            <a:avLst/>
+          </a:prstGeom>
+          <a:noFill/>
+        </p:spPr>
+        <p:txBody>
+          <a:bodyPr wrap="square" rtlCol="0">
+            <a:spAutoFit/>
+          </a:bodyPr>
+          <a:lstStyle/>
+          <a:p>
+            <a:pPr algn="r"/>
+            <a:r>
+              <a:rPr lang="it-IT" sz="2400" dirty="0">
+                <a:latin typeface="Bell MT" panose="02020503060305020303" pitchFamily="18" charset="0"/>
+              </a:rPr>
+              <a:t>2</a:t>
+            </a:r>
+            <a:r>
+              <a:rPr lang="it-IT" sz="2400" dirty="0" smtClean="0">
+                <a:latin typeface="Bell MT" panose="02020503060305020303" pitchFamily="18" charset="0"/>
+              </a:rPr>
+              <a:t>/15</a:t>
+            </a:r>
+            <a:endParaRPr lang="it-IT" sz="2400" dirty="0">
+              <a:latin typeface="Bell MT" panose="02020503060305020303" pitchFamily="18" charset="0"/>
+            </a:endParaRPr>
           </a:p>
         </p:txBody>
       </p:sp>
@@ -6200,49 +6531,358 @@
           <a:chExt cx="0" cy="0"/>
         </a:xfrm>
       </p:grpSpPr>
-      <p:sp>
-        <p:nvSpPr>
-          <p:cNvPr id="2" name="Title 1"/>
-          <p:cNvSpPr>
-            <a:spLocks noGrp="1"/>
-          </p:cNvSpPr>
-          <p:nvPr>
-            <p:ph type="title"/>
-          </p:nvPr>
-        </p:nvSpPr>
-        <p:spPr/>
-        <p:txBody>
-          <a:bodyPr/>
-          <a:lstStyle/>
-          <a:p>
-            <a:r>
-              <a:rPr lang="it-IT" dirty="0" smtClean="0"/>
-              <a:t>Il progetto - 1</a:t>
-            </a:r>
+      <p:pic>
+        <p:nvPicPr>
+          <p:cNvPr id="4" name="Picture 3"/>
+          <p:cNvPicPr>
+            <a:picLocks noChangeAspect="1"/>
+          </p:cNvPicPr>
+          <p:nvPr/>
+        </p:nvPicPr>
+        <p:blipFill rotWithShape="1">
+          <a:blip r:embed="rId2">
+            <a:extLst>
+              <a:ext uri="{28A0092B-C50C-407E-A947-70E740481C1C}">
+                <a14:useLocalDpi xmlns:a14="http://schemas.microsoft.com/office/drawing/2010/main" val="0"/>
+              </a:ext>
+            </a:extLst>
+          </a:blip>
+          <a:srcRect r="1510" b="26218"/>
+          <a:stretch/>
+        </p:blipFill>
+        <p:spPr>
+          <a:xfrm>
+            <a:off x="3404781" y="280787"/>
+            <a:ext cx="3416718" cy="1533839"/>
+          </a:xfrm>
+          <a:prstGeom prst="rect">
+            <a:avLst/>
+          </a:prstGeom>
+        </p:spPr>
+      </p:pic>
+      <p:sp>
+        <p:nvSpPr>
+          <p:cNvPr id="5" name="TextBox 4"/>
+          <p:cNvSpPr txBox="1"/>
+          <p:nvPr/>
+        </p:nvSpPr>
+        <p:spPr>
+          <a:xfrm>
+            <a:off x="1060600" y="2143439"/>
+            <a:ext cx="6980349" cy="738664"/>
+          </a:xfrm>
+          <a:prstGeom prst="rect">
+            <a:avLst/>
+          </a:prstGeom>
+          <a:noFill/>
+        </p:spPr>
+        <p:txBody>
+          <a:bodyPr wrap="square" rtlCol="0">
+            <a:spAutoFit/>
+          </a:bodyPr>
+          <a:lstStyle/>
+          <a:p>
+            <a:r>
+              <a:rPr lang="it-IT" sz="2400" dirty="0" smtClean="0"/>
+              <a:t>Chatbot di Facebook Messenger</a:t>
+            </a:r>
+            <a:endParaRPr lang="it-IT" sz="2400" dirty="0"/>
+          </a:p>
+          <a:p>
             <a:endParaRPr lang="it-IT" dirty="0"/>
           </a:p>
         </p:txBody>
       </p:sp>
-      <p:sp>
-        <p:nvSpPr>
-          <p:cNvPr id="3" name="Content Placeholder 2"/>
-          <p:cNvSpPr>
-            <a:spLocks noGrp="1"/>
-          </p:cNvSpPr>
-          <p:nvPr>
-            <p:ph idx="1"/>
-          </p:nvPr>
-        </p:nvSpPr>
-        <p:spPr/>
-        <p:txBody>
-          <a:bodyPr/>
-          <a:lstStyle/>
-          <a:p>
-            <a:r>
-              <a:rPr lang="it-IT" dirty="0" smtClean="0"/>
-              <a:t>Chatbot, spiegazione</a:t>
-            </a:r>
-            <a:endParaRPr lang="it-IT" dirty="0"/>
+      <p:pic>
+        <p:nvPicPr>
+          <p:cNvPr id="6" name="Picture 5"/>
+          <p:cNvPicPr>
+            <a:picLocks noChangeAspect="1"/>
+          </p:cNvPicPr>
+          <p:nvPr/>
+        </p:nvPicPr>
+        <p:blipFill>
+          <a:blip r:embed="rId3">
+            <a:extLst>
+              <a:ext uri="{28A0092B-C50C-407E-A947-70E740481C1C}">
+                <a14:useLocalDpi xmlns:a14="http://schemas.microsoft.com/office/drawing/2010/main" val="0"/>
+              </a:ext>
+            </a:extLst>
+          </a:blip>
+          <a:stretch>
+            <a:fillRect/>
+          </a:stretch>
+        </p:blipFill>
+        <p:spPr>
+          <a:xfrm>
+            <a:off x="6567087" y="1675684"/>
+            <a:ext cx="1355769" cy="1355769"/>
+          </a:xfrm>
+          <a:prstGeom prst="rect">
+            <a:avLst/>
+          </a:prstGeom>
+        </p:spPr>
+      </p:pic>
+      <p:pic>
+        <p:nvPicPr>
+          <p:cNvPr id="7" name="Picture 6"/>
+          <p:cNvPicPr>
+            <a:picLocks noChangeAspect="1"/>
+          </p:cNvPicPr>
+          <p:nvPr/>
+        </p:nvPicPr>
+        <p:blipFill>
+          <a:blip r:embed="rId4">
+            <a:extLst>
+              <a:ext uri="{28A0092B-C50C-407E-A947-70E740481C1C}">
+                <a14:useLocalDpi xmlns:a14="http://schemas.microsoft.com/office/drawing/2010/main" val="0"/>
+              </a:ext>
+            </a:extLst>
+          </a:blip>
+          <a:stretch>
+            <a:fillRect/>
+          </a:stretch>
+        </p:blipFill>
+        <p:spPr>
+          <a:xfrm>
+            <a:off x="1060600" y="3265731"/>
+            <a:ext cx="1285292" cy="1285292"/>
+          </a:xfrm>
+          <a:prstGeom prst="rect">
+            <a:avLst/>
+          </a:prstGeom>
+        </p:spPr>
+      </p:pic>
+      <p:sp>
+        <p:nvSpPr>
+          <p:cNvPr id="8" name="TextBox 7"/>
+          <p:cNvSpPr txBox="1"/>
+          <p:nvPr/>
+        </p:nvSpPr>
+        <p:spPr>
+          <a:xfrm>
+            <a:off x="3154994" y="3677544"/>
+            <a:ext cx="5355953" cy="461665"/>
+          </a:xfrm>
+          <a:prstGeom prst="rect">
+            <a:avLst/>
+          </a:prstGeom>
+          <a:noFill/>
+        </p:spPr>
+        <p:txBody>
+          <a:bodyPr wrap="none" rtlCol="0">
+            <a:spAutoFit/>
+          </a:bodyPr>
+          <a:lstStyle/>
+          <a:p>
+            <a:r>
+              <a:rPr lang="it-IT" sz="2400" dirty="0" smtClean="0"/>
+              <a:t>Incrementare le funzionalità presenti</a:t>
+            </a:r>
+            <a:endParaRPr lang="it-IT" sz="2400" dirty="0"/>
+          </a:p>
+        </p:txBody>
+      </p:sp>
+      <p:pic>
+        <p:nvPicPr>
+          <p:cNvPr id="9" name="Picture 8"/>
+          <p:cNvPicPr>
+            <a:picLocks noChangeAspect="1"/>
+          </p:cNvPicPr>
+          <p:nvPr/>
+        </p:nvPicPr>
+        <p:blipFill>
+          <a:blip r:embed="rId5">
+            <a:extLst>
+              <a:ext uri="{28A0092B-C50C-407E-A947-70E740481C1C}">
+                <a14:useLocalDpi xmlns:a14="http://schemas.microsoft.com/office/drawing/2010/main" val="0"/>
+              </a:ext>
+            </a:extLst>
+          </a:blip>
+          <a:stretch>
+            <a:fillRect/>
+          </a:stretch>
+        </p:blipFill>
+        <p:spPr>
+          <a:xfrm>
+            <a:off x="6546785" y="4855335"/>
+            <a:ext cx="1396372" cy="1396372"/>
+          </a:xfrm>
+          <a:prstGeom prst="rect">
+            <a:avLst/>
+          </a:prstGeom>
+        </p:spPr>
+      </p:pic>
+      <p:sp>
+        <p:nvSpPr>
+          <p:cNvPr id="10" name="TextBox 9"/>
+          <p:cNvSpPr txBox="1"/>
+          <p:nvPr/>
+        </p:nvSpPr>
+        <p:spPr>
+          <a:xfrm>
+            <a:off x="1060600" y="5345628"/>
+            <a:ext cx="4370107" cy="461665"/>
+          </a:xfrm>
+          <a:prstGeom prst="rect">
+            <a:avLst/>
+          </a:prstGeom>
+          <a:noFill/>
+        </p:spPr>
+        <p:txBody>
+          <a:bodyPr wrap="none" rtlCol="0">
+            <a:spAutoFit/>
+          </a:bodyPr>
+          <a:lstStyle/>
+          <a:p>
+            <a:r>
+              <a:rPr lang="it-IT" sz="2400" dirty="0" smtClean="0"/>
+              <a:t>Introduzione nuove tecnologie</a:t>
+            </a:r>
+            <a:endParaRPr lang="it-IT" sz="2400" dirty="0"/>
+          </a:p>
+        </p:txBody>
+      </p:sp>
+      <p:sp>
+        <p:nvSpPr>
+          <p:cNvPr id="11" name="TextBox 10"/>
+          <p:cNvSpPr txBox="1"/>
+          <p:nvPr/>
+        </p:nvSpPr>
+        <p:spPr>
+          <a:xfrm>
+            <a:off x="11050073" y="6359879"/>
+            <a:ext cx="1013139" cy="461665"/>
+          </a:xfrm>
+          <a:prstGeom prst="rect">
+            <a:avLst/>
+          </a:prstGeom>
+          <a:noFill/>
+        </p:spPr>
+        <p:txBody>
+          <a:bodyPr wrap="square" rtlCol="0">
+            <a:spAutoFit/>
+          </a:bodyPr>
+          <a:lstStyle/>
+          <a:p>
+            <a:pPr algn="r"/>
+            <a:r>
+              <a:rPr lang="it-IT" sz="2400" dirty="0" smtClean="0">
+                <a:latin typeface="Bell MT" panose="02020503060305020303" pitchFamily="18" charset="0"/>
+              </a:rPr>
+              <a:t>3</a:t>
+            </a:r>
+            <a:r>
+              <a:rPr lang="it-IT" sz="2400" dirty="0" smtClean="0">
+                <a:latin typeface="Bell MT" panose="02020503060305020303" pitchFamily="18" charset="0"/>
+              </a:rPr>
+              <a:t>/15</a:t>
+            </a:r>
+            <a:endParaRPr lang="it-IT" sz="2400" dirty="0">
+              <a:latin typeface="Bell MT" panose="02020503060305020303" pitchFamily="18" charset="0"/>
+            </a:endParaRPr>
+          </a:p>
+        </p:txBody>
+      </p:sp>
+      <p:sp>
+        <p:nvSpPr>
+          <p:cNvPr id="12" name="Title 1"/>
+          <p:cNvSpPr txBox="1">
+            <a:spLocks/>
+          </p:cNvSpPr>
+          <p:nvPr/>
+        </p:nvSpPr>
+        <p:spPr>
+          <a:xfrm>
+            <a:off x="540191" y="419728"/>
+            <a:ext cx="8596668" cy="1320800"/>
+          </a:xfrm>
+          <a:prstGeom prst="rect">
+            <a:avLst/>
+          </a:prstGeom>
+        </p:spPr>
+        <p:txBody>
+          <a:bodyPr vert="horz" lIns="91440" tIns="45720" rIns="91440" bIns="45720" rtlCol="0" anchor="t">
+            <a:normAutofit/>
+          </a:bodyPr>
+          <a:lstStyle>
+            <a:lvl1pPr algn="l" defTabSz="457200" rtl="0" eaLnBrk="1" latinLnBrk="0" hangingPunct="1">
+              <a:spcBef>
+                <a:spcPct val="0"/>
+              </a:spcBef>
+              <a:buNone/>
+              <a:defRPr sz="3600" kern="1200">
+                <a:solidFill>
+                  <a:schemeClr val="accent1"/>
+                </a:solidFill>
+                <a:latin typeface="+mj-lt"/>
+                <a:ea typeface="+mj-ea"/>
+                <a:cs typeface="+mj-cs"/>
+              </a:defRPr>
+            </a:lvl1pPr>
+            <a:lvl2pPr eaLnBrk="1" hangingPunct="1">
+              <a:defRPr>
+                <a:solidFill>
+                  <a:schemeClr val="tx2"/>
+                </a:solidFill>
+              </a:defRPr>
+            </a:lvl2pPr>
+            <a:lvl3pPr eaLnBrk="1" hangingPunct="1">
+              <a:defRPr>
+                <a:solidFill>
+                  <a:schemeClr val="tx2"/>
+                </a:solidFill>
+              </a:defRPr>
+            </a:lvl3pPr>
+            <a:lvl4pPr eaLnBrk="1" hangingPunct="1">
+              <a:defRPr>
+                <a:solidFill>
+                  <a:schemeClr val="tx2"/>
+                </a:solidFill>
+              </a:defRPr>
+            </a:lvl4pPr>
+            <a:lvl5pPr eaLnBrk="1" hangingPunct="1">
+              <a:defRPr>
+                <a:solidFill>
+                  <a:schemeClr val="tx2"/>
+                </a:solidFill>
+              </a:defRPr>
+            </a:lvl5pPr>
+            <a:lvl6pPr eaLnBrk="1" hangingPunct="1">
+              <a:defRPr>
+                <a:solidFill>
+                  <a:schemeClr val="tx2"/>
+                </a:solidFill>
+              </a:defRPr>
+            </a:lvl6pPr>
+            <a:lvl7pPr eaLnBrk="1" hangingPunct="1">
+              <a:defRPr>
+                <a:solidFill>
+                  <a:schemeClr val="tx2"/>
+                </a:solidFill>
+              </a:defRPr>
+            </a:lvl7pPr>
+            <a:lvl8pPr eaLnBrk="1" hangingPunct="1">
+              <a:defRPr>
+                <a:solidFill>
+                  <a:schemeClr val="tx2"/>
+                </a:solidFill>
+              </a:defRPr>
+            </a:lvl8pPr>
+            <a:lvl9pPr eaLnBrk="1" hangingPunct="1">
+              <a:defRPr>
+                <a:solidFill>
+                  <a:schemeClr val="tx2"/>
+                </a:solidFill>
+              </a:defRPr>
+            </a:lvl9pPr>
+          </a:lstStyle>
+          <a:p>
+            <a:r>
+              <a:rPr lang="it-IT" sz="4400" dirty="0" smtClean="0"/>
+              <a:t>Il progetto – 1 </a:t>
+            </a:r>
+            <a:endParaRPr lang="it-IT" sz="4400" dirty="0"/>
           </a:p>
         </p:txBody>
       </p:sp>
@@ -6285,47 +6925,264 @@
       </p:grpSpPr>
       <p:sp>
         <p:nvSpPr>
-          <p:cNvPr id="2" name="Title 1"/>
-          <p:cNvSpPr>
-            <a:spLocks noGrp="1"/>
-          </p:cNvSpPr>
-          <p:nvPr>
-            <p:ph type="title"/>
-          </p:nvPr>
-        </p:nvSpPr>
-        <p:spPr/>
-        <p:txBody>
-          <a:bodyPr/>
-          <a:lstStyle/>
-          <a:p>
-            <a:r>
-              <a:rPr lang="it-IT" dirty="0" smtClean="0"/>
-              <a:t>Il progetto – 2</a:t>
-            </a:r>
-            <a:endParaRPr lang="it-IT" dirty="0"/>
-          </a:p>
-        </p:txBody>
-      </p:sp>
-      <p:sp>
-        <p:nvSpPr>
-          <p:cNvPr id="3" name="Content Placeholder 2"/>
-          <p:cNvSpPr>
-            <a:spLocks noGrp="1"/>
-          </p:cNvSpPr>
-          <p:nvPr>
-            <p:ph idx="1"/>
-          </p:nvPr>
-        </p:nvSpPr>
-        <p:spPr/>
-        <p:txBody>
-          <a:bodyPr/>
-          <a:lstStyle/>
-          <a:p>
-            <a:r>
-              <a:rPr lang="it-IT" dirty="0" smtClean="0"/>
-              <a:t>Chatbot specifici</a:t>
-            </a:r>
-            <a:endParaRPr lang="it-IT" dirty="0"/>
+          <p:cNvPr id="5" name="TextBox 4"/>
+          <p:cNvSpPr txBox="1"/>
+          <p:nvPr/>
+        </p:nvSpPr>
+        <p:spPr>
+          <a:xfrm>
+            <a:off x="1700012" y="1797418"/>
+            <a:ext cx="2553904" cy="523220"/>
+          </a:xfrm>
+          <a:prstGeom prst="rect">
+            <a:avLst/>
+          </a:prstGeom>
+          <a:noFill/>
+        </p:spPr>
+        <p:txBody>
+          <a:bodyPr wrap="none" rtlCol="0">
+            <a:spAutoFit/>
+          </a:bodyPr>
+          <a:lstStyle/>
+          <a:p>
+            <a:r>
+              <a:rPr lang="it-IT" sz="2800" dirty="0" smtClean="0"/>
+              <a:t>Gestore eventi</a:t>
+            </a:r>
+            <a:endParaRPr lang="it-IT" sz="2800" dirty="0"/>
+          </a:p>
+        </p:txBody>
+      </p:sp>
+      <p:sp>
+        <p:nvSpPr>
+          <p:cNvPr id="6" name="TextBox 5"/>
+          <p:cNvSpPr txBox="1"/>
+          <p:nvPr/>
+        </p:nvSpPr>
+        <p:spPr>
+          <a:xfrm>
+            <a:off x="5460641" y="1797418"/>
+            <a:ext cx="3026085" cy="523220"/>
+          </a:xfrm>
+          <a:prstGeom prst="rect">
+            <a:avLst/>
+          </a:prstGeom>
+          <a:noFill/>
+        </p:spPr>
+        <p:txBody>
+          <a:bodyPr wrap="none" rtlCol="0">
+            <a:spAutoFit/>
+          </a:bodyPr>
+          <a:lstStyle/>
+          <a:p>
+            <a:r>
+              <a:rPr lang="it-IT" sz="2800" dirty="0" smtClean="0"/>
+              <a:t>Meteo Veneto bot</a:t>
+            </a:r>
+            <a:endParaRPr lang="it-IT" sz="2800" dirty="0"/>
+          </a:p>
+        </p:txBody>
+      </p:sp>
+      <p:pic>
+        <p:nvPicPr>
+          <p:cNvPr id="7" name="Picture 6"/>
+          <p:cNvPicPr>
+            <a:picLocks noChangeAspect="1"/>
+          </p:cNvPicPr>
+          <p:nvPr/>
+        </p:nvPicPr>
+        <p:blipFill>
+          <a:blip r:embed="rId2">
+            <a:extLst>
+              <a:ext uri="{28A0092B-C50C-407E-A947-70E740481C1C}">
+                <a14:useLocalDpi xmlns:a14="http://schemas.microsoft.com/office/drawing/2010/main" val="0"/>
+              </a:ext>
+            </a:extLst>
+          </a:blip>
+          <a:stretch>
+            <a:fillRect/>
+          </a:stretch>
+        </p:blipFill>
+        <p:spPr>
+          <a:xfrm>
+            <a:off x="5374350" y="2710877"/>
+            <a:ext cx="3198668" cy="3198668"/>
+          </a:xfrm>
+          <a:prstGeom prst="rect">
+            <a:avLst/>
+          </a:prstGeom>
+        </p:spPr>
+      </p:pic>
+      <p:pic>
+        <p:nvPicPr>
+          <p:cNvPr id="8" name="Picture 7"/>
+          <p:cNvPicPr>
+            <a:picLocks noChangeAspect="1"/>
+          </p:cNvPicPr>
+          <p:nvPr/>
+        </p:nvPicPr>
+        <p:blipFill>
+          <a:blip r:embed="rId3">
+            <a:extLst>
+              <a:ext uri="{28A0092B-C50C-407E-A947-70E740481C1C}">
+                <a14:useLocalDpi xmlns:a14="http://schemas.microsoft.com/office/drawing/2010/main" val="0"/>
+              </a:ext>
+            </a:extLst>
+          </a:blip>
+          <a:stretch>
+            <a:fillRect/>
+          </a:stretch>
+        </p:blipFill>
+        <p:spPr>
+          <a:xfrm>
+            <a:off x="1377630" y="2710877"/>
+            <a:ext cx="3198668" cy="3198668"/>
+          </a:xfrm>
+          <a:prstGeom prst="rect">
+            <a:avLst/>
+          </a:prstGeom>
+        </p:spPr>
+      </p:pic>
+      <p:sp>
+        <p:nvSpPr>
+          <p:cNvPr id="9" name="TextBox 8"/>
+          <p:cNvSpPr txBox="1"/>
+          <p:nvPr/>
+        </p:nvSpPr>
+        <p:spPr>
+          <a:xfrm>
+            <a:off x="11050073" y="6359879"/>
+            <a:ext cx="1013139" cy="461665"/>
+          </a:xfrm>
+          <a:prstGeom prst="rect">
+            <a:avLst/>
+          </a:prstGeom>
+          <a:noFill/>
+        </p:spPr>
+        <p:txBody>
+          <a:bodyPr wrap="square" rtlCol="0">
+            <a:spAutoFit/>
+          </a:bodyPr>
+          <a:lstStyle/>
+          <a:p>
+            <a:pPr algn="r"/>
+            <a:r>
+              <a:rPr lang="it-IT" sz="2400" dirty="0">
+                <a:latin typeface="Bell MT" panose="02020503060305020303" pitchFamily="18" charset="0"/>
+              </a:rPr>
+              <a:t>4</a:t>
+            </a:r>
+            <a:r>
+              <a:rPr lang="it-IT" sz="2400" dirty="0" smtClean="0">
+                <a:latin typeface="Bell MT" panose="02020503060305020303" pitchFamily="18" charset="0"/>
+              </a:rPr>
+              <a:t>/15</a:t>
+            </a:r>
+            <a:endParaRPr lang="it-IT" sz="2400" dirty="0">
+              <a:latin typeface="Bell MT" panose="02020503060305020303" pitchFamily="18" charset="0"/>
+            </a:endParaRPr>
+          </a:p>
+        </p:txBody>
+      </p:sp>
+      <p:sp>
+        <p:nvSpPr>
+          <p:cNvPr id="10" name="Title 1"/>
+          <p:cNvSpPr txBox="1">
+            <a:spLocks/>
+          </p:cNvSpPr>
+          <p:nvPr/>
+        </p:nvSpPr>
+        <p:spPr>
+          <a:xfrm>
+            <a:off x="540191" y="419728"/>
+            <a:ext cx="8596668" cy="1320800"/>
+          </a:xfrm>
+          <a:prstGeom prst="rect">
+            <a:avLst/>
+          </a:prstGeom>
+        </p:spPr>
+        <p:txBody>
+          <a:bodyPr vert="horz" lIns="91440" tIns="45720" rIns="91440" bIns="45720" rtlCol="0" anchor="t">
+            <a:normAutofit/>
+          </a:bodyPr>
+          <a:lstStyle>
+            <a:lvl1pPr algn="l" defTabSz="457200" rtl="0" eaLnBrk="1" latinLnBrk="0" hangingPunct="1">
+              <a:spcBef>
+                <a:spcPct val="0"/>
+              </a:spcBef>
+              <a:buNone/>
+              <a:defRPr sz="3600" kern="1200">
+                <a:solidFill>
+                  <a:schemeClr val="accent1"/>
+                </a:solidFill>
+                <a:latin typeface="+mj-lt"/>
+                <a:ea typeface="+mj-ea"/>
+                <a:cs typeface="+mj-cs"/>
+              </a:defRPr>
+            </a:lvl1pPr>
+            <a:lvl2pPr eaLnBrk="1" hangingPunct="1">
+              <a:defRPr>
+                <a:solidFill>
+                  <a:schemeClr val="tx2"/>
+                </a:solidFill>
+              </a:defRPr>
+            </a:lvl2pPr>
+            <a:lvl3pPr eaLnBrk="1" hangingPunct="1">
+              <a:defRPr>
+                <a:solidFill>
+                  <a:schemeClr val="tx2"/>
+                </a:solidFill>
+              </a:defRPr>
+            </a:lvl3pPr>
+            <a:lvl4pPr eaLnBrk="1" hangingPunct="1">
+              <a:defRPr>
+                <a:solidFill>
+                  <a:schemeClr val="tx2"/>
+                </a:solidFill>
+              </a:defRPr>
+            </a:lvl4pPr>
+            <a:lvl5pPr eaLnBrk="1" hangingPunct="1">
+              <a:defRPr>
+                <a:solidFill>
+                  <a:schemeClr val="tx2"/>
+                </a:solidFill>
+              </a:defRPr>
+            </a:lvl5pPr>
+            <a:lvl6pPr eaLnBrk="1" hangingPunct="1">
+              <a:defRPr>
+                <a:solidFill>
+                  <a:schemeClr val="tx2"/>
+                </a:solidFill>
+              </a:defRPr>
+            </a:lvl6pPr>
+            <a:lvl7pPr eaLnBrk="1" hangingPunct="1">
+              <a:defRPr>
+                <a:solidFill>
+                  <a:schemeClr val="tx2"/>
+                </a:solidFill>
+              </a:defRPr>
+            </a:lvl7pPr>
+            <a:lvl8pPr eaLnBrk="1" hangingPunct="1">
+              <a:defRPr>
+                <a:solidFill>
+                  <a:schemeClr val="tx2"/>
+                </a:solidFill>
+              </a:defRPr>
+            </a:lvl8pPr>
+            <a:lvl9pPr eaLnBrk="1" hangingPunct="1">
+              <a:defRPr>
+                <a:solidFill>
+                  <a:schemeClr val="tx2"/>
+                </a:solidFill>
+              </a:defRPr>
+            </a:lvl9pPr>
+          </a:lstStyle>
+          <a:p>
+            <a:r>
+              <a:rPr lang="it-IT" sz="4400" dirty="0" smtClean="0"/>
+              <a:t>Il progetto - 2</a:t>
+            </a:r>
+            <a:endParaRPr lang="it-IT" sz="4400" dirty="0"/>
           </a:p>
         </p:txBody>
       </p:sp>
@@ -6386,25 +7243,6 @@
               <a:t>Soluzione – Analisi NLP</a:t>
             </a:r>
             <a:endParaRPr lang="it-IT" dirty="0"/>
-          </a:p>
-        </p:txBody>
-      </p:sp>
-      <p:sp>
-        <p:nvSpPr>
-          <p:cNvPr id="3" name="Content Placeholder 2"/>
-          <p:cNvSpPr>
-            <a:spLocks noGrp="1"/>
-          </p:cNvSpPr>
-          <p:nvPr>
-            <p:ph idx="1"/>
-          </p:nvPr>
-        </p:nvSpPr>
-        <p:spPr/>
-        <p:txBody>
-          <a:bodyPr/>
-          <a:lstStyle/>
-          <a:p>
-            <a:endParaRPr lang="it-IT"/>
           </a:p>
         </p:txBody>
       </p:sp>

--- a/Presentazione_tesi.pptx
+++ b/Presentazione_tesi.pptx
@@ -14,6 +14,9 @@
     <p:sldId id="262" r:id="rId8"/>
     <p:sldId id="263" r:id="rId9"/>
     <p:sldId id="264" r:id="rId10"/>
+    <p:sldId id="265" r:id="rId11"/>
+    <p:sldId id="266" r:id="rId12"/>
+    <p:sldId id="267" r:id="rId13"/>
   </p:sldIdLst>
   <p:sldSz cx="12192000" cy="6858000"/>
   <p:notesSz cx="6858000" cy="9144000"/>
@@ -843,7 +846,7 @@
             <a:fld id="{B61BEF0D-F0BB-DE4B-95CE-6DB70DBA9567}" type="datetimeFigureOut">
               <a:rPr lang="en-US" smtClean="0"/>
               <a:pPr/>
-              <a:t>10/20/2017</a:t>
+              <a:t>11/3/2017</a:t>
             </a:fld>
             <a:endParaRPr lang="en-US" dirty="0"/>
           </a:p>
@@ -1096,7 +1099,7 @@
             <a:fld id="{B61BEF0D-F0BB-DE4B-95CE-6DB70DBA9567}" type="datetimeFigureOut">
               <a:rPr lang="en-US" smtClean="0"/>
               <a:pPr/>
-              <a:t>10/20/2017</a:t>
+              <a:t>11/3/2017</a:t>
             </a:fld>
             <a:endParaRPr lang="en-US" dirty="0"/>
           </a:p>
@@ -1412,7 +1415,7 @@
             <a:fld id="{B61BEF0D-F0BB-DE4B-95CE-6DB70DBA9567}" type="datetimeFigureOut">
               <a:rPr lang="en-US" smtClean="0"/>
               <a:pPr/>
-              <a:t>10/20/2017</a:t>
+              <a:t>11/3/2017</a:t>
             </a:fld>
             <a:endParaRPr lang="en-US" dirty="0"/>
           </a:p>
@@ -1755,7 +1758,7 @@
             <a:fld id="{B61BEF0D-F0BB-DE4B-95CE-6DB70DBA9567}" type="datetimeFigureOut">
               <a:rPr lang="en-US" smtClean="0"/>
               <a:pPr/>
-              <a:t>10/20/2017</a:t>
+              <a:t>11/3/2017</a:t>
             </a:fld>
             <a:endParaRPr lang="en-US" dirty="0"/>
           </a:p>
@@ -2071,7 +2074,7 @@
             <a:fld id="{B61BEF0D-F0BB-DE4B-95CE-6DB70DBA9567}" type="datetimeFigureOut">
               <a:rPr lang="en-US" smtClean="0"/>
               <a:pPr/>
-              <a:t>10/20/2017</a:t>
+              <a:t>11/3/2017</a:t>
             </a:fld>
             <a:endParaRPr lang="en-US" dirty="0"/>
           </a:p>
@@ -2466,7 +2469,7 @@
             <a:fld id="{B61BEF0D-F0BB-DE4B-95CE-6DB70DBA9567}" type="datetimeFigureOut">
               <a:rPr lang="en-US" smtClean="0"/>
               <a:pPr/>
-              <a:t>10/20/2017</a:t>
+              <a:t>11/3/2017</a:t>
             </a:fld>
             <a:endParaRPr lang="en-US" dirty="0"/>
           </a:p>
@@ -2638,7 +2641,7 @@
             <a:fld id="{B61BEF0D-F0BB-DE4B-95CE-6DB70DBA9567}" type="datetimeFigureOut">
               <a:rPr lang="en-US" smtClean="0"/>
               <a:pPr/>
-              <a:t>10/20/2017</a:t>
+              <a:t>11/3/2017</a:t>
             </a:fld>
             <a:endParaRPr lang="en-US" dirty="0"/>
           </a:p>
@@ -2820,7 +2823,7 @@
             <a:fld id="{B61BEF0D-F0BB-DE4B-95CE-6DB70DBA9567}" type="datetimeFigureOut">
               <a:rPr lang="en-US" smtClean="0"/>
               <a:pPr/>
-              <a:t>10/20/2017</a:t>
+              <a:t>11/3/2017</a:t>
             </a:fld>
             <a:endParaRPr lang="en-US" dirty="0"/>
           </a:p>
@@ -2998,7 +3001,7 @@
             <a:fld id="{B61BEF0D-F0BB-DE4B-95CE-6DB70DBA9567}" type="datetimeFigureOut">
               <a:rPr lang="en-US" smtClean="0"/>
               <a:pPr/>
-              <a:t>10/20/2017</a:t>
+              <a:t>11/3/2017</a:t>
             </a:fld>
             <a:endParaRPr lang="en-US" dirty="0"/>
           </a:p>
@@ -3247,7 +3250,7 @@
             <a:fld id="{B61BEF0D-F0BB-DE4B-95CE-6DB70DBA9567}" type="datetimeFigureOut">
               <a:rPr lang="en-US" smtClean="0"/>
               <a:pPr/>
-              <a:t>10/20/2017</a:t>
+              <a:t>11/3/2017</a:t>
             </a:fld>
             <a:endParaRPr lang="en-US" dirty="0"/>
           </a:p>
@@ -3481,7 +3484,7 @@
             <a:fld id="{B61BEF0D-F0BB-DE4B-95CE-6DB70DBA9567}" type="datetimeFigureOut">
               <a:rPr lang="en-US" smtClean="0"/>
               <a:pPr/>
-              <a:t>10/20/2017</a:t>
+              <a:t>11/3/2017</a:t>
             </a:fld>
             <a:endParaRPr lang="en-US" dirty="0"/>
           </a:p>
@@ -3857,7 +3860,7 @@
             <a:fld id="{B61BEF0D-F0BB-DE4B-95CE-6DB70DBA9567}" type="datetimeFigureOut">
               <a:rPr lang="en-US" smtClean="0"/>
               <a:pPr/>
-              <a:t>10/20/2017</a:t>
+              <a:t>11/3/2017</a:t>
             </a:fld>
             <a:endParaRPr lang="en-US" dirty="0"/>
           </a:p>
@@ -3982,7 +3985,7 @@
             <a:fld id="{B61BEF0D-F0BB-DE4B-95CE-6DB70DBA9567}" type="datetimeFigureOut">
               <a:rPr lang="en-US" smtClean="0"/>
               <a:pPr/>
-              <a:t>10/20/2017</a:t>
+              <a:t>11/3/2017</a:t>
             </a:fld>
             <a:endParaRPr lang="en-US" dirty="0"/>
           </a:p>
@@ -4079,7 +4082,7 @@
             <a:fld id="{B61BEF0D-F0BB-DE4B-95CE-6DB70DBA9567}" type="datetimeFigureOut">
               <a:rPr lang="en-US" smtClean="0"/>
               <a:pPr/>
-              <a:t>10/20/2017</a:t>
+              <a:t>11/3/2017</a:t>
             </a:fld>
             <a:endParaRPr lang="en-US" dirty="0"/>
           </a:p>
@@ -4336,7 +4339,7 @@
             <a:fld id="{B61BEF0D-F0BB-DE4B-95CE-6DB70DBA9567}" type="datetimeFigureOut">
               <a:rPr lang="en-US" smtClean="0"/>
               <a:pPr/>
-              <a:t>10/20/2017</a:t>
+              <a:t>11/3/2017</a:t>
             </a:fld>
             <a:endParaRPr lang="en-US" dirty="0"/>
           </a:p>
@@ -4601,7 +4604,7 @@
             <a:fld id="{B61BEF0D-F0BB-DE4B-95CE-6DB70DBA9567}" type="datetimeFigureOut">
               <a:rPr lang="en-US" smtClean="0"/>
               <a:pPr/>
-              <a:t>10/20/2017</a:t>
+              <a:t>11/3/2017</a:t>
             </a:fld>
             <a:endParaRPr lang="en-US" dirty="0"/>
           </a:p>
@@ -5346,7 +5349,7 @@
             <a:fld id="{B61BEF0D-F0BB-DE4B-95CE-6DB70DBA9567}" type="datetimeFigureOut">
               <a:rPr lang="en-US" smtClean="0"/>
               <a:pPr/>
-              <a:t>10/20/2017</a:t>
+              <a:t>11/3/2017</a:t>
             </a:fld>
             <a:endParaRPr lang="en-US" dirty="0"/>
           </a:p>
@@ -6116,6 +6119,565 @@
 </p:sld>
 </file>
 
+<file path=ppt/slides/slide10.xml><?xml version="1.0" encoding="utf-8"?>
+<p:sld xmlns:a="http://schemas.openxmlformats.org/drawingml/2006/main" xmlns:r="http://schemas.openxmlformats.org/officeDocument/2006/relationships" xmlns:p="http://schemas.openxmlformats.org/presentationml/2006/main">
+  <p:cSld>
+    <p:spTree>
+      <p:nvGrpSpPr>
+        <p:cNvPr id="1" name=""/>
+        <p:cNvGrpSpPr/>
+        <p:nvPr/>
+      </p:nvGrpSpPr>
+      <p:grpSpPr>
+        <a:xfrm>
+          <a:off x="0" y="0"/>
+          <a:ext cx="0" cy="0"/>
+          <a:chOff x="0" y="0"/>
+          <a:chExt cx="0" cy="0"/>
+        </a:xfrm>
+      </p:grpSpPr>
+      <p:sp>
+        <p:nvSpPr>
+          <p:cNvPr id="2" name="Title 1"/>
+          <p:cNvSpPr>
+            <a:spLocks noGrp="1"/>
+          </p:cNvSpPr>
+          <p:nvPr>
+            <p:ph type="title"/>
+          </p:nvPr>
+        </p:nvSpPr>
+        <p:spPr/>
+        <p:txBody>
+          <a:bodyPr/>
+          <a:lstStyle/>
+          <a:p>
+            <a:r>
+              <a:rPr lang="it-IT" dirty="0" smtClean="0"/>
+              <a:t>Esempi </a:t>
+            </a:r>
+            <a:r>
+              <a:rPr lang="it-IT" dirty="0" smtClean="0"/>
+              <a:t>– Meteo Veneto bot</a:t>
+            </a:r>
+            <a:endParaRPr lang="it-IT" dirty="0"/>
+          </a:p>
+        </p:txBody>
+      </p:sp>
+      <p:pic>
+        <p:nvPicPr>
+          <p:cNvPr id="5" name="Picture 4"/>
+          <p:cNvPicPr>
+            <a:picLocks noChangeAspect="1"/>
+          </p:cNvPicPr>
+          <p:nvPr/>
+        </p:nvPicPr>
+        <p:blipFill>
+          <a:blip r:embed="rId2">
+            <a:extLst>
+              <a:ext uri="{28A0092B-C50C-407E-A947-70E740481C1C}">
+                <a14:useLocalDpi xmlns:a14="http://schemas.microsoft.com/office/drawing/2010/main" val="0"/>
+              </a:ext>
+            </a:extLst>
+          </a:blip>
+          <a:stretch>
+            <a:fillRect/>
+          </a:stretch>
+        </p:blipFill>
+        <p:spPr>
+          <a:xfrm>
+            <a:off x="1399720" y="1677687"/>
+            <a:ext cx="2598834" cy="4135495"/>
+          </a:xfrm>
+          <a:prstGeom prst="rect">
+            <a:avLst/>
+          </a:prstGeom>
+        </p:spPr>
+      </p:pic>
+      <p:sp>
+        <p:nvSpPr>
+          <p:cNvPr id="6" name="TextBox 5"/>
+          <p:cNvSpPr txBox="1"/>
+          <p:nvPr/>
+        </p:nvSpPr>
+        <p:spPr>
+          <a:xfrm>
+            <a:off x="677334" y="5946873"/>
+            <a:ext cx="4043607" cy="369332"/>
+          </a:xfrm>
+          <a:prstGeom prst="rect">
+            <a:avLst/>
+          </a:prstGeom>
+          <a:noFill/>
+        </p:spPr>
+        <p:txBody>
+          <a:bodyPr wrap="none" rtlCol="0">
+            <a:spAutoFit/>
+          </a:bodyPr>
+          <a:lstStyle/>
+          <a:p>
+            <a:r>
+              <a:rPr lang="it-IT" dirty="0" smtClean="0"/>
+              <a:t>‘‘Che tempo hanno messo domani?’’</a:t>
+            </a:r>
+            <a:endParaRPr lang="it-IT" dirty="0"/>
+          </a:p>
+        </p:txBody>
+      </p:sp>
+      <p:sp>
+        <p:nvSpPr>
+          <p:cNvPr id="7" name="TextBox 6"/>
+          <p:cNvSpPr txBox="1"/>
+          <p:nvPr/>
+        </p:nvSpPr>
+        <p:spPr>
+          <a:xfrm>
+            <a:off x="4564781" y="1677687"/>
+            <a:ext cx="4142994" cy="369332"/>
+          </a:xfrm>
+          <a:prstGeom prst="rect">
+            <a:avLst/>
+          </a:prstGeom>
+          <a:noFill/>
+        </p:spPr>
+        <p:txBody>
+          <a:bodyPr wrap="none" rtlCol="0">
+            <a:spAutoFit/>
+          </a:bodyPr>
+          <a:lstStyle/>
+          <a:p>
+            <a:r>
+              <a:rPr lang="it-IT" dirty="0" smtClean="0"/>
+              <a:t>‘‘È prevista pioggia questo weekend?’’</a:t>
+            </a:r>
+            <a:endParaRPr lang="it-IT" dirty="0"/>
+          </a:p>
+        </p:txBody>
+      </p:sp>
+      <p:pic>
+        <p:nvPicPr>
+          <p:cNvPr id="8" name="Picture 7"/>
+          <p:cNvPicPr>
+            <a:picLocks noChangeAspect="1"/>
+          </p:cNvPicPr>
+          <p:nvPr/>
+        </p:nvPicPr>
+        <p:blipFill>
+          <a:blip r:embed="rId3">
+            <a:extLst>
+              <a:ext uri="{28A0092B-C50C-407E-A947-70E740481C1C}">
+                <a14:useLocalDpi xmlns:a14="http://schemas.microsoft.com/office/drawing/2010/main" val="0"/>
+              </a:ext>
+            </a:extLst>
+          </a:blip>
+          <a:stretch>
+            <a:fillRect/>
+          </a:stretch>
+        </p:blipFill>
+        <p:spPr>
+          <a:xfrm>
+            <a:off x="5336861" y="2166260"/>
+            <a:ext cx="2598834" cy="4149945"/>
+          </a:xfrm>
+          <a:prstGeom prst="rect">
+            <a:avLst/>
+          </a:prstGeom>
+        </p:spPr>
+      </p:pic>
+      <p:sp>
+        <p:nvSpPr>
+          <p:cNvPr id="9" name="TextBox 8"/>
+          <p:cNvSpPr txBox="1"/>
+          <p:nvPr/>
+        </p:nvSpPr>
+        <p:spPr>
+          <a:xfrm>
+            <a:off x="11050073" y="6359879"/>
+            <a:ext cx="1013139" cy="461665"/>
+          </a:xfrm>
+          <a:prstGeom prst="rect">
+            <a:avLst/>
+          </a:prstGeom>
+          <a:noFill/>
+        </p:spPr>
+        <p:txBody>
+          <a:bodyPr wrap="square" rtlCol="0">
+            <a:spAutoFit/>
+          </a:bodyPr>
+          <a:lstStyle/>
+          <a:p>
+            <a:pPr algn="r"/>
+            <a:r>
+              <a:rPr lang="it-IT" sz="2400" dirty="0" smtClean="0">
+                <a:latin typeface="Bell MT" panose="02020503060305020303" pitchFamily="18" charset="0"/>
+              </a:rPr>
+              <a:t>10/15</a:t>
+            </a:r>
+            <a:endParaRPr lang="it-IT" sz="2400" dirty="0">
+              <a:latin typeface="Bell MT" panose="02020503060305020303" pitchFamily="18" charset="0"/>
+            </a:endParaRPr>
+          </a:p>
+        </p:txBody>
+      </p:sp>
+    </p:spTree>
+    <p:extLst>
+      <p:ext uri="{BB962C8B-B14F-4D97-AF65-F5344CB8AC3E}">
+        <p14:creationId xmlns:p14="http://schemas.microsoft.com/office/powerpoint/2010/main" val="852627442"/>
+      </p:ext>
+    </p:extLst>
+  </p:cSld>
+  <p:clrMapOvr>
+    <a:masterClrMapping/>
+  </p:clrMapOvr>
+  <p:timing>
+    <p:tnLst>
+      <p:par>
+        <p:cTn id="1" dur="indefinite" restart="never" nodeType="tmRoot"/>
+      </p:par>
+    </p:tnLst>
+  </p:timing>
+</p:sld>
+</file>
+
+<file path=ppt/slides/slide11.xml><?xml version="1.0" encoding="utf-8"?>
+<p:sld xmlns:a="http://schemas.openxmlformats.org/drawingml/2006/main" xmlns:r="http://schemas.openxmlformats.org/officeDocument/2006/relationships" xmlns:p="http://schemas.openxmlformats.org/presentationml/2006/main">
+  <p:cSld>
+    <p:spTree>
+      <p:nvGrpSpPr>
+        <p:cNvPr id="1" name=""/>
+        <p:cNvGrpSpPr/>
+        <p:nvPr/>
+      </p:nvGrpSpPr>
+      <p:grpSpPr>
+        <a:xfrm>
+          <a:off x="0" y="0"/>
+          <a:ext cx="0" cy="0"/>
+          <a:chOff x="0" y="0"/>
+          <a:chExt cx="0" cy="0"/>
+        </a:xfrm>
+      </p:grpSpPr>
+      <p:sp>
+        <p:nvSpPr>
+          <p:cNvPr id="2" name="Title 1"/>
+          <p:cNvSpPr>
+            <a:spLocks noGrp="1"/>
+          </p:cNvSpPr>
+          <p:nvPr>
+            <p:ph type="title"/>
+          </p:nvPr>
+        </p:nvSpPr>
+        <p:spPr>
+          <a:xfrm>
+            <a:off x="677334" y="609600"/>
+            <a:ext cx="8596668" cy="781318"/>
+          </a:xfrm>
+        </p:spPr>
+        <p:txBody>
+          <a:bodyPr/>
+          <a:lstStyle/>
+          <a:p>
+            <a:r>
+              <a:rPr lang="it-IT" dirty="0" smtClean="0"/>
+              <a:t>Esempi </a:t>
+            </a:r>
+            <a:r>
+              <a:rPr lang="it-IT" dirty="0" smtClean="0"/>
+              <a:t>– Gestore eventi</a:t>
+            </a:r>
+            <a:endParaRPr lang="it-IT" dirty="0"/>
+          </a:p>
+        </p:txBody>
+      </p:sp>
+      <p:sp>
+        <p:nvSpPr>
+          <p:cNvPr id="4" name="TextBox 3"/>
+          <p:cNvSpPr txBox="1"/>
+          <p:nvPr/>
+        </p:nvSpPr>
+        <p:spPr>
+          <a:xfrm>
+            <a:off x="11050073" y="6359879"/>
+            <a:ext cx="1013139" cy="461665"/>
+          </a:xfrm>
+          <a:prstGeom prst="rect">
+            <a:avLst/>
+          </a:prstGeom>
+          <a:noFill/>
+        </p:spPr>
+        <p:txBody>
+          <a:bodyPr wrap="square" rtlCol="0">
+            <a:spAutoFit/>
+          </a:bodyPr>
+          <a:lstStyle/>
+          <a:p>
+            <a:pPr algn="r"/>
+            <a:r>
+              <a:rPr lang="it-IT" sz="2400" dirty="0" smtClean="0">
+                <a:latin typeface="Bell MT" panose="02020503060305020303" pitchFamily="18" charset="0"/>
+              </a:rPr>
+              <a:t>11</a:t>
+            </a:r>
+            <a:r>
+              <a:rPr lang="it-IT" sz="2400" dirty="0" smtClean="0">
+                <a:latin typeface="Bell MT" panose="02020503060305020303" pitchFamily="18" charset="0"/>
+              </a:rPr>
+              <a:t>/15</a:t>
+            </a:r>
+            <a:endParaRPr lang="it-IT" sz="2400" dirty="0">
+              <a:latin typeface="Bell MT" panose="02020503060305020303" pitchFamily="18" charset="0"/>
+            </a:endParaRPr>
+          </a:p>
+        </p:txBody>
+      </p:sp>
+      <p:pic>
+        <p:nvPicPr>
+          <p:cNvPr id="5" name="Picture 4"/>
+          <p:cNvPicPr>
+            <a:picLocks noChangeAspect="1"/>
+          </p:cNvPicPr>
+          <p:nvPr/>
+        </p:nvPicPr>
+        <p:blipFill>
+          <a:blip r:embed="rId2">
+            <a:extLst>
+              <a:ext uri="{28A0092B-C50C-407E-A947-70E740481C1C}">
+                <a14:useLocalDpi xmlns:a14="http://schemas.microsoft.com/office/drawing/2010/main" val="0"/>
+              </a:ext>
+            </a:extLst>
+          </a:blip>
+          <a:stretch>
+            <a:fillRect/>
+          </a:stretch>
+        </p:blipFill>
+        <p:spPr>
+          <a:xfrm>
+            <a:off x="5097660" y="1634474"/>
+            <a:ext cx="2763388" cy="4436772"/>
+          </a:xfrm>
+          <a:prstGeom prst="rect">
+            <a:avLst/>
+          </a:prstGeom>
+        </p:spPr>
+      </p:pic>
+      <p:pic>
+        <p:nvPicPr>
+          <p:cNvPr id="6" name="Picture 5"/>
+          <p:cNvPicPr>
+            <a:picLocks noChangeAspect="1"/>
+          </p:cNvPicPr>
+          <p:nvPr/>
+        </p:nvPicPr>
+        <p:blipFill>
+          <a:blip r:embed="rId3">
+            <a:extLst>
+              <a:ext uri="{28A0092B-C50C-407E-A947-70E740481C1C}">
+                <a14:useLocalDpi xmlns:a14="http://schemas.microsoft.com/office/drawing/2010/main" val="0"/>
+              </a:ext>
+            </a:extLst>
+          </a:blip>
+          <a:stretch>
+            <a:fillRect/>
+          </a:stretch>
+        </p:blipFill>
+        <p:spPr>
+          <a:xfrm>
+            <a:off x="1237149" y="2060620"/>
+            <a:ext cx="2783301" cy="4436772"/>
+          </a:xfrm>
+          <a:prstGeom prst="rect">
+            <a:avLst/>
+          </a:prstGeom>
+        </p:spPr>
+      </p:pic>
+      <p:sp>
+        <p:nvSpPr>
+          <p:cNvPr id="7" name="TextBox 6"/>
+          <p:cNvSpPr txBox="1"/>
+          <p:nvPr/>
+        </p:nvSpPr>
+        <p:spPr>
+          <a:xfrm>
+            <a:off x="506809" y="1541103"/>
+            <a:ext cx="4243982" cy="369332"/>
+          </a:xfrm>
+          <a:prstGeom prst="rect">
+            <a:avLst/>
+          </a:prstGeom>
+          <a:noFill/>
+        </p:spPr>
+        <p:txBody>
+          <a:bodyPr wrap="none" rtlCol="0">
+            <a:spAutoFit/>
+          </a:bodyPr>
+          <a:lstStyle/>
+          <a:p>
+            <a:r>
+              <a:rPr lang="it-IT" dirty="0" smtClean="0"/>
+              <a:t>‘‘Che cosa c’è in Social Media alle 16?’’</a:t>
+            </a:r>
+            <a:endParaRPr lang="it-IT" dirty="0"/>
+          </a:p>
+        </p:txBody>
+      </p:sp>
+      <p:sp>
+        <p:nvSpPr>
+          <p:cNvPr id="8" name="TextBox 7"/>
+          <p:cNvSpPr txBox="1"/>
+          <p:nvPr/>
+        </p:nvSpPr>
+        <p:spPr>
+          <a:xfrm>
+            <a:off x="4766930" y="6175213"/>
+            <a:ext cx="3424848" cy="369332"/>
+          </a:xfrm>
+          <a:prstGeom prst="rect">
+            <a:avLst/>
+          </a:prstGeom>
+          <a:noFill/>
+        </p:spPr>
+        <p:txBody>
+          <a:bodyPr wrap="none" rtlCol="0">
+            <a:spAutoFit/>
+          </a:bodyPr>
+          <a:lstStyle/>
+          <a:p>
+            <a:r>
+              <a:rPr lang="it-IT" dirty="0" smtClean="0"/>
+              <a:t>‘‘Dove si trova la stanza SEO?’’</a:t>
+            </a:r>
+            <a:endParaRPr lang="it-IT" dirty="0"/>
+          </a:p>
+        </p:txBody>
+      </p:sp>
+    </p:spTree>
+    <p:extLst>
+      <p:ext uri="{BB962C8B-B14F-4D97-AF65-F5344CB8AC3E}">
+        <p14:creationId xmlns:p14="http://schemas.microsoft.com/office/powerpoint/2010/main" val="1290899967"/>
+      </p:ext>
+    </p:extLst>
+  </p:cSld>
+  <p:clrMapOvr>
+    <a:masterClrMapping/>
+  </p:clrMapOvr>
+  <p:timing>
+    <p:tnLst>
+      <p:par>
+        <p:cTn id="1" dur="indefinite" restart="never" nodeType="tmRoot"/>
+      </p:par>
+    </p:tnLst>
+  </p:timing>
+</p:sld>
+</file>
+
+<file path=ppt/slides/slide12.xml><?xml version="1.0" encoding="utf-8"?>
+<p:sld xmlns:a="http://schemas.openxmlformats.org/drawingml/2006/main" xmlns:r="http://schemas.openxmlformats.org/officeDocument/2006/relationships" xmlns:p="http://schemas.openxmlformats.org/presentationml/2006/main">
+  <p:cSld>
+    <p:spTree>
+      <p:nvGrpSpPr>
+        <p:cNvPr id="1" name=""/>
+        <p:cNvGrpSpPr/>
+        <p:nvPr/>
+      </p:nvGrpSpPr>
+      <p:grpSpPr>
+        <a:xfrm>
+          <a:off x="0" y="0"/>
+          <a:ext cx="0" cy="0"/>
+          <a:chOff x="0" y="0"/>
+          <a:chExt cx="0" cy="0"/>
+        </a:xfrm>
+      </p:grpSpPr>
+      <p:sp>
+        <p:nvSpPr>
+          <p:cNvPr id="2" name="Title 1"/>
+          <p:cNvSpPr>
+            <a:spLocks noGrp="1"/>
+          </p:cNvSpPr>
+          <p:nvPr>
+            <p:ph type="title"/>
+          </p:nvPr>
+        </p:nvSpPr>
+        <p:spPr>
+          <a:xfrm>
+            <a:off x="1939464" y="2914919"/>
+            <a:ext cx="8596668" cy="1320800"/>
+          </a:xfrm>
+        </p:spPr>
+        <p:txBody>
+          <a:bodyPr>
+            <a:normAutofit/>
+          </a:bodyPr>
+          <a:lstStyle/>
+          <a:p>
+            <a:r>
+              <a:rPr lang="it-IT" sz="4800" dirty="0" smtClean="0">
+                <a:solidFill>
+                  <a:schemeClr val="accent6"/>
+                </a:solidFill>
+              </a:rPr>
+              <a:t>Grazie per l’attenzione</a:t>
+            </a:r>
+            <a:endParaRPr lang="it-IT" sz="4800" dirty="0">
+              <a:solidFill>
+                <a:schemeClr val="accent6"/>
+              </a:solidFill>
+            </a:endParaRPr>
+          </a:p>
+        </p:txBody>
+      </p:sp>
+      <p:sp>
+        <p:nvSpPr>
+          <p:cNvPr id="4" name="TextBox 3"/>
+          <p:cNvSpPr txBox="1"/>
+          <p:nvPr/>
+        </p:nvSpPr>
+        <p:spPr>
+          <a:xfrm>
+            <a:off x="11050073" y="6359879"/>
+            <a:ext cx="1013139" cy="461665"/>
+          </a:xfrm>
+          <a:prstGeom prst="rect">
+            <a:avLst/>
+          </a:prstGeom>
+          <a:noFill/>
+        </p:spPr>
+        <p:txBody>
+          <a:bodyPr wrap="square" rtlCol="0">
+            <a:spAutoFit/>
+          </a:bodyPr>
+          <a:lstStyle/>
+          <a:p>
+            <a:pPr algn="r"/>
+            <a:r>
+              <a:rPr lang="it-IT" sz="2400" dirty="0" smtClean="0">
+                <a:latin typeface="Bell MT" panose="02020503060305020303" pitchFamily="18" charset="0"/>
+              </a:rPr>
+              <a:t>12/12</a:t>
+            </a:r>
+            <a:endParaRPr lang="it-IT" sz="2400" dirty="0">
+              <a:latin typeface="Bell MT" panose="02020503060305020303" pitchFamily="18" charset="0"/>
+            </a:endParaRPr>
+          </a:p>
+        </p:txBody>
+      </p:sp>
+    </p:spTree>
+    <p:extLst>
+      <p:ext uri="{BB962C8B-B14F-4D97-AF65-F5344CB8AC3E}">
+        <p14:creationId xmlns:p14="http://schemas.microsoft.com/office/powerpoint/2010/main" val="3588713472"/>
+      </p:ext>
+    </p:extLst>
+  </p:cSld>
+  <p:clrMapOvr>
+    <a:masterClrMapping/>
+  </p:clrMapOvr>
+  <p:timing>
+    <p:tnLst>
+      <p:par>
+        <p:cTn id="1" dur="indefinite" restart="never" nodeType="tmRoot"/>
+      </p:par>
+    </p:tnLst>
+  </p:timing>
+</p:sld>
+</file>
+
 <file path=ppt/slides/slide2.xml><?xml version="1.0" encoding="utf-8"?>
 <p:sld xmlns:a="http://schemas.openxmlformats.org/drawingml/2006/main" xmlns:r="http://schemas.openxmlformats.org/officeDocument/2006/relationships" xmlns:p="http://schemas.openxmlformats.org/presentationml/2006/main">
   <p:cSld>
@@ -6770,13 +7332,7 @@
               <a:rPr lang="it-IT" sz="2400" dirty="0" smtClean="0">
                 <a:latin typeface="Bell MT" panose="02020503060305020303" pitchFamily="18" charset="0"/>
               </a:rPr>
-              <a:t>3</a:t>
-            </a:r>
-            <a:r>
-              <a:rPr lang="it-IT" sz="2400" dirty="0" smtClean="0">
-                <a:latin typeface="Bell MT" panose="02020503060305020303" pitchFamily="18" charset="0"/>
-              </a:rPr>
-              <a:t>/15</a:t>
+              <a:t>3/15</a:t>
             </a:r>
             <a:endParaRPr lang="it-IT" sz="2400" dirty="0">
               <a:latin typeface="Bell MT" panose="02020503060305020303" pitchFamily="18" charset="0"/>
@@ -7240,9 +7796,258 @@
           <a:p>
             <a:r>
               <a:rPr lang="it-IT" dirty="0" smtClean="0"/>
-              <a:t>Soluzione – Analisi NLP</a:t>
+              <a:t>Soluzione – Analisi </a:t>
+            </a:r>
+            <a:r>
+              <a:rPr lang="it-IT" dirty="0" smtClean="0"/>
+              <a:t>strumenti NLP</a:t>
             </a:r>
             <a:endParaRPr lang="it-IT" dirty="0"/>
+          </a:p>
+        </p:txBody>
+      </p:sp>
+      <p:pic>
+        <p:nvPicPr>
+          <p:cNvPr id="3" name="Picture 2"/>
+          <p:cNvPicPr>
+            <a:picLocks noChangeAspect="1"/>
+          </p:cNvPicPr>
+          <p:nvPr/>
+        </p:nvPicPr>
+        <p:blipFill>
+          <a:blip r:embed="rId2">
+            <a:extLst>
+              <a:ext uri="{28A0092B-C50C-407E-A947-70E740481C1C}">
+                <a14:useLocalDpi xmlns:a14="http://schemas.microsoft.com/office/drawing/2010/main" val="0"/>
+              </a:ext>
+            </a:extLst>
+          </a:blip>
+          <a:stretch>
+            <a:fillRect/>
+          </a:stretch>
+        </p:blipFill>
+        <p:spPr>
+          <a:xfrm>
+            <a:off x="8043301" y="3161101"/>
+            <a:ext cx="1230701" cy="1230701"/>
+          </a:xfrm>
+          <a:prstGeom prst="rect">
+            <a:avLst/>
+          </a:prstGeom>
+        </p:spPr>
+      </p:pic>
+      <p:pic>
+        <p:nvPicPr>
+          <p:cNvPr id="4" name="Picture 3"/>
+          <p:cNvPicPr>
+            <a:picLocks noChangeAspect="1"/>
+          </p:cNvPicPr>
+          <p:nvPr/>
+        </p:nvPicPr>
+        <p:blipFill>
+          <a:blip r:embed="rId3">
+            <a:extLst>
+              <a:ext uri="{28A0092B-C50C-407E-A947-70E740481C1C}">
+                <a14:useLocalDpi xmlns:a14="http://schemas.microsoft.com/office/drawing/2010/main" val="0"/>
+              </a:ext>
+            </a:extLst>
+          </a:blip>
+          <a:stretch>
+            <a:fillRect/>
+          </a:stretch>
+        </p:blipFill>
+        <p:spPr>
+          <a:xfrm>
+            <a:off x="1021014" y="3161101"/>
+            <a:ext cx="1230701" cy="1230701"/>
+          </a:xfrm>
+          <a:prstGeom prst="rect">
+            <a:avLst/>
+          </a:prstGeom>
+        </p:spPr>
+      </p:pic>
+      <p:sp>
+        <p:nvSpPr>
+          <p:cNvPr id="5" name="TextBox 4"/>
+          <p:cNvSpPr txBox="1"/>
+          <p:nvPr/>
+        </p:nvSpPr>
+        <p:spPr>
+          <a:xfrm>
+            <a:off x="1200186" y="2710341"/>
+            <a:ext cx="872355" cy="461665"/>
+          </a:xfrm>
+          <a:prstGeom prst="rect">
+            <a:avLst/>
+          </a:prstGeom>
+          <a:noFill/>
+        </p:spPr>
+        <p:txBody>
+          <a:bodyPr wrap="none" rtlCol="0">
+            <a:spAutoFit/>
+          </a:bodyPr>
+          <a:lstStyle/>
+          <a:p>
+            <a:r>
+              <a:rPr lang="it-IT" sz="2400" dirty="0" smtClean="0"/>
+              <a:t>Pregi</a:t>
+            </a:r>
+            <a:endParaRPr lang="it-IT" sz="2400" dirty="0"/>
+          </a:p>
+        </p:txBody>
+      </p:sp>
+      <p:sp>
+        <p:nvSpPr>
+          <p:cNvPr id="6" name="TextBox 5"/>
+          <p:cNvSpPr txBox="1"/>
+          <p:nvPr/>
+        </p:nvSpPr>
+        <p:spPr>
+          <a:xfrm>
+            <a:off x="8120683" y="2710340"/>
+            <a:ext cx="1075936" cy="461665"/>
+          </a:xfrm>
+          <a:prstGeom prst="rect">
+            <a:avLst/>
+          </a:prstGeom>
+          <a:noFill/>
+        </p:spPr>
+        <p:txBody>
+          <a:bodyPr wrap="none" rtlCol="0">
+            <a:spAutoFit/>
+          </a:bodyPr>
+          <a:lstStyle/>
+          <a:p>
+            <a:r>
+              <a:rPr lang="it-IT" sz="2400" dirty="0" smtClean="0"/>
+              <a:t>Difetti</a:t>
+            </a:r>
+            <a:endParaRPr lang="it-IT" dirty="0"/>
+          </a:p>
+        </p:txBody>
+      </p:sp>
+      <p:sp>
+        <p:nvSpPr>
+          <p:cNvPr id="12" name="TextBox 11"/>
+          <p:cNvSpPr txBox="1"/>
+          <p:nvPr/>
+        </p:nvSpPr>
+        <p:spPr>
+          <a:xfrm>
+            <a:off x="3361386" y="1575848"/>
+            <a:ext cx="2975020" cy="4401205"/>
+          </a:xfrm>
+          <a:prstGeom prst="rect">
+            <a:avLst/>
+          </a:prstGeom>
+          <a:noFill/>
+        </p:spPr>
+        <p:txBody>
+          <a:bodyPr wrap="square" rtlCol="0">
+            <a:spAutoFit/>
+          </a:bodyPr>
+          <a:lstStyle/>
+          <a:p>
+            <a:pPr algn="ctr"/>
+            <a:r>
+              <a:rPr lang="it-IT" sz="2800" dirty="0" smtClean="0"/>
+              <a:t>Api.ai</a:t>
+            </a:r>
+          </a:p>
+          <a:p>
+            <a:pPr algn="ctr"/>
+            <a:endParaRPr lang="it-IT" sz="2800" dirty="0"/>
+          </a:p>
+          <a:p>
+            <a:pPr algn="ctr"/>
+            <a:r>
+              <a:rPr lang="it-IT" sz="2800" dirty="0" smtClean="0"/>
+              <a:t>Amazon </a:t>
+            </a:r>
+            <a:r>
+              <a:rPr lang="it-IT" sz="2800" dirty="0" err="1" smtClean="0"/>
+              <a:t>Lex</a:t>
+            </a:r>
+            <a:endParaRPr lang="it-IT" sz="2800" dirty="0" smtClean="0"/>
+          </a:p>
+          <a:p>
+            <a:pPr algn="ctr"/>
+            <a:endParaRPr lang="it-IT" sz="2800" dirty="0"/>
+          </a:p>
+          <a:p>
+            <a:pPr algn="ctr"/>
+            <a:r>
+              <a:rPr lang="it-IT" sz="2800" dirty="0" smtClean="0"/>
+              <a:t>Luis</a:t>
+            </a:r>
+          </a:p>
+          <a:p>
+            <a:pPr algn="ctr"/>
+            <a:endParaRPr lang="it-IT" sz="2800" dirty="0"/>
+          </a:p>
+          <a:p>
+            <a:pPr algn="ctr"/>
+            <a:r>
+              <a:rPr lang="it-IT" sz="2800" dirty="0" smtClean="0"/>
+              <a:t>Wit.ai</a:t>
+            </a:r>
+          </a:p>
+          <a:p>
+            <a:pPr algn="ctr"/>
+            <a:endParaRPr lang="it-IT" sz="2800" dirty="0"/>
+          </a:p>
+          <a:p>
+            <a:pPr algn="ctr"/>
+            <a:r>
+              <a:rPr lang="it-IT" sz="2800" dirty="0" smtClean="0"/>
+              <a:t>Watson </a:t>
+            </a:r>
+            <a:r>
+              <a:rPr lang="it-IT" sz="2800" dirty="0" err="1" smtClean="0"/>
+              <a:t>conversations</a:t>
+            </a:r>
+            <a:endParaRPr lang="it-IT" sz="2800" dirty="0"/>
+          </a:p>
+        </p:txBody>
+      </p:sp>
+      <p:sp>
+        <p:nvSpPr>
+          <p:cNvPr id="13" name="TextBox 12"/>
+          <p:cNvSpPr txBox="1"/>
+          <p:nvPr/>
+        </p:nvSpPr>
+        <p:spPr>
+          <a:xfrm>
+            <a:off x="11050073" y="6359879"/>
+            <a:ext cx="1013139" cy="461665"/>
+          </a:xfrm>
+          <a:prstGeom prst="rect">
+            <a:avLst/>
+          </a:prstGeom>
+          <a:noFill/>
+        </p:spPr>
+        <p:txBody>
+          <a:bodyPr wrap="square" rtlCol="0">
+            <a:spAutoFit/>
+          </a:bodyPr>
+          <a:lstStyle/>
+          <a:p>
+            <a:pPr algn="r"/>
+            <a:r>
+              <a:rPr lang="it-IT" sz="2400" dirty="0">
+                <a:latin typeface="Bell MT" panose="02020503060305020303" pitchFamily="18" charset="0"/>
+              </a:rPr>
+              <a:t>4</a:t>
+            </a:r>
+            <a:r>
+              <a:rPr lang="it-IT" sz="2400" dirty="0" smtClean="0">
+                <a:latin typeface="Bell MT" panose="02020503060305020303" pitchFamily="18" charset="0"/>
+              </a:rPr>
+              <a:t>/15</a:t>
+            </a:r>
+            <a:endParaRPr lang="it-IT" sz="2400" dirty="0">
+              <a:latin typeface="Bell MT" panose="02020503060305020303" pitchFamily="18" charset="0"/>
+            </a:endParaRPr>
           </a:p>
         </p:txBody>
       </p:sp>
@@ -7329,6 +8134,47 @@
           </a:p>
         </p:txBody>
       </p:sp>
+      <p:sp>
+        <p:nvSpPr>
+          <p:cNvPr id="4" name="TextBox 3"/>
+          <p:cNvSpPr txBox="1"/>
+          <p:nvPr/>
+        </p:nvSpPr>
+        <p:spPr>
+          <a:xfrm>
+            <a:off x="11050073" y="6359879"/>
+            <a:ext cx="1013139" cy="461665"/>
+          </a:xfrm>
+          <a:prstGeom prst="rect">
+            <a:avLst/>
+          </a:prstGeom>
+          <a:noFill/>
+        </p:spPr>
+        <p:txBody>
+          <a:bodyPr wrap="square" rtlCol="0">
+            <a:spAutoFit/>
+          </a:bodyPr>
+          <a:lstStyle/>
+          <a:p>
+            <a:pPr algn="r"/>
+            <a:r>
+              <a:rPr lang="it-IT" sz="2400" dirty="0">
+                <a:latin typeface="Bell MT" panose="02020503060305020303" pitchFamily="18" charset="0"/>
+              </a:rPr>
+              <a:t>4</a:t>
+            </a:r>
+            <a:r>
+              <a:rPr lang="it-IT" sz="2400" dirty="0" smtClean="0">
+                <a:latin typeface="Bell MT" panose="02020503060305020303" pitchFamily="18" charset="0"/>
+              </a:rPr>
+              <a:t>/15</a:t>
+            </a:r>
+            <a:endParaRPr lang="it-IT" sz="2400" dirty="0">
+              <a:latin typeface="Bell MT" panose="02020503060305020303" pitchFamily="18" charset="0"/>
+            </a:endParaRPr>
+          </a:p>
+        </p:txBody>
+      </p:sp>
     </p:spTree>
     <p:extLst>
       <p:ext uri="{BB962C8B-B14F-4D97-AF65-F5344CB8AC3E}">
@@ -7408,6 +8254,47 @@
           </a:p>
         </p:txBody>
       </p:sp>
+      <p:sp>
+        <p:nvSpPr>
+          <p:cNvPr id="4" name="TextBox 3"/>
+          <p:cNvSpPr txBox="1"/>
+          <p:nvPr/>
+        </p:nvSpPr>
+        <p:spPr>
+          <a:xfrm>
+            <a:off x="11050073" y="6359879"/>
+            <a:ext cx="1013139" cy="461665"/>
+          </a:xfrm>
+          <a:prstGeom prst="rect">
+            <a:avLst/>
+          </a:prstGeom>
+          <a:noFill/>
+        </p:spPr>
+        <p:txBody>
+          <a:bodyPr wrap="square" rtlCol="0">
+            <a:spAutoFit/>
+          </a:bodyPr>
+          <a:lstStyle/>
+          <a:p>
+            <a:pPr algn="r"/>
+            <a:r>
+              <a:rPr lang="it-IT" sz="2400" dirty="0">
+                <a:latin typeface="Bell MT" panose="02020503060305020303" pitchFamily="18" charset="0"/>
+              </a:rPr>
+              <a:t>4</a:t>
+            </a:r>
+            <a:r>
+              <a:rPr lang="it-IT" sz="2400" dirty="0" smtClean="0">
+                <a:latin typeface="Bell MT" panose="02020503060305020303" pitchFamily="18" charset="0"/>
+              </a:rPr>
+              <a:t>/15</a:t>
+            </a:r>
+            <a:endParaRPr lang="it-IT" sz="2400" dirty="0">
+              <a:latin typeface="Bell MT" panose="02020503060305020303" pitchFamily="18" charset="0"/>
+            </a:endParaRPr>
+          </a:p>
+        </p:txBody>
+      </p:sp>
     </p:spTree>
     <p:extLst>
       <p:ext uri="{BB962C8B-B14F-4D97-AF65-F5344CB8AC3E}">
@@ -7487,6 +8374,47 @@
           </a:p>
         </p:txBody>
       </p:sp>
+      <p:sp>
+        <p:nvSpPr>
+          <p:cNvPr id="4" name="TextBox 3"/>
+          <p:cNvSpPr txBox="1"/>
+          <p:nvPr/>
+        </p:nvSpPr>
+        <p:spPr>
+          <a:xfrm>
+            <a:off x="11050073" y="6359879"/>
+            <a:ext cx="1013139" cy="461665"/>
+          </a:xfrm>
+          <a:prstGeom prst="rect">
+            <a:avLst/>
+          </a:prstGeom>
+          <a:noFill/>
+        </p:spPr>
+        <p:txBody>
+          <a:bodyPr wrap="square" rtlCol="0">
+            <a:spAutoFit/>
+          </a:bodyPr>
+          <a:lstStyle/>
+          <a:p>
+            <a:pPr algn="r"/>
+            <a:r>
+              <a:rPr lang="it-IT" sz="2400" dirty="0">
+                <a:latin typeface="Bell MT" panose="02020503060305020303" pitchFamily="18" charset="0"/>
+              </a:rPr>
+              <a:t>4</a:t>
+            </a:r>
+            <a:r>
+              <a:rPr lang="it-IT" sz="2400" dirty="0" smtClean="0">
+                <a:latin typeface="Bell MT" panose="02020503060305020303" pitchFamily="18" charset="0"/>
+              </a:rPr>
+              <a:t>/15</a:t>
+            </a:r>
+            <a:endParaRPr lang="it-IT" sz="2400" dirty="0">
+              <a:latin typeface="Bell MT" panose="02020503060305020303" pitchFamily="18" charset="0"/>
+            </a:endParaRPr>
+          </a:p>
+        </p:txBody>
+      </p:sp>
     </p:spTree>
     <p:extLst>
       <p:ext uri="{BB962C8B-B14F-4D97-AF65-F5344CB8AC3E}">
@@ -7569,7 +8497,7 @@
         </p:blipFill>
         <p:spPr>
           <a:xfrm>
-            <a:off x="2080141" y="1584101"/>
+            <a:off x="1564986" y="1890332"/>
             <a:ext cx="3166586" cy="1142828"/>
           </a:xfrm>
           <a:prstGeom prst="rect">
@@ -7599,7 +8527,7 @@
         </p:blipFill>
         <p:spPr>
           <a:xfrm>
-            <a:off x="5246727" y="2644913"/>
+            <a:off x="3841478" y="3436351"/>
             <a:ext cx="3480001" cy="965915"/>
           </a:xfrm>
           <a:prstGeom prst="rect">
@@ -7629,7 +8557,7 @@
         </p:blipFill>
         <p:spPr>
           <a:xfrm>
-            <a:off x="1320287" y="3528811"/>
+            <a:off x="1255892" y="5306096"/>
             <a:ext cx="2499866" cy="715871"/>
           </a:xfrm>
           <a:prstGeom prst="rect">
@@ -7637,6 +8565,107 @@
           </a:prstGeom>
         </p:spPr>
       </p:pic>
+      <p:pic>
+        <p:nvPicPr>
+          <p:cNvPr id="3" name="Picture 2"/>
+          <p:cNvPicPr>
+            <a:picLocks noChangeAspect="1"/>
+          </p:cNvPicPr>
+          <p:nvPr/>
+        </p:nvPicPr>
+        <p:blipFill>
+          <a:blip r:embed="rId5">
+            <a:extLst>
+              <a:ext uri="{28A0092B-C50C-407E-A947-70E740481C1C}">
+                <a14:useLocalDpi xmlns:a14="http://schemas.microsoft.com/office/drawing/2010/main" val="0"/>
+              </a:ext>
+            </a:extLst>
+          </a:blip>
+          <a:stretch>
+            <a:fillRect/>
+          </a:stretch>
+        </p:blipFill>
+        <p:spPr>
+          <a:xfrm>
+            <a:off x="5246727" y="529625"/>
+            <a:ext cx="3638684" cy="2108952"/>
+          </a:xfrm>
+          <a:prstGeom prst="rect">
+            <a:avLst/>
+          </a:prstGeom>
+        </p:spPr>
+      </p:pic>
+      <p:pic>
+        <p:nvPicPr>
+          <p:cNvPr id="7" name="Picture 6"/>
+          <p:cNvPicPr>
+            <a:picLocks noChangeAspect="1"/>
+          </p:cNvPicPr>
+          <p:nvPr/>
+        </p:nvPicPr>
+        <p:blipFill>
+          <a:blip r:embed="rId6">
+            <a:extLst>
+              <a:ext uri="{28A0092B-C50C-407E-A947-70E740481C1C}">
+                <a14:useLocalDpi xmlns:a14="http://schemas.microsoft.com/office/drawing/2010/main" val="0"/>
+              </a:ext>
+            </a:extLst>
+          </a:blip>
+          <a:stretch>
+            <a:fillRect/>
+          </a:stretch>
+        </p:blipFill>
+        <p:spPr>
+          <a:xfrm>
+            <a:off x="6306292" y="4402266"/>
+            <a:ext cx="2030373" cy="2030373"/>
+          </a:xfrm>
+          <a:prstGeom prst="rect">
+            <a:avLst/>
+          </a:prstGeom>
+        </p:spPr>
+      </p:pic>
+      <p:sp>
+        <p:nvSpPr>
+          <p:cNvPr id="8" name="TextBox 7"/>
+          <p:cNvSpPr txBox="1"/>
+          <p:nvPr/>
+        </p:nvSpPr>
+        <p:spPr>
+          <a:xfrm>
+            <a:off x="11050073" y="6359879"/>
+            <a:ext cx="1013139" cy="461665"/>
+          </a:xfrm>
+          <a:prstGeom prst="rect">
+            <a:avLst/>
+          </a:prstGeom>
+          <a:noFill/>
+        </p:spPr>
+        <p:txBody>
+          <a:bodyPr wrap="square" rtlCol="0">
+            <a:spAutoFit/>
+          </a:bodyPr>
+          <a:lstStyle/>
+          <a:p>
+            <a:pPr algn="r"/>
+            <a:r>
+              <a:rPr lang="it-IT" sz="2400" dirty="0">
+                <a:latin typeface="Bell MT" panose="02020503060305020303" pitchFamily="18" charset="0"/>
+              </a:rPr>
+              <a:t>9</a:t>
+            </a:r>
+            <a:r>
+              <a:rPr lang="it-IT" sz="2400" dirty="0" smtClean="0">
+                <a:latin typeface="Bell MT" panose="02020503060305020303" pitchFamily="18" charset="0"/>
+              </a:rPr>
+              <a:t>/15</a:t>
+            </a:r>
+            <a:endParaRPr lang="it-IT" sz="2400" dirty="0">
+              <a:latin typeface="Bell MT" panose="02020503060305020303" pitchFamily="18" charset="0"/>
+            </a:endParaRPr>
+          </a:p>
+        </p:txBody>
+      </p:sp>
     </p:spTree>
     <p:extLst>
       <p:ext uri="{BB962C8B-B14F-4D97-AF65-F5344CB8AC3E}">

--- a/Presentazione_tesi.pptx
+++ b/Presentazione_tesi.pptx
@@ -12,10 +12,10 @@
     <p:sldId id="260" r:id="rId6"/>
     <p:sldId id="261" r:id="rId7"/>
     <p:sldId id="262" r:id="rId8"/>
-    <p:sldId id="263" r:id="rId9"/>
-    <p:sldId id="264" r:id="rId10"/>
-    <p:sldId id="265" r:id="rId11"/>
-    <p:sldId id="266" r:id="rId12"/>
+    <p:sldId id="264" r:id="rId9"/>
+    <p:sldId id="265" r:id="rId10"/>
+    <p:sldId id="266" r:id="rId11"/>
+    <p:sldId id="268" r:id="rId12"/>
     <p:sldId id="267" r:id="rId13"/>
   </p:sldIdLst>
   <p:sldSz cx="12192000" cy="6858000"/>
@@ -846,7 +846,7 @@
             <a:fld id="{B61BEF0D-F0BB-DE4B-95CE-6DB70DBA9567}" type="datetimeFigureOut">
               <a:rPr lang="en-US" smtClean="0"/>
               <a:pPr/>
-              <a:t>11/3/2017</a:t>
+              <a:t>11/10/2017</a:t>
             </a:fld>
             <a:endParaRPr lang="en-US" dirty="0"/>
           </a:p>
@@ -1099,7 +1099,7 @@
             <a:fld id="{B61BEF0D-F0BB-DE4B-95CE-6DB70DBA9567}" type="datetimeFigureOut">
               <a:rPr lang="en-US" smtClean="0"/>
               <a:pPr/>
-              <a:t>11/3/2017</a:t>
+              <a:t>11/10/2017</a:t>
             </a:fld>
             <a:endParaRPr lang="en-US" dirty="0"/>
           </a:p>
@@ -1415,7 +1415,7 @@
             <a:fld id="{B61BEF0D-F0BB-DE4B-95CE-6DB70DBA9567}" type="datetimeFigureOut">
               <a:rPr lang="en-US" smtClean="0"/>
               <a:pPr/>
-              <a:t>11/3/2017</a:t>
+              <a:t>11/10/2017</a:t>
             </a:fld>
             <a:endParaRPr lang="en-US" dirty="0"/>
           </a:p>
@@ -1758,7 +1758,7 @@
             <a:fld id="{B61BEF0D-F0BB-DE4B-95CE-6DB70DBA9567}" type="datetimeFigureOut">
               <a:rPr lang="en-US" smtClean="0"/>
               <a:pPr/>
-              <a:t>11/3/2017</a:t>
+              <a:t>11/10/2017</a:t>
             </a:fld>
             <a:endParaRPr lang="en-US" dirty="0"/>
           </a:p>
@@ -2074,7 +2074,7 @@
             <a:fld id="{B61BEF0D-F0BB-DE4B-95CE-6DB70DBA9567}" type="datetimeFigureOut">
               <a:rPr lang="en-US" smtClean="0"/>
               <a:pPr/>
-              <a:t>11/3/2017</a:t>
+              <a:t>11/10/2017</a:t>
             </a:fld>
             <a:endParaRPr lang="en-US" dirty="0"/>
           </a:p>
@@ -2469,7 +2469,7 @@
             <a:fld id="{B61BEF0D-F0BB-DE4B-95CE-6DB70DBA9567}" type="datetimeFigureOut">
               <a:rPr lang="en-US" smtClean="0"/>
               <a:pPr/>
-              <a:t>11/3/2017</a:t>
+              <a:t>11/10/2017</a:t>
             </a:fld>
             <a:endParaRPr lang="en-US" dirty="0"/>
           </a:p>
@@ -2641,7 +2641,7 @@
             <a:fld id="{B61BEF0D-F0BB-DE4B-95CE-6DB70DBA9567}" type="datetimeFigureOut">
               <a:rPr lang="en-US" smtClean="0"/>
               <a:pPr/>
-              <a:t>11/3/2017</a:t>
+              <a:t>11/10/2017</a:t>
             </a:fld>
             <a:endParaRPr lang="en-US" dirty="0"/>
           </a:p>
@@ -2823,7 +2823,7 @@
             <a:fld id="{B61BEF0D-F0BB-DE4B-95CE-6DB70DBA9567}" type="datetimeFigureOut">
               <a:rPr lang="en-US" smtClean="0"/>
               <a:pPr/>
-              <a:t>11/3/2017</a:t>
+              <a:t>11/10/2017</a:t>
             </a:fld>
             <a:endParaRPr lang="en-US" dirty="0"/>
           </a:p>
@@ -3001,7 +3001,7 @@
             <a:fld id="{B61BEF0D-F0BB-DE4B-95CE-6DB70DBA9567}" type="datetimeFigureOut">
               <a:rPr lang="en-US" smtClean="0"/>
               <a:pPr/>
-              <a:t>11/3/2017</a:t>
+              <a:t>11/10/2017</a:t>
             </a:fld>
             <a:endParaRPr lang="en-US" dirty="0"/>
           </a:p>
@@ -3250,7 +3250,7 @@
             <a:fld id="{B61BEF0D-F0BB-DE4B-95CE-6DB70DBA9567}" type="datetimeFigureOut">
               <a:rPr lang="en-US" smtClean="0"/>
               <a:pPr/>
-              <a:t>11/3/2017</a:t>
+              <a:t>11/10/2017</a:t>
             </a:fld>
             <a:endParaRPr lang="en-US" dirty="0"/>
           </a:p>
@@ -3484,7 +3484,7 @@
             <a:fld id="{B61BEF0D-F0BB-DE4B-95CE-6DB70DBA9567}" type="datetimeFigureOut">
               <a:rPr lang="en-US" smtClean="0"/>
               <a:pPr/>
-              <a:t>11/3/2017</a:t>
+              <a:t>11/10/2017</a:t>
             </a:fld>
             <a:endParaRPr lang="en-US" dirty="0"/>
           </a:p>
@@ -3860,7 +3860,7 @@
             <a:fld id="{B61BEF0D-F0BB-DE4B-95CE-6DB70DBA9567}" type="datetimeFigureOut">
               <a:rPr lang="en-US" smtClean="0"/>
               <a:pPr/>
-              <a:t>11/3/2017</a:t>
+              <a:t>11/10/2017</a:t>
             </a:fld>
             <a:endParaRPr lang="en-US" dirty="0"/>
           </a:p>
@@ -3985,7 +3985,7 @@
             <a:fld id="{B61BEF0D-F0BB-DE4B-95CE-6DB70DBA9567}" type="datetimeFigureOut">
               <a:rPr lang="en-US" smtClean="0"/>
               <a:pPr/>
-              <a:t>11/3/2017</a:t>
+              <a:t>11/10/2017</a:t>
             </a:fld>
             <a:endParaRPr lang="en-US" dirty="0"/>
           </a:p>
@@ -4082,7 +4082,7 @@
             <a:fld id="{B61BEF0D-F0BB-DE4B-95CE-6DB70DBA9567}" type="datetimeFigureOut">
               <a:rPr lang="en-US" smtClean="0"/>
               <a:pPr/>
-              <a:t>11/3/2017</a:t>
+              <a:t>11/10/2017</a:t>
             </a:fld>
             <a:endParaRPr lang="en-US" dirty="0"/>
           </a:p>
@@ -4339,7 +4339,7 @@
             <a:fld id="{B61BEF0D-F0BB-DE4B-95CE-6DB70DBA9567}" type="datetimeFigureOut">
               <a:rPr lang="en-US" smtClean="0"/>
               <a:pPr/>
-              <a:t>11/3/2017</a:t>
+              <a:t>11/10/2017</a:t>
             </a:fld>
             <a:endParaRPr lang="en-US" dirty="0"/>
           </a:p>
@@ -4604,7 +4604,7 @@
             <a:fld id="{B61BEF0D-F0BB-DE4B-95CE-6DB70DBA9567}" type="datetimeFigureOut">
               <a:rPr lang="en-US" smtClean="0"/>
               <a:pPr/>
-              <a:t>11/3/2017</a:t>
+              <a:t>11/10/2017</a:t>
             </a:fld>
             <a:endParaRPr lang="en-US" dirty="0"/>
           </a:p>
@@ -5349,7 +5349,7 @@
             <a:fld id="{B61BEF0D-F0BB-DE4B-95CE-6DB70DBA9567}" type="datetimeFigureOut">
               <a:rPr lang="en-US" smtClean="0"/>
               <a:pPr/>
-              <a:t>11/3/2017</a:t>
+              <a:t>11/10/2017</a:t>
             </a:fld>
             <a:endParaRPr lang="en-US" dirty="0"/>
           </a:p>
@@ -6089,12 +6089,12 @@
             <a:pPr algn="r"/>
             <a:r>
               <a:rPr lang="it-IT" sz="2400" dirty="0" smtClean="0">
-                <a:latin typeface="Bell MT" panose="02020503060305020303" pitchFamily="18" charset="0"/>
+                <a:latin typeface="Book Antiqua" panose="02040602050305030304" pitchFamily="18" charset="0"/>
               </a:rPr>
-              <a:t>1/15</a:t>
+              <a:t>1/12</a:t>
             </a:r>
             <a:endParaRPr lang="it-IT" sz="2400" dirty="0">
-              <a:latin typeface="Bell MT" panose="02020503060305020303" pitchFamily="18" charset="0"/>
+              <a:latin typeface="Book Antiqua" panose="02040602050305030304" pitchFamily="18" charset="0"/>
             </a:endParaRPr>
           </a:p>
         </p:txBody>
@@ -6146,18 +6146,19 @@
             <p:ph type="title"/>
           </p:nvPr>
         </p:nvSpPr>
-        <p:spPr/>
+        <p:spPr>
+          <a:xfrm>
+            <a:off x="677334" y="609600"/>
+            <a:ext cx="8596668" cy="781318"/>
+          </a:xfrm>
+        </p:spPr>
         <p:txBody>
           <a:bodyPr/>
           <a:lstStyle/>
           <a:p>
             <a:r>
               <a:rPr lang="it-IT" dirty="0" smtClean="0"/>
-              <a:t>Esempi </a:t>
-            </a:r>
-            <a:r>
-              <a:rPr lang="it-IT" dirty="0" smtClean="0"/>
-              <a:t>– Meteo Veneto bot</a:t>
+              <a:t>Esempi – Gestore eventi</a:t>
             </a:r>
             <a:endParaRPr lang="it-IT" dirty="0"/>
           </a:p>
@@ -6185,77 +6186,17 @@
         </p:blipFill>
         <p:spPr>
           <a:xfrm>
-            <a:off x="1399720" y="1677687"/>
-            <a:ext cx="2598834" cy="4135495"/>
+            <a:off x="5428390" y="1390918"/>
+            <a:ext cx="2763388" cy="4436772"/>
           </a:xfrm>
           <a:prstGeom prst="rect">
             <a:avLst/>
           </a:prstGeom>
         </p:spPr>
       </p:pic>
-      <p:sp>
-        <p:nvSpPr>
-          <p:cNvPr id="6" name="TextBox 5"/>
-          <p:cNvSpPr txBox="1"/>
-          <p:nvPr/>
-        </p:nvSpPr>
-        <p:spPr>
-          <a:xfrm>
-            <a:off x="677334" y="5946873"/>
-            <a:ext cx="4043607" cy="369332"/>
-          </a:xfrm>
-          <a:prstGeom prst="rect">
-            <a:avLst/>
-          </a:prstGeom>
-          <a:noFill/>
-        </p:spPr>
-        <p:txBody>
-          <a:bodyPr wrap="none" rtlCol="0">
-            <a:spAutoFit/>
-          </a:bodyPr>
-          <a:lstStyle/>
-          <a:p>
-            <a:r>
-              <a:rPr lang="it-IT" dirty="0" smtClean="0"/>
-              <a:t>‘‘Che tempo hanno messo domani?’’</a:t>
-            </a:r>
-            <a:endParaRPr lang="it-IT" dirty="0"/>
-          </a:p>
-        </p:txBody>
-      </p:sp>
-      <p:sp>
-        <p:nvSpPr>
-          <p:cNvPr id="7" name="TextBox 6"/>
-          <p:cNvSpPr txBox="1"/>
-          <p:nvPr/>
-        </p:nvSpPr>
-        <p:spPr>
-          <a:xfrm>
-            <a:off x="4564781" y="1677687"/>
-            <a:ext cx="4142994" cy="369332"/>
-          </a:xfrm>
-          <a:prstGeom prst="rect">
-            <a:avLst/>
-          </a:prstGeom>
-          <a:noFill/>
-        </p:spPr>
-        <p:txBody>
-          <a:bodyPr wrap="none" rtlCol="0">
-            <a:spAutoFit/>
-          </a:bodyPr>
-          <a:lstStyle/>
-          <a:p>
-            <a:r>
-              <a:rPr lang="it-IT" dirty="0" smtClean="0"/>
-              <a:t>‘‘È prevista pioggia questo weekend?’’</a:t>
-            </a:r>
-            <a:endParaRPr lang="it-IT" dirty="0"/>
-          </a:p>
-        </p:txBody>
-      </p:sp>
       <p:pic>
         <p:nvPicPr>
-          <p:cNvPr id="8" name="Picture 7"/>
+          <p:cNvPr id="6" name="Picture 5"/>
           <p:cNvPicPr>
             <a:picLocks noChangeAspect="1"/>
           </p:cNvPicPr>
@@ -6275,8 +6216,8 @@
         </p:blipFill>
         <p:spPr>
           <a:xfrm>
-            <a:off x="5336861" y="2166260"/>
-            <a:ext cx="2598834" cy="4149945"/>
+            <a:off x="1328225" y="1837216"/>
+            <a:ext cx="2783301" cy="4436772"/>
           </a:xfrm>
           <a:prstGeom prst="rect">
             <a:avLst/>
@@ -6285,14 +6226,14 @@
       </p:pic>
       <p:sp>
         <p:nvSpPr>
-          <p:cNvPr id="9" name="TextBox 8"/>
+          <p:cNvPr id="7" name="TextBox 6"/>
           <p:cNvSpPr txBox="1"/>
           <p:nvPr/>
         </p:nvSpPr>
         <p:spPr>
           <a:xfrm>
-            <a:off x="11050073" y="6359879"/>
-            <a:ext cx="1013139" cy="461665"/>
+            <a:off x="249232" y="1377885"/>
+            <a:ext cx="4941289" cy="369332"/>
           </a:xfrm>
           <a:prstGeom prst="rect">
             <a:avLst/>
@@ -6300,6 +6241,94 @@
           <a:noFill/>
         </p:spPr>
         <p:txBody>
+          <a:bodyPr wrap="none" rtlCol="0">
+            <a:spAutoFit/>
+          </a:bodyPr>
+          <a:lstStyle/>
+          <a:p>
+            <a:r>
+              <a:rPr lang="it-IT" dirty="0" smtClean="0">
+                <a:solidFill>
+                  <a:schemeClr val="tx1">
+                    <a:lumMod val="75000"/>
+                    <a:lumOff val="25000"/>
+                  </a:schemeClr>
+                </a:solidFill>
+              </a:rPr>
+              <a:t>‘‘Che conferenza c’è in Social Media alle 16?’’</a:t>
+            </a:r>
+            <a:endParaRPr lang="it-IT" dirty="0">
+              <a:solidFill>
+                <a:schemeClr val="tx1">
+                  <a:lumMod val="75000"/>
+                  <a:lumOff val="25000"/>
+                </a:schemeClr>
+              </a:solidFill>
+            </a:endParaRPr>
+          </a:p>
+        </p:txBody>
+      </p:sp>
+      <p:sp>
+        <p:nvSpPr>
+          <p:cNvPr id="8" name="TextBox 7"/>
+          <p:cNvSpPr txBox="1"/>
+          <p:nvPr/>
+        </p:nvSpPr>
+        <p:spPr>
+          <a:xfrm>
+            <a:off x="5190521" y="5904656"/>
+            <a:ext cx="3424848" cy="369332"/>
+          </a:xfrm>
+          <a:prstGeom prst="rect">
+            <a:avLst/>
+          </a:prstGeom>
+          <a:noFill/>
+        </p:spPr>
+        <p:txBody>
+          <a:bodyPr wrap="none" rtlCol="0">
+            <a:spAutoFit/>
+          </a:bodyPr>
+          <a:lstStyle/>
+          <a:p>
+            <a:r>
+              <a:rPr lang="it-IT" dirty="0" smtClean="0">
+                <a:solidFill>
+                  <a:schemeClr val="tx1">
+                    <a:lumMod val="75000"/>
+                    <a:lumOff val="25000"/>
+                  </a:schemeClr>
+                </a:solidFill>
+              </a:rPr>
+              <a:t>‘‘Dove si trova la stanza SEO?’’</a:t>
+            </a:r>
+            <a:endParaRPr lang="it-IT" dirty="0">
+              <a:solidFill>
+                <a:schemeClr val="tx1">
+                  <a:lumMod val="75000"/>
+                  <a:lumOff val="25000"/>
+                </a:schemeClr>
+              </a:solidFill>
+            </a:endParaRPr>
+          </a:p>
+        </p:txBody>
+      </p:sp>
+      <p:sp>
+        <p:nvSpPr>
+          <p:cNvPr id="9" name="TextBox 8"/>
+          <p:cNvSpPr txBox="1"/>
+          <p:nvPr/>
+        </p:nvSpPr>
+        <p:spPr>
+          <a:xfrm>
+            <a:off x="11050073" y="6359879"/>
+            <a:ext cx="1013139" cy="461665"/>
+          </a:xfrm>
+          <a:prstGeom prst="rect">
+            <a:avLst/>
+          </a:prstGeom>
+          <a:noFill/>
+        </p:spPr>
+        <p:txBody>
           <a:bodyPr wrap="square" rtlCol="0">
             <a:spAutoFit/>
           </a:bodyPr>
@@ -6308,12 +6337,12 @@
             <a:pPr algn="r"/>
             <a:r>
               <a:rPr lang="it-IT" sz="2400" dirty="0" smtClean="0">
-                <a:latin typeface="Bell MT" panose="02020503060305020303" pitchFamily="18" charset="0"/>
+                <a:latin typeface="Book Antiqua" panose="02040602050305030304" pitchFamily="18" charset="0"/>
               </a:rPr>
-              <a:t>10/15</a:t>
+              <a:t>10/12</a:t>
             </a:r>
             <a:endParaRPr lang="it-IT" sz="2400" dirty="0">
-              <a:latin typeface="Bell MT" panose="02020503060305020303" pitchFamily="18" charset="0"/>
+              <a:latin typeface="Book Antiqua" panose="02040602050305030304" pitchFamily="18" charset="0"/>
             </a:endParaRPr>
           </a:p>
         </p:txBody>
@@ -6321,7 +6350,7 @@
     </p:spTree>
     <p:extLst>
       <p:ext uri="{BB962C8B-B14F-4D97-AF65-F5344CB8AC3E}">
-        <p14:creationId xmlns:p14="http://schemas.microsoft.com/office/powerpoint/2010/main" val="852627442"/>
+        <p14:creationId xmlns:p14="http://schemas.microsoft.com/office/powerpoint/2010/main" val="1290899967"/>
       </p:ext>
     </p:extLst>
   </p:cSld>
@@ -6365,23 +6394,14 @@
             <p:ph type="title"/>
           </p:nvPr>
         </p:nvSpPr>
-        <p:spPr>
-          <a:xfrm>
-            <a:off x="677334" y="609600"/>
-            <a:ext cx="8596668" cy="781318"/>
-          </a:xfrm>
-        </p:spPr>
+        <p:spPr/>
         <p:txBody>
           <a:bodyPr/>
           <a:lstStyle/>
           <a:p>
             <a:r>
               <a:rPr lang="it-IT" dirty="0" smtClean="0"/>
-              <a:t>Esempi </a:t>
-            </a:r>
-            <a:r>
-              <a:rPr lang="it-IT" dirty="0" smtClean="0"/>
-              <a:t>– Gestore eventi</a:t>
+              <a:t>Considerazioni finali</a:t>
             </a:r>
             <a:endParaRPr lang="it-IT" dirty="0"/>
           </a:p>
@@ -6389,48 +6409,59 @@
       </p:sp>
       <p:sp>
         <p:nvSpPr>
-          <p:cNvPr id="4" name="TextBox 3"/>
-          <p:cNvSpPr txBox="1"/>
-          <p:nvPr/>
-        </p:nvSpPr>
-        <p:spPr>
-          <a:xfrm>
-            <a:off x="11050073" y="6359879"/>
-            <a:ext cx="1013139" cy="461665"/>
-          </a:xfrm>
-          <a:prstGeom prst="rect">
-            <a:avLst/>
-          </a:prstGeom>
-          <a:noFill/>
-        </p:spPr>
-        <p:txBody>
-          <a:bodyPr wrap="square" rtlCol="0">
-            <a:spAutoFit/>
-          </a:bodyPr>
-          <a:lstStyle/>
-          <a:p>
-            <a:pPr algn="r"/>
-            <a:r>
-              <a:rPr lang="it-IT" sz="2400" dirty="0" smtClean="0">
-                <a:latin typeface="Bell MT" panose="02020503060305020303" pitchFamily="18" charset="0"/>
-              </a:rPr>
-              <a:t>11</a:t>
-            </a:r>
-            <a:r>
-              <a:rPr lang="it-IT" sz="2400" dirty="0" smtClean="0">
-                <a:latin typeface="Bell MT" panose="02020503060305020303" pitchFamily="18" charset="0"/>
-              </a:rPr>
-              <a:t>/15</a:t>
-            </a:r>
-            <a:endParaRPr lang="it-IT" sz="2400" dirty="0">
-              <a:latin typeface="Bell MT" panose="02020503060305020303" pitchFamily="18" charset="0"/>
-            </a:endParaRPr>
+          <p:cNvPr id="3" name="Content Placeholder 2"/>
+          <p:cNvSpPr>
+            <a:spLocks noGrp="1"/>
+          </p:cNvSpPr>
+          <p:nvPr>
+            <p:ph idx="1"/>
+          </p:nvPr>
+        </p:nvSpPr>
+        <p:spPr/>
+        <p:txBody>
+          <a:bodyPr/>
+          <a:lstStyle/>
+          <a:p>
+            <a:r>
+              <a:rPr lang="it-IT" sz="2400" dirty="0" smtClean="0"/>
+              <a:t>Soddisfazione dell’azienda ospitante</a:t>
+            </a:r>
+          </a:p>
+          <a:p>
+            <a:endParaRPr lang="it-IT" sz="2400" dirty="0"/>
+          </a:p>
+          <a:p>
+            <a:r>
+              <a:rPr lang="it-IT" sz="2400" dirty="0" smtClean="0"/>
+              <a:t>Conoscenza di nuove tecnologie</a:t>
+            </a:r>
+          </a:p>
+          <a:p>
+            <a:endParaRPr lang="it-IT" sz="2400" dirty="0"/>
+          </a:p>
+          <a:p>
+            <a:r>
+              <a:rPr lang="it-IT" sz="2400" dirty="0" smtClean="0"/>
+              <a:t>Nuove abilità per lavorare in un team</a:t>
+            </a:r>
+          </a:p>
+          <a:p>
+            <a:endParaRPr lang="it-IT" sz="2400" dirty="0"/>
+          </a:p>
+          <a:p>
+            <a:r>
+              <a:rPr lang="it-IT" sz="2400" dirty="0" smtClean="0"/>
+              <a:t>Introduzione al mondo del lavoro</a:t>
+            </a:r>
+          </a:p>
+          <a:p>
+            <a:endParaRPr lang="it-IT" dirty="0"/>
           </a:p>
         </p:txBody>
       </p:sp>
       <p:pic>
         <p:nvPicPr>
-          <p:cNvPr id="5" name="Picture 4"/>
+          <p:cNvPr id="4" name="Picture 3"/>
           <p:cNvPicPr>
             <a:picLocks noChangeAspect="1"/>
           </p:cNvPicPr>
@@ -6450,54 +6481,24 @@
         </p:blipFill>
         <p:spPr>
           <a:xfrm>
-            <a:off x="5097660" y="1634474"/>
-            <a:ext cx="2763388" cy="4436772"/>
+            <a:off x="6634089" y="2478584"/>
+            <a:ext cx="2822751" cy="2822751"/>
           </a:xfrm>
           <a:prstGeom prst="rect">
             <a:avLst/>
           </a:prstGeom>
         </p:spPr>
       </p:pic>
-      <p:pic>
-        <p:nvPicPr>
-          <p:cNvPr id="6" name="Picture 5"/>
-          <p:cNvPicPr>
-            <a:picLocks noChangeAspect="1"/>
-          </p:cNvPicPr>
-          <p:nvPr/>
-        </p:nvPicPr>
-        <p:blipFill>
-          <a:blip r:embed="rId3">
-            <a:extLst>
-              <a:ext uri="{28A0092B-C50C-407E-A947-70E740481C1C}">
-                <a14:useLocalDpi xmlns:a14="http://schemas.microsoft.com/office/drawing/2010/main" val="0"/>
-              </a:ext>
-            </a:extLst>
-          </a:blip>
-          <a:stretch>
-            <a:fillRect/>
-          </a:stretch>
-        </p:blipFill>
-        <p:spPr>
-          <a:xfrm>
-            <a:off x="1237149" y="2060620"/>
-            <a:ext cx="2783301" cy="4436772"/>
-          </a:xfrm>
-          <a:prstGeom prst="rect">
-            <a:avLst/>
-          </a:prstGeom>
-        </p:spPr>
-      </p:pic>
-      <p:sp>
-        <p:nvSpPr>
-          <p:cNvPr id="7" name="TextBox 6"/>
+      <p:sp>
+        <p:nvSpPr>
+          <p:cNvPr id="5" name="TextBox 4"/>
           <p:cNvSpPr txBox="1"/>
           <p:nvPr/>
         </p:nvSpPr>
         <p:spPr>
           <a:xfrm>
-            <a:off x="506809" y="1541103"/>
-            <a:ext cx="4243982" cy="369332"/>
+            <a:off x="11050073" y="6359879"/>
+            <a:ext cx="1013139" cy="461665"/>
           </a:xfrm>
           <a:prstGeom prst="rect">
             <a:avLst/>
@@ -6505,53 +6506,28 @@
           <a:noFill/>
         </p:spPr>
         <p:txBody>
-          <a:bodyPr wrap="none" rtlCol="0">
+          <a:bodyPr wrap="square" rtlCol="0">
             <a:spAutoFit/>
           </a:bodyPr>
           <a:lstStyle/>
           <a:p>
-            <a:r>
-              <a:rPr lang="it-IT" dirty="0" smtClean="0"/>
-              <a:t>‘‘Che cosa c’è in Social Media alle 16?’’</a:t>
-            </a:r>
-            <a:endParaRPr lang="it-IT" dirty="0"/>
-          </a:p>
-        </p:txBody>
-      </p:sp>
-      <p:sp>
-        <p:nvSpPr>
-          <p:cNvPr id="8" name="TextBox 7"/>
-          <p:cNvSpPr txBox="1"/>
-          <p:nvPr/>
-        </p:nvSpPr>
-        <p:spPr>
-          <a:xfrm>
-            <a:off x="4766930" y="6175213"/>
-            <a:ext cx="3424848" cy="369332"/>
-          </a:xfrm>
-          <a:prstGeom prst="rect">
-            <a:avLst/>
-          </a:prstGeom>
-          <a:noFill/>
-        </p:spPr>
-        <p:txBody>
-          <a:bodyPr wrap="none" rtlCol="0">
-            <a:spAutoFit/>
-          </a:bodyPr>
-          <a:lstStyle/>
-          <a:p>
-            <a:r>
-              <a:rPr lang="it-IT" dirty="0" smtClean="0"/>
-              <a:t>‘‘Dove si trova la stanza SEO?’’</a:t>
-            </a:r>
-            <a:endParaRPr lang="it-IT" dirty="0"/>
+            <a:pPr algn="r"/>
+            <a:r>
+              <a:rPr lang="it-IT" sz="2400" dirty="0" smtClean="0">
+                <a:latin typeface="Book Antiqua" panose="02040602050305030304" pitchFamily="18" charset="0"/>
+              </a:rPr>
+              <a:t>11/12</a:t>
+            </a:r>
+            <a:endParaRPr lang="it-IT" sz="2400" dirty="0">
+              <a:latin typeface="Book Antiqua" panose="02040602050305030304" pitchFamily="18" charset="0"/>
+            </a:endParaRPr>
           </a:p>
         </p:txBody>
       </p:sp>
     </p:spTree>
     <p:extLst>
       <p:ext uri="{BB962C8B-B14F-4D97-AF65-F5344CB8AC3E}">
-        <p14:creationId xmlns:p14="http://schemas.microsoft.com/office/powerpoint/2010/main" val="1290899967"/>
+        <p14:creationId xmlns:p14="http://schemas.microsoft.com/office/powerpoint/2010/main" val="3170425475"/>
       </p:ext>
     </p:extLst>
   </p:cSld>
@@ -6625,7 +6601,7 @@
       </p:sp>
       <p:sp>
         <p:nvSpPr>
-          <p:cNvPr id="4" name="TextBox 3"/>
+          <p:cNvPr id="5" name="TextBox 4"/>
           <p:cNvSpPr txBox="1"/>
           <p:nvPr/>
         </p:nvSpPr>
@@ -6648,12 +6624,12 @@
             <a:pPr algn="r"/>
             <a:r>
               <a:rPr lang="it-IT" sz="2400" dirty="0" smtClean="0">
-                <a:latin typeface="Bell MT" panose="02020503060305020303" pitchFamily="18" charset="0"/>
+                <a:latin typeface="Book Antiqua" panose="02040602050305030304" pitchFamily="18" charset="0"/>
               </a:rPr>
               <a:t>12/12</a:t>
             </a:r>
             <a:endParaRPr lang="it-IT" sz="2400" dirty="0">
-              <a:latin typeface="Bell MT" panose="02020503060305020303" pitchFamily="18" charset="0"/>
+              <a:latin typeface="Book Antiqua" panose="02040602050305030304" pitchFamily="18" charset="0"/>
             </a:endParaRPr>
           </a:p>
         </p:txBody>
@@ -7017,7 +6993,7 @@
       </p:cxnSp>
       <p:sp>
         <p:nvSpPr>
-          <p:cNvPr id="20" name="TextBox 19"/>
+          <p:cNvPr id="16" name="TextBox 15"/>
           <p:cNvSpPr txBox="1"/>
           <p:nvPr/>
         </p:nvSpPr>
@@ -7039,19 +7015,13 @@
           <a:p>
             <a:pPr algn="r"/>
             <a:r>
-              <a:rPr lang="it-IT" sz="2400" dirty="0">
-                <a:latin typeface="Bell MT" panose="02020503060305020303" pitchFamily="18" charset="0"/>
+              <a:rPr lang="it-IT" sz="2400" dirty="0" smtClean="0">
+                <a:latin typeface="Book Antiqua" panose="02040602050305030304" pitchFamily="18" charset="0"/>
               </a:rPr>
-              <a:t>2</a:t>
-            </a:r>
-            <a:r>
-              <a:rPr lang="it-IT" sz="2400" dirty="0" smtClean="0">
-                <a:latin typeface="Bell MT" panose="02020503060305020303" pitchFamily="18" charset="0"/>
-              </a:rPr>
-              <a:t>/15</a:t>
+              <a:t>2/12</a:t>
             </a:r>
             <a:endParaRPr lang="it-IT" sz="2400" dirty="0">
-              <a:latin typeface="Bell MT" panose="02020503060305020303" pitchFamily="18" charset="0"/>
+              <a:latin typeface="Book Antiqua" panose="02040602050305030304" pitchFamily="18" charset="0"/>
             </a:endParaRPr>
           </a:p>
         </p:txBody>
@@ -7093,15 +7063,69 @@
           <a:chExt cx="0" cy="0"/>
         </a:xfrm>
       </p:grpSpPr>
+      <p:sp>
+        <p:nvSpPr>
+          <p:cNvPr id="5" name="TextBox 4"/>
+          <p:cNvSpPr txBox="1"/>
+          <p:nvPr/>
+        </p:nvSpPr>
+        <p:spPr>
+          <a:xfrm>
+            <a:off x="1060600" y="2143439"/>
+            <a:ext cx="6980349" cy="738664"/>
+          </a:xfrm>
+          <a:prstGeom prst="rect">
+            <a:avLst/>
+          </a:prstGeom>
+          <a:noFill/>
+        </p:spPr>
+        <p:txBody>
+          <a:bodyPr wrap="square" rtlCol="0">
+            <a:spAutoFit/>
+          </a:bodyPr>
+          <a:lstStyle/>
+          <a:p>
+            <a:r>
+              <a:rPr lang="it-IT" sz="2400" dirty="0" smtClean="0">
+                <a:solidFill>
+                  <a:schemeClr val="tx1">
+                    <a:lumMod val="75000"/>
+                    <a:lumOff val="25000"/>
+                  </a:schemeClr>
+                </a:solidFill>
+              </a:rPr>
+              <a:t>Chatbot di Facebook Messenger</a:t>
+            </a:r>
+            <a:endParaRPr lang="it-IT" sz="2400" dirty="0">
+              <a:solidFill>
+                <a:schemeClr val="tx1">
+                  <a:lumMod val="75000"/>
+                  <a:lumOff val="25000"/>
+                </a:schemeClr>
+              </a:solidFill>
+            </a:endParaRPr>
+          </a:p>
+          <a:p>
+            <a:endParaRPr lang="it-IT" dirty="0">
+              <a:solidFill>
+                <a:schemeClr val="tx1">
+                  <a:lumMod val="75000"/>
+                  <a:lumOff val="25000"/>
+                </a:schemeClr>
+              </a:solidFill>
+            </a:endParaRPr>
+          </a:p>
+        </p:txBody>
+      </p:sp>
       <p:pic>
         <p:nvPicPr>
-          <p:cNvPr id="4" name="Picture 3"/>
+          <p:cNvPr id="6" name="Picture 5"/>
           <p:cNvPicPr>
             <a:picLocks noChangeAspect="1"/>
           </p:cNvPicPr>
           <p:nvPr/>
         </p:nvPicPr>
-        <p:blipFill rotWithShape="1">
+        <p:blipFill>
           <a:blip r:embed="rId2">
             <a:extLst>
               <a:ext uri="{28A0092B-C50C-407E-A947-70E740481C1C}">
@@ -7109,55 +7133,23 @@
               </a:ext>
             </a:extLst>
           </a:blip>
-          <a:srcRect r="1510" b="26218"/>
-          <a:stretch/>
+          <a:stretch>
+            <a:fillRect/>
+          </a:stretch>
         </p:blipFill>
         <p:spPr>
           <a:xfrm>
-            <a:off x="3404781" y="280787"/>
-            <a:ext cx="3416718" cy="1533839"/>
+            <a:off x="6567087" y="1675684"/>
+            <a:ext cx="1355769" cy="1355769"/>
           </a:xfrm>
           <a:prstGeom prst="rect">
             <a:avLst/>
           </a:prstGeom>
         </p:spPr>
       </p:pic>
-      <p:sp>
-        <p:nvSpPr>
-          <p:cNvPr id="5" name="TextBox 4"/>
-          <p:cNvSpPr txBox="1"/>
-          <p:nvPr/>
-        </p:nvSpPr>
-        <p:spPr>
-          <a:xfrm>
-            <a:off x="1060600" y="2143439"/>
-            <a:ext cx="6980349" cy="738664"/>
-          </a:xfrm>
-          <a:prstGeom prst="rect">
-            <a:avLst/>
-          </a:prstGeom>
-          <a:noFill/>
-        </p:spPr>
-        <p:txBody>
-          <a:bodyPr wrap="square" rtlCol="0">
-            <a:spAutoFit/>
-          </a:bodyPr>
-          <a:lstStyle/>
-          <a:p>
-            <a:r>
-              <a:rPr lang="it-IT" sz="2400" dirty="0" smtClean="0"/>
-              <a:t>Chatbot di Facebook Messenger</a:t>
-            </a:r>
-            <a:endParaRPr lang="it-IT" sz="2400" dirty="0"/>
-          </a:p>
-          <a:p>
-            <a:endParaRPr lang="it-IT" dirty="0"/>
-          </a:p>
-        </p:txBody>
-      </p:sp>
       <p:pic>
         <p:nvPicPr>
-          <p:cNvPr id="6" name="Picture 5"/>
+          <p:cNvPr id="7" name="Picture 6"/>
           <p:cNvPicPr>
             <a:picLocks noChangeAspect="1"/>
           </p:cNvPicPr>
@@ -7177,17 +7169,61 @@
         </p:blipFill>
         <p:spPr>
           <a:xfrm>
-            <a:off x="6567087" y="1675684"/>
-            <a:ext cx="1355769" cy="1355769"/>
+            <a:off x="1060600" y="3265731"/>
+            <a:ext cx="1285292" cy="1285292"/>
           </a:xfrm>
           <a:prstGeom prst="rect">
             <a:avLst/>
           </a:prstGeom>
         </p:spPr>
       </p:pic>
+      <p:sp>
+        <p:nvSpPr>
+          <p:cNvPr id="8" name="TextBox 7"/>
+          <p:cNvSpPr txBox="1"/>
+          <p:nvPr/>
+        </p:nvSpPr>
+        <p:spPr>
+          <a:xfrm>
+            <a:off x="3154994" y="3677544"/>
+            <a:ext cx="5355953" cy="461665"/>
+          </a:xfrm>
+          <a:prstGeom prst="rect">
+            <a:avLst/>
+          </a:prstGeom>
+          <a:noFill/>
+        </p:spPr>
+        <p:txBody>
+          <a:bodyPr wrap="none" rtlCol="0">
+            <a:spAutoFit/>
+          </a:bodyPr>
+          <a:lstStyle/>
+          <a:p>
+            <a:r>
+              <a:rPr lang="it-IT" sz="2400" dirty="0" smtClean="0">
+                <a:solidFill>
+                  <a:schemeClr val="tx1">
+                    <a:lumMod val="75000"/>
+                    <a:lumOff val="25000"/>
+                  </a:schemeClr>
+                </a:solidFill>
+              </a:rPr>
+              <a:t>Incrementare le funzionalità presenti</a:t>
+            </a:r>
+            <a:endParaRPr lang="it-IT" sz="2400" dirty="0">
+              <a:solidFill>
+                <a:schemeClr val="tx1">
+                  <a:lumMod val="75000"/>
+                  <a:lumOff val="25000"/>
+                </a:schemeClr>
+              </a:solidFill>
+            </a:endParaRPr>
+          </a:p>
+        </p:txBody>
+      </p:sp>
       <p:pic>
         <p:nvPicPr>
-          <p:cNvPr id="7" name="Picture 6"/>
+          <p:cNvPr id="9" name="Picture 8"/>
           <p:cNvPicPr>
             <a:picLocks noChangeAspect="1"/>
           </p:cNvPicPr>
@@ -7207,8 +7243,8 @@
         </p:blipFill>
         <p:spPr>
           <a:xfrm>
-            <a:off x="1060600" y="3265731"/>
-            <a:ext cx="1285292" cy="1285292"/>
+            <a:off x="6546785" y="4855335"/>
+            <a:ext cx="1396372" cy="1396372"/>
           </a:xfrm>
           <a:prstGeom prst="rect">
             <a:avLst/>
@@ -7217,14 +7253,14 @@
       </p:pic>
       <p:sp>
         <p:nvSpPr>
-          <p:cNvPr id="8" name="TextBox 7"/>
+          <p:cNvPr id="10" name="TextBox 9"/>
           <p:cNvSpPr txBox="1"/>
           <p:nvPr/>
         </p:nvSpPr>
         <p:spPr>
           <a:xfrm>
-            <a:off x="3154994" y="3677544"/>
-            <a:ext cx="5355953" cy="461665"/>
+            <a:off x="1060600" y="5345628"/>
+            <a:ext cx="4370107" cy="461665"/>
           </a:xfrm>
           <a:prstGeom prst="rect">
             <a:avLst/>
@@ -7238,104 +7274,23 @@
           <a:lstStyle/>
           <a:p>
             <a:r>
-              <a:rPr lang="it-IT" sz="2400" dirty="0" smtClean="0"/>
-              <a:t>Incrementare le funzionalità presenti</a:t>
-            </a:r>
-            <a:endParaRPr lang="it-IT" sz="2400" dirty="0"/>
-          </a:p>
-        </p:txBody>
-      </p:sp>
-      <p:pic>
-        <p:nvPicPr>
-          <p:cNvPr id="9" name="Picture 8"/>
-          <p:cNvPicPr>
-            <a:picLocks noChangeAspect="1"/>
-          </p:cNvPicPr>
-          <p:nvPr/>
-        </p:nvPicPr>
-        <p:blipFill>
-          <a:blip r:embed="rId5">
-            <a:extLst>
-              <a:ext uri="{28A0092B-C50C-407E-A947-70E740481C1C}">
-                <a14:useLocalDpi xmlns:a14="http://schemas.microsoft.com/office/drawing/2010/main" val="0"/>
-              </a:ext>
-            </a:extLst>
-          </a:blip>
-          <a:stretch>
-            <a:fillRect/>
-          </a:stretch>
-        </p:blipFill>
-        <p:spPr>
-          <a:xfrm>
-            <a:off x="6546785" y="4855335"/>
-            <a:ext cx="1396372" cy="1396372"/>
-          </a:xfrm>
-          <a:prstGeom prst="rect">
-            <a:avLst/>
-          </a:prstGeom>
-        </p:spPr>
-      </p:pic>
-      <p:sp>
-        <p:nvSpPr>
-          <p:cNvPr id="10" name="TextBox 9"/>
-          <p:cNvSpPr txBox="1"/>
-          <p:nvPr/>
-        </p:nvSpPr>
-        <p:spPr>
-          <a:xfrm>
-            <a:off x="1060600" y="5345628"/>
-            <a:ext cx="4370107" cy="461665"/>
-          </a:xfrm>
-          <a:prstGeom prst="rect">
-            <a:avLst/>
-          </a:prstGeom>
-          <a:noFill/>
-        </p:spPr>
-        <p:txBody>
-          <a:bodyPr wrap="none" rtlCol="0">
-            <a:spAutoFit/>
-          </a:bodyPr>
-          <a:lstStyle/>
-          <a:p>
-            <a:r>
-              <a:rPr lang="it-IT" sz="2400" dirty="0" smtClean="0"/>
+              <a:rPr lang="it-IT" sz="2400" dirty="0" smtClean="0">
+                <a:solidFill>
+                  <a:schemeClr val="tx1">
+                    <a:lumMod val="75000"/>
+                    <a:lumOff val="25000"/>
+                  </a:schemeClr>
+                </a:solidFill>
+              </a:rPr>
               <a:t>Introduzione nuove tecnologie</a:t>
             </a:r>
-            <a:endParaRPr lang="it-IT" sz="2400" dirty="0"/>
-          </a:p>
-        </p:txBody>
-      </p:sp>
-      <p:sp>
-        <p:nvSpPr>
-          <p:cNvPr id="11" name="TextBox 10"/>
-          <p:cNvSpPr txBox="1"/>
-          <p:nvPr/>
-        </p:nvSpPr>
-        <p:spPr>
-          <a:xfrm>
-            <a:off x="11050073" y="6359879"/>
-            <a:ext cx="1013139" cy="461665"/>
-          </a:xfrm>
-          <a:prstGeom prst="rect">
-            <a:avLst/>
-          </a:prstGeom>
-          <a:noFill/>
-        </p:spPr>
-        <p:txBody>
-          <a:bodyPr wrap="square" rtlCol="0">
-            <a:spAutoFit/>
-          </a:bodyPr>
-          <a:lstStyle/>
-          <a:p>
-            <a:pPr algn="r"/>
-            <a:r>
-              <a:rPr lang="it-IT" sz="2400" dirty="0" smtClean="0">
-                <a:latin typeface="Bell MT" panose="02020503060305020303" pitchFamily="18" charset="0"/>
-              </a:rPr>
-              <a:t>3/15</a:t>
-            </a:r>
             <a:endParaRPr lang="it-IT" sz="2400" dirty="0">
-              <a:latin typeface="Bell MT" panose="02020503060305020303" pitchFamily="18" charset="0"/>
+              <a:solidFill>
+                <a:schemeClr val="tx1">
+                  <a:lumMod val="75000"/>
+                  <a:lumOff val="25000"/>
+                </a:schemeClr>
+              </a:solidFill>
             </a:endParaRPr>
           </a:p>
         </p:txBody>
@@ -7439,6 +7394,41 @@
               <a:t>Il progetto – 1 </a:t>
             </a:r>
             <a:endParaRPr lang="it-IT" sz="4400" dirty="0"/>
+          </a:p>
+        </p:txBody>
+      </p:sp>
+      <p:sp>
+        <p:nvSpPr>
+          <p:cNvPr id="13" name="TextBox 12"/>
+          <p:cNvSpPr txBox="1"/>
+          <p:nvPr/>
+        </p:nvSpPr>
+        <p:spPr>
+          <a:xfrm>
+            <a:off x="11050073" y="6359879"/>
+            <a:ext cx="1013139" cy="461665"/>
+          </a:xfrm>
+          <a:prstGeom prst="rect">
+            <a:avLst/>
+          </a:prstGeom>
+          <a:noFill/>
+        </p:spPr>
+        <p:txBody>
+          <a:bodyPr wrap="square" rtlCol="0">
+            <a:spAutoFit/>
+          </a:bodyPr>
+          <a:lstStyle/>
+          <a:p>
+            <a:pPr algn="r"/>
+            <a:r>
+              <a:rPr lang="it-IT" sz="2400" dirty="0" smtClean="0">
+                <a:latin typeface="Book Antiqua" panose="02040602050305030304" pitchFamily="18" charset="0"/>
+              </a:rPr>
+              <a:t>3/12</a:t>
+            </a:r>
+            <a:endParaRPr lang="it-IT" sz="2400" dirty="0">
+              <a:latin typeface="Book Antiqua" panose="02040602050305030304" pitchFamily="18" charset="0"/>
+            </a:endParaRPr>
           </a:p>
         </p:txBody>
       </p:sp>
@@ -7502,10 +7492,24 @@
           <a:lstStyle/>
           <a:p>
             <a:r>
-              <a:rPr lang="it-IT" sz="2800" dirty="0" smtClean="0"/>
+              <a:rPr lang="it-IT" sz="2800" dirty="0" smtClean="0">
+                <a:solidFill>
+                  <a:schemeClr val="tx1">
+                    <a:lumMod val="75000"/>
+                    <a:lumOff val="25000"/>
+                  </a:schemeClr>
+                </a:solidFill>
+              </a:rPr>
               <a:t>Gestore eventi</a:t>
             </a:r>
-            <a:endParaRPr lang="it-IT" sz="2800" dirty="0"/>
+            <a:endParaRPr lang="it-IT" sz="2800" dirty="0">
+              <a:solidFill>
+                <a:schemeClr val="tx1">
+                  <a:lumMod val="75000"/>
+                  <a:lumOff val="25000"/>
+                </a:schemeClr>
+              </a:solidFill>
+            </a:endParaRPr>
           </a:p>
         </p:txBody>
       </p:sp>
@@ -7532,10 +7536,24 @@
           <a:lstStyle/>
           <a:p>
             <a:r>
-              <a:rPr lang="it-IT" sz="2800" dirty="0" smtClean="0"/>
+              <a:rPr lang="it-IT" sz="2800" dirty="0" smtClean="0">
+                <a:solidFill>
+                  <a:schemeClr val="tx1">
+                    <a:lumMod val="75000"/>
+                    <a:lumOff val="25000"/>
+                  </a:schemeClr>
+                </a:solidFill>
+              </a:rPr>
               <a:t>Meteo Veneto bot</a:t>
             </a:r>
-            <a:endParaRPr lang="it-IT" sz="2800" dirty="0"/>
+            <a:endParaRPr lang="it-IT" sz="2800" dirty="0">
+              <a:solidFill>
+                <a:schemeClr val="tx1">
+                  <a:lumMod val="75000"/>
+                  <a:lumOff val="25000"/>
+                </a:schemeClr>
+              </a:solidFill>
+            </a:endParaRPr>
           </a:p>
         </p:txBody>
       </p:sp>
@@ -7601,47 +7619,6 @@
       </p:pic>
       <p:sp>
         <p:nvSpPr>
-          <p:cNvPr id="9" name="TextBox 8"/>
-          <p:cNvSpPr txBox="1"/>
-          <p:nvPr/>
-        </p:nvSpPr>
-        <p:spPr>
-          <a:xfrm>
-            <a:off x="11050073" y="6359879"/>
-            <a:ext cx="1013139" cy="461665"/>
-          </a:xfrm>
-          <a:prstGeom prst="rect">
-            <a:avLst/>
-          </a:prstGeom>
-          <a:noFill/>
-        </p:spPr>
-        <p:txBody>
-          <a:bodyPr wrap="square" rtlCol="0">
-            <a:spAutoFit/>
-          </a:bodyPr>
-          <a:lstStyle/>
-          <a:p>
-            <a:pPr algn="r"/>
-            <a:r>
-              <a:rPr lang="it-IT" sz="2400" dirty="0">
-                <a:latin typeface="Bell MT" panose="02020503060305020303" pitchFamily="18" charset="0"/>
-              </a:rPr>
-              <a:t>4</a:t>
-            </a:r>
-            <a:r>
-              <a:rPr lang="it-IT" sz="2400" dirty="0" smtClean="0">
-                <a:latin typeface="Bell MT" panose="02020503060305020303" pitchFamily="18" charset="0"/>
-              </a:rPr>
-              <a:t>/15</a:t>
-            </a:r>
-            <a:endParaRPr lang="it-IT" sz="2400" dirty="0">
-              <a:latin typeface="Bell MT" panose="02020503060305020303" pitchFamily="18" charset="0"/>
-            </a:endParaRPr>
-          </a:p>
-        </p:txBody>
-      </p:sp>
-      <p:sp>
-        <p:nvSpPr>
           <p:cNvPr id="10" name="Title 1"/>
           <p:cNvSpPr txBox="1">
             <a:spLocks/>
@@ -7739,6 +7716,41 @@
               <a:t>Il progetto - 2</a:t>
             </a:r>
             <a:endParaRPr lang="it-IT" sz="4400" dirty="0"/>
+          </a:p>
+        </p:txBody>
+      </p:sp>
+      <p:sp>
+        <p:nvSpPr>
+          <p:cNvPr id="11" name="TextBox 10"/>
+          <p:cNvSpPr txBox="1"/>
+          <p:nvPr/>
+        </p:nvSpPr>
+        <p:spPr>
+          <a:xfrm>
+            <a:off x="11050073" y="6359879"/>
+            <a:ext cx="1013139" cy="461665"/>
+          </a:xfrm>
+          <a:prstGeom prst="rect">
+            <a:avLst/>
+          </a:prstGeom>
+          <a:noFill/>
+        </p:spPr>
+        <p:txBody>
+          <a:bodyPr wrap="square" rtlCol="0">
+            <a:spAutoFit/>
+          </a:bodyPr>
+          <a:lstStyle/>
+          <a:p>
+            <a:pPr algn="r"/>
+            <a:r>
+              <a:rPr lang="it-IT" sz="2400" dirty="0" smtClean="0">
+                <a:latin typeface="Book Antiqua" panose="02040602050305030304" pitchFamily="18" charset="0"/>
+              </a:rPr>
+              <a:t>4/12</a:t>
+            </a:r>
+            <a:endParaRPr lang="it-IT" sz="2400" dirty="0">
+              <a:latin typeface="Book Antiqua" panose="02040602050305030304" pitchFamily="18" charset="0"/>
+            </a:endParaRPr>
           </a:p>
         </p:txBody>
       </p:sp>
@@ -7796,19 +7808,189 @@
           <a:p>
             <a:r>
               <a:rPr lang="it-IT" dirty="0" smtClean="0"/>
-              <a:t>Soluzione – Analisi </a:t>
-            </a:r>
-            <a:r>
-              <a:rPr lang="it-IT" dirty="0" smtClean="0"/>
-              <a:t>strumenti NLP</a:t>
+              <a:t>Soluzione – Analisi di mercato</a:t>
             </a:r>
             <a:endParaRPr lang="it-IT" dirty="0"/>
+          </a:p>
+        </p:txBody>
+      </p:sp>
+      <p:sp>
+        <p:nvSpPr>
+          <p:cNvPr id="7" name="TextBox 6"/>
+          <p:cNvSpPr txBox="1"/>
+          <p:nvPr/>
+        </p:nvSpPr>
+        <p:spPr>
+          <a:xfrm>
+            <a:off x="677334" y="1407180"/>
+            <a:ext cx="8118697" cy="523220"/>
+          </a:xfrm>
+          <a:prstGeom prst="rect">
+            <a:avLst/>
+          </a:prstGeom>
+          <a:noFill/>
+        </p:spPr>
+        <p:txBody>
+          <a:bodyPr wrap="none" rtlCol="0">
+            <a:spAutoFit/>
+          </a:bodyPr>
+          <a:lstStyle/>
+          <a:p>
+            <a:r>
+              <a:rPr lang="it-IT" sz="2800" dirty="0" smtClean="0">
+                <a:solidFill>
+                  <a:schemeClr val="accent1">
+                    <a:lumMod val="50000"/>
+                  </a:schemeClr>
+                </a:solidFill>
+              </a:rPr>
+              <a:t>Scelta strumento di Natural Language Processing </a:t>
+            </a:r>
+            <a:endParaRPr lang="it-IT" sz="2800" dirty="0">
+              <a:solidFill>
+                <a:schemeClr val="accent1">
+                  <a:lumMod val="50000"/>
+                </a:schemeClr>
+              </a:solidFill>
+            </a:endParaRPr>
+          </a:p>
+        </p:txBody>
+      </p:sp>
+      <p:sp>
+        <p:nvSpPr>
+          <p:cNvPr id="8" name="TextBox 7"/>
+          <p:cNvSpPr txBox="1"/>
+          <p:nvPr/>
+        </p:nvSpPr>
+        <p:spPr>
+          <a:xfrm>
+            <a:off x="1455314" y="2545824"/>
+            <a:ext cx="976549" cy="461665"/>
+          </a:xfrm>
+          <a:prstGeom prst="rect">
+            <a:avLst/>
+          </a:prstGeom>
+          <a:noFill/>
+        </p:spPr>
+        <p:txBody>
+          <a:bodyPr wrap="none" rtlCol="0">
+            <a:spAutoFit/>
+          </a:bodyPr>
+          <a:lstStyle/>
+          <a:p>
+            <a:r>
+              <a:rPr lang="it-IT" sz="2400" b="1" dirty="0" smtClean="0">
+                <a:solidFill>
+                  <a:schemeClr val="tx1">
+                    <a:lumMod val="75000"/>
+                    <a:lumOff val="25000"/>
+                  </a:schemeClr>
+                </a:solidFill>
+              </a:rPr>
+              <a:t>Costo</a:t>
+            </a:r>
+            <a:endParaRPr lang="it-IT" sz="2400" b="1" dirty="0">
+              <a:solidFill>
+                <a:schemeClr val="tx1">
+                  <a:lumMod val="75000"/>
+                  <a:lumOff val="25000"/>
+                </a:schemeClr>
+              </a:solidFill>
+            </a:endParaRPr>
+          </a:p>
+        </p:txBody>
+      </p:sp>
+      <p:sp>
+        <p:nvSpPr>
+          <p:cNvPr id="10" name="TextBox 9"/>
+          <p:cNvSpPr txBox="1"/>
+          <p:nvPr/>
+        </p:nvSpPr>
+        <p:spPr>
+          <a:xfrm>
+            <a:off x="3578490" y="5422006"/>
+            <a:ext cx="2794355" cy="461665"/>
+          </a:xfrm>
+          <a:prstGeom prst="rect">
+            <a:avLst/>
+          </a:prstGeom>
+          <a:noFill/>
+        </p:spPr>
+        <p:txBody>
+          <a:bodyPr wrap="none" rtlCol="0">
+            <a:spAutoFit/>
+          </a:bodyPr>
+          <a:lstStyle/>
+          <a:p>
+            <a:r>
+              <a:rPr lang="it-IT" sz="2400" b="1" dirty="0" smtClean="0">
+                <a:solidFill>
+                  <a:schemeClr val="tx1">
+                    <a:lumMod val="75000"/>
+                    <a:lumOff val="25000"/>
+                  </a:schemeClr>
+                </a:solidFill>
+              </a:rPr>
+              <a:t>Lingue supportate</a:t>
+            </a:r>
+            <a:endParaRPr lang="it-IT" sz="2400" b="1" dirty="0">
+              <a:solidFill>
+                <a:schemeClr val="tx1">
+                  <a:lumMod val="75000"/>
+                  <a:lumOff val="25000"/>
+                </a:schemeClr>
+              </a:solidFill>
+            </a:endParaRPr>
+          </a:p>
+        </p:txBody>
+      </p:sp>
+      <p:sp>
+        <p:nvSpPr>
+          <p:cNvPr id="11" name="TextBox 10"/>
+          <p:cNvSpPr txBox="1"/>
+          <p:nvPr/>
+        </p:nvSpPr>
+        <p:spPr>
+          <a:xfrm>
+            <a:off x="6529589" y="2545824"/>
+            <a:ext cx="2587568" cy="461665"/>
+          </a:xfrm>
+          <a:prstGeom prst="rect">
+            <a:avLst/>
+          </a:prstGeom>
+          <a:noFill/>
+        </p:spPr>
+        <p:txBody>
+          <a:bodyPr wrap="none" rtlCol="0">
+            <a:spAutoFit/>
+          </a:bodyPr>
+          <a:lstStyle/>
+          <a:p>
+            <a:r>
+              <a:rPr lang="it-IT" sz="2400" b="1" dirty="0" smtClean="0">
+                <a:solidFill>
+                  <a:schemeClr val="tx1">
+                    <a:lumMod val="75000"/>
+                    <a:lumOff val="25000"/>
+                  </a:schemeClr>
+                </a:solidFill>
+              </a:rPr>
+              <a:t>Documentazione</a:t>
+            </a:r>
+            <a:endParaRPr lang="it-IT" sz="2400" b="1" dirty="0">
+              <a:solidFill>
+                <a:schemeClr val="tx1">
+                  <a:lumMod val="75000"/>
+                  <a:lumOff val="25000"/>
+                </a:schemeClr>
+              </a:solidFill>
+            </a:endParaRPr>
           </a:p>
         </p:txBody>
       </p:sp>
       <p:pic>
         <p:nvPicPr>
-          <p:cNvPr id="3" name="Picture 2"/>
+          <p:cNvPr id="13" name="Picture 12"/>
           <p:cNvPicPr>
             <a:picLocks noChangeAspect="1"/>
           </p:cNvPicPr>
@@ -7828,8 +8010,8 @@
         </p:blipFill>
         <p:spPr>
           <a:xfrm>
-            <a:off x="8043301" y="3161101"/>
-            <a:ext cx="1230701" cy="1230701"/>
+            <a:off x="6999552" y="3223668"/>
+            <a:ext cx="1647642" cy="1647642"/>
           </a:xfrm>
           <a:prstGeom prst="rect">
             <a:avLst/>
@@ -7838,7 +8020,7 @@
       </p:pic>
       <p:pic>
         <p:nvPicPr>
-          <p:cNvPr id="4" name="Picture 3"/>
+          <p:cNvPr id="14" name="Picture 13"/>
           <p:cNvPicPr>
             <a:picLocks noChangeAspect="1"/>
           </p:cNvPicPr>
@@ -7858,24 +8040,54 @@
         </p:blipFill>
         <p:spPr>
           <a:xfrm>
-            <a:off x="1021014" y="3161101"/>
-            <a:ext cx="1230701" cy="1230701"/>
+            <a:off x="4019693" y="3531309"/>
+            <a:ext cx="1655194" cy="1655194"/>
           </a:xfrm>
           <a:prstGeom prst="rect">
             <a:avLst/>
           </a:prstGeom>
         </p:spPr>
       </p:pic>
-      <p:sp>
-        <p:nvSpPr>
-          <p:cNvPr id="5" name="TextBox 4"/>
+      <p:pic>
+        <p:nvPicPr>
+          <p:cNvPr id="15" name="Picture 14"/>
+          <p:cNvPicPr>
+            <a:picLocks noChangeAspect="1"/>
+          </p:cNvPicPr>
+          <p:nvPr/>
+        </p:nvPicPr>
+        <p:blipFill>
+          <a:blip r:embed="rId4">
+            <a:extLst>
+              <a:ext uri="{28A0092B-C50C-407E-A947-70E740481C1C}">
+                <a14:useLocalDpi xmlns:a14="http://schemas.microsoft.com/office/drawing/2010/main" val="0"/>
+              </a:ext>
+            </a:extLst>
+          </a:blip>
+          <a:stretch>
+            <a:fillRect/>
+          </a:stretch>
+        </p:blipFill>
+        <p:spPr>
+          <a:xfrm>
+            <a:off x="1161793" y="3223668"/>
+            <a:ext cx="1563590" cy="1563590"/>
+          </a:xfrm>
+          <a:prstGeom prst="rect">
+            <a:avLst/>
+          </a:prstGeom>
+        </p:spPr>
+      </p:pic>
+      <p:sp>
+        <p:nvSpPr>
+          <p:cNvPr id="16" name="TextBox 15"/>
           <p:cNvSpPr txBox="1"/>
           <p:nvPr/>
         </p:nvSpPr>
         <p:spPr>
           <a:xfrm>
-            <a:off x="1200186" y="2710341"/>
-            <a:ext cx="872355" cy="461665"/>
+            <a:off x="11050073" y="6359879"/>
+            <a:ext cx="1013139" cy="461665"/>
           </a:xfrm>
           <a:prstGeom prst="rect">
             <a:avLst/>
@@ -7883,170 +8095,26 @@
           <a:noFill/>
         </p:spPr>
         <p:txBody>
-          <a:bodyPr wrap="none" rtlCol="0">
-            <a:spAutoFit/>
-          </a:bodyPr>
-          <a:lstStyle/>
-          <a:p>
-            <a:r>
-              <a:rPr lang="it-IT" sz="2400" dirty="0" smtClean="0"/>
-              <a:t>Pregi</a:t>
-            </a:r>
-            <a:endParaRPr lang="it-IT" sz="2400" dirty="0"/>
-          </a:p>
-        </p:txBody>
-      </p:sp>
-      <p:sp>
-        <p:nvSpPr>
-          <p:cNvPr id="6" name="TextBox 5"/>
-          <p:cNvSpPr txBox="1"/>
-          <p:nvPr/>
-        </p:nvSpPr>
-        <p:spPr>
-          <a:xfrm>
-            <a:off x="8120683" y="2710340"/>
-            <a:ext cx="1075936" cy="461665"/>
-          </a:xfrm>
-          <a:prstGeom prst="rect">
-            <a:avLst/>
-          </a:prstGeom>
-          <a:noFill/>
-        </p:spPr>
-        <p:txBody>
-          <a:bodyPr wrap="none" rtlCol="0">
-            <a:spAutoFit/>
-          </a:bodyPr>
-          <a:lstStyle/>
-          <a:p>
-            <a:r>
-              <a:rPr lang="it-IT" sz="2400" dirty="0" smtClean="0"/>
-              <a:t>Difetti</a:t>
-            </a:r>
-            <a:endParaRPr lang="it-IT" dirty="0"/>
-          </a:p>
-        </p:txBody>
-      </p:sp>
-      <p:sp>
-        <p:nvSpPr>
-          <p:cNvPr id="12" name="TextBox 11"/>
-          <p:cNvSpPr txBox="1"/>
-          <p:nvPr/>
-        </p:nvSpPr>
-        <p:spPr>
-          <a:xfrm>
-            <a:off x="3361386" y="1575848"/>
-            <a:ext cx="2975020" cy="4401205"/>
-          </a:xfrm>
-          <a:prstGeom prst="rect">
-            <a:avLst/>
-          </a:prstGeom>
-          <a:noFill/>
-        </p:spPr>
-        <p:txBody>
           <a:bodyPr wrap="square" rtlCol="0">
             <a:spAutoFit/>
           </a:bodyPr>
           <a:lstStyle/>
           <a:p>
-            <a:pPr algn="ctr"/>
-            <a:r>
-              <a:rPr lang="it-IT" sz="2800" dirty="0" smtClean="0"/>
-              <a:t>Api.ai</a:t>
-            </a:r>
-          </a:p>
-          <a:p>
-            <a:pPr algn="ctr"/>
-            <a:endParaRPr lang="it-IT" sz="2800" dirty="0"/>
-          </a:p>
-          <a:p>
-            <a:pPr algn="ctr"/>
-            <a:r>
-              <a:rPr lang="it-IT" sz="2800" dirty="0" smtClean="0"/>
-              <a:t>Amazon </a:t>
-            </a:r>
-            <a:r>
-              <a:rPr lang="it-IT" sz="2800" dirty="0" err="1" smtClean="0"/>
-              <a:t>Lex</a:t>
-            </a:r>
-            <a:endParaRPr lang="it-IT" sz="2800" dirty="0" smtClean="0"/>
-          </a:p>
-          <a:p>
-            <a:pPr algn="ctr"/>
-            <a:endParaRPr lang="it-IT" sz="2800" dirty="0"/>
-          </a:p>
-          <a:p>
-            <a:pPr algn="ctr"/>
-            <a:r>
-              <a:rPr lang="it-IT" sz="2800" dirty="0" smtClean="0"/>
-              <a:t>Luis</a:t>
-            </a:r>
-          </a:p>
-          <a:p>
-            <a:pPr algn="ctr"/>
-            <a:endParaRPr lang="it-IT" sz="2800" dirty="0"/>
-          </a:p>
-          <a:p>
-            <a:pPr algn="ctr"/>
-            <a:r>
-              <a:rPr lang="it-IT" sz="2800" dirty="0" smtClean="0"/>
-              <a:t>Wit.ai</a:t>
-            </a:r>
-          </a:p>
-          <a:p>
-            <a:pPr algn="ctr"/>
-            <a:endParaRPr lang="it-IT" sz="2800" dirty="0"/>
-          </a:p>
-          <a:p>
-            <a:pPr algn="ctr"/>
-            <a:r>
-              <a:rPr lang="it-IT" sz="2800" dirty="0" smtClean="0"/>
-              <a:t>Watson </a:t>
-            </a:r>
-            <a:r>
-              <a:rPr lang="it-IT" sz="2800" dirty="0" err="1" smtClean="0"/>
-              <a:t>conversations</a:t>
-            </a:r>
-            <a:endParaRPr lang="it-IT" sz="2800" dirty="0"/>
-          </a:p>
-        </p:txBody>
-      </p:sp>
-      <p:sp>
-        <p:nvSpPr>
-          <p:cNvPr id="13" name="TextBox 12"/>
-          <p:cNvSpPr txBox="1"/>
-          <p:nvPr/>
-        </p:nvSpPr>
-        <p:spPr>
-          <a:xfrm>
-            <a:off x="11050073" y="6359879"/>
-            <a:ext cx="1013139" cy="461665"/>
-          </a:xfrm>
-          <a:prstGeom prst="rect">
-            <a:avLst/>
-          </a:prstGeom>
-          <a:noFill/>
-        </p:spPr>
-        <p:txBody>
-          <a:bodyPr wrap="square" rtlCol="0">
-            <a:spAutoFit/>
-          </a:bodyPr>
-          <a:lstStyle/>
-          <a:p>
             <a:pPr algn="r"/>
             <a:r>
               <a:rPr lang="it-IT" sz="2400" dirty="0">
-                <a:latin typeface="Bell MT" panose="02020503060305020303" pitchFamily="18" charset="0"/>
+                <a:latin typeface="Book Antiqua" panose="02040602050305030304" pitchFamily="18" charset="0"/>
               </a:rPr>
-              <a:t>4</a:t>
+              <a:t>5</a:t>
             </a:r>
             <a:r>
               <a:rPr lang="it-IT" sz="2400" dirty="0" smtClean="0">
-                <a:latin typeface="Bell MT" panose="02020503060305020303" pitchFamily="18" charset="0"/>
+                <a:latin typeface="Book Antiqua" panose="02040602050305030304" pitchFamily="18" charset="0"/>
               </a:rPr>
-              <a:t>/15</a:t>
+              <a:t>/12</a:t>
             </a:r>
             <a:endParaRPr lang="it-IT" sz="2400" dirty="0">
-              <a:latin typeface="Bell MT" panose="02020503060305020303" pitchFamily="18" charset="0"/>
+              <a:latin typeface="Book Antiqua" panose="02040602050305030304" pitchFamily="18" charset="0"/>
             </a:endParaRPr>
           </a:p>
         </p:txBody>
@@ -8098,14 +8166,19 @@
             <p:ph type="title"/>
           </p:nvPr>
         </p:nvSpPr>
-        <p:spPr/>
+        <p:spPr>
+          <a:xfrm>
+            <a:off x="677334" y="381680"/>
+            <a:ext cx="8596668" cy="1320800"/>
+          </a:xfrm>
+        </p:spPr>
         <p:txBody>
           <a:bodyPr/>
           <a:lstStyle/>
           <a:p>
             <a:r>
               <a:rPr lang="it-IT" dirty="0" smtClean="0"/>
-              <a:t>Soluzione - </a:t>
+              <a:t>Soluzione – Istruzione agent di api.ai </a:t>
             </a:r>
             <a:endParaRPr lang="it-IT" dirty="0"/>
           </a:p>
@@ -8113,37 +8186,14 @@
       </p:sp>
       <p:sp>
         <p:nvSpPr>
-          <p:cNvPr id="3" name="Content Placeholder 2"/>
-          <p:cNvSpPr>
-            <a:spLocks noGrp="1"/>
-          </p:cNvSpPr>
-          <p:nvPr>
-            <p:ph idx="1"/>
-          </p:nvPr>
-        </p:nvSpPr>
-        <p:spPr/>
-        <p:txBody>
-          <a:bodyPr/>
-          <a:lstStyle/>
-          <a:p>
-            <a:r>
-              <a:rPr lang="it-IT" dirty="0" smtClean="0"/>
-              <a:t>Istruzione api.ai, agent…</a:t>
-            </a:r>
-            <a:endParaRPr lang="it-IT" dirty="0"/>
-          </a:p>
-        </p:txBody>
-      </p:sp>
-      <p:sp>
-        <p:nvSpPr>
-          <p:cNvPr id="4" name="TextBox 3"/>
+          <p:cNvPr id="5" name="TextBox 4"/>
           <p:cNvSpPr txBox="1"/>
           <p:nvPr/>
         </p:nvSpPr>
         <p:spPr>
           <a:xfrm>
-            <a:off x="11050073" y="6359879"/>
-            <a:ext cx="1013139" cy="461665"/>
+            <a:off x="7589379" y="2287606"/>
+            <a:ext cx="1306768" cy="523220"/>
           </a:xfrm>
           <a:prstGeom prst="rect">
             <a:avLst/>
@@ -8151,6 +8201,167 @@
           <a:noFill/>
         </p:spPr>
         <p:txBody>
+          <a:bodyPr wrap="none" rtlCol="0">
+            <a:spAutoFit/>
+          </a:bodyPr>
+          <a:lstStyle/>
+          <a:p>
+            <a:r>
+              <a:rPr lang="it-IT" sz="2800" b="1" dirty="0" smtClean="0">
+                <a:solidFill>
+                  <a:schemeClr val="accent1">
+                    <a:lumMod val="50000"/>
+                  </a:schemeClr>
+                </a:solidFill>
+              </a:rPr>
+              <a:t>Intenti</a:t>
+            </a:r>
+            <a:endParaRPr lang="it-IT" sz="2000" b="1" dirty="0">
+              <a:solidFill>
+                <a:schemeClr val="accent1">
+                  <a:lumMod val="50000"/>
+                </a:schemeClr>
+              </a:solidFill>
+            </a:endParaRPr>
+          </a:p>
+        </p:txBody>
+      </p:sp>
+      <p:sp>
+        <p:nvSpPr>
+          <p:cNvPr id="6" name="TextBox 5"/>
+          <p:cNvSpPr txBox="1"/>
+          <p:nvPr/>
+        </p:nvSpPr>
+        <p:spPr>
+          <a:xfrm>
+            <a:off x="7693574" y="3468165"/>
+            <a:ext cx="1183337" cy="523220"/>
+          </a:xfrm>
+          <a:prstGeom prst="rect">
+            <a:avLst/>
+          </a:prstGeom>
+          <a:noFill/>
+        </p:spPr>
+        <p:txBody>
+          <a:bodyPr wrap="none" rtlCol="0">
+            <a:spAutoFit/>
+          </a:bodyPr>
+          <a:lstStyle/>
+          <a:p>
+            <a:r>
+              <a:rPr lang="it-IT" sz="2800" b="1" dirty="0" smtClean="0">
+                <a:solidFill>
+                  <a:schemeClr val="accent1">
+                    <a:lumMod val="50000"/>
+                  </a:schemeClr>
+                </a:solidFill>
+              </a:rPr>
+              <a:t>Entità</a:t>
+            </a:r>
+            <a:endParaRPr lang="it-IT" sz="2000" b="1" dirty="0">
+              <a:solidFill>
+                <a:schemeClr val="accent1">
+                  <a:lumMod val="50000"/>
+                </a:schemeClr>
+              </a:solidFill>
+            </a:endParaRPr>
+          </a:p>
+        </p:txBody>
+      </p:sp>
+      <p:sp>
+        <p:nvSpPr>
+          <p:cNvPr id="7" name="TextBox 6"/>
+          <p:cNvSpPr txBox="1"/>
+          <p:nvPr/>
+        </p:nvSpPr>
+        <p:spPr>
+          <a:xfrm>
+            <a:off x="7526861" y="4648724"/>
+            <a:ext cx="1572866" cy="523220"/>
+          </a:xfrm>
+          <a:prstGeom prst="rect">
+            <a:avLst/>
+          </a:prstGeom>
+          <a:noFill/>
+        </p:spPr>
+        <p:txBody>
+          <a:bodyPr wrap="none" rtlCol="0">
+            <a:spAutoFit/>
+          </a:bodyPr>
+          <a:lstStyle/>
+          <a:p>
+            <a:r>
+              <a:rPr lang="it-IT" sz="2800" b="1" dirty="0" smtClean="0">
+                <a:solidFill>
+                  <a:schemeClr val="accent1">
+                    <a:lumMod val="50000"/>
+                  </a:schemeClr>
+                </a:solidFill>
+              </a:rPr>
+              <a:t>Contesti</a:t>
+            </a:r>
+            <a:endParaRPr lang="it-IT" sz="2000" b="1" dirty="0">
+              <a:solidFill>
+                <a:schemeClr val="accent1">
+                  <a:lumMod val="50000"/>
+                </a:schemeClr>
+              </a:solidFill>
+            </a:endParaRPr>
+          </a:p>
+        </p:txBody>
+      </p:sp>
+      <p:pic>
+        <p:nvPicPr>
+          <p:cNvPr id="8" name="Picture 7"/>
+          <p:cNvPicPr>
+            <a:picLocks noChangeAspect="1"/>
+          </p:cNvPicPr>
+          <p:nvPr/>
+        </p:nvPicPr>
+        <p:blipFill>
+          <a:blip r:embed="rId2">
+            <a:extLst>
+              <a:ext uri="{28A0092B-C50C-407E-A947-70E740481C1C}">
+                <a14:useLocalDpi xmlns:a14="http://schemas.microsoft.com/office/drawing/2010/main" val="0"/>
+              </a:ext>
+            </a:extLst>
+          </a:blip>
+          <a:stretch>
+            <a:fillRect/>
+          </a:stretch>
+        </p:blipFill>
+        <p:spPr>
+          <a:xfrm>
+            <a:off x="677334" y="1260912"/>
+            <a:ext cx="5935264" cy="5329799"/>
+          </a:xfrm>
+          <a:prstGeom prst="rect">
+            <a:avLst/>
+          </a:prstGeom>
+          <a:ln w="38100" cmpd="dbl">
+            <a:solidFill>
+              <a:schemeClr val="accent1"/>
+            </a:solidFill>
+          </a:ln>
+        </p:spPr>
+      </p:pic>
+      <p:sp>
+        <p:nvSpPr>
+          <p:cNvPr id="9" name="TextBox 8"/>
+          <p:cNvSpPr txBox="1"/>
+          <p:nvPr/>
+        </p:nvSpPr>
+        <p:spPr>
+          <a:xfrm>
+            <a:off x="11050073" y="6359879"/>
+            <a:ext cx="1013139" cy="461665"/>
+          </a:xfrm>
+          <a:prstGeom prst="rect">
+            <a:avLst/>
+          </a:prstGeom>
+          <a:noFill/>
+        </p:spPr>
+        <p:txBody>
           <a:bodyPr wrap="square" rtlCol="0">
             <a:spAutoFit/>
           </a:bodyPr>
@@ -8158,19 +8369,13 @@
           <a:p>
             <a:pPr algn="r"/>
             <a:r>
-              <a:rPr lang="it-IT" sz="2400" dirty="0">
-                <a:latin typeface="Bell MT" panose="02020503060305020303" pitchFamily="18" charset="0"/>
+              <a:rPr lang="it-IT" sz="2400" dirty="0" smtClean="0">
+                <a:latin typeface="Book Antiqua" panose="02040602050305030304" pitchFamily="18" charset="0"/>
               </a:rPr>
-              <a:t>4</a:t>
-            </a:r>
-            <a:r>
-              <a:rPr lang="it-IT" sz="2400" dirty="0" smtClean="0">
-                <a:latin typeface="Bell MT" panose="02020503060305020303" pitchFamily="18" charset="0"/>
-              </a:rPr>
-              <a:t>/15</a:t>
+              <a:t>6/12</a:t>
             </a:r>
             <a:endParaRPr lang="it-IT" sz="2400" dirty="0">
-              <a:latin typeface="Bell MT" panose="02020503060305020303" pitchFamily="18" charset="0"/>
+              <a:latin typeface="Book Antiqua" panose="02040602050305030304" pitchFamily="18" charset="0"/>
             </a:endParaRPr>
           </a:p>
         </p:txBody>
@@ -8229,7 +8434,7 @@
           <a:p>
             <a:r>
               <a:rPr lang="it-IT" dirty="0" smtClean="0"/>
-              <a:t>Progettazione - 1</a:t>
+              <a:t>Soluzione – Implementazione </a:t>
             </a:r>
             <a:endParaRPr lang="it-IT" dirty="0"/>
           </a:p>
@@ -8237,33 +8442,14 @@
       </p:sp>
       <p:sp>
         <p:nvSpPr>
-          <p:cNvPr id="3" name="Content Placeholder 2"/>
-          <p:cNvSpPr>
-            <a:spLocks noGrp="1"/>
-          </p:cNvSpPr>
-          <p:nvPr>
-            <p:ph idx="1"/>
-          </p:nvPr>
-        </p:nvSpPr>
-        <p:spPr/>
-        <p:txBody>
-          <a:bodyPr/>
-          <a:lstStyle/>
-          <a:p>
-            <a:endParaRPr lang="it-IT"/>
-          </a:p>
-        </p:txBody>
-      </p:sp>
-      <p:sp>
-        <p:nvSpPr>
-          <p:cNvPr id="4" name="TextBox 3"/>
+          <p:cNvPr id="5" name="TextBox 4"/>
           <p:cNvSpPr txBox="1"/>
           <p:nvPr/>
         </p:nvSpPr>
         <p:spPr>
           <a:xfrm>
-            <a:off x="11050073" y="6359879"/>
-            <a:ext cx="1013139" cy="461665"/>
+            <a:off x="677334" y="1930400"/>
+            <a:ext cx="5189343" cy="461665"/>
           </a:xfrm>
           <a:prstGeom prst="rect">
             <a:avLst/>
@@ -8276,21 +8462,305 @@
           </a:bodyPr>
           <a:lstStyle/>
           <a:p>
+            <a:r>
+              <a:rPr lang="it-IT" sz="2400" dirty="0" smtClean="0">
+                <a:solidFill>
+                  <a:schemeClr val="tx1">
+                    <a:lumMod val="75000"/>
+                    <a:lumOff val="25000"/>
+                  </a:schemeClr>
+                </a:solidFill>
+              </a:rPr>
+              <a:t>Integrazione nel software aziendale</a:t>
+            </a:r>
+            <a:endParaRPr lang="it-IT" sz="2400" dirty="0">
+              <a:solidFill>
+                <a:schemeClr val="tx1">
+                  <a:lumMod val="75000"/>
+                  <a:lumOff val="25000"/>
+                </a:schemeClr>
+              </a:solidFill>
+            </a:endParaRPr>
+          </a:p>
+        </p:txBody>
+      </p:sp>
+      <p:sp>
+        <p:nvSpPr>
+          <p:cNvPr id="6" name="TextBox 5"/>
+          <p:cNvSpPr txBox="1"/>
+          <p:nvPr/>
+        </p:nvSpPr>
+        <p:spPr>
+          <a:xfrm>
+            <a:off x="1211208" y="3482032"/>
+            <a:ext cx="4740529" cy="461665"/>
+          </a:xfrm>
+          <a:prstGeom prst="rect">
+            <a:avLst/>
+          </a:prstGeom>
+          <a:noFill/>
+        </p:spPr>
+        <p:txBody>
+          <a:bodyPr wrap="none" rtlCol="0">
+            <a:spAutoFit/>
+          </a:bodyPr>
+          <a:lstStyle/>
+          <a:p>
+            <a:r>
+              <a:rPr lang="it-IT" sz="2400" dirty="0" smtClean="0">
+                <a:solidFill>
+                  <a:schemeClr val="tx1">
+                    <a:lumMod val="75000"/>
+                    <a:lumOff val="25000"/>
+                  </a:schemeClr>
+                </a:solidFill>
+              </a:rPr>
+              <a:t>Test attraverso Chatbot di prova</a:t>
+            </a:r>
+            <a:endParaRPr lang="it-IT" sz="2400" dirty="0">
+              <a:solidFill>
+                <a:schemeClr val="tx1">
+                  <a:lumMod val="75000"/>
+                  <a:lumOff val="25000"/>
+                </a:schemeClr>
+              </a:solidFill>
+            </a:endParaRPr>
+          </a:p>
+        </p:txBody>
+      </p:sp>
+      <p:sp>
+        <p:nvSpPr>
+          <p:cNvPr id="7" name="TextBox 6"/>
+          <p:cNvSpPr txBox="1"/>
+          <p:nvPr/>
+        </p:nvSpPr>
+        <p:spPr>
+          <a:xfrm>
+            <a:off x="1820496" y="5033664"/>
+            <a:ext cx="4839786" cy="461665"/>
+          </a:xfrm>
+          <a:prstGeom prst="rect">
+            <a:avLst/>
+          </a:prstGeom>
+          <a:noFill/>
+        </p:spPr>
+        <p:txBody>
+          <a:bodyPr wrap="none" rtlCol="0">
+            <a:spAutoFit/>
+          </a:bodyPr>
+          <a:lstStyle/>
+          <a:p>
+            <a:r>
+              <a:rPr lang="it-IT" sz="2400" dirty="0" smtClean="0">
+                <a:solidFill>
+                  <a:schemeClr val="tx1">
+                    <a:lumMod val="75000"/>
+                    <a:lumOff val="25000"/>
+                  </a:schemeClr>
+                </a:solidFill>
+              </a:rPr>
+              <a:t>Pubblicazione nuove funzionalità </a:t>
+            </a:r>
+            <a:endParaRPr lang="it-IT" sz="2400" dirty="0">
+              <a:solidFill>
+                <a:schemeClr val="tx1">
+                  <a:lumMod val="75000"/>
+                  <a:lumOff val="25000"/>
+                </a:schemeClr>
+              </a:solidFill>
+            </a:endParaRPr>
+          </a:p>
+        </p:txBody>
+      </p:sp>
+      <p:pic>
+        <p:nvPicPr>
+          <p:cNvPr id="8" name="Picture 7"/>
+          <p:cNvPicPr>
+            <a:picLocks noChangeAspect="1"/>
+          </p:cNvPicPr>
+          <p:nvPr/>
+        </p:nvPicPr>
+        <p:blipFill>
+          <a:blip r:embed="rId2">
+            <a:extLst>
+              <a:ext uri="{28A0092B-C50C-407E-A947-70E740481C1C}">
+                <a14:useLocalDpi xmlns:a14="http://schemas.microsoft.com/office/drawing/2010/main" val="0"/>
+              </a:ext>
+            </a:extLst>
+          </a:blip>
+          <a:stretch>
+            <a:fillRect/>
+          </a:stretch>
+        </p:blipFill>
+        <p:spPr>
+          <a:xfrm>
+            <a:off x="7363931" y="3084886"/>
+            <a:ext cx="1255956" cy="1255956"/>
+          </a:xfrm>
+          <a:prstGeom prst="rect">
+            <a:avLst/>
+          </a:prstGeom>
+        </p:spPr>
+      </p:pic>
+      <p:pic>
+        <p:nvPicPr>
+          <p:cNvPr id="9" name="Picture 8"/>
+          <p:cNvPicPr>
+            <a:picLocks noChangeAspect="1"/>
+          </p:cNvPicPr>
+          <p:nvPr/>
+        </p:nvPicPr>
+        <p:blipFill>
+          <a:blip r:embed="rId3">
+            <a:extLst>
+              <a:ext uri="{28A0092B-C50C-407E-A947-70E740481C1C}">
+                <a14:useLocalDpi xmlns:a14="http://schemas.microsoft.com/office/drawing/2010/main" val="0"/>
+              </a:ext>
+            </a:extLst>
+          </a:blip>
+          <a:stretch>
+            <a:fillRect/>
+          </a:stretch>
+        </p:blipFill>
+        <p:spPr>
+          <a:xfrm>
+            <a:off x="7392796" y="4665383"/>
+            <a:ext cx="1198225" cy="1198225"/>
+          </a:xfrm>
+          <a:prstGeom prst="rect">
+            <a:avLst/>
+          </a:prstGeom>
+        </p:spPr>
+      </p:pic>
+      <p:cxnSp>
+        <p:nvCxnSpPr>
+          <p:cNvPr id="11" name="Elbow Connector 10"/>
+          <p:cNvCxnSpPr>
+            <a:endCxn id="6" idx="1"/>
+          </p:cNvCxnSpPr>
+          <p:nvPr/>
+        </p:nvCxnSpPr>
+        <p:spPr>
+          <a:xfrm rot="16200000" flipH="1">
+            <a:off x="360201" y="2861858"/>
+            <a:ext cx="1320798" cy="381216"/>
+          </a:xfrm>
+          <a:prstGeom prst="bentConnector2">
+            <a:avLst/>
+          </a:prstGeom>
+          <a:ln w="38100">
+            <a:tailEnd type="triangle"/>
+          </a:ln>
+        </p:spPr>
+        <p:style>
+          <a:lnRef idx="1">
+            <a:schemeClr val="accent1"/>
+          </a:lnRef>
+          <a:fillRef idx="0">
+            <a:schemeClr val="accent1"/>
+          </a:fillRef>
+          <a:effectRef idx="0">
+            <a:schemeClr val="accent1"/>
+          </a:effectRef>
+          <a:fontRef idx="minor">
+            <a:schemeClr val="tx1"/>
+          </a:fontRef>
+        </p:style>
+      </p:cxnSp>
+      <p:cxnSp>
+        <p:nvCxnSpPr>
+          <p:cNvPr id="15" name="Elbow Connector 14"/>
+          <p:cNvCxnSpPr/>
+          <p:nvPr/>
+        </p:nvCxnSpPr>
+        <p:spPr>
+          <a:xfrm rot="16200000" flipH="1">
+            <a:off x="947121" y="4413489"/>
+            <a:ext cx="1320798" cy="381215"/>
+          </a:xfrm>
+          <a:prstGeom prst="bentConnector2">
+            <a:avLst/>
+          </a:prstGeom>
+          <a:ln w="38100">
+            <a:tailEnd type="triangle"/>
+          </a:ln>
+        </p:spPr>
+        <p:style>
+          <a:lnRef idx="1">
+            <a:schemeClr val="accent1"/>
+          </a:lnRef>
+          <a:fillRef idx="0">
+            <a:schemeClr val="accent1"/>
+          </a:fillRef>
+          <a:effectRef idx="0">
+            <a:schemeClr val="accent1"/>
+          </a:effectRef>
+          <a:fontRef idx="minor">
+            <a:schemeClr val="tx1"/>
+          </a:fontRef>
+        </p:style>
+      </p:cxnSp>
+      <p:pic>
+        <p:nvPicPr>
+          <p:cNvPr id="16" name="Picture 15"/>
+          <p:cNvPicPr>
+            <a:picLocks noChangeAspect="1"/>
+          </p:cNvPicPr>
+          <p:nvPr/>
+        </p:nvPicPr>
+        <p:blipFill>
+          <a:blip r:embed="rId4">
+            <a:extLst>
+              <a:ext uri="{28A0092B-C50C-407E-A947-70E740481C1C}">
+                <a14:useLocalDpi xmlns:a14="http://schemas.microsoft.com/office/drawing/2010/main" val="0"/>
+              </a:ext>
+            </a:extLst>
+          </a:blip>
+          <a:stretch>
+            <a:fillRect/>
+          </a:stretch>
+        </p:blipFill>
+        <p:spPr>
+          <a:xfrm>
+            <a:off x="7309507" y="1478832"/>
+            <a:ext cx="1364802" cy="1364802"/>
+          </a:xfrm>
+          <a:prstGeom prst="rect">
+            <a:avLst/>
+          </a:prstGeom>
+        </p:spPr>
+      </p:pic>
+      <p:sp>
+        <p:nvSpPr>
+          <p:cNvPr id="17" name="TextBox 16"/>
+          <p:cNvSpPr txBox="1"/>
+          <p:nvPr/>
+        </p:nvSpPr>
+        <p:spPr>
+          <a:xfrm>
+            <a:off x="11050073" y="6359879"/>
+            <a:ext cx="1013139" cy="461665"/>
+          </a:xfrm>
+          <a:prstGeom prst="rect">
+            <a:avLst/>
+          </a:prstGeom>
+          <a:noFill/>
+        </p:spPr>
+        <p:txBody>
+          <a:bodyPr wrap="square" rtlCol="0">
+            <a:spAutoFit/>
+          </a:bodyPr>
+          <a:lstStyle/>
+          <a:p>
             <a:pPr algn="r"/>
             <a:r>
-              <a:rPr lang="it-IT" sz="2400" dirty="0">
-                <a:latin typeface="Bell MT" panose="02020503060305020303" pitchFamily="18" charset="0"/>
+              <a:rPr lang="it-IT" sz="2400" dirty="0" smtClean="0">
+                <a:latin typeface="Book Antiqua" panose="02040602050305030304" pitchFamily="18" charset="0"/>
               </a:rPr>
-              <a:t>4</a:t>
-            </a:r>
-            <a:r>
-              <a:rPr lang="it-IT" sz="2400" dirty="0" smtClean="0">
-                <a:latin typeface="Bell MT" panose="02020503060305020303" pitchFamily="18" charset="0"/>
-              </a:rPr>
-              <a:t>/15</a:t>
+              <a:t>7/12</a:t>
             </a:r>
             <a:endParaRPr lang="it-IT" sz="2400" dirty="0">
-              <a:latin typeface="Bell MT" panose="02020503060305020303" pitchFamily="18" charset="0"/>
+              <a:latin typeface="Book Antiqua" panose="02040602050305030304" pitchFamily="18" charset="0"/>
             </a:endParaRPr>
           </a:p>
         </p:txBody>
@@ -8349,34 +8819,165 @@
           <a:p>
             <a:r>
               <a:rPr lang="it-IT" dirty="0" smtClean="0"/>
-              <a:t>Progettazione – 2</a:t>
+              <a:t>Strumenti utilizzati</a:t>
             </a:r>
             <a:endParaRPr lang="it-IT" dirty="0"/>
           </a:p>
         </p:txBody>
       </p:sp>
-      <p:sp>
-        <p:nvSpPr>
-          <p:cNvPr id="3" name="Content Placeholder 2"/>
-          <p:cNvSpPr>
-            <a:spLocks noGrp="1"/>
-          </p:cNvSpPr>
-          <p:nvPr>
-            <p:ph idx="1"/>
-          </p:nvPr>
-        </p:nvSpPr>
-        <p:spPr/>
-        <p:txBody>
-          <a:bodyPr/>
-          <a:lstStyle/>
-          <a:p>
-            <a:endParaRPr lang="it-IT"/>
-          </a:p>
-        </p:txBody>
-      </p:sp>
-      <p:sp>
-        <p:nvSpPr>
-          <p:cNvPr id="4" name="TextBox 3"/>
+      <p:pic>
+        <p:nvPicPr>
+          <p:cNvPr id="4" name="Picture 3"/>
+          <p:cNvPicPr>
+            <a:picLocks noChangeAspect="1"/>
+          </p:cNvPicPr>
+          <p:nvPr/>
+        </p:nvPicPr>
+        <p:blipFill>
+          <a:blip r:embed="rId2">
+            <a:extLst>
+              <a:ext uri="{28A0092B-C50C-407E-A947-70E740481C1C}">
+                <a14:useLocalDpi xmlns:a14="http://schemas.microsoft.com/office/drawing/2010/main" val="0"/>
+              </a:ext>
+            </a:extLst>
+          </a:blip>
+          <a:stretch>
+            <a:fillRect/>
+          </a:stretch>
+        </p:blipFill>
+        <p:spPr>
+          <a:xfrm>
+            <a:off x="1564986" y="1890332"/>
+            <a:ext cx="3166586" cy="1142828"/>
+          </a:xfrm>
+          <a:prstGeom prst="rect">
+            <a:avLst/>
+          </a:prstGeom>
+        </p:spPr>
+      </p:pic>
+      <p:pic>
+        <p:nvPicPr>
+          <p:cNvPr id="5" name="Picture 4"/>
+          <p:cNvPicPr>
+            <a:picLocks noChangeAspect="1"/>
+          </p:cNvPicPr>
+          <p:nvPr/>
+        </p:nvPicPr>
+        <p:blipFill>
+          <a:blip r:embed="rId3">
+            <a:extLst>
+              <a:ext uri="{28A0092B-C50C-407E-A947-70E740481C1C}">
+                <a14:useLocalDpi xmlns:a14="http://schemas.microsoft.com/office/drawing/2010/main" val="0"/>
+              </a:ext>
+            </a:extLst>
+          </a:blip>
+          <a:stretch>
+            <a:fillRect/>
+          </a:stretch>
+        </p:blipFill>
+        <p:spPr>
+          <a:xfrm>
+            <a:off x="3841478" y="3436351"/>
+            <a:ext cx="3480001" cy="965915"/>
+          </a:xfrm>
+          <a:prstGeom prst="rect">
+            <a:avLst/>
+          </a:prstGeom>
+        </p:spPr>
+      </p:pic>
+      <p:pic>
+        <p:nvPicPr>
+          <p:cNvPr id="6" name="Picture 5"/>
+          <p:cNvPicPr>
+            <a:picLocks noChangeAspect="1"/>
+          </p:cNvPicPr>
+          <p:nvPr/>
+        </p:nvPicPr>
+        <p:blipFill>
+          <a:blip r:embed="rId4">
+            <a:extLst>
+              <a:ext uri="{28A0092B-C50C-407E-A947-70E740481C1C}">
+                <a14:useLocalDpi xmlns:a14="http://schemas.microsoft.com/office/drawing/2010/main" val="0"/>
+              </a:ext>
+            </a:extLst>
+          </a:blip>
+          <a:stretch>
+            <a:fillRect/>
+          </a:stretch>
+        </p:blipFill>
+        <p:spPr>
+          <a:xfrm>
+            <a:off x="1255892" y="5306096"/>
+            <a:ext cx="2499866" cy="715871"/>
+          </a:xfrm>
+          <a:prstGeom prst="rect">
+            <a:avLst/>
+          </a:prstGeom>
+        </p:spPr>
+      </p:pic>
+      <p:pic>
+        <p:nvPicPr>
+          <p:cNvPr id="3" name="Picture 2"/>
+          <p:cNvPicPr>
+            <a:picLocks noChangeAspect="1"/>
+          </p:cNvPicPr>
+          <p:nvPr/>
+        </p:nvPicPr>
+        <p:blipFill>
+          <a:blip r:embed="rId5">
+            <a:extLst>
+              <a:ext uri="{28A0092B-C50C-407E-A947-70E740481C1C}">
+                <a14:useLocalDpi xmlns:a14="http://schemas.microsoft.com/office/drawing/2010/main" val="0"/>
+              </a:ext>
+            </a:extLst>
+          </a:blip>
+          <a:stretch>
+            <a:fillRect/>
+          </a:stretch>
+        </p:blipFill>
+        <p:spPr>
+          <a:xfrm>
+            <a:off x="5246727" y="529625"/>
+            <a:ext cx="3638684" cy="2108952"/>
+          </a:xfrm>
+          <a:prstGeom prst="rect">
+            <a:avLst/>
+          </a:prstGeom>
+        </p:spPr>
+      </p:pic>
+      <p:pic>
+        <p:nvPicPr>
+          <p:cNvPr id="7" name="Picture 6"/>
+          <p:cNvPicPr>
+            <a:picLocks noChangeAspect="1"/>
+          </p:cNvPicPr>
+          <p:nvPr/>
+        </p:nvPicPr>
+        <p:blipFill>
+          <a:blip r:embed="rId6">
+            <a:extLst>
+              <a:ext uri="{28A0092B-C50C-407E-A947-70E740481C1C}">
+                <a14:useLocalDpi xmlns:a14="http://schemas.microsoft.com/office/drawing/2010/main" val="0"/>
+              </a:ext>
+            </a:extLst>
+          </a:blip>
+          <a:stretch>
+            <a:fillRect/>
+          </a:stretch>
+        </p:blipFill>
+        <p:spPr>
+          <a:xfrm>
+            <a:off x="6306292" y="4402266"/>
+            <a:ext cx="2030373" cy="2030373"/>
+          </a:xfrm>
+          <a:prstGeom prst="rect">
+            <a:avLst/>
+          </a:prstGeom>
+        </p:spPr>
+      </p:pic>
+      <p:sp>
+        <p:nvSpPr>
+          <p:cNvPr id="9" name="TextBox 8"/>
           <p:cNvSpPr txBox="1"/>
           <p:nvPr/>
         </p:nvSpPr>
@@ -8398,19 +8999,13 @@
           <a:p>
             <a:pPr algn="r"/>
             <a:r>
-              <a:rPr lang="it-IT" sz="2400" dirty="0">
-                <a:latin typeface="Bell MT" panose="02020503060305020303" pitchFamily="18" charset="0"/>
+              <a:rPr lang="it-IT" sz="2400" dirty="0" smtClean="0">
+                <a:latin typeface="Book Antiqua" panose="02040602050305030304" pitchFamily="18" charset="0"/>
               </a:rPr>
-              <a:t>4</a:t>
-            </a:r>
-            <a:r>
-              <a:rPr lang="it-IT" sz="2400" dirty="0" smtClean="0">
-                <a:latin typeface="Bell MT" panose="02020503060305020303" pitchFamily="18" charset="0"/>
-              </a:rPr>
-              <a:t>/15</a:t>
+              <a:t>8/12</a:t>
             </a:r>
             <a:endParaRPr lang="it-IT" sz="2400" dirty="0">
-              <a:latin typeface="Bell MT" panose="02020503060305020303" pitchFamily="18" charset="0"/>
+              <a:latin typeface="Book Antiqua" panose="02040602050305030304" pitchFamily="18" charset="0"/>
             </a:endParaRPr>
           </a:p>
         </p:txBody>
@@ -8418,7 +9013,7 @@
     </p:spTree>
     <p:extLst>
       <p:ext uri="{BB962C8B-B14F-4D97-AF65-F5344CB8AC3E}">
-        <p14:creationId xmlns:p14="http://schemas.microsoft.com/office/powerpoint/2010/main" val="1674858004"/>
+        <p14:creationId xmlns:p14="http://schemas.microsoft.com/office/powerpoint/2010/main" val="2711640985"/>
       </p:ext>
     </p:extLst>
   </p:cSld>
@@ -8469,9 +9064,132 @@
           <a:p>
             <a:r>
               <a:rPr lang="it-IT" dirty="0" smtClean="0"/>
-              <a:t>Strumenti utilizzati</a:t>
+              <a:t>Esempi – Meteo Veneto bot</a:t>
             </a:r>
             <a:endParaRPr lang="it-IT" dirty="0"/>
+          </a:p>
+        </p:txBody>
+      </p:sp>
+      <p:sp>
+        <p:nvSpPr>
+          <p:cNvPr id="6" name="TextBox 5"/>
+          <p:cNvSpPr txBox="1"/>
+          <p:nvPr/>
+        </p:nvSpPr>
+        <p:spPr>
+          <a:xfrm>
+            <a:off x="1070068" y="5946873"/>
+            <a:ext cx="3258136" cy="369332"/>
+          </a:xfrm>
+          <a:prstGeom prst="rect">
+            <a:avLst/>
+          </a:prstGeom>
+          <a:noFill/>
+        </p:spPr>
+        <p:txBody>
+          <a:bodyPr wrap="none" rtlCol="0">
+            <a:spAutoFit/>
+          </a:bodyPr>
+          <a:lstStyle/>
+          <a:p>
+            <a:r>
+              <a:rPr lang="it-IT" dirty="0" smtClean="0">
+                <a:solidFill>
+                  <a:schemeClr val="tx1">
+                    <a:lumMod val="75000"/>
+                    <a:lumOff val="25000"/>
+                  </a:schemeClr>
+                </a:solidFill>
+              </a:rPr>
+              <a:t>‘‘Che tempo ci sarà domani?’’</a:t>
+            </a:r>
+            <a:endParaRPr lang="it-IT" dirty="0">
+              <a:solidFill>
+                <a:schemeClr val="tx1">
+                  <a:lumMod val="75000"/>
+                  <a:lumOff val="25000"/>
+                </a:schemeClr>
+              </a:solidFill>
+            </a:endParaRPr>
+          </a:p>
+        </p:txBody>
+      </p:sp>
+      <p:sp>
+        <p:nvSpPr>
+          <p:cNvPr id="7" name="TextBox 6"/>
+          <p:cNvSpPr txBox="1"/>
+          <p:nvPr/>
+        </p:nvSpPr>
+        <p:spPr>
+          <a:xfrm>
+            <a:off x="4564781" y="1677687"/>
+            <a:ext cx="4142994" cy="369332"/>
+          </a:xfrm>
+          <a:prstGeom prst="rect">
+            <a:avLst/>
+          </a:prstGeom>
+          <a:noFill/>
+        </p:spPr>
+        <p:txBody>
+          <a:bodyPr wrap="none" rtlCol="0">
+            <a:spAutoFit/>
+          </a:bodyPr>
+          <a:lstStyle/>
+          <a:p>
+            <a:r>
+              <a:rPr lang="it-IT" dirty="0" smtClean="0">
+                <a:solidFill>
+                  <a:schemeClr val="tx1">
+                    <a:lumMod val="75000"/>
+                    <a:lumOff val="25000"/>
+                  </a:schemeClr>
+                </a:solidFill>
+              </a:rPr>
+              <a:t>‘‘È prevista pioggia questo weekend?’’</a:t>
+            </a:r>
+            <a:endParaRPr lang="it-IT" dirty="0">
+              <a:solidFill>
+                <a:schemeClr val="tx1">
+                  <a:lumMod val="75000"/>
+                  <a:lumOff val="25000"/>
+                </a:schemeClr>
+              </a:solidFill>
+            </a:endParaRPr>
+          </a:p>
+        </p:txBody>
+      </p:sp>
+      <p:sp>
+        <p:nvSpPr>
+          <p:cNvPr id="10" name="TextBox 9"/>
+          <p:cNvSpPr txBox="1"/>
+          <p:nvPr/>
+        </p:nvSpPr>
+        <p:spPr>
+          <a:xfrm>
+            <a:off x="11050073" y="6359879"/>
+            <a:ext cx="1013139" cy="461665"/>
+          </a:xfrm>
+          <a:prstGeom prst="rect">
+            <a:avLst/>
+          </a:prstGeom>
+          <a:noFill/>
+        </p:spPr>
+        <p:txBody>
+          <a:bodyPr wrap="square" rtlCol="0">
+            <a:spAutoFit/>
+          </a:bodyPr>
+          <a:lstStyle/>
+          <a:p>
+            <a:pPr algn="r"/>
+            <a:r>
+              <a:rPr lang="it-IT" sz="2400" dirty="0" smtClean="0">
+                <a:latin typeface="Book Antiqua" panose="02040602050305030304" pitchFamily="18" charset="0"/>
+              </a:rPr>
+              <a:t>9/12</a:t>
+            </a:r>
+            <a:endParaRPr lang="it-IT" sz="2400" dirty="0">
+              <a:latin typeface="Book Antiqua" panose="02040602050305030304" pitchFamily="18" charset="0"/>
+            </a:endParaRPr>
           </a:p>
         </p:txBody>
       </p:sp>
@@ -8497,8 +9215,8 @@
         </p:blipFill>
         <p:spPr>
           <a:xfrm>
-            <a:off x="1564986" y="1890332"/>
-            <a:ext cx="3166586" cy="1142828"/>
+            <a:off x="1406275" y="1679676"/>
+            <a:ext cx="2585723" cy="4150578"/>
           </a:xfrm>
           <a:prstGeom prst="rect">
             <a:avLst/>
@@ -8507,7 +9225,7 @@
       </p:pic>
       <p:pic>
         <p:nvPicPr>
-          <p:cNvPr id="5" name="Picture 4"/>
+          <p:cNvPr id="3" name="Picture 2"/>
           <p:cNvPicPr>
             <a:picLocks noChangeAspect="1"/>
           </p:cNvPicPr>
@@ -8527,149 +9245,18 @@
         </p:blipFill>
         <p:spPr>
           <a:xfrm>
-            <a:off x="3841478" y="3436351"/>
-            <a:ext cx="3480001" cy="965915"/>
+            <a:off x="5340138" y="2210792"/>
+            <a:ext cx="2592279" cy="4149087"/>
           </a:xfrm>
           <a:prstGeom prst="rect">
             <a:avLst/>
           </a:prstGeom>
         </p:spPr>
       </p:pic>
-      <p:pic>
-        <p:nvPicPr>
-          <p:cNvPr id="6" name="Picture 5"/>
-          <p:cNvPicPr>
-            <a:picLocks noChangeAspect="1"/>
-          </p:cNvPicPr>
-          <p:nvPr/>
-        </p:nvPicPr>
-        <p:blipFill>
-          <a:blip r:embed="rId4">
-            <a:extLst>
-              <a:ext uri="{28A0092B-C50C-407E-A947-70E740481C1C}">
-                <a14:useLocalDpi xmlns:a14="http://schemas.microsoft.com/office/drawing/2010/main" val="0"/>
-              </a:ext>
-            </a:extLst>
-          </a:blip>
-          <a:stretch>
-            <a:fillRect/>
-          </a:stretch>
-        </p:blipFill>
-        <p:spPr>
-          <a:xfrm>
-            <a:off x="1255892" y="5306096"/>
-            <a:ext cx="2499866" cy="715871"/>
-          </a:xfrm>
-          <a:prstGeom prst="rect">
-            <a:avLst/>
-          </a:prstGeom>
-        </p:spPr>
-      </p:pic>
-      <p:pic>
-        <p:nvPicPr>
-          <p:cNvPr id="3" name="Picture 2"/>
-          <p:cNvPicPr>
-            <a:picLocks noChangeAspect="1"/>
-          </p:cNvPicPr>
-          <p:nvPr/>
-        </p:nvPicPr>
-        <p:blipFill>
-          <a:blip r:embed="rId5">
-            <a:extLst>
-              <a:ext uri="{28A0092B-C50C-407E-A947-70E740481C1C}">
-                <a14:useLocalDpi xmlns:a14="http://schemas.microsoft.com/office/drawing/2010/main" val="0"/>
-              </a:ext>
-            </a:extLst>
-          </a:blip>
-          <a:stretch>
-            <a:fillRect/>
-          </a:stretch>
-        </p:blipFill>
-        <p:spPr>
-          <a:xfrm>
-            <a:off x="5246727" y="529625"/>
-            <a:ext cx="3638684" cy="2108952"/>
-          </a:xfrm>
-          <a:prstGeom prst="rect">
-            <a:avLst/>
-          </a:prstGeom>
-        </p:spPr>
-      </p:pic>
-      <p:pic>
-        <p:nvPicPr>
-          <p:cNvPr id="7" name="Picture 6"/>
-          <p:cNvPicPr>
-            <a:picLocks noChangeAspect="1"/>
-          </p:cNvPicPr>
-          <p:nvPr/>
-        </p:nvPicPr>
-        <p:blipFill>
-          <a:blip r:embed="rId6">
-            <a:extLst>
-              <a:ext uri="{28A0092B-C50C-407E-A947-70E740481C1C}">
-                <a14:useLocalDpi xmlns:a14="http://schemas.microsoft.com/office/drawing/2010/main" val="0"/>
-              </a:ext>
-            </a:extLst>
-          </a:blip>
-          <a:stretch>
-            <a:fillRect/>
-          </a:stretch>
-        </p:blipFill>
-        <p:spPr>
-          <a:xfrm>
-            <a:off x="6306292" y="4402266"/>
-            <a:ext cx="2030373" cy="2030373"/>
-          </a:xfrm>
-          <a:prstGeom prst="rect">
-            <a:avLst/>
-          </a:prstGeom>
-        </p:spPr>
-      </p:pic>
-      <p:sp>
-        <p:nvSpPr>
-          <p:cNvPr id="8" name="TextBox 7"/>
-          <p:cNvSpPr txBox="1"/>
-          <p:nvPr/>
-        </p:nvSpPr>
-        <p:spPr>
-          <a:xfrm>
-            <a:off x="11050073" y="6359879"/>
-            <a:ext cx="1013139" cy="461665"/>
-          </a:xfrm>
-          <a:prstGeom prst="rect">
-            <a:avLst/>
-          </a:prstGeom>
-          <a:noFill/>
-        </p:spPr>
-        <p:txBody>
-          <a:bodyPr wrap="square" rtlCol="0">
-            <a:spAutoFit/>
-          </a:bodyPr>
-          <a:lstStyle/>
-          <a:p>
-            <a:pPr algn="r"/>
-            <a:r>
-              <a:rPr lang="it-IT" sz="2400" dirty="0">
-                <a:latin typeface="Bell MT" panose="02020503060305020303" pitchFamily="18" charset="0"/>
-              </a:rPr>
-              <a:t>9</a:t>
-            </a:r>
-            <a:r>
-              <a:rPr lang="it-IT" sz="2400" dirty="0" smtClean="0">
-                <a:latin typeface="Bell MT" panose="02020503060305020303" pitchFamily="18" charset="0"/>
-              </a:rPr>
-              <a:t>/15</a:t>
-            </a:r>
-            <a:endParaRPr lang="it-IT" sz="2400" dirty="0">
-              <a:latin typeface="Bell MT" panose="02020503060305020303" pitchFamily="18" charset="0"/>
-            </a:endParaRPr>
-          </a:p>
-        </p:txBody>
-      </p:sp>
     </p:spTree>
     <p:extLst>
       <p:ext uri="{BB962C8B-B14F-4D97-AF65-F5344CB8AC3E}">
-        <p14:creationId xmlns:p14="http://schemas.microsoft.com/office/powerpoint/2010/main" val="2711640985"/>
+        <p14:creationId xmlns:p14="http://schemas.microsoft.com/office/powerpoint/2010/main" val="852627442"/>
       </p:ext>
     </p:extLst>
   </p:cSld>

--- a/Presentazione_tesi.pptx
+++ b/Presentazione_tesi.pptx
@@ -6136,34 +6136,6 @@
           <a:chExt cx="0" cy="0"/>
         </a:xfrm>
       </p:grpSpPr>
-      <p:sp>
-        <p:nvSpPr>
-          <p:cNvPr id="2" name="Title 1"/>
-          <p:cNvSpPr>
-            <a:spLocks noGrp="1"/>
-          </p:cNvSpPr>
-          <p:nvPr>
-            <p:ph type="title"/>
-          </p:nvPr>
-        </p:nvSpPr>
-        <p:spPr>
-          <a:xfrm>
-            <a:off x="677334" y="609600"/>
-            <a:ext cx="8596668" cy="781318"/>
-          </a:xfrm>
-        </p:spPr>
-        <p:txBody>
-          <a:bodyPr/>
-          <a:lstStyle/>
-          <a:p>
-            <a:r>
-              <a:rPr lang="it-IT" dirty="0" smtClean="0"/>
-              <a:t>Esempi – Gestore eventi</a:t>
-            </a:r>
-            <a:endParaRPr lang="it-IT" dirty="0"/>
-          </a:p>
-        </p:txBody>
-      </p:sp>
       <p:pic>
         <p:nvPicPr>
           <p:cNvPr id="5" name="Picture 4"/>
@@ -6344,6 +6316,108 @@
             <a:endParaRPr lang="it-IT" sz="2400" dirty="0">
               <a:latin typeface="Book Antiqua" panose="02040602050305030304" pitchFamily="18" charset="0"/>
             </a:endParaRPr>
+          </a:p>
+        </p:txBody>
+      </p:sp>
+      <p:sp>
+        <p:nvSpPr>
+          <p:cNvPr id="10" name="Title 1"/>
+          <p:cNvSpPr txBox="1">
+            <a:spLocks/>
+          </p:cNvSpPr>
+          <p:nvPr/>
+        </p:nvSpPr>
+        <p:spPr>
+          <a:xfrm>
+            <a:off x="587182" y="447039"/>
+            <a:ext cx="8596668" cy="1320800"/>
+          </a:xfrm>
+          <a:prstGeom prst="rect">
+            <a:avLst/>
+          </a:prstGeom>
+        </p:spPr>
+        <p:txBody>
+          <a:bodyPr vert="horz" lIns="91440" tIns="45720" rIns="91440" bIns="45720" rtlCol="0" anchor="t">
+            <a:normAutofit/>
+          </a:bodyPr>
+          <a:lstStyle>
+            <a:lvl1pPr algn="l" defTabSz="457200" rtl="0" eaLnBrk="1" latinLnBrk="0" hangingPunct="1">
+              <a:spcBef>
+                <a:spcPct val="0"/>
+              </a:spcBef>
+              <a:buNone/>
+              <a:defRPr sz="3600" kern="1200">
+                <a:solidFill>
+                  <a:schemeClr val="accent1"/>
+                </a:solidFill>
+                <a:latin typeface="+mj-lt"/>
+                <a:ea typeface="+mj-ea"/>
+                <a:cs typeface="+mj-cs"/>
+              </a:defRPr>
+            </a:lvl1pPr>
+            <a:lvl2pPr eaLnBrk="1" hangingPunct="1">
+              <a:defRPr>
+                <a:solidFill>
+                  <a:schemeClr val="tx2"/>
+                </a:solidFill>
+              </a:defRPr>
+            </a:lvl2pPr>
+            <a:lvl3pPr eaLnBrk="1" hangingPunct="1">
+              <a:defRPr>
+                <a:solidFill>
+                  <a:schemeClr val="tx2"/>
+                </a:solidFill>
+              </a:defRPr>
+            </a:lvl3pPr>
+            <a:lvl4pPr eaLnBrk="1" hangingPunct="1">
+              <a:defRPr>
+                <a:solidFill>
+                  <a:schemeClr val="tx2"/>
+                </a:solidFill>
+              </a:defRPr>
+            </a:lvl4pPr>
+            <a:lvl5pPr eaLnBrk="1" hangingPunct="1">
+              <a:defRPr>
+                <a:solidFill>
+                  <a:schemeClr val="tx2"/>
+                </a:solidFill>
+              </a:defRPr>
+            </a:lvl5pPr>
+            <a:lvl6pPr eaLnBrk="1" hangingPunct="1">
+              <a:defRPr>
+                <a:solidFill>
+                  <a:schemeClr val="tx2"/>
+                </a:solidFill>
+              </a:defRPr>
+            </a:lvl6pPr>
+            <a:lvl7pPr eaLnBrk="1" hangingPunct="1">
+              <a:defRPr>
+                <a:solidFill>
+                  <a:schemeClr val="tx2"/>
+                </a:solidFill>
+              </a:defRPr>
+            </a:lvl7pPr>
+            <a:lvl8pPr eaLnBrk="1" hangingPunct="1">
+              <a:defRPr>
+                <a:solidFill>
+                  <a:schemeClr val="tx2"/>
+                </a:solidFill>
+              </a:defRPr>
+            </a:lvl8pPr>
+            <a:lvl9pPr eaLnBrk="1" hangingPunct="1">
+              <a:defRPr>
+                <a:solidFill>
+                  <a:schemeClr val="tx2"/>
+                </a:solidFill>
+              </a:defRPr>
+            </a:lvl9pPr>
+          </a:lstStyle>
+          <a:p>
+            <a:r>
+              <a:rPr lang="it-IT" sz="4000" dirty="0" smtClean="0"/>
+              <a:t>Esempi – Gestore eventi</a:t>
+            </a:r>
+            <a:endParaRPr lang="it-IT" sz="4000" dirty="0"/>
           </a:p>
         </p:txBody>
       </p:sp>
@@ -6394,16 +6468,23 @@
             <p:ph type="title"/>
           </p:nvPr>
         </p:nvSpPr>
-        <p:spPr/>
-        <p:txBody>
-          <a:bodyPr/>
-          <a:lstStyle/>
-          <a:p>
-            <a:r>
-              <a:rPr lang="it-IT" dirty="0" smtClean="0"/>
+        <p:spPr>
+          <a:xfrm>
+            <a:off x="677334" y="417757"/>
+            <a:ext cx="8596668" cy="1320800"/>
+          </a:xfrm>
+        </p:spPr>
+        <p:txBody>
+          <a:bodyPr>
+            <a:normAutofit/>
+          </a:bodyPr>
+          <a:lstStyle/>
+          <a:p>
+            <a:r>
+              <a:rPr lang="it-IT" sz="4000" dirty="0" smtClean="0"/>
               <a:t>Considerazioni finali</a:t>
             </a:r>
-            <a:endParaRPr lang="it-IT" dirty="0"/>
+            <a:endParaRPr lang="it-IT" sz="4000" dirty="0"/>
           </a:p>
         </p:txBody>
       </p:sp>
@@ -6694,18 +6775,18 @@
           <a:lstStyle/>
           <a:p>
             <a:r>
-              <a:rPr lang="it-IT" sz="4400" dirty="0" smtClean="0"/>
+              <a:rPr lang="it-IT" sz="4000" dirty="0" smtClean="0"/>
               <a:t>L’azienda: i-</a:t>
             </a:r>
             <a:r>
-              <a:rPr lang="it-IT" sz="4400" dirty="0" err="1" smtClean="0"/>
+              <a:rPr lang="it-IT" sz="4000" dirty="0" err="1" smtClean="0"/>
               <a:t>contact</a:t>
             </a:r>
             <a:r>
-              <a:rPr lang="it-IT" sz="4400" dirty="0" smtClean="0"/>
+              <a:rPr lang="it-IT" sz="4000" dirty="0" smtClean="0"/>
               <a:t> s.r.l.</a:t>
             </a:r>
-            <a:endParaRPr lang="it-IT" sz="4400" dirty="0"/>
+            <a:endParaRPr lang="it-IT" sz="4000" dirty="0"/>
           </a:p>
         </p:txBody>
       </p:sp>
@@ -7390,10 +7471,10 @@
           </a:lstStyle>
           <a:p>
             <a:r>
-              <a:rPr lang="it-IT" sz="4400" dirty="0" smtClean="0"/>
+              <a:rPr lang="it-IT" sz="4000" dirty="0" smtClean="0"/>
               <a:t>Il progetto – 1 </a:t>
             </a:r>
-            <a:endParaRPr lang="it-IT" sz="4400" dirty="0"/>
+            <a:endParaRPr lang="it-IT" sz="4000" dirty="0"/>
           </a:p>
         </p:txBody>
       </p:sp>
@@ -7712,10 +7793,10 @@
           </a:lstStyle>
           <a:p>
             <a:r>
-              <a:rPr lang="it-IT" sz="4400" dirty="0" smtClean="0"/>
+              <a:rPr lang="it-IT" sz="4000" dirty="0" smtClean="0"/>
               <a:t>Il progetto - 2</a:t>
             </a:r>
-            <a:endParaRPr lang="it-IT" sz="4400" dirty="0"/>
+            <a:endParaRPr lang="it-IT" sz="4000" dirty="0"/>
           </a:p>
         </p:txBody>
       </p:sp>
@@ -7801,16 +7882,23 @@
             <p:ph type="title"/>
           </p:nvPr>
         </p:nvSpPr>
-        <p:spPr/>
-        <p:txBody>
-          <a:bodyPr/>
-          <a:lstStyle/>
-          <a:p>
-            <a:r>
-              <a:rPr lang="it-IT" dirty="0" smtClean="0"/>
+        <p:spPr>
+          <a:xfrm>
+            <a:off x="548956" y="424570"/>
+            <a:ext cx="8596668" cy="1320800"/>
+          </a:xfrm>
+        </p:spPr>
+        <p:txBody>
+          <a:bodyPr>
+            <a:normAutofit/>
+          </a:bodyPr>
+          <a:lstStyle/>
+          <a:p>
+            <a:r>
+              <a:rPr lang="it-IT" sz="4000" dirty="0" smtClean="0"/>
               <a:t>Soluzione – Analisi di mercato</a:t>
             </a:r>
-            <a:endParaRPr lang="it-IT" dirty="0"/>
+            <a:endParaRPr lang="it-IT" sz="4000" dirty="0"/>
           </a:p>
         </p:txBody>
       </p:sp>
@@ -7822,7 +7910,7 @@
         </p:nvSpPr>
         <p:spPr>
           <a:xfrm>
-            <a:off x="677334" y="1407180"/>
+            <a:off x="548956" y="1391245"/>
             <a:ext cx="8118697" cy="523220"/>
           </a:xfrm>
           <a:prstGeom prst="rect">
@@ -8168,19 +8256,21 @@
         </p:nvSpPr>
         <p:spPr>
           <a:xfrm>
-            <a:off x="677334" y="381680"/>
+            <a:off x="503059" y="359930"/>
             <a:ext cx="8596668" cy="1320800"/>
           </a:xfrm>
         </p:spPr>
         <p:txBody>
-          <a:bodyPr/>
-          <a:lstStyle/>
-          <a:p>
-            <a:r>
-              <a:rPr lang="it-IT" dirty="0" smtClean="0"/>
+          <a:bodyPr>
+            <a:normAutofit/>
+          </a:bodyPr>
+          <a:lstStyle/>
+          <a:p>
+            <a:r>
+              <a:rPr lang="it-IT" sz="4000" dirty="0" smtClean="0"/>
               <a:t>Soluzione – Istruzione agent di api.ai </a:t>
             </a:r>
-            <a:endParaRPr lang="it-IT" dirty="0"/>
+            <a:endParaRPr lang="it-IT" sz="4000" dirty="0"/>
           </a:p>
         </p:txBody>
       </p:sp>
@@ -8427,16 +8517,23 @@
             <p:ph type="title"/>
           </p:nvPr>
         </p:nvSpPr>
-        <p:spPr/>
-        <p:txBody>
-          <a:bodyPr/>
-          <a:lstStyle/>
-          <a:p>
-            <a:r>
-              <a:rPr lang="it-IT" dirty="0" smtClean="0"/>
+        <p:spPr>
+          <a:xfrm>
+            <a:off x="561424" y="447330"/>
+            <a:ext cx="8596668" cy="1320800"/>
+          </a:xfrm>
+        </p:spPr>
+        <p:txBody>
+          <a:bodyPr>
+            <a:normAutofit/>
+          </a:bodyPr>
+          <a:lstStyle/>
+          <a:p>
+            <a:r>
+              <a:rPr lang="it-IT" sz="4000" dirty="0" smtClean="0"/>
               <a:t>Soluzione – Implementazione </a:t>
             </a:r>
-            <a:endParaRPr lang="it-IT" dirty="0"/>
+            <a:endParaRPr lang="it-IT" sz="4000" dirty="0"/>
           </a:p>
         </p:txBody>
       </p:sp>
@@ -8812,16 +8909,23 @@
             <p:ph type="title"/>
           </p:nvPr>
         </p:nvSpPr>
-        <p:spPr/>
-        <p:txBody>
-          <a:bodyPr/>
-          <a:lstStyle/>
-          <a:p>
-            <a:r>
-              <a:rPr lang="it-IT" dirty="0" smtClean="0"/>
+        <p:spPr>
+          <a:xfrm>
+            <a:off x="574303" y="432158"/>
+            <a:ext cx="8596668" cy="1320800"/>
+          </a:xfrm>
+        </p:spPr>
+        <p:txBody>
+          <a:bodyPr>
+            <a:normAutofit/>
+          </a:bodyPr>
+          <a:lstStyle/>
+          <a:p>
+            <a:r>
+              <a:rPr lang="it-IT" sz="4000" dirty="0" smtClean="0"/>
               <a:t>Strumenti utilizzati</a:t>
             </a:r>
-            <a:endParaRPr lang="it-IT" dirty="0"/>
+            <a:endParaRPr lang="it-IT" sz="4000" dirty="0"/>
           </a:p>
         </p:txBody>
       </p:sp>
@@ -9057,16 +9161,23 @@
             <p:ph type="title"/>
           </p:nvPr>
         </p:nvSpPr>
-        <p:spPr/>
-        <p:txBody>
-          <a:bodyPr/>
-          <a:lstStyle/>
-          <a:p>
-            <a:r>
-              <a:rPr lang="it-IT" dirty="0" smtClean="0"/>
+        <p:spPr>
+          <a:xfrm>
+            <a:off x="587182" y="447039"/>
+            <a:ext cx="8596668" cy="1320800"/>
+          </a:xfrm>
+        </p:spPr>
+        <p:txBody>
+          <a:bodyPr>
+            <a:normAutofit/>
+          </a:bodyPr>
+          <a:lstStyle/>
+          <a:p>
+            <a:r>
+              <a:rPr lang="it-IT" sz="4000" dirty="0" smtClean="0"/>
               <a:t>Esempi – Meteo Veneto bot</a:t>
             </a:r>
-            <a:endParaRPr lang="it-IT" dirty="0"/>
+            <a:endParaRPr lang="it-IT" sz="4000" dirty="0"/>
           </a:p>
         </p:txBody>
       </p:sp>

--- a/Presentazione_tesi.pptx
+++ b/Presentazione_tesi.pptx
@@ -10,13 +10,16 @@
     <p:sldId id="258" r:id="rId4"/>
     <p:sldId id="259" r:id="rId5"/>
     <p:sldId id="260" r:id="rId6"/>
-    <p:sldId id="261" r:id="rId7"/>
-    <p:sldId id="262" r:id="rId8"/>
-    <p:sldId id="264" r:id="rId9"/>
-    <p:sldId id="265" r:id="rId10"/>
-    <p:sldId id="266" r:id="rId11"/>
-    <p:sldId id="268" r:id="rId12"/>
-    <p:sldId id="267" r:id="rId13"/>
+    <p:sldId id="269" r:id="rId7"/>
+    <p:sldId id="270" r:id="rId8"/>
+    <p:sldId id="261" r:id="rId9"/>
+    <p:sldId id="271" r:id="rId10"/>
+    <p:sldId id="262" r:id="rId11"/>
+    <p:sldId id="264" r:id="rId12"/>
+    <p:sldId id="265" r:id="rId13"/>
+    <p:sldId id="266" r:id="rId14"/>
+    <p:sldId id="268" r:id="rId15"/>
+    <p:sldId id="267" r:id="rId16"/>
   </p:sldIdLst>
   <p:sldSz cx="12192000" cy="6858000"/>
   <p:notesSz cx="6858000" cy="9144000"/>
@@ -846,7 +849,7 @@
             <a:fld id="{B61BEF0D-F0BB-DE4B-95CE-6DB70DBA9567}" type="datetimeFigureOut">
               <a:rPr lang="en-US" smtClean="0"/>
               <a:pPr/>
-              <a:t>11/10/2017</a:t>
+              <a:t>11/20/2017</a:t>
             </a:fld>
             <a:endParaRPr lang="en-US" dirty="0"/>
           </a:p>
@@ -1099,7 +1102,7 @@
             <a:fld id="{B61BEF0D-F0BB-DE4B-95CE-6DB70DBA9567}" type="datetimeFigureOut">
               <a:rPr lang="en-US" smtClean="0"/>
               <a:pPr/>
-              <a:t>11/10/2017</a:t>
+              <a:t>11/20/2017</a:t>
             </a:fld>
             <a:endParaRPr lang="en-US" dirty="0"/>
           </a:p>
@@ -1415,7 +1418,7 @@
             <a:fld id="{B61BEF0D-F0BB-DE4B-95CE-6DB70DBA9567}" type="datetimeFigureOut">
               <a:rPr lang="en-US" smtClean="0"/>
               <a:pPr/>
-              <a:t>11/10/2017</a:t>
+              <a:t>11/20/2017</a:t>
             </a:fld>
             <a:endParaRPr lang="en-US" dirty="0"/>
           </a:p>
@@ -1758,7 +1761,7 @@
             <a:fld id="{B61BEF0D-F0BB-DE4B-95CE-6DB70DBA9567}" type="datetimeFigureOut">
               <a:rPr lang="en-US" smtClean="0"/>
               <a:pPr/>
-              <a:t>11/10/2017</a:t>
+              <a:t>11/20/2017</a:t>
             </a:fld>
             <a:endParaRPr lang="en-US" dirty="0"/>
           </a:p>
@@ -2074,7 +2077,7 @@
             <a:fld id="{B61BEF0D-F0BB-DE4B-95CE-6DB70DBA9567}" type="datetimeFigureOut">
               <a:rPr lang="en-US" smtClean="0"/>
               <a:pPr/>
-              <a:t>11/10/2017</a:t>
+              <a:t>11/20/2017</a:t>
             </a:fld>
             <a:endParaRPr lang="en-US" dirty="0"/>
           </a:p>
@@ -2469,7 +2472,7 @@
             <a:fld id="{B61BEF0D-F0BB-DE4B-95CE-6DB70DBA9567}" type="datetimeFigureOut">
               <a:rPr lang="en-US" smtClean="0"/>
               <a:pPr/>
-              <a:t>11/10/2017</a:t>
+              <a:t>11/20/2017</a:t>
             </a:fld>
             <a:endParaRPr lang="en-US" dirty="0"/>
           </a:p>
@@ -2641,7 +2644,7 @@
             <a:fld id="{B61BEF0D-F0BB-DE4B-95CE-6DB70DBA9567}" type="datetimeFigureOut">
               <a:rPr lang="en-US" smtClean="0"/>
               <a:pPr/>
-              <a:t>11/10/2017</a:t>
+              <a:t>11/20/2017</a:t>
             </a:fld>
             <a:endParaRPr lang="en-US" dirty="0"/>
           </a:p>
@@ -2823,7 +2826,7 @@
             <a:fld id="{B61BEF0D-F0BB-DE4B-95CE-6DB70DBA9567}" type="datetimeFigureOut">
               <a:rPr lang="en-US" smtClean="0"/>
               <a:pPr/>
-              <a:t>11/10/2017</a:t>
+              <a:t>11/20/2017</a:t>
             </a:fld>
             <a:endParaRPr lang="en-US" dirty="0"/>
           </a:p>
@@ -3001,7 +3004,7 @@
             <a:fld id="{B61BEF0D-F0BB-DE4B-95CE-6DB70DBA9567}" type="datetimeFigureOut">
               <a:rPr lang="en-US" smtClean="0"/>
               <a:pPr/>
-              <a:t>11/10/2017</a:t>
+              <a:t>11/20/2017</a:t>
             </a:fld>
             <a:endParaRPr lang="en-US" dirty="0"/>
           </a:p>
@@ -3250,7 +3253,7 @@
             <a:fld id="{B61BEF0D-F0BB-DE4B-95CE-6DB70DBA9567}" type="datetimeFigureOut">
               <a:rPr lang="en-US" smtClean="0"/>
               <a:pPr/>
-              <a:t>11/10/2017</a:t>
+              <a:t>11/20/2017</a:t>
             </a:fld>
             <a:endParaRPr lang="en-US" dirty="0"/>
           </a:p>
@@ -3484,7 +3487,7 @@
             <a:fld id="{B61BEF0D-F0BB-DE4B-95CE-6DB70DBA9567}" type="datetimeFigureOut">
               <a:rPr lang="en-US" smtClean="0"/>
               <a:pPr/>
-              <a:t>11/10/2017</a:t>
+              <a:t>11/20/2017</a:t>
             </a:fld>
             <a:endParaRPr lang="en-US" dirty="0"/>
           </a:p>
@@ -3860,7 +3863,7 @@
             <a:fld id="{B61BEF0D-F0BB-DE4B-95CE-6DB70DBA9567}" type="datetimeFigureOut">
               <a:rPr lang="en-US" smtClean="0"/>
               <a:pPr/>
-              <a:t>11/10/2017</a:t>
+              <a:t>11/20/2017</a:t>
             </a:fld>
             <a:endParaRPr lang="en-US" dirty="0"/>
           </a:p>
@@ -3985,7 +3988,7 @@
             <a:fld id="{B61BEF0D-F0BB-DE4B-95CE-6DB70DBA9567}" type="datetimeFigureOut">
               <a:rPr lang="en-US" smtClean="0"/>
               <a:pPr/>
-              <a:t>11/10/2017</a:t>
+              <a:t>11/20/2017</a:t>
             </a:fld>
             <a:endParaRPr lang="en-US" dirty="0"/>
           </a:p>
@@ -4082,7 +4085,7 @@
             <a:fld id="{B61BEF0D-F0BB-DE4B-95CE-6DB70DBA9567}" type="datetimeFigureOut">
               <a:rPr lang="en-US" smtClean="0"/>
               <a:pPr/>
-              <a:t>11/10/2017</a:t>
+              <a:t>11/20/2017</a:t>
             </a:fld>
             <a:endParaRPr lang="en-US" dirty="0"/>
           </a:p>
@@ -4339,7 +4342,7 @@
             <a:fld id="{B61BEF0D-F0BB-DE4B-95CE-6DB70DBA9567}" type="datetimeFigureOut">
               <a:rPr lang="en-US" smtClean="0"/>
               <a:pPr/>
-              <a:t>11/10/2017</a:t>
+              <a:t>11/20/2017</a:t>
             </a:fld>
             <a:endParaRPr lang="en-US" dirty="0"/>
           </a:p>
@@ -4604,7 +4607,7 @@
             <a:fld id="{B61BEF0D-F0BB-DE4B-95CE-6DB70DBA9567}" type="datetimeFigureOut">
               <a:rPr lang="en-US" smtClean="0"/>
               <a:pPr/>
-              <a:t>11/10/2017</a:t>
+              <a:t>11/20/2017</a:t>
             </a:fld>
             <a:endParaRPr lang="en-US" dirty="0"/>
           </a:p>
@@ -5349,7 +5352,7 @@
             <a:fld id="{B61BEF0D-F0BB-DE4B-95CE-6DB70DBA9567}" type="datetimeFigureOut">
               <a:rPr lang="en-US" smtClean="0"/>
               <a:pPr/>
-              <a:t>11/10/2017</a:t>
+              <a:t>11/20/2017</a:t>
             </a:fld>
             <a:endParaRPr lang="en-US" dirty="0"/>
           </a:p>
@@ -6091,7 +6094,7 @@
               <a:rPr lang="it-IT" sz="2400" dirty="0" smtClean="0">
                 <a:latin typeface="Book Antiqua" panose="02040602050305030304" pitchFamily="18" charset="0"/>
               </a:rPr>
-              <a:t>1/12</a:t>
+              <a:t>1/15</a:t>
             </a:r>
             <a:endParaRPr lang="it-IT" sz="2400" dirty="0">
               <a:latin typeface="Book Antiqua" panose="02040602050305030304" pitchFamily="18" charset="0"/>
@@ -6136,9 +6139,171 @@
           <a:chExt cx="0" cy="0"/>
         </a:xfrm>
       </p:grpSpPr>
+      <p:sp>
+        <p:nvSpPr>
+          <p:cNvPr id="2" name="Title 1"/>
+          <p:cNvSpPr>
+            <a:spLocks noGrp="1"/>
+          </p:cNvSpPr>
+          <p:nvPr>
+            <p:ph type="title"/>
+          </p:nvPr>
+        </p:nvSpPr>
+        <p:spPr>
+          <a:xfrm>
+            <a:off x="561424" y="410868"/>
+            <a:ext cx="8596668" cy="1320800"/>
+          </a:xfrm>
+        </p:spPr>
+        <p:txBody>
+          <a:bodyPr>
+            <a:normAutofit/>
+          </a:bodyPr>
+          <a:lstStyle/>
+          <a:p>
+            <a:r>
+              <a:rPr lang="it-IT" sz="4000" dirty="0" smtClean="0"/>
+              <a:t>Soluzione – Implementazione </a:t>
+            </a:r>
+            <a:endParaRPr lang="it-IT" sz="4000" dirty="0"/>
+          </a:p>
+        </p:txBody>
+      </p:sp>
+      <p:sp>
+        <p:nvSpPr>
+          <p:cNvPr id="5" name="TextBox 4"/>
+          <p:cNvSpPr txBox="1"/>
+          <p:nvPr/>
+        </p:nvSpPr>
+        <p:spPr>
+          <a:xfrm>
+            <a:off x="677334" y="1930400"/>
+            <a:ext cx="5189343" cy="461665"/>
+          </a:xfrm>
+          <a:prstGeom prst="rect">
+            <a:avLst/>
+          </a:prstGeom>
+          <a:noFill/>
+        </p:spPr>
+        <p:txBody>
+          <a:bodyPr wrap="square" rtlCol="0">
+            <a:spAutoFit/>
+          </a:bodyPr>
+          <a:lstStyle/>
+          <a:p>
+            <a:r>
+              <a:rPr lang="it-IT" sz="2400" dirty="0" smtClean="0">
+                <a:solidFill>
+                  <a:schemeClr val="tx1">
+                    <a:lumMod val="75000"/>
+                    <a:lumOff val="25000"/>
+                  </a:schemeClr>
+                </a:solidFill>
+              </a:rPr>
+              <a:t>Integrazione nel software aziendale</a:t>
+            </a:r>
+            <a:endParaRPr lang="it-IT" sz="2400" dirty="0">
+              <a:solidFill>
+                <a:schemeClr val="tx1">
+                  <a:lumMod val="75000"/>
+                  <a:lumOff val="25000"/>
+                </a:schemeClr>
+              </a:solidFill>
+            </a:endParaRPr>
+          </a:p>
+        </p:txBody>
+      </p:sp>
+      <p:sp>
+        <p:nvSpPr>
+          <p:cNvPr id="6" name="TextBox 5"/>
+          <p:cNvSpPr txBox="1"/>
+          <p:nvPr/>
+        </p:nvSpPr>
+        <p:spPr>
+          <a:xfrm>
+            <a:off x="1211208" y="3482032"/>
+            <a:ext cx="4740529" cy="461665"/>
+          </a:xfrm>
+          <a:prstGeom prst="rect">
+            <a:avLst/>
+          </a:prstGeom>
+          <a:noFill/>
+        </p:spPr>
+        <p:txBody>
+          <a:bodyPr wrap="none" rtlCol="0">
+            <a:spAutoFit/>
+          </a:bodyPr>
+          <a:lstStyle/>
+          <a:p>
+            <a:r>
+              <a:rPr lang="it-IT" sz="2400" dirty="0" smtClean="0">
+                <a:solidFill>
+                  <a:schemeClr val="tx1">
+                    <a:lumMod val="75000"/>
+                    <a:lumOff val="25000"/>
+                  </a:schemeClr>
+                </a:solidFill>
+              </a:rPr>
+              <a:t>Test attraverso Chatbot di prova</a:t>
+            </a:r>
+            <a:endParaRPr lang="it-IT" sz="2400" dirty="0">
+              <a:solidFill>
+                <a:schemeClr val="tx1">
+                  <a:lumMod val="75000"/>
+                  <a:lumOff val="25000"/>
+                </a:schemeClr>
+              </a:solidFill>
+            </a:endParaRPr>
+          </a:p>
+        </p:txBody>
+      </p:sp>
+      <p:sp>
+        <p:nvSpPr>
+          <p:cNvPr id="7" name="TextBox 6"/>
+          <p:cNvSpPr txBox="1"/>
+          <p:nvPr/>
+        </p:nvSpPr>
+        <p:spPr>
+          <a:xfrm>
+            <a:off x="1820496" y="5033664"/>
+            <a:ext cx="4839786" cy="461665"/>
+          </a:xfrm>
+          <a:prstGeom prst="rect">
+            <a:avLst/>
+          </a:prstGeom>
+          <a:noFill/>
+        </p:spPr>
+        <p:txBody>
+          <a:bodyPr wrap="none" rtlCol="0">
+            <a:spAutoFit/>
+          </a:bodyPr>
+          <a:lstStyle/>
+          <a:p>
+            <a:r>
+              <a:rPr lang="it-IT" sz="2400" dirty="0" smtClean="0">
+                <a:solidFill>
+                  <a:schemeClr val="tx1">
+                    <a:lumMod val="75000"/>
+                    <a:lumOff val="25000"/>
+                  </a:schemeClr>
+                </a:solidFill>
+              </a:rPr>
+              <a:t>Pubblicazione nuove funzionalità </a:t>
+            </a:r>
+            <a:endParaRPr lang="it-IT" sz="2400" dirty="0">
+              <a:solidFill>
+                <a:schemeClr val="tx1">
+                  <a:lumMod val="75000"/>
+                  <a:lumOff val="25000"/>
+                </a:schemeClr>
+              </a:solidFill>
+            </a:endParaRPr>
+          </a:p>
+        </p:txBody>
+      </p:sp>
       <p:pic>
         <p:nvPicPr>
-          <p:cNvPr id="5" name="Picture 4"/>
+          <p:cNvPr id="8" name="Picture 7"/>
           <p:cNvPicPr>
             <a:picLocks noChangeAspect="1"/>
           </p:cNvPicPr>
@@ -6158,8 +6323,8 @@
         </p:blipFill>
         <p:spPr>
           <a:xfrm>
-            <a:off x="5428390" y="1390918"/>
-            <a:ext cx="2763388" cy="4436772"/>
+            <a:off x="7363931" y="3084886"/>
+            <a:ext cx="1255956" cy="1255956"/>
           </a:xfrm>
           <a:prstGeom prst="rect">
             <a:avLst/>
@@ -6168,7 +6333,7 @@
       </p:pic>
       <p:pic>
         <p:nvPicPr>
-          <p:cNvPr id="6" name="Picture 5"/>
+          <p:cNvPr id="9" name="Picture 8"/>
           <p:cNvPicPr>
             <a:picLocks noChangeAspect="1"/>
           </p:cNvPicPr>
@@ -6188,24 +6353,122 @@
         </p:blipFill>
         <p:spPr>
           <a:xfrm>
-            <a:off x="1328225" y="1837216"/>
-            <a:ext cx="2783301" cy="4436772"/>
+            <a:off x="7392796" y="4665383"/>
+            <a:ext cx="1198225" cy="1198225"/>
           </a:xfrm>
           <a:prstGeom prst="rect">
             <a:avLst/>
           </a:prstGeom>
         </p:spPr>
       </p:pic>
-      <p:sp>
-        <p:nvSpPr>
-          <p:cNvPr id="7" name="TextBox 6"/>
+      <p:cxnSp>
+        <p:nvCxnSpPr>
+          <p:cNvPr id="11" name="Elbow Connector 10"/>
+          <p:cNvCxnSpPr>
+            <a:endCxn id="6" idx="1"/>
+          </p:cNvCxnSpPr>
+          <p:nvPr/>
+        </p:nvCxnSpPr>
+        <p:spPr>
+          <a:xfrm rot="16200000" flipH="1">
+            <a:off x="360201" y="2861858"/>
+            <a:ext cx="1320798" cy="381216"/>
+          </a:xfrm>
+          <a:prstGeom prst="bentConnector2">
+            <a:avLst/>
+          </a:prstGeom>
+          <a:ln w="38100">
+            <a:tailEnd type="triangle"/>
+          </a:ln>
+        </p:spPr>
+        <p:style>
+          <a:lnRef idx="1">
+            <a:schemeClr val="accent1"/>
+          </a:lnRef>
+          <a:fillRef idx="0">
+            <a:schemeClr val="accent1"/>
+          </a:fillRef>
+          <a:effectRef idx="0">
+            <a:schemeClr val="accent1"/>
+          </a:effectRef>
+          <a:fontRef idx="minor">
+            <a:schemeClr val="tx1"/>
+          </a:fontRef>
+        </p:style>
+      </p:cxnSp>
+      <p:cxnSp>
+        <p:nvCxnSpPr>
+          <p:cNvPr id="15" name="Elbow Connector 14"/>
+          <p:cNvCxnSpPr/>
+          <p:nvPr/>
+        </p:nvCxnSpPr>
+        <p:spPr>
+          <a:xfrm rot="16200000" flipH="1">
+            <a:off x="947121" y="4413489"/>
+            <a:ext cx="1320798" cy="381215"/>
+          </a:xfrm>
+          <a:prstGeom prst="bentConnector2">
+            <a:avLst/>
+          </a:prstGeom>
+          <a:ln w="38100">
+            <a:tailEnd type="triangle"/>
+          </a:ln>
+        </p:spPr>
+        <p:style>
+          <a:lnRef idx="1">
+            <a:schemeClr val="accent1"/>
+          </a:lnRef>
+          <a:fillRef idx="0">
+            <a:schemeClr val="accent1"/>
+          </a:fillRef>
+          <a:effectRef idx="0">
+            <a:schemeClr val="accent1"/>
+          </a:effectRef>
+          <a:fontRef idx="minor">
+            <a:schemeClr val="tx1"/>
+          </a:fontRef>
+        </p:style>
+      </p:cxnSp>
+      <p:pic>
+        <p:nvPicPr>
+          <p:cNvPr id="16" name="Picture 15"/>
+          <p:cNvPicPr>
+            <a:picLocks noChangeAspect="1"/>
+          </p:cNvPicPr>
+          <p:nvPr/>
+        </p:nvPicPr>
+        <p:blipFill>
+          <a:blip r:embed="rId4">
+            <a:extLst>
+              <a:ext uri="{28A0092B-C50C-407E-A947-70E740481C1C}">
+                <a14:useLocalDpi xmlns:a14="http://schemas.microsoft.com/office/drawing/2010/main" val="0"/>
+              </a:ext>
+            </a:extLst>
+          </a:blip>
+          <a:stretch>
+            <a:fillRect/>
+          </a:stretch>
+        </p:blipFill>
+        <p:spPr>
+          <a:xfrm>
+            <a:off x="7309507" y="1478832"/>
+            <a:ext cx="1364802" cy="1364802"/>
+          </a:xfrm>
+          <a:prstGeom prst="rect">
+            <a:avLst/>
+          </a:prstGeom>
+        </p:spPr>
+      </p:pic>
+      <p:sp>
+        <p:nvSpPr>
+          <p:cNvPr id="17" name="TextBox 16"/>
           <p:cNvSpPr txBox="1"/>
           <p:nvPr/>
         </p:nvSpPr>
         <p:spPr>
           <a:xfrm>
-            <a:off x="249232" y="1377885"/>
-            <a:ext cx="4941289" cy="369332"/>
+            <a:off x="11050073" y="6359879"/>
+            <a:ext cx="1013139" cy="461665"/>
           </a:xfrm>
           <a:prstGeom prst="rect">
             <a:avLst/>
@@ -6213,94 +6476,6 @@
           <a:noFill/>
         </p:spPr>
         <p:txBody>
-          <a:bodyPr wrap="none" rtlCol="0">
-            <a:spAutoFit/>
-          </a:bodyPr>
-          <a:lstStyle/>
-          <a:p>
-            <a:r>
-              <a:rPr lang="it-IT" dirty="0" smtClean="0">
-                <a:solidFill>
-                  <a:schemeClr val="tx1">
-                    <a:lumMod val="75000"/>
-                    <a:lumOff val="25000"/>
-                  </a:schemeClr>
-                </a:solidFill>
-              </a:rPr>
-              <a:t>‘‘Che conferenza c’è in Social Media alle 16?’’</a:t>
-            </a:r>
-            <a:endParaRPr lang="it-IT" dirty="0">
-              <a:solidFill>
-                <a:schemeClr val="tx1">
-                  <a:lumMod val="75000"/>
-                  <a:lumOff val="25000"/>
-                </a:schemeClr>
-              </a:solidFill>
-            </a:endParaRPr>
-          </a:p>
-        </p:txBody>
-      </p:sp>
-      <p:sp>
-        <p:nvSpPr>
-          <p:cNvPr id="8" name="TextBox 7"/>
-          <p:cNvSpPr txBox="1"/>
-          <p:nvPr/>
-        </p:nvSpPr>
-        <p:spPr>
-          <a:xfrm>
-            <a:off x="5190521" y="5904656"/>
-            <a:ext cx="3424848" cy="369332"/>
-          </a:xfrm>
-          <a:prstGeom prst="rect">
-            <a:avLst/>
-          </a:prstGeom>
-          <a:noFill/>
-        </p:spPr>
-        <p:txBody>
-          <a:bodyPr wrap="none" rtlCol="0">
-            <a:spAutoFit/>
-          </a:bodyPr>
-          <a:lstStyle/>
-          <a:p>
-            <a:r>
-              <a:rPr lang="it-IT" dirty="0" smtClean="0">
-                <a:solidFill>
-                  <a:schemeClr val="tx1">
-                    <a:lumMod val="75000"/>
-                    <a:lumOff val="25000"/>
-                  </a:schemeClr>
-                </a:solidFill>
-              </a:rPr>
-              <a:t>‘‘Dove si trova la stanza SEO?’’</a:t>
-            </a:r>
-            <a:endParaRPr lang="it-IT" dirty="0">
-              <a:solidFill>
-                <a:schemeClr val="tx1">
-                  <a:lumMod val="75000"/>
-                  <a:lumOff val="25000"/>
-                </a:schemeClr>
-              </a:solidFill>
-            </a:endParaRPr>
-          </a:p>
-        </p:txBody>
-      </p:sp>
-      <p:sp>
-        <p:nvSpPr>
-          <p:cNvPr id="9" name="TextBox 8"/>
-          <p:cNvSpPr txBox="1"/>
-          <p:nvPr/>
-        </p:nvSpPr>
-        <p:spPr>
-          <a:xfrm>
-            <a:off x="11050073" y="6359879"/>
-            <a:ext cx="1013139" cy="461665"/>
-          </a:xfrm>
-          <a:prstGeom prst="rect">
-            <a:avLst/>
-          </a:prstGeom>
-          <a:noFill/>
-        </p:spPr>
-        <p:txBody>
           <a:bodyPr wrap="square" rtlCol="0">
             <a:spAutoFit/>
           </a:bodyPr>
@@ -6311,7 +6486,7 @@
               <a:rPr lang="it-IT" sz="2400" dirty="0" smtClean="0">
                 <a:latin typeface="Book Antiqua" panose="02040602050305030304" pitchFamily="18" charset="0"/>
               </a:rPr>
-              <a:t>10/12</a:t>
+              <a:t>10/15</a:t>
             </a:r>
             <a:endParaRPr lang="it-IT" sz="2400" dirty="0">
               <a:latin typeface="Book Antiqua" panose="02040602050305030304" pitchFamily="18" charset="0"/>
@@ -6319,112 +6494,10 @@
           </a:p>
         </p:txBody>
       </p:sp>
-      <p:sp>
-        <p:nvSpPr>
-          <p:cNvPr id="10" name="Title 1"/>
-          <p:cNvSpPr txBox="1">
-            <a:spLocks/>
-          </p:cNvSpPr>
-          <p:nvPr/>
-        </p:nvSpPr>
-        <p:spPr>
-          <a:xfrm>
-            <a:off x="587182" y="447039"/>
-            <a:ext cx="8596668" cy="1320800"/>
-          </a:xfrm>
-          <a:prstGeom prst="rect">
-            <a:avLst/>
-          </a:prstGeom>
-        </p:spPr>
-        <p:txBody>
-          <a:bodyPr vert="horz" lIns="91440" tIns="45720" rIns="91440" bIns="45720" rtlCol="0" anchor="t">
-            <a:normAutofit/>
-          </a:bodyPr>
-          <a:lstStyle>
-            <a:lvl1pPr algn="l" defTabSz="457200" rtl="0" eaLnBrk="1" latinLnBrk="0" hangingPunct="1">
-              <a:spcBef>
-                <a:spcPct val="0"/>
-              </a:spcBef>
-              <a:buNone/>
-              <a:defRPr sz="3600" kern="1200">
-                <a:solidFill>
-                  <a:schemeClr val="accent1"/>
-                </a:solidFill>
-                <a:latin typeface="+mj-lt"/>
-                <a:ea typeface="+mj-ea"/>
-                <a:cs typeface="+mj-cs"/>
-              </a:defRPr>
-            </a:lvl1pPr>
-            <a:lvl2pPr eaLnBrk="1" hangingPunct="1">
-              <a:defRPr>
-                <a:solidFill>
-                  <a:schemeClr val="tx2"/>
-                </a:solidFill>
-              </a:defRPr>
-            </a:lvl2pPr>
-            <a:lvl3pPr eaLnBrk="1" hangingPunct="1">
-              <a:defRPr>
-                <a:solidFill>
-                  <a:schemeClr val="tx2"/>
-                </a:solidFill>
-              </a:defRPr>
-            </a:lvl3pPr>
-            <a:lvl4pPr eaLnBrk="1" hangingPunct="1">
-              <a:defRPr>
-                <a:solidFill>
-                  <a:schemeClr val="tx2"/>
-                </a:solidFill>
-              </a:defRPr>
-            </a:lvl4pPr>
-            <a:lvl5pPr eaLnBrk="1" hangingPunct="1">
-              <a:defRPr>
-                <a:solidFill>
-                  <a:schemeClr val="tx2"/>
-                </a:solidFill>
-              </a:defRPr>
-            </a:lvl5pPr>
-            <a:lvl6pPr eaLnBrk="1" hangingPunct="1">
-              <a:defRPr>
-                <a:solidFill>
-                  <a:schemeClr val="tx2"/>
-                </a:solidFill>
-              </a:defRPr>
-            </a:lvl6pPr>
-            <a:lvl7pPr eaLnBrk="1" hangingPunct="1">
-              <a:defRPr>
-                <a:solidFill>
-                  <a:schemeClr val="tx2"/>
-                </a:solidFill>
-              </a:defRPr>
-            </a:lvl7pPr>
-            <a:lvl8pPr eaLnBrk="1" hangingPunct="1">
-              <a:defRPr>
-                <a:solidFill>
-                  <a:schemeClr val="tx2"/>
-                </a:solidFill>
-              </a:defRPr>
-            </a:lvl8pPr>
-            <a:lvl9pPr eaLnBrk="1" hangingPunct="1">
-              <a:defRPr>
-                <a:solidFill>
-                  <a:schemeClr val="tx2"/>
-                </a:solidFill>
-              </a:defRPr>
-            </a:lvl9pPr>
-          </a:lstStyle>
-          <a:p>
-            <a:r>
-              <a:rPr lang="it-IT" sz="4000" dirty="0" smtClean="0"/>
-              <a:t>Esempi – Gestore eventi</a:t>
-            </a:r>
-            <a:endParaRPr lang="it-IT" sz="4000" dirty="0"/>
-          </a:p>
-        </p:txBody>
-      </p:sp>
     </p:spTree>
     <p:extLst>
       <p:ext uri="{BB962C8B-B14F-4D97-AF65-F5344CB8AC3E}">
-        <p14:creationId xmlns:p14="http://schemas.microsoft.com/office/powerpoint/2010/main" val="1290899967"/>
+        <p14:creationId xmlns:p14="http://schemas.microsoft.com/office/powerpoint/2010/main" val="1755466869"/>
       </p:ext>
     </p:extLst>
   </p:cSld>
@@ -6470,7 +6543,7 @@
         </p:nvSpPr>
         <p:spPr>
           <a:xfrm>
-            <a:off x="677334" y="417757"/>
+            <a:off x="574303" y="432158"/>
             <a:ext cx="8596668" cy="1320800"/>
           </a:xfrm>
         </p:spPr>
@@ -6482,61 +6555,9 @@
           <a:p>
             <a:r>
               <a:rPr lang="it-IT" sz="4000" dirty="0" smtClean="0"/>
-              <a:t>Considerazioni finali</a:t>
+              <a:t>Strumenti utilizzati</a:t>
             </a:r>
             <a:endParaRPr lang="it-IT" sz="4000" dirty="0"/>
-          </a:p>
-        </p:txBody>
-      </p:sp>
-      <p:sp>
-        <p:nvSpPr>
-          <p:cNvPr id="3" name="Content Placeholder 2"/>
-          <p:cNvSpPr>
-            <a:spLocks noGrp="1"/>
-          </p:cNvSpPr>
-          <p:nvPr>
-            <p:ph idx="1"/>
-          </p:nvPr>
-        </p:nvSpPr>
-        <p:spPr/>
-        <p:txBody>
-          <a:bodyPr/>
-          <a:lstStyle/>
-          <a:p>
-            <a:r>
-              <a:rPr lang="it-IT" sz="2400" dirty="0" smtClean="0"/>
-              <a:t>Soddisfazione dell’azienda ospitante</a:t>
-            </a:r>
-          </a:p>
-          <a:p>
-            <a:endParaRPr lang="it-IT" sz="2400" dirty="0"/>
-          </a:p>
-          <a:p>
-            <a:r>
-              <a:rPr lang="it-IT" sz="2400" dirty="0" smtClean="0"/>
-              <a:t>Conoscenza di nuove tecnologie</a:t>
-            </a:r>
-          </a:p>
-          <a:p>
-            <a:endParaRPr lang="it-IT" sz="2400" dirty="0"/>
-          </a:p>
-          <a:p>
-            <a:r>
-              <a:rPr lang="it-IT" sz="2400" dirty="0" smtClean="0"/>
-              <a:t>Nuove abilità per lavorare in un team</a:t>
-            </a:r>
-          </a:p>
-          <a:p>
-            <a:endParaRPr lang="it-IT" sz="2400" dirty="0"/>
-          </a:p>
-          <a:p>
-            <a:r>
-              <a:rPr lang="it-IT" sz="2400" dirty="0" smtClean="0"/>
-              <a:t>Introduzione al mondo del lavoro</a:t>
-            </a:r>
-          </a:p>
-          <a:p>
-            <a:endParaRPr lang="it-IT" dirty="0"/>
           </a:p>
         </p:txBody>
       </p:sp>
@@ -6562,17 +6583,137 @@
         </p:blipFill>
         <p:spPr>
           <a:xfrm>
-            <a:off x="6634089" y="2478584"/>
-            <a:ext cx="2822751" cy="2822751"/>
+            <a:off x="1564986" y="1890332"/>
+            <a:ext cx="3166586" cy="1142828"/>
           </a:xfrm>
           <a:prstGeom prst="rect">
             <a:avLst/>
           </a:prstGeom>
         </p:spPr>
       </p:pic>
-      <p:sp>
-        <p:nvSpPr>
-          <p:cNvPr id="5" name="TextBox 4"/>
+      <p:pic>
+        <p:nvPicPr>
+          <p:cNvPr id="5" name="Picture 4"/>
+          <p:cNvPicPr>
+            <a:picLocks noChangeAspect="1"/>
+          </p:cNvPicPr>
+          <p:nvPr/>
+        </p:nvPicPr>
+        <p:blipFill>
+          <a:blip r:embed="rId3">
+            <a:extLst>
+              <a:ext uri="{28A0092B-C50C-407E-A947-70E740481C1C}">
+                <a14:useLocalDpi xmlns:a14="http://schemas.microsoft.com/office/drawing/2010/main" val="0"/>
+              </a:ext>
+            </a:extLst>
+          </a:blip>
+          <a:stretch>
+            <a:fillRect/>
+          </a:stretch>
+        </p:blipFill>
+        <p:spPr>
+          <a:xfrm>
+            <a:off x="3841478" y="3436351"/>
+            <a:ext cx="3480001" cy="965915"/>
+          </a:xfrm>
+          <a:prstGeom prst="rect">
+            <a:avLst/>
+          </a:prstGeom>
+        </p:spPr>
+      </p:pic>
+      <p:pic>
+        <p:nvPicPr>
+          <p:cNvPr id="6" name="Picture 5"/>
+          <p:cNvPicPr>
+            <a:picLocks noChangeAspect="1"/>
+          </p:cNvPicPr>
+          <p:nvPr/>
+        </p:nvPicPr>
+        <p:blipFill>
+          <a:blip r:embed="rId4">
+            <a:extLst>
+              <a:ext uri="{28A0092B-C50C-407E-A947-70E740481C1C}">
+                <a14:useLocalDpi xmlns:a14="http://schemas.microsoft.com/office/drawing/2010/main" val="0"/>
+              </a:ext>
+            </a:extLst>
+          </a:blip>
+          <a:stretch>
+            <a:fillRect/>
+          </a:stretch>
+        </p:blipFill>
+        <p:spPr>
+          <a:xfrm>
+            <a:off x="1255892" y="5306096"/>
+            <a:ext cx="2499866" cy="715871"/>
+          </a:xfrm>
+          <a:prstGeom prst="rect">
+            <a:avLst/>
+          </a:prstGeom>
+        </p:spPr>
+      </p:pic>
+      <p:pic>
+        <p:nvPicPr>
+          <p:cNvPr id="3" name="Picture 2"/>
+          <p:cNvPicPr>
+            <a:picLocks noChangeAspect="1"/>
+          </p:cNvPicPr>
+          <p:nvPr/>
+        </p:nvPicPr>
+        <p:blipFill>
+          <a:blip r:embed="rId5">
+            <a:extLst>
+              <a:ext uri="{28A0092B-C50C-407E-A947-70E740481C1C}">
+                <a14:useLocalDpi xmlns:a14="http://schemas.microsoft.com/office/drawing/2010/main" val="0"/>
+              </a:ext>
+            </a:extLst>
+          </a:blip>
+          <a:stretch>
+            <a:fillRect/>
+          </a:stretch>
+        </p:blipFill>
+        <p:spPr>
+          <a:xfrm>
+            <a:off x="5246727" y="529625"/>
+            <a:ext cx="3638684" cy="2108952"/>
+          </a:xfrm>
+          <a:prstGeom prst="rect">
+            <a:avLst/>
+          </a:prstGeom>
+        </p:spPr>
+      </p:pic>
+      <p:pic>
+        <p:nvPicPr>
+          <p:cNvPr id="7" name="Picture 6"/>
+          <p:cNvPicPr>
+            <a:picLocks noChangeAspect="1"/>
+          </p:cNvPicPr>
+          <p:nvPr/>
+        </p:nvPicPr>
+        <p:blipFill>
+          <a:blip r:embed="rId6">
+            <a:extLst>
+              <a:ext uri="{28A0092B-C50C-407E-A947-70E740481C1C}">
+                <a14:useLocalDpi xmlns:a14="http://schemas.microsoft.com/office/drawing/2010/main" val="0"/>
+              </a:ext>
+            </a:extLst>
+          </a:blip>
+          <a:stretch>
+            <a:fillRect/>
+          </a:stretch>
+        </p:blipFill>
+        <p:spPr>
+          <a:xfrm>
+            <a:off x="6306292" y="4402266"/>
+            <a:ext cx="2030373" cy="2030373"/>
+          </a:xfrm>
+          <a:prstGeom prst="rect">
+            <a:avLst/>
+          </a:prstGeom>
+        </p:spPr>
+      </p:pic>
+      <p:sp>
+        <p:nvSpPr>
+          <p:cNvPr id="9" name="TextBox 8"/>
           <p:cNvSpPr txBox="1"/>
           <p:nvPr/>
         </p:nvSpPr>
@@ -6597,7 +6738,7 @@
               <a:rPr lang="it-IT" sz="2400" dirty="0" smtClean="0">
                 <a:latin typeface="Book Antiqua" panose="02040602050305030304" pitchFamily="18" charset="0"/>
               </a:rPr>
-              <a:t>11/12</a:t>
+              <a:t>11/15</a:t>
             </a:r>
             <a:endParaRPr lang="it-IT" sz="2400" dirty="0">
               <a:latin typeface="Book Antiqua" panose="02040602050305030304" pitchFamily="18" charset="0"/>
@@ -6608,7 +6749,7 @@
     </p:spTree>
     <p:extLst>
       <p:ext uri="{BB962C8B-B14F-4D97-AF65-F5344CB8AC3E}">
-        <p14:creationId xmlns:p14="http://schemas.microsoft.com/office/powerpoint/2010/main" val="3170425475"/>
+        <p14:creationId xmlns:p14="http://schemas.microsoft.com/office/powerpoint/2010/main" val="2711640985"/>
       </p:ext>
     </p:extLst>
   </p:cSld>
@@ -6654,8 +6795,837 @@
         </p:nvSpPr>
         <p:spPr>
           <a:xfrm>
+            <a:off x="587182" y="447039"/>
+            <a:ext cx="8596668" cy="1320800"/>
+          </a:xfrm>
+        </p:spPr>
+        <p:txBody>
+          <a:bodyPr>
+            <a:normAutofit/>
+          </a:bodyPr>
+          <a:lstStyle/>
+          <a:p>
+            <a:r>
+              <a:rPr lang="it-IT" sz="4000" dirty="0" smtClean="0"/>
+              <a:t>Esempi – Meteo Veneto bot</a:t>
+            </a:r>
+            <a:endParaRPr lang="it-IT" sz="4000" dirty="0"/>
+          </a:p>
+        </p:txBody>
+      </p:sp>
+      <p:sp>
+        <p:nvSpPr>
+          <p:cNvPr id="6" name="TextBox 5"/>
+          <p:cNvSpPr txBox="1"/>
+          <p:nvPr/>
+        </p:nvSpPr>
+        <p:spPr>
+          <a:xfrm>
+            <a:off x="1070068" y="5946873"/>
+            <a:ext cx="3258136" cy="369332"/>
+          </a:xfrm>
+          <a:prstGeom prst="rect">
+            <a:avLst/>
+          </a:prstGeom>
+          <a:noFill/>
+        </p:spPr>
+        <p:txBody>
+          <a:bodyPr wrap="none" rtlCol="0">
+            <a:spAutoFit/>
+          </a:bodyPr>
+          <a:lstStyle/>
+          <a:p>
+            <a:r>
+              <a:rPr lang="it-IT" dirty="0" smtClean="0">
+                <a:solidFill>
+                  <a:schemeClr val="tx1">
+                    <a:lumMod val="75000"/>
+                    <a:lumOff val="25000"/>
+                  </a:schemeClr>
+                </a:solidFill>
+              </a:rPr>
+              <a:t>‘‘Che tempo ci sarà domani?’’</a:t>
+            </a:r>
+            <a:endParaRPr lang="it-IT" dirty="0">
+              <a:solidFill>
+                <a:schemeClr val="tx1">
+                  <a:lumMod val="75000"/>
+                  <a:lumOff val="25000"/>
+                </a:schemeClr>
+              </a:solidFill>
+            </a:endParaRPr>
+          </a:p>
+        </p:txBody>
+      </p:sp>
+      <p:sp>
+        <p:nvSpPr>
+          <p:cNvPr id="7" name="TextBox 6"/>
+          <p:cNvSpPr txBox="1"/>
+          <p:nvPr/>
+        </p:nvSpPr>
+        <p:spPr>
+          <a:xfrm>
+            <a:off x="4564781" y="1677687"/>
+            <a:ext cx="4142994" cy="369332"/>
+          </a:xfrm>
+          <a:prstGeom prst="rect">
+            <a:avLst/>
+          </a:prstGeom>
+          <a:noFill/>
+        </p:spPr>
+        <p:txBody>
+          <a:bodyPr wrap="none" rtlCol="0">
+            <a:spAutoFit/>
+          </a:bodyPr>
+          <a:lstStyle/>
+          <a:p>
+            <a:r>
+              <a:rPr lang="it-IT" dirty="0" smtClean="0">
+                <a:solidFill>
+                  <a:schemeClr val="tx1">
+                    <a:lumMod val="75000"/>
+                    <a:lumOff val="25000"/>
+                  </a:schemeClr>
+                </a:solidFill>
+              </a:rPr>
+              <a:t>‘‘È prevista pioggia questo weekend?’’</a:t>
+            </a:r>
+            <a:endParaRPr lang="it-IT" dirty="0">
+              <a:solidFill>
+                <a:schemeClr val="tx1">
+                  <a:lumMod val="75000"/>
+                  <a:lumOff val="25000"/>
+                </a:schemeClr>
+              </a:solidFill>
+            </a:endParaRPr>
+          </a:p>
+        </p:txBody>
+      </p:sp>
+      <p:sp>
+        <p:nvSpPr>
+          <p:cNvPr id="10" name="TextBox 9"/>
+          <p:cNvSpPr txBox="1"/>
+          <p:nvPr/>
+        </p:nvSpPr>
+        <p:spPr>
+          <a:xfrm>
+            <a:off x="11050073" y="6359879"/>
+            <a:ext cx="1013139" cy="461665"/>
+          </a:xfrm>
+          <a:prstGeom prst="rect">
+            <a:avLst/>
+          </a:prstGeom>
+          <a:noFill/>
+        </p:spPr>
+        <p:txBody>
+          <a:bodyPr wrap="square" rtlCol="0">
+            <a:spAutoFit/>
+          </a:bodyPr>
+          <a:lstStyle/>
+          <a:p>
+            <a:pPr algn="r"/>
+            <a:r>
+              <a:rPr lang="it-IT" sz="2400" dirty="0" smtClean="0">
+                <a:latin typeface="Book Antiqua" panose="02040602050305030304" pitchFamily="18" charset="0"/>
+              </a:rPr>
+              <a:t>12/15</a:t>
+            </a:r>
+            <a:endParaRPr lang="it-IT" sz="2400" dirty="0">
+              <a:latin typeface="Book Antiqua" panose="02040602050305030304" pitchFamily="18" charset="0"/>
+            </a:endParaRPr>
+          </a:p>
+        </p:txBody>
+      </p:sp>
+      <p:pic>
+        <p:nvPicPr>
+          <p:cNvPr id="4" name="Picture 3"/>
+          <p:cNvPicPr>
+            <a:picLocks noChangeAspect="1"/>
+          </p:cNvPicPr>
+          <p:nvPr/>
+        </p:nvPicPr>
+        <p:blipFill>
+          <a:blip r:embed="rId2">
+            <a:extLst>
+              <a:ext uri="{28A0092B-C50C-407E-A947-70E740481C1C}">
+                <a14:useLocalDpi xmlns:a14="http://schemas.microsoft.com/office/drawing/2010/main" val="0"/>
+              </a:ext>
+            </a:extLst>
+          </a:blip>
+          <a:stretch>
+            <a:fillRect/>
+          </a:stretch>
+        </p:blipFill>
+        <p:spPr>
+          <a:xfrm>
+            <a:off x="1406275" y="1679676"/>
+            <a:ext cx="2585723" cy="4150578"/>
+          </a:xfrm>
+          <a:prstGeom prst="rect">
+            <a:avLst/>
+          </a:prstGeom>
+        </p:spPr>
+      </p:pic>
+      <p:pic>
+        <p:nvPicPr>
+          <p:cNvPr id="3" name="Picture 2"/>
+          <p:cNvPicPr>
+            <a:picLocks noChangeAspect="1"/>
+          </p:cNvPicPr>
+          <p:nvPr/>
+        </p:nvPicPr>
+        <p:blipFill>
+          <a:blip r:embed="rId3">
+            <a:extLst>
+              <a:ext uri="{28A0092B-C50C-407E-A947-70E740481C1C}">
+                <a14:useLocalDpi xmlns:a14="http://schemas.microsoft.com/office/drawing/2010/main" val="0"/>
+              </a:ext>
+            </a:extLst>
+          </a:blip>
+          <a:stretch>
+            <a:fillRect/>
+          </a:stretch>
+        </p:blipFill>
+        <p:spPr>
+          <a:xfrm>
+            <a:off x="5340138" y="2210792"/>
+            <a:ext cx="2592279" cy="4149087"/>
+          </a:xfrm>
+          <a:prstGeom prst="rect">
+            <a:avLst/>
+          </a:prstGeom>
+        </p:spPr>
+      </p:pic>
+    </p:spTree>
+    <p:extLst>
+      <p:ext uri="{BB962C8B-B14F-4D97-AF65-F5344CB8AC3E}">
+        <p14:creationId xmlns:p14="http://schemas.microsoft.com/office/powerpoint/2010/main" val="852627442"/>
+      </p:ext>
+    </p:extLst>
+  </p:cSld>
+  <p:clrMapOvr>
+    <a:masterClrMapping/>
+  </p:clrMapOvr>
+  <p:timing>
+    <p:tnLst>
+      <p:par>
+        <p:cTn id="1" dur="indefinite" restart="never" nodeType="tmRoot"/>
+      </p:par>
+    </p:tnLst>
+  </p:timing>
+</p:sld>
+</file>
+
+<file path=ppt/slides/slide13.xml><?xml version="1.0" encoding="utf-8"?>
+<p:sld xmlns:a="http://schemas.openxmlformats.org/drawingml/2006/main" xmlns:r="http://schemas.openxmlformats.org/officeDocument/2006/relationships" xmlns:p="http://schemas.openxmlformats.org/presentationml/2006/main">
+  <p:cSld>
+    <p:spTree>
+      <p:nvGrpSpPr>
+        <p:cNvPr id="1" name=""/>
+        <p:cNvGrpSpPr/>
+        <p:nvPr/>
+      </p:nvGrpSpPr>
+      <p:grpSpPr>
+        <a:xfrm>
+          <a:off x="0" y="0"/>
+          <a:ext cx="0" cy="0"/>
+          <a:chOff x="0" y="0"/>
+          <a:chExt cx="0" cy="0"/>
+        </a:xfrm>
+      </p:grpSpPr>
+      <p:pic>
+        <p:nvPicPr>
+          <p:cNvPr id="5" name="Picture 4"/>
+          <p:cNvPicPr>
+            <a:picLocks noChangeAspect="1"/>
+          </p:cNvPicPr>
+          <p:nvPr/>
+        </p:nvPicPr>
+        <p:blipFill>
+          <a:blip r:embed="rId2">
+            <a:extLst>
+              <a:ext uri="{28A0092B-C50C-407E-A947-70E740481C1C}">
+                <a14:useLocalDpi xmlns:a14="http://schemas.microsoft.com/office/drawing/2010/main" val="0"/>
+              </a:ext>
+            </a:extLst>
+          </a:blip>
+          <a:stretch>
+            <a:fillRect/>
+          </a:stretch>
+        </p:blipFill>
+        <p:spPr>
+          <a:xfrm>
+            <a:off x="5428390" y="1390918"/>
+            <a:ext cx="2763388" cy="4436772"/>
+          </a:xfrm>
+          <a:prstGeom prst="rect">
+            <a:avLst/>
+          </a:prstGeom>
+        </p:spPr>
+      </p:pic>
+      <p:pic>
+        <p:nvPicPr>
+          <p:cNvPr id="6" name="Picture 5"/>
+          <p:cNvPicPr>
+            <a:picLocks noChangeAspect="1"/>
+          </p:cNvPicPr>
+          <p:nvPr/>
+        </p:nvPicPr>
+        <p:blipFill>
+          <a:blip r:embed="rId3">
+            <a:extLst>
+              <a:ext uri="{28A0092B-C50C-407E-A947-70E740481C1C}">
+                <a14:useLocalDpi xmlns:a14="http://schemas.microsoft.com/office/drawing/2010/main" val="0"/>
+              </a:ext>
+            </a:extLst>
+          </a:blip>
+          <a:stretch>
+            <a:fillRect/>
+          </a:stretch>
+        </p:blipFill>
+        <p:spPr>
+          <a:xfrm>
+            <a:off x="1328225" y="1837216"/>
+            <a:ext cx="2783301" cy="4436772"/>
+          </a:xfrm>
+          <a:prstGeom prst="rect">
+            <a:avLst/>
+          </a:prstGeom>
+        </p:spPr>
+      </p:pic>
+      <p:sp>
+        <p:nvSpPr>
+          <p:cNvPr id="7" name="TextBox 6"/>
+          <p:cNvSpPr txBox="1"/>
+          <p:nvPr/>
+        </p:nvSpPr>
+        <p:spPr>
+          <a:xfrm>
+            <a:off x="249232" y="1377885"/>
+            <a:ext cx="4941289" cy="369332"/>
+          </a:xfrm>
+          <a:prstGeom prst="rect">
+            <a:avLst/>
+          </a:prstGeom>
+          <a:noFill/>
+        </p:spPr>
+        <p:txBody>
+          <a:bodyPr wrap="none" rtlCol="0">
+            <a:spAutoFit/>
+          </a:bodyPr>
+          <a:lstStyle/>
+          <a:p>
+            <a:r>
+              <a:rPr lang="it-IT" dirty="0" smtClean="0">
+                <a:solidFill>
+                  <a:schemeClr val="tx1">
+                    <a:lumMod val="75000"/>
+                    <a:lumOff val="25000"/>
+                  </a:schemeClr>
+                </a:solidFill>
+              </a:rPr>
+              <a:t>‘‘Che conferenza c’è in Social Media alle 16?’’</a:t>
+            </a:r>
+            <a:endParaRPr lang="it-IT" dirty="0">
+              <a:solidFill>
+                <a:schemeClr val="tx1">
+                  <a:lumMod val="75000"/>
+                  <a:lumOff val="25000"/>
+                </a:schemeClr>
+              </a:solidFill>
+            </a:endParaRPr>
+          </a:p>
+        </p:txBody>
+      </p:sp>
+      <p:sp>
+        <p:nvSpPr>
+          <p:cNvPr id="8" name="TextBox 7"/>
+          <p:cNvSpPr txBox="1"/>
+          <p:nvPr/>
+        </p:nvSpPr>
+        <p:spPr>
+          <a:xfrm>
+            <a:off x="5190521" y="5904656"/>
+            <a:ext cx="3424848" cy="369332"/>
+          </a:xfrm>
+          <a:prstGeom prst="rect">
+            <a:avLst/>
+          </a:prstGeom>
+          <a:noFill/>
+        </p:spPr>
+        <p:txBody>
+          <a:bodyPr wrap="none" rtlCol="0">
+            <a:spAutoFit/>
+          </a:bodyPr>
+          <a:lstStyle/>
+          <a:p>
+            <a:r>
+              <a:rPr lang="it-IT" dirty="0" smtClean="0">
+                <a:solidFill>
+                  <a:schemeClr val="tx1">
+                    <a:lumMod val="75000"/>
+                    <a:lumOff val="25000"/>
+                  </a:schemeClr>
+                </a:solidFill>
+              </a:rPr>
+              <a:t>‘‘Dove si trova la stanza SEO?’’</a:t>
+            </a:r>
+            <a:endParaRPr lang="it-IT" dirty="0">
+              <a:solidFill>
+                <a:schemeClr val="tx1">
+                  <a:lumMod val="75000"/>
+                  <a:lumOff val="25000"/>
+                </a:schemeClr>
+              </a:solidFill>
+            </a:endParaRPr>
+          </a:p>
+        </p:txBody>
+      </p:sp>
+      <p:sp>
+        <p:nvSpPr>
+          <p:cNvPr id="9" name="TextBox 8"/>
+          <p:cNvSpPr txBox="1"/>
+          <p:nvPr/>
+        </p:nvSpPr>
+        <p:spPr>
+          <a:xfrm>
+            <a:off x="11050073" y="6359879"/>
+            <a:ext cx="1013139" cy="461665"/>
+          </a:xfrm>
+          <a:prstGeom prst="rect">
+            <a:avLst/>
+          </a:prstGeom>
+          <a:noFill/>
+        </p:spPr>
+        <p:txBody>
+          <a:bodyPr wrap="square" rtlCol="0">
+            <a:spAutoFit/>
+          </a:bodyPr>
+          <a:lstStyle/>
+          <a:p>
+            <a:pPr algn="r"/>
+            <a:r>
+              <a:rPr lang="it-IT" sz="2400" dirty="0" smtClean="0">
+                <a:latin typeface="Book Antiqua" panose="02040602050305030304" pitchFamily="18" charset="0"/>
+              </a:rPr>
+              <a:t>13/15</a:t>
+            </a:r>
+            <a:endParaRPr lang="it-IT" sz="2400" dirty="0">
+              <a:latin typeface="Book Antiqua" panose="02040602050305030304" pitchFamily="18" charset="0"/>
+            </a:endParaRPr>
+          </a:p>
+        </p:txBody>
+      </p:sp>
+      <p:sp>
+        <p:nvSpPr>
+          <p:cNvPr id="10" name="Title 1"/>
+          <p:cNvSpPr txBox="1">
+            <a:spLocks/>
+          </p:cNvSpPr>
+          <p:nvPr/>
+        </p:nvSpPr>
+        <p:spPr>
+          <a:xfrm>
+            <a:off x="587182" y="447039"/>
+            <a:ext cx="8596668" cy="1320800"/>
+          </a:xfrm>
+          <a:prstGeom prst="rect">
+            <a:avLst/>
+          </a:prstGeom>
+        </p:spPr>
+        <p:txBody>
+          <a:bodyPr vert="horz" lIns="91440" tIns="45720" rIns="91440" bIns="45720" rtlCol="0" anchor="t">
+            <a:normAutofit/>
+          </a:bodyPr>
+          <a:lstStyle>
+            <a:lvl1pPr algn="l" defTabSz="457200" rtl="0" eaLnBrk="1" latinLnBrk="0" hangingPunct="1">
+              <a:spcBef>
+                <a:spcPct val="0"/>
+              </a:spcBef>
+              <a:buNone/>
+              <a:defRPr sz="3600" kern="1200">
+                <a:solidFill>
+                  <a:schemeClr val="accent1"/>
+                </a:solidFill>
+                <a:latin typeface="+mj-lt"/>
+                <a:ea typeface="+mj-ea"/>
+                <a:cs typeface="+mj-cs"/>
+              </a:defRPr>
+            </a:lvl1pPr>
+            <a:lvl2pPr eaLnBrk="1" hangingPunct="1">
+              <a:defRPr>
+                <a:solidFill>
+                  <a:schemeClr val="tx2"/>
+                </a:solidFill>
+              </a:defRPr>
+            </a:lvl2pPr>
+            <a:lvl3pPr eaLnBrk="1" hangingPunct="1">
+              <a:defRPr>
+                <a:solidFill>
+                  <a:schemeClr val="tx2"/>
+                </a:solidFill>
+              </a:defRPr>
+            </a:lvl3pPr>
+            <a:lvl4pPr eaLnBrk="1" hangingPunct="1">
+              <a:defRPr>
+                <a:solidFill>
+                  <a:schemeClr val="tx2"/>
+                </a:solidFill>
+              </a:defRPr>
+            </a:lvl4pPr>
+            <a:lvl5pPr eaLnBrk="1" hangingPunct="1">
+              <a:defRPr>
+                <a:solidFill>
+                  <a:schemeClr val="tx2"/>
+                </a:solidFill>
+              </a:defRPr>
+            </a:lvl5pPr>
+            <a:lvl6pPr eaLnBrk="1" hangingPunct="1">
+              <a:defRPr>
+                <a:solidFill>
+                  <a:schemeClr val="tx2"/>
+                </a:solidFill>
+              </a:defRPr>
+            </a:lvl6pPr>
+            <a:lvl7pPr eaLnBrk="1" hangingPunct="1">
+              <a:defRPr>
+                <a:solidFill>
+                  <a:schemeClr val="tx2"/>
+                </a:solidFill>
+              </a:defRPr>
+            </a:lvl7pPr>
+            <a:lvl8pPr eaLnBrk="1" hangingPunct="1">
+              <a:defRPr>
+                <a:solidFill>
+                  <a:schemeClr val="tx2"/>
+                </a:solidFill>
+              </a:defRPr>
+            </a:lvl8pPr>
+            <a:lvl9pPr eaLnBrk="1" hangingPunct="1">
+              <a:defRPr>
+                <a:solidFill>
+                  <a:schemeClr val="tx2"/>
+                </a:solidFill>
+              </a:defRPr>
+            </a:lvl9pPr>
+          </a:lstStyle>
+          <a:p>
+            <a:r>
+              <a:rPr lang="it-IT" sz="4000" dirty="0" smtClean="0"/>
+              <a:t>Esempi – Gestore eventi</a:t>
+            </a:r>
+            <a:endParaRPr lang="it-IT" sz="4000" dirty="0"/>
+          </a:p>
+        </p:txBody>
+      </p:sp>
+    </p:spTree>
+    <p:extLst>
+      <p:ext uri="{BB962C8B-B14F-4D97-AF65-F5344CB8AC3E}">
+        <p14:creationId xmlns:p14="http://schemas.microsoft.com/office/powerpoint/2010/main" val="1290899967"/>
+      </p:ext>
+    </p:extLst>
+  </p:cSld>
+  <p:clrMapOvr>
+    <a:masterClrMapping/>
+  </p:clrMapOvr>
+  <p:timing>
+    <p:tnLst>
+      <p:par>
+        <p:cTn id="1" dur="indefinite" restart="never" nodeType="tmRoot"/>
+      </p:par>
+    </p:tnLst>
+  </p:timing>
+</p:sld>
+</file>
+
+<file path=ppt/slides/slide14.xml><?xml version="1.0" encoding="utf-8"?>
+<p:sld xmlns:a="http://schemas.openxmlformats.org/drawingml/2006/main" xmlns:r="http://schemas.openxmlformats.org/officeDocument/2006/relationships" xmlns:p="http://schemas.openxmlformats.org/presentationml/2006/main">
+  <p:cSld>
+    <p:spTree>
+      <p:nvGrpSpPr>
+        <p:cNvPr id="1" name=""/>
+        <p:cNvGrpSpPr/>
+        <p:nvPr/>
+      </p:nvGrpSpPr>
+      <p:grpSpPr>
+        <a:xfrm>
+          <a:off x="0" y="0"/>
+          <a:ext cx="0" cy="0"/>
+          <a:chOff x="0" y="0"/>
+          <a:chExt cx="0" cy="0"/>
+        </a:xfrm>
+      </p:grpSpPr>
+      <p:sp>
+        <p:nvSpPr>
+          <p:cNvPr id="3" name="Content Placeholder 2"/>
+          <p:cNvSpPr>
+            <a:spLocks noGrp="1"/>
+          </p:cNvSpPr>
+          <p:nvPr>
+            <p:ph idx="1"/>
+          </p:nvPr>
+        </p:nvSpPr>
+        <p:spPr/>
+        <p:txBody>
+          <a:bodyPr/>
+          <a:lstStyle/>
+          <a:p>
+            <a:r>
+              <a:rPr lang="it-IT" sz="2400" dirty="0" smtClean="0"/>
+              <a:t>Utilizzo da parte dell’azienda del prodotto</a:t>
+            </a:r>
+            <a:endParaRPr lang="it-IT" sz="2400" dirty="0" smtClean="0"/>
+          </a:p>
+          <a:p>
+            <a:endParaRPr lang="it-IT" sz="2400" dirty="0"/>
+          </a:p>
+          <a:p>
+            <a:r>
+              <a:rPr lang="it-IT" sz="2400" dirty="0" smtClean="0"/>
+              <a:t>Conoscenza di nuove tecnologie</a:t>
+            </a:r>
+          </a:p>
+          <a:p>
+            <a:endParaRPr lang="it-IT" sz="2400" dirty="0"/>
+          </a:p>
+          <a:p>
+            <a:r>
+              <a:rPr lang="it-IT" sz="2400" dirty="0" smtClean="0"/>
+              <a:t>Nuove abilità per lavorare in un team</a:t>
+            </a:r>
+          </a:p>
+          <a:p>
+            <a:endParaRPr lang="it-IT" sz="2400" dirty="0"/>
+          </a:p>
+          <a:p>
+            <a:r>
+              <a:rPr lang="it-IT" sz="2400" dirty="0" smtClean="0"/>
+              <a:t>Introduzione al mondo del lavoro</a:t>
+            </a:r>
+          </a:p>
+          <a:p>
+            <a:endParaRPr lang="it-IT" dirty="0"/>
+          </a:p>
+        </p:txBody>
+      </p:sp>
+      <p:pic>
+        <p:nvPicPr>
+          <p:cNvPr id="4" name="Picture 3"/>
+          <p:cNvPicPr>
+            <a:picLocks noChangeAspect="1"/>
+          </p:cNvPicPr>
+          <p:nvPr/>
+        </p:nvPicPr>
+        <p:blipFill>
+          <a:blip r:embed="rId2">
+            <a:extLst>
+              <a:ext uri="{28A0092B-C50C-407E-A947-70E740481C1C}">
+                <a14:useLocalDpi xmlns:a14="http://schemas.microsoft.com/office/drawing/2010/main" val="0"/>
+              </a:ext>
+            </a:extLst>
+          </a:blip>
+          <a:stretch>
+            <a:fillRect/>
+          </a:stretch>
+        </p:blipFill>
+        <p:spPr>
+          <a:xfrm>
+            <a:off x="6634089" y="2478584"/>
+            <a:ext cx="2822751" cy="2822751"/>
+          </a:xfrm>
+          <a:prstGeom prst="rect">
+            <a:avLst/>
+          </a:prstGeom>
+        </p:spPr>
+      </p:pic>
+      <p:sp>
+        <p:nvSpPr>
+          <p:cNvPr id="5" name="TextBox 4"/>
+          <p:cNvSpPr txBox="1"/>
+          <p:nvPr/>
+        </p:nvSpPr>
+        <p:spPr>
+          <a:xfrm>
+            <a:off x="11050073" y="6359879"/>
+            <a:ext cx="1013139" cy="461665"/>
+          </a:xfrm>
+          <a:prstGeom prst="rect">
+            <a:avLst/>
+          </a:prstGeom>
+          <a:noFill/>
+        </p:spPr>
+        <p:txBody>
+          <a:bodyPr wrap="square" rtlCol="0">
+            <a:spAutoFit/>
+          </a:bodyPr>
+          <a:lstStyle/>
+          <a:p>
+            <a:pPr algn="r"/>
+            <a:r>
+              <a:rPr lang="it-IT" sz="2400" dirty="0" smtClean="0">
+                <a:latin typeface="Book Antiqua" panose="02040602050305030304" pitchFamily="18" charset="0"/>
+              </a:rPr>
+              <a:t>14/15</a:t>
+            </a:r>
+            <a:endParaRPr lang="it-IT" sz="2400" dirty="0">
+              <a:latin typeface="Book Antiqua" panose="02040602050305030304" pitchFamily="18" charset="0"/>
+            </a:endParaRPr>
+          </a:p>
+        </p:txBody>
+      </p:sp>
+      <p:sp>
+        <p:nvSpPr>
+          <p:cNvPr id="6" name="Title 1"/>
+          <p:cNvSpPr txBox="1">
+            <a:spLocks/>
+          </p:cNvSpPr>
+          <p:nvPr/>
+        </p:nvSpPr>
+        <p:spPr>
+          <a:xfrm>
+            <a:off x="587182" y="447039"/>
+            <a:ext cx="8596668" cy="1320800"/>
+          </a:xfrm>
+          <a:prstGeom prst="rect">
+            <a:avLst/>
+          </a:prstGeom>
+        </p:spPr>
+        <p:txBody>
+          <a:bodyPr vert="horz" lIns="91440" tIns="45720" rIns="91440" bIns="45720" rtlCol="0" anchor="t">
+            <a:normAutofit/>
+          </a:bodyPr>
+          <a:lstStyle>
+            <a:lvl1pPr algn="l" defTabSz="457200" rtl="0" eaLnBrk="1" latinLnBrk="0" hangingPunct="1">
+              <a:spcBef>
+                <a:spcPct val="0"/>
+              </a:spcBef>
+              <a:buNone/>
+              <a:defRPr sz="3600" kern="1200">
+                <a:solidFill>
+                  <a:schemeClr val="accent1"/>
+                </a:solidFill>
+                <a:latin typeface="+mj-lt"/>
+                <a:ea typeface="+mj-ea"/>
+                <a:cs typeface="+mj-cs"/>
+              </a:defRPr>
+            </a:lvl1pPr>
+            <a:lvl2pPr eaLnBrk="1" hangingPunct="1">
+              <a:defRPr>
+                <a:solidFill>
+                  <a:schemeClr val="tx2"/>
+                </a:solidFill>
+              </a:defRPr>
+            </a:lvl2pPr>
+            <a:lvl3pPr eaLnBrk="1" hangingPunct="1">
+              <a:defRPr>
+                <a:solidFill>
+                  <a:schemeClr val="tx2"/>
+                </a:solidFill>
+              </a:defRPr>
+            </a:lvl3pPr>
+            <a:lvl4pPr eaLnBrk="1" hangingPunct="1">
+              <a:defRPr>
+                <a:solidFill>
+                  <a:schemeClr val="tx2"/>
+                </a:solidFill>
+              </a:defRPr>
+            </a:lvl4pPr>
+            <a:lvl5pPr eaLnBrk="1" hangingPunct="1">
+              <a:defRPr>
+                <a:solidFill>
+                  <a:schemeClr val="tx2"/>
+                </a:solidFill>
+              </a:defRPr>
+            </a:lvl5pPr>
+            <a:lvl6pPr eaLnBrk="1" hangingPunct="1">
+              <a:defRPr>
+                <a:solidFill>
+                  <a:schemeClr val="tx2"/>
+                </a:solidFill>
+              </a:defRPr>
+            </a:lvl6pPr>
+            <a:lvl7pPr eaLnBrk="1" hangingPunct="1">
+              <a:defRPr>
+                <a:solidFill>
+                  <a:schemeClr val="tx2"/>
+                </a:solidFill>
+              </a:defRPr>
+            </a:lvl7pPr>
+            <a:lvl8pPr eaLnBrk="1" hangingPunct="1">
+              <a:defRPr>
+                <a:solidFill>
+                  <a:schemeClr val="tx2"/>
+                </a:solidFill>
+              </a:defRPr>
+            </a:lvl8pPr>
+            <a:lvl9pPr eaLnBrk="1" hangingPunct="1">
+              <a:defRPr>
+                <a:solidFill>
+                  <a:schemeClr val="tx2"/>
+                </a:solidFill>
+              </a:defRPr>
+            </a:lvl9pPr>
+          </a:lstStyle>
+          <a:p>
+            <a:r>
+              <a:rPr lang="it-IT" sz="4000" dirty="0" smtClean="0"/>
+              <a:t>Considerazioni finali</a:t>
+            </a:r>
+            <a:endParaRPr lang="it-IT" sz="4000" dirty="0"/>
+          </a:p>
+        </p:txBody>
+      </p:sp>
+    </p:spTree>
+    <p:extLst>
+      <p:ext uri="{BB962C8B-B14F-4D97-AF65-F5344CB8AC3E}">
+        <p14:creationId xmlns:p14="http://schemas.microsoft.com/office/powerpoint/2010/main" val="3170425475"/>
+      </p:ext>
+    </p:extLst>
+  </p:cSld>
+  <p:clrMapOvr>
+    <a:masterClrMapping/>
+  </p:clrMapOvr>
+  <p:timing>
+    <p:tnLst>
+      <p:par>
+        <p:cTn id="1" dur="indefinite" restart="never" nodeType="tmRoot"/>
+      </p:par>
+    </p:tnLst>
+  </p:timing>
+</p:sld>
+</file>
+
+<file path=ppt/slides/slide15.xml><?xml version="1.0" encoding="utf-8"?>
+<p:sld xmlns:a="http://schemas.openxmlformats.org/drawingml/2006/main" xmlns:r="http://schemas.openxmlformats.org/officeDocument/2006/relationships" xmlns:p="http://schemas.openxmlformats.org/presentationml/2006/main">
+  <p:cSld>
+    <p:spTree>
+      <p:nvGrpSpPr>
+        <p:cNvPr id="1" name=""/>
+        <p:cNvGrpSpPr/>
+        <p:nvPr/>
+      </p:nvGrpSpPr>
+      <p:grpSpPr>
+        <a:xfrm>
+          <a:off x="0" y="0"/>
+          <a:ext cx="0" cy="0"/>
+          <a:chOff x="0" y="0"/>
+          <a:chExt cx="0" cy="0"/>
+        </a:xfrm>
+      </p:grpSpPr>
+      <p:sp>
+        <p:nvSpPr>
+          <p:cNvPr id="2" name="Title 1"/>
+          <p:cNvSpPr>
+            <a:spLocks noGrp="1"/>
+          </p:cNvSpPr>
+          <p:nvPr>
+            <p:ph type="title"/>
+          </p:nvPr>
+        </p:nvSpPr>
+        <p:spPr>
+          <a:xfrm>
             <a:off x="1939464" y="2914919"/>
-            <a:ext cx="8596668" cy="1320800"/>
+            <a:ext cx="6573471" cy="832833"/>
           </a:xfrm>
         </p:spPr>
         <p:txBody>
@@ -6707,7 +7677,7 @@
               <a:rPr lang="it-IT" sz="2400" dirty="0" smtClean="0">
                 <a:latin typeface="Book Antiqua" panose="02040602050305030304" pitchFamily="18" charset="0"/>
               </a:rPr>
-              <a:t>12/12</a:t>
+              <a:t>15/15</a:t>
             </a:r>
             <a:endParaRPr lang="it-IT" sz="2400" dirty="0">
               <a:latin typeface="Book Antiqua" panose="02040602050305030304" pitchFamily="18" charset="0"/>
@@ -7096,10 +8066,10 @@
           <a:p>
             <a:pPr algn="r"/>
             <a:r>
-              <a:rPr lang="it-IT" sz="2400" dirty="0" smtClean="0">
+              <a:rPr lang="it-IT" sz="2400" dirty="0">
                 <a:latin typeface="Book Antiqua" panose="02040602050305030304" pitchFamily="18" charset="0"/>
               </a:rPr>
-              <a:t>2/12</a:t>
+              <a:t>2/15</a:t>
             </a:r>
             <a:endParaRPr lang="it-IT" sz="2400" dirty="0">
               <a:latin typeface="Book Antiqua" panose="02040602050305030304" pitchFamily="18" charset="0"/>
@@ -7152,8 +8122,8 @@
         </p:nvSpPr>
         <p:spPr>
           <a:xfrm>
-            <a:off x="1060600" y="2143439"/>
-            <a:ext cx="6980349" cy="738664"/>
+            <a:off x="3179921" y="2020814"/>
+            <a:ext cx="6980349" cy="800219"/>
           </a:xfrm>
           <a:prstGeom prst="rect">
             <a:avLst/>
@@ -7167,7 +8137,7 @@
           <a:lstStyle/>
           <a:p>
             <a:r>
-              <a:rPr lang="it-IT" sz="2400" dirty="0" smtClean="0">
+              <a:rPr lang="it-IT" sz="2800" dirty="0" smtClean="0">
                 <a:solidFill>
                   <a:schemeClr val="tx1">
                     <a:lumMod val="75000"/>
@@ -7177,7 +8147,7 @@
               </a:rPr>
               <a:t>Chatbot di Facebook Messenger</a:t>
             </a:r>
-            <a:endParaRPr lang="it-IT" sz="2400" dirty="0">
+            <a:endParaRPr lang="it-IT" sz="2800" dirty="0">
               <a:solidFill>
                 <a:schemeClr val="tx1">
                   <a:lumMod val="75000"/>
@@ -7220,7 +8190,7 @@
         </p:blipFill>
         <p:spPr>
           <a:xfrm>
-            <a:off x="6567087" y="1675684"/>
+            <a:off x="1060600" y="1659510"/>
             <a:ext cx="1355769" cy="1355769"/>
           </a:xfrm>
           <a:prstGeom prst="rect">
@@ -7250,7 +8220,7 @@
         </p:blipFill>
         <p:spPr>
           <a:xfrm>
-            <a:off x="1060600" y="3265731"/>
+            <a:off x="6967470" y="4055006"/>
             <a:ext cx="1285292" cy="1285292"/>
           </a:xfrm>
           <a:prstGeom prst="rect">
@@ -7266,8 +8236,8 @@
         </p:nvSpPr>
         <p:spPr>
           <a:xfrm>
-            <a:off x="3154994" y="3677544"/>
-            <a:ext cx="5355953" cy="461665"/>
+            <a:off x="1060600" y="3793396"/>
+            <a:ext cx="5466561" cy="523220"/>
           </a:xfrm>
           <a:prstGeom prst="rect">
             <a:avLst/>
@@ -7281,7 +8251,7 @@
           <a:lstStyle/>
           <a:p>
             <a:r>
-              <a:rPr lang="it-IT" sz="2400" dirty="0" smtClean="0">
+              <a:rPr lang="it-IT" sz="2800" dirty="0" smtClean="0">
                 <a:solidFill>
                   <a:schemeClr val="tx1">
                     <a:lumMod val="75000"/>
@@ -7289,83 +8259,9 @@
                   </a:schemeClr>
                 </a:solidFill>
               </a:rPr>
-              <a:t>Incrementare le funzionalità presenti</a:t>
-            </a:r>
-            <a:endParaRPr lang="it-IT" sz="2400" dirty="0">
-              <a:solidFill>
-                <a:schemeClr val="tx1">
-                  <a:lumMod val="75000"/>
-                  <a:lumOff val="25000"/>
-                </a:schemeClr>
-              </a:solidFill>
-            </a:endParaRPr>
-          </a:p>
-        </p:txBody>
-      </p:sp>
-      <p:pic>
-        <p:nvPicPr>
-          <p:cNvPr id="9" name="Picture 8"/>
-          <p:cNvPicPr>
-            <a:picLocks noChangeAspect="1"/>
-          </p:cNvPicPr>
-          <p:nvPr/>
-        </p:nvPicPr>
-        <p:blipFill>
-          <a:blip r:embed="rId4">
-            <a:extLst>
-              <a:ext uri="{28A0092B-C50C-407E-A947-70E740481C1C}">
-                <a14:useLocalDpi xmlns:a14="http://schemas.microsoft.com/office/drawing/2010/main" val="0"/>
-              </a:ext>
-            </a:extLst>
-          </a:blip>
-          <a:stretch>
-            <a:fillRect/>
-          </a:stretch>
-        </p:blipFill>
-        <p:spPr>
-          <a:xfrm>
-            <a:off x="6546785" y="4855335"/>
-            <a:ext cx="1396372" cy="1396372"/>
-          </a:xfrm>
-          <a:prstGeom prst="rect">
-            <a:avLst/>
-          </a:prstGeom>
-        </p:spPr>
-      </p:pic>
-      <p:sp>
-        <p:nvSpPr>
-          <p:cNvPr id="10" name="TextBox 9"/>
-          <p:cNvSpPr txBox="1"/>
-          <p:nvPr/>
-        </p:nvSpPr>
-        <p:spPr>
-          <a:xfrm>
-            <a:off x="1060600" y="5345628"/>
-            <a:ext cx="4370107" cy="461665"/>
-          </a:xfrm>
-          <a:prstGeom prst="rect">
-            <a:avLst/>
-          </a:prstGeom>
-          <a:noFill/>
-        </p:spPr>
-        <p:txBody>
-          <a:bodyPr wrap="none" rtlCol="0">
-            <a:spAutoFit/>
-          </a:bodyPr>
-          <a:lstStyle/>
-          <a:p>
-            <a:r>
-              <a:rPr lang="it-IT" sz="2400" dirty="0" smtClean="0">
-                <a:solidFill>
-                  <a:schemeClr val="tx1">
-                    <a:lumMod val="75000"/>
-                    <a:lumOff val="25000"/>
-                  </a:schemeClr>
-                </a:solidFill>
-              </a:rPr>
-              <a:t>Introduzione nuove tecnologie</a:t>
-            </a:r>
-            <a:endParaRPr lang="it-IT" sz="2400" dirty="0">
+              <a:t>Estensione funzionalità presenti:</a:t>
+            </a:r>
+            <a:endParaRPr lang="it-IT" sz="2800" dirty="0">
               <a:solidFill>
                 <a:schemeClr val="tx1">
                   <a:lumMod val="75000"/>
@@ -7472,7 +8368,7 @@
           <a:p>
             <a:r>
               <a:rPr lang="it-IT" sz="4000" dirty="0" smtClean="0"/>
-              <a:t>Il progetto – 1 </a:t>
+              <a:t>Il progetto - 1 </a:t>
             </a:r>
             <a:endParaRPr lang="it-IT" sz="4000" dirty="0"/>
           </a:p>
@@ -7502,14 +8398,51 @@
           <a:p>
             <a:pPr algn="r"/>
             <a:r>
-              <a:rPr lang="it-IT" sz="2400" dirty="0" smtClean="0">
+              <a:rPr lang="it-IT" sz="2400" dirty="0">
                 <a:latin typeface="Book Antiqua" panose="02040602050305030304" pitchFamily="18" charset="0"/>
               </a:rPr>
-              <a:t>3/12</a:t>
+              <a:t>3/15</a:t>
             </a:r>
             <a:endParaRPr lang="it-IT" sz="2400" dirty="0">
               <a:latin typeface="Book Antiqua" panose="02040602050305030304" pitchFamily="18" charset="0"/>
             </a:endParaRPr>
+          </a:p>
+        </p:txBody>
+      </p:sp>
+      <p:sp>
+        <p:nvSpPr>
+          <p:cNvPr id="14" name="Content Placeholder 2"/>
+          <p:cNvSpPr>
+            <a:spLocks noGrp="1"/>
+          </p:cNvSpPr>
+          <p:nvPr>
+            <p:ph idx="1"/>
+          </p:nvPr>
+        </p:nvSpPr>
+        <p:spPr>
+          <a:xfrm>
+            <a:off x="1060600" y="4518851"/>
+            <a:ext cx="6357631" cy="1314290"/>
+          </a:xfrm>
+        </p:spPr>
+        <p:txBody>
+          <a:bodyPr/>
+          <a:lstStyle/>
+          <a:p>
+            <a:r>
+              <a:rPr lang="it-IT" sz="2400" dirty="0" smtClean="0"/>
+              <a:t>Domande di senso compiuto</a:t>
+            </a:r>
+          </a:p>
+          <a:p>
+            <a:r>
+              <a:rPr lang="it-IT" sz="2400" dirty="0" smtClean="0"/>
+              <a:t>Gestione richieste non coerenti</a:t>
+            </a:r>
+            <a:endParaRPr lang="it-IT" sz="2400" dirty="0" smtClean="0"/>
+          </a:p>
+          <a:p>
+            <a:endParaRPr lang="it-IT" dirty="0"/>
           </a:p>
         </p:txBody>
       </p:sp>
@@ -7824,10 +8757,10 @@
           <a:p>
             <a:pPr algn="r"/>
             <a:r>
-              <a:rPr lang="it-IT" sz="2400" dirty="0" smtClean="0">
+              <a:rPr lang="it-IT" sz="2400" dirty="0">
                 <a:latin typeface="Book Antiqua" panose="02040602050305030304" pitchFamily="18" charset="0"/>
               </a:rPr>
-              <a:t>4/12</a:t>
+              <a:t>4/15</a:t>
             </a:r>
             <a:endParaRPr lang="it-IT" sz="2400" dirty="0">
               <a:latin typeface="Book Antiqua" panose="02040602050305030304" pitchFamily="18" charset="0"/>
@@ -8193,13 +9126,7 @@
               <a:rPr lang="it-IT" sz="2400" dirty="0">
                 <a:latin typeface="Book Antiqua" panose="02040602050305030304" pitchFamily="18" charset="0"/>
               </a:rPr>
-              <a:t>5</a:t>
-            </a:r>
-            <a:r>
-              <a:rPr lang="it-IT" sz="2400" dirty="0" smtClean="0">
-                <a:latin typeface="Book Antiqua" panose="02040602050305030304" pitchFamily="18" charset="0"/>
-              </a:rPr>
-              <a:t>/12</a:t>
+              <a:t>5/15</a:t>
             </a:r>
             <a:endParaRPr lang="it-IT" sz="2400" dirty="0">
               <a:latin typeface="Book Antiqua" panose="02040602050305030304" pitchFamily="18" charset="0"/>
@@ -8246,163 +9173,76 @@
       </p:grpSpPr>
       <p:sp>
         <p:nvSpPr>
-          <p:cNvPr id="2" name="Title 1"/>
+          <p:cNvPr id="3" name="Content Placeholder 2"/>
           <p:cNvSpPr>
             <a:spLocks noGrp="1"/>
           </p:cNvSpPr>
           <p:nvPr>
-            <p:ph type="title"/>
+            <p:ph idx="1"/>
           </p:nvPr>
         </p:nvSpPr>
         <p:spPr>
           <a:xfrm>
-            <a:off x="503059" y="359930"/>
-            <a:ext cx="8596668" cy="1320800"/>
+            <a:off x="677334" y="1529524"/>
+            <a:ext cx="4654520" cy="4922792"/>
           </a:xfrm>
         </p:spPr>
         <p:txBody>
           <a:bodyPr>
-            <a:normAutofit/>
+            <a:normAutofit lnSpcReduction="10000"/>
           </a:bodyPr>
           <a:lstStyle/>
           <a:p>
             <a:r>
-              <a:rPr lang="it-IT" sz="4000" dirty="0" smtClean="0"/>
-              <a:t>Soluzione – Istruzione agent di api.ai </a:t>
-            </a:r>
-            <a:endParaRPr lang="it-IT" sz="4000" dirty="0"/>
-          </a:p>
-        </p:txBody>
-      </p:sp>
-      <p:sp>
-        <p:nvSpPr>
-          <p:cNvPr id="5" name="TextBox 4"/>
-          <p:cNvSpPr txBox="1"/>
-          <p:nvPr/>
-        </p:nvSpPr>
-        <p:spPr>
-          <a:xfrm>
-            <a:off x="7589379" y="2287606"/>
-            <a:ext cx="1306768" cy="523220"/>
-          </a:xfrm>
-          <a:prstGeom prst="rect">
-            <a:avLst/>
-          </a:prstGeom>
-          <a:noFill/>
-        </p:spPr>
-        <p:txBody>
-          <a:bodyPr wrap="none" rtlCol="0">
-            <a:spAutoFit/>
-          </a:bodyPr>
-          <a:lstStyle/>
-          <a:p>
-            <a:r>
-              <a:rPr lang="it-IT" sz="2800" b="1" dirty="0" smtClean="0">
-                <a:solidFill>
-                  <a:schemeClr val="accent1">
-                    <a:lumMod val="50000"/>
-                  </a:schemeClr>
-                </a:solidFill>
-              </a:rPr>
-              <a:t>Intenti</a:t>
-            </a:r>
-            <a:endParaRPr lang="it-IT" sz="2000" b="1" dirty="0">
-              <a:solidFill>
-                <a:schemeClr val="accent1">
-                  <a:lumMod val="50000"/>
-                </a:schemeClr>
-              </a:solidFill>
-            </a:endParaRPr>
-          </a:p>
-        </p:txBody>
-      </p:sp>
-      <p:sp>
-        <p:nvSpPr>
-          <p:cNvPr id="6" name="TextBox 5"/>
-          <p:cNvSpPr txBox="1"/>
-          <p:nvPr/>
-        </p:nvSpPr>
-        <p:spPr>
-          <a:xfrm>
-            <a:off x="7693574" y="3468165"/>
-            <a:ext cx="1183337" cy="523220"/>
-          </a:xfrm>
-          <a:prstGeom prst="rect">
-            <a:avLst/>
-          </a:prstGeom>
-          <a:noFill/>
-        </p:spPr>
-        <p:txBody>
-          <a:bodyPr wrap="none" rtlCol="0">
-            <a:spAutoFit/>
-          </a:bodyPr>
-          <a:lstStyle/>
-          <a:p>
-            <a:r>
-              <a:rPr lang="it-IT" sz="2800" b="1" dirty="0" smtClean="0">
-                <a:solidFill>
-                  <a:schemeClr val="accent1">
-                    <a:lumMod val="50000"/>
-                  </a:schemeClr>
-                </a:solidFill>
-              </a:rPr>
-              <a:t>Entità</a:t>
-            </a:r>
-            <a:endParaRPr lang="it-IT" sz="2000" b="1" dirty="0">
-              <a:solidFill>
-                <a:schemeClr val="accent1">
-                  <a:lumMod val="50000"/>
-                </a:schemeClr>
-              </a:solidFill>
-            </a:endParaRPr>
-          </a:p>
-        </p:txBody>
-      </p:sp>
-      <p:sp>
-        <p:nvSpPr>
-          <p:cNvPr id="7" name="TextBox 6"/>
-          <p:cNvSpPr txBox="1"/>
-          <p:nvPr/>
-        </p:nvSpPr>
-        <p:spPr>
-          <a:xfrm>
-            <a:off x="7526861" y="4648724"/>
-            <a:ext cx="1572866" cy="523220"/>
-          </a:xfrm>
-          <a:prstGeom prst="rect">
-            <a:avLst/>
-          </a:prstGeom>
-          <a:noFill/>
-        </p:spPr>
-        <p:txBody>
-          <a:bodyPr wrap="none" rtlCol="0">
-            <a:spAutoFit/>
-          </a:bodyPr>
-          <a:lstStyle/>
-          <a:p>
-            <a:r>
-              <a:rPr lang="it-IT" sz="2800" b="1" dirty="0" smtClean="0">
-                <a:solidFill>
-                  <a:schemeClr val="accent1">
-                    <a:lumMod val="50000"/>
-                  </a:schemeClr>
-                </a:solidFill>
-              </a:rPr>
-              <a:t>Contesti</a:t>
-            </a:r>
-            <a:endParaRPr lang="it-IT" sz="2000" b="1" dirty="0">
-              <a:solidFill>
-                <a:schemeClr val="accent1">
-                  <a:lumMod val="50000"/>
-                </a:schemeClr>
-              </a:solidFill>
-            </a:endParaRPr>
+              <a:rPr lang="it-IT" sz="2800" dirty="0" smtClean="0"/>
+              <a:t>Api.ai</a:t>
+            </a:r>
+          </a:p>
+          <a:p>
+            <a:pPr marL="0" indent="0">
+              <a:buNone/>
+            </a:pPr>
+            <a:endParaRPr lang="it-IT" sz="2800" dirty="0" smtClean="0"/>
+          </a:p>
+          <a:p>
+            <a:r>
+              <a:rPr lang="it-IT" sz="2800" dirty="0" smtClean="0"/>
+              <a:t>Wit.ai</a:t>
+            </a:r>
+          </a:p>
+          <a:p>
+            <a:endParaRPr lang="it-IT" sz="2800" dirty="0" smtClean="0"/>
+          </a:p>
+          <a:p>
+            <a:r>
+              <a:rPr lang="it-IT" sz="2800" dirty="0" smtClean="0"/>
+              <a:t>IBM Watson Conversation</a:t>
+            </a:r>
+          </a:p>
+          <a:p>
+            <a:endParaRPr lang="it-IT" sz="2800" dirty="0" smtClean="0"/>
+          </a:p>
+          <a:p>
+            <a:r>
+              <a:rPr lang="it-IT" sz="2800" dirty="0" smtClean="0"/>
+              <a:t>Microsoft LUIS</a:t>
+            </a:r>
+          </a:p>
+          <a:p>
+            <a:endParaRPr lang="it-IT" sz="2800" dirty="0" smtClean="0"/>
+          </a:p>
+          <a:p>
+            <a:r>
+              <a:rPr lang="it-IT" sz="2800" dirty="0" smtClean="0"/>
+              <a:t>Amazon Lex</a:t>
+            </a:r>
+            <a:endParaRPr lang="it-IT" sz="2800" dirty="0"/>
           </a:p>
         </p:txBody>
       </p:sp>
       <p:pic>
         <p:nvPicPr>
-          <p:cNvPr id="8" name="Picture 7"/>
+          <p:cNvPr id="6" name="Picture 5"/>
           <p:cNvPicPr>
             <a:picLocks noChangeAspect="1"/>
           </p:cNvPicPr>
@@ -8422,22 +9262,17 @@
         </p:blipFill>
         <p:spPr>
           <a:xfrm>
-            <a:off x="677334" y="1260912"/>
-            <a:ext cx="5935264" cy="5329799"/>
+            <a:off x="6582177" y="2936382"/>
+            <a:ext cx="2102129" cy="2102129"/>
           </a:xfrm>
           <a:prstGeom prst="rect">
             <a:avLst/>
           </a:prstGeom>
-          <a:ln w="38100" cmpd="dbl">
-            <a:solidFill>
-              <a:schemeClr val="accent1"/>
-            </a:solidFill>
-          </a:ln>
         </p:spPr>
       </p:pic>
       <p:sp>
         <p:nvSpPr>
-          <p:cNvPr id="9" name="TextBox 8"/>
+          <p:cNvPr id="7" name="TextBox 6"/>
           <p:cNvSpPr txBox="1"/>
           <p:nvPr/>
         </p:nvSpPr>
@@ -8462,7 +9297,7 @@
               <a:rPr lang="it-IT" sz="2400" dirty="0" smtClean="0">
                 <a:latin typeface="Book Antiqua" panose="02040602050305030304" pitchFamily="18" charset="0"/>
               </a:rPr>
-              <a:t>6/12</a:t>
+              <a:t>6/15</a:t>
             </a:r>
             <a:endParaRPr lang="it-IT" sz="2400" dirty="0">
               <a:latin typeface="Book Antiqua" panose="02040602050305030304" pitchFamily="18" charset="0"/>
@@ -8470,10 +9305,112 @@
           </a:p>
         </p:txBody>
       </p:sp>
+      <p:sp>
+        <p:nvSpPr>
+          <p:cNvPr id="8" name="Title 1"/>
+          <p:cNvSpPr txBox="1">
+            <a:spLocks/>
+          </p:cNvSpPr>
+          <p:nvPr/>
+        </p:nvSpPr>
+        <p:spPr>
+          <a:xfrm>
+            <a:off x="554574" y="437204"/>
+            <a:ext cx="8596668" cy="1320800"/>
+          </a:xfrm>
+          <a:prstGeom prst="rect">
+            <a:avLst/>
+          </a:prstGeom>
+        </p:spPr>
+        <p:txBody>
+          <a:bodyPr vert="horz" lIns="91440" tIns="45720" rIns="91440" bIns="45720" rtlCol="0" anchor="t">
+            <a:normAutofit/>
+          </a:bodyPr>
+          <a:lstStyle>
+            <a:lvl1pPr algn="l" defTabSz="457200" rtl="0" eaLnBrk="1" latinLnBrk="0" hangingPunct="1">
+              <a:spcBef>
+                <a:spcPct val="0"/>
+              </a:spcBef>
+              <a:buNone/>
+              <a:defRPr sz="3600" kern="1200">
+                <a:solidFill>
+                  <a:schemeClr val="accent1"/>
+                </a:solidFill>
+                <a:latin typeface="+mj-lt"/>
+                <a:ea typeface="+mj-ea"/>
+                <a:cs typeface="+mj-cs"/>
+              </a:defRPr>
+            </a:lvl1pPr>
+            <a:lvl2pPr eaLnBrk="1" hangingPunct="1">
+              <a:defRPr>
+                <a:solidFill>
+                  <a:schemeClr val="tx2"/>
+                </a:solidFill>
+              </a:defRPr>
+            </a:lvl2pPr>
+            <a:lvl3pPr eaLnBrk="1" hangingPunct="1">
+              <a:defRPr>
+                <a:solidFill>
+                  <a:schemeClr val="tx2"/>
+                </a:solidFill>
+              </a:defRPr>
+            </a:lvl3pPr>
+            <a:lvl4pPr eaLnBrk="1" hangingPunct="1">
+              <a:defRPr>
+                <a:solidFill>
+                  <a:schemeClr val="tx2"/>
+                </a:solidFill>
+              </a:defRPr>
+            </a:lvl4pPr>
+            <a:lvl5pPr eaLnBrk="1" hangingPunct="1">
+              <a:defRPr>
+                <a:solidFill>
+                  <a:schemeClr val="tx2"/>
+                </a:solidFill>
+              </a:defRPr>
+            </a:lvl5pPr>
+            <a:lvl6pPr eaLnBrk="1" hangingPunct="1">
+              <a:defRPr>
+                <a:solidFill>
+                  <a:schemeClr val="tx2"/>
+                </a:solidFill>
+              </a:defRPr>
+            </a:lvl6pPr>
+            <a:lvl7pPr eaLnBrk="1" hangingPunct="1">
+              <a:defRPr>
+                <a:solidFill>
+                  <a:schemeClr val="tx2"/>
+                </a:solidFill>
+              </a:defRPr>
+            </a:lvl7pPr>
+            <a:lvl8pPr eaLnBrk="1" hangingPunct="1">
+              <a:defRPr>
+                <a:solidFill>
+                  <a:schemeClr val="tx2"/>
+                </a:solidFill>
+              </a:defRPr>
+            </a:lvl8pPr>
+            <a:lvl9pPr eaLnBrk="1" hangingPunct="1">
+              <a:defRPr>
+                <a:solidFill>
+                  <a:schemeClr val="tx2"/>
+                </a:solidFill>
+              </a:defRPr>
+            </a:lvl9pPr>
+          </a:lstStyle>
+          <a:p>
+            <a:r>
+              <a:rPr lang="it-IT" sz="4000" dirty="0" smtClean="0"/>
+              <a:t>Soluzione – Strumenti valutati</a:t>
+            </a:r>
+            <a:endParaRPr lang="it-IT" sz="4000" dirty="0"/>
+          </a:p>
+        </p:txBody>
+      </p:sp>
     </p:spTree>
     <p:extLst>
       <p:ext uri="{BB962C8B-B14F-4D97-AF65-F5344CB8AC3E}">
-        <p14:creationId xmlns:p14="http://schemas.microsoft.com/office/powerpoint/2010/main" val="2560453029"/>
+        <p14:creationId xmlns:p14="http://schemas.microsoft.com/office/powerpoint/2010/main" val="118118371"/>
       </p:ext>
     </p:extLst>
   </p:cSld>
@@ -8507,171 +9444,9 @@
           <a:chExt cx="0" cy="0"/>
         </a:xfrm>
       </p:grpSpPr>
-      <p:sp>
-        <p:nvSpPr>
-          <p:cNvPr id="2" name="Title 1"/>
-          <p:cNvSpPr>
-            <a:spLocks noGrp="1"/>
-          </p:cNvSpPr>
-          <p:nvPr>
-            <p:ph type="title"/>
-          </p:nvPr>
-        </p:nvSpPr>
-        <p:spPr>
-          <a:xfrm>
-            <a:off x="561424" y="447330"/>
-            <a:ext cx="8596668" cy="1320800"/>
-          </a:xfrm>
-        </p:spPr>
-        <p:txBody>
-          <a:bodyPr>
-            <a:normAutofit/>
-          </a:bodyPr>
-          <a:lstStyle/>
-          <a:p>
-            <a:r>
-              <a:rPr lang="it-IT" sz="4000" dirty="0" smtClean="0"/>
-              <a:t>Soluzione – Implementazione </a:t>
-            </a:r>
-            <a:endParaRPr lang="it-IT" sz="4000" dirty="0"/>
-          </a:p>
-        </p:txBody>
-      </p:sp>
-      <p:sp>
-        <p:nvSpPr>
-          <p:cNvPr id="5" name="TextBox 4"/>
-          <p:cNvSpPr txBox="1"/>
-          <p:nvPr/>
-        </p:nvSpPr>
-        <p:spPr>
-          <a:xfrm>
-            <a:off x="677334" y="1930400"/>
-            <a:ext cx="5189343" cy="461665"/>
-          </a:xfrm>
-          <a:prstGeom prst="rect">
-            <a:avLst/>
-          </a:prstGeom>
-          <a:noFill/>
-        </p:spPr>
-        <p:txBody>
-          <a:bodyPr wrap="square" rtlCol="0">
-            <a:spAutoFit/>
-          </a:bodyPr>
-          <a:lstStyle/>
-          <a:p>
-            <a:r>
-              <a:rPr lang="it-IT" sz="2400" dirty="0" smtClean="0">
-                <a:solidFill>
-                  <a:schemeClr val="tx1">
-                    <a:lumMod val="75000"/>
-                    <a:lumOff val="25000"/>
-                  </a:schemeClr>
-                </a:solidFill>
-              </a:rPr>
-              <a:t>Integrazione nel software aziendale</a:t>
-            </a:r>
-            <a:endParaRPr lang="it-IT" sz="2400" dirty="0">
-              <a:solidFill>
-                <a:schemeClr val="tx1">
-                  <a:lumMod val="75000"/>
-                  <a:lumOff val="25000"/>
-                </a:schemeClr>
-              </a:solidFill>
-            </a:endParaRPr>
-          </a:p>
-        </p:txBody>
-      </p:sp>
-      <p:sp>
-        <p:nvSpPr>
-          <p:cNvPr id="6" name="TextBox 5"/>
-          <p:cNvSpPr txBox="1"/>
-          <p:nvPr/>
-        </p:nvSpPr>
-        <p:spPr>
-          <a:xfrm>
-            <a:off x="1211208" y="3482032"/>
-            <a:ext cx="4740529" cy="461665"/>
-          </a:xfrm>
-          <a:prstGeom prst="rect">
-            <a:avLst/>
-          </a:prstGeom>
-          <a:noFill/>
-        </p:spPr>
-        <p:txBody>
-          <a:bodyPr wrap="none" rtlCol="0">
-            <a:spAutoFit/>
-          </a:bodyPr>
-          <a:lstStyle/>
-          <a:p>
-            <a:r>
-              <a:rPr lang="it-IT" sz="2400" dirty="0" smtClean="0">
-                <a:solidFill>
-                  <a:schemeClr val="tx1">
-                    <a:lumMod val="75000"/>
-                    <a:lumOff val="25000"/>
-                  </a:schemeClr>
-                </a:solidFill>
-              </a:rPr>
-              <a:t>Test attraverso Chatbot di prova</a:t>
-            </a:r>
-            <a:endParaRPr lang="it-IT" sz="2400" dirty="0">
-              <a:solidFill>
-                <a:schemeClr val="tx1">
-                  <a:lumMod val="75000"/>
-                  <a:lumOff val="25000"/>
-                </a:schemeClr>
-              </a:solidFill>
-            </a:endParaRPr>
-          </a:p>
-        </p:txBody>
-      </p:sp>
-      <p:sp>
-        <p:nvSpPr>
-          <p:cNvPr id="7" name="TextBox 6"/>
-          <p:cNvSpPr txBox="1"/>
-          <p:nvPr/>
-        </p:nvSpPr>
-        <p:spPr>
-          <a:xfrm>
-            <a:off x="1820496" y="5033664"/>
-            <a:ext cx="4839786" cy="461665"/>
-          </a:xfrm>
-          <a:prstGeom prst="rect">
-            <a:avLst/>
-          </a:prstGeom>
-          <a:noFill/>
-        </p:spPr>
-        <p:txBody>
-          <a:bodyPr wrap="none" rtlCol="0">
-            <a:spAutoFit/>
-          </a:bodyPr>
-          <a:lstStyle/>
-          <a:p>
-            <a:r>
-              <a:rPr lang="it-IT" sz="2400" dirty="0" smtClean="0">
-                <a:solidFill>
-                  <a:schemeClr val="tx1">
-                    <a:lumMod val="75000"/>
-                    <a:lumOff val="25000"/>
-                  </a:schemeClr>
-                </a:solidFill>
-              </a:rPr>
-              <a:t>Pubblicazione nuove funzionalità </a:t>
-            </a:r>
-            <a:endParaRPr lang="it-IT" sz="2400" dirty="0">
-              <a:solidFill>
-                <a:schemeClr val="tx1">
-                  <a:lumMod val="75000"/>
-                  <a:lumOff val="25000"/>
-                </a:schemeClr>
-              </a:solidFill>
-            </a:endParaRPr>
-          </a:p>
-        </p:txBody>
-      </p:sp>
       <p:pic>
         <p:nvPicPr>
-          <p:cNvPr id="8" name="Picture 7"/>
+          <p:cNvPr id="4" name="Picture 3"/>
           <p:cNvPicPr>
             <a:picLocks noChangeAspect="1"/>
           </p:cNvPicPr>
@@ -8691,145 +9466,83 @@
         </p:blipFill>
         <p:spPr>
           <a:xfrm>
-            <a:off x="7363931" y="3084886"/>
-            <a:ext cx="1255956" cy="1255956"/>
+            <a:off x="5158191" y="1391012"/>
+            <a:ext cx="3569770" cy="1288338"/>
           </a:xfrm>
           <a:prstGeom prst="rect">
             <a:avLst/>
           </a:prstGeom>
         </p:spPr>
       </p:pic>
-      <p:pic>
-        <p:nvPicPr>
-          <p:cNvPr id="9" name="Picture 8"/>
-          <p:cNvPicPr>
-            <a:picLocks noChangeAspect="1"/>
-          </p:cNvPicPr>
-          <p:nvPr/>
-        </p:nvPicPr>
-        <p:blipFill>
-          <a:blip r:embed="rId3">
-            <a:extLst>
-              <a:ext uri="{28A0092B-C50C-407E-A947-70E740481C1C}">
-                <a14:useLocalDpi xmlns:a14="http://schemas.microsoft.com/office/drawing/2010/main" val="0"/>
-              </a:ext>
-            </a:extLst>
-          </a:blip>
-          <a:stretch>
-            <a:fillRect/>
-          </a:stretch>
-        </p:blipFill>
-        <p:spPr>
-          <a:xfrm>
-            <a:off x="7392796" y="4665383"/>
-            <a:ext cx="1198225" cy="1198225"/>
-          </a:xfrm>
-          <a:prstGeom prst="rect">
-            <a:avLst/>
-          </a:prstGeom>
-        </p:spPr>
-      </p:pic>
-      <p:cxnSp>
-        <p:nvCxnSpPr>
-          <p:cNvPr id="11" name="Elbow Connector 10"/>
-          <p:cNvCxnSpPr>
-            <a:endCxn id="6" idx="1"/>
-          </p:cNvCxnSpPr>
-          <p:nvPr/>
-        </p:nvCxnSpPr>
-        <p:spPr>
-          <a:xfrm rot="16200000" flipH="1">
-            <a:off x="360201" y="2861858"/>
-            <a:ext cx="1320798" cy="381216"/>
-          </a:xfrm>
-          <a:prstGeom prst="bentConnector2">
-            <a:avLst/>
-          </a:prstGeom>
-          <a:ln w="38100">
-            <a:tailEnd type="triangle"/>
-          </a:ln>
-        </p:spPr>
-        <p:style>
-          <a:lnRef idx="1">
-            <a:schemeClr val="accent1"/>
-          </a:lnRef>
-          <a:fillRef idx="0">
-            <a:schemeClr val="accent1"/>
-          </a:fillRef>
-          <a:effectRef idx="0">
-            <a:schemeClr val="accent1"/>
-          </a:effectRef>
-          <a:fontRef idx="minor">
-            <a:schemeClr val="tx1"/>
-          </a:fontRef>
-        </p:style>
-      </p:cxnSp>
-      <p:cxnSp>
-        <p:nvCxnSpPr>
-          <p:cNvPr id="15" name="Elbow Connector 14"/>
-          <p:cNvCxnSpPr/>
-          <p:nvPr/>
-        </p:nvCxnSpPr>
-        <p:spPr>
-          <a:xfrm rot="16200000" flipH="1">
-            <a:off x="947121" y="4413489"/>
-            <a:ext cx="1320798" cy="381215"/>
-          </a:xfrm>
-          <a:prstGeom prst="bentConnector2">
-            <a:avLst/>
-          </a:prstGeom>
-          <a:ln w="38100">
-            <a:tailEnd type="triangle"/>
-          </a:ln>
-        </p:spPr>
-        <p:style>
-          <a:lnRef idx="1">
-            <a:schemeClr val="accent1"/>
-          </a:lnRef>
-          <a:fillRef idx="0">
-            <a:schemeClr val="accent1"/>
-          </a:fillRef>
-          <a:effectRef idx="0">
-            <a:schemeClr val="accent1"/>
-          </a:effectRef>
-          <a:fontRef idx="minor">
-            <a:schemeClr val="tx1"/>
-          </a:fontRef>
-        </p:style>
-      </p:cxnSp>
-      <p:pic>
-        <p:nvPicPr>
-          <p:cNvPr id="16" name="Picture 15"/>
-          <p:cNvPicPr>
-            <a:picLocks noChangeAspect="1"/>
-          </p:cNvPicPr>
-          <p:nvPr/>
-        </p:nvPicPr>
-        <p:blipFill>
-          <a:blip r:embed="rId4">
-            <a:extLst>
-              <a:ext uri="{28A0092B-C50C-407E-A947-70E740481C1C}">
-                <a14:useLocalDpi xmlns:a14="http://schemas.microsoft.com/office/drawing/2010/main" val="0"/>
-              </a:ext>
-            </a:extLst>
-          </a:blip>
-          <a:stretch>
-            <a:fillRect/>
-          </a:stretch>
-        </p:blipFill>
-        <p:spPr>
-          <a:xfrm>
-            <a:off x="7309507" y="1478832"/>
-            <a:ext cx="1364802" cy="1364802"/>
-          </a:xfrm>
-          <a:prstGeom prst="rect">
-            <a:avLst/>
-          </a:prstGeom>
-        </p:spPr>
-      </p:pic>
-      <p:sp>
-        <p:nvSpPr>
-          <p:cNvPr id="17" name="TextBox 16"/>
+      <p:sp>
+        <p:nvSpPr>
+          <p:cNvPr id="6" name="Content Placeholder 2"/>
+          <p:cNvSpPr>
+            <a:spLocks noGrp="1"/>
+          </p:cNvSpPr>
+          <p:nvPr>
+            <p:ph idx="1"/>
+          </p:nvPr>
+        </p:nvSpPr>
+        <p:spPr>
+          <a:xfrm>
+            <a:off x="708122" y="2035181"/>
+            <a:ext cx="8289571" cy="3778518"/>
+          </a:xfrm>
+        </p:spPr>
+        <p:txBody>
+          <a:bodyPr>
+            <a:normAutofit lnSpcReduction="10000"/>
+          </a:bodyPr>
+          <a:lstStyle/>
+          <a:p>
+            <a:r>
+              <a:rPr lang="it-IT" sz="2800" dirty="0"/>
+              <a:t>Utilizzo gratuito </a:t>
+            </a:r>
+            <a:endParaRPr lang="it-IT" sz="2800" dirty="0" smtClean="0"/>
+          </a:p>
+          <a:p>
+            <a:pPr marL="0" indent="0">
+              <a:buNone/>
+            </a:pPr>
+            <a:endParaRPr lang="it-IT" sz="2800" dirty="0" smtClean="0"/>
+          </a:p>
+          <a:p>
+            <a:r>
+              <a:rPr lang="it-IT" sz="2800" dirty="0"/>
+              <a:t>14 lingue completamente supportate</a:t>
+            </a:r>
+          </a:p>
+          <a:p>
+            <a:endParaRPr lang="it-IT" sz="2800" dirty="0" smtClean="0"/>
+          </a:p>
+          <a:p>
+            <a:r>
+              <a:rPr lang="it-IT" sz="2800" dirty="0"/>
+              <a:t>Documentazione chiara e ricca di esempi</a:t>
+            </a:r>
+          </a:p>
+          <a:p>
+            <a:endParaRPr lang="it-IT" sz="2800" dirty="0" smtClean="0"/>
+          </a:p>
+          <a:p>
+            <a:r>
+              <a:rPr lang="it-IT" sz="2800" dirty="0"/>
+              <a:t>SDK per i principali linguaggi di programmazione</a:t>
+            </a:r>
+          </a:p>
+          <a:p>
+            <a:pPr marL="0" indent="0">
+              <a:buNone/>
+            </a:pPr>
+            <a:endParaRPr lang="it-IT" sz="2800" dirty="0" smtClean="0"/>
+          </a:p>
+        </p:txBody>
+      </p:sp>
+      <p:sp>
+        <p:nvSpPr>
+          <p:cNvPr id="7" name="TextBox 6"/>
           <p:cNvSpPr txBox="1"/>
           <p:nvPr/>
         </p:nvSpPr>
@@ -8854,7 +9567,7 @@
               <a:rPr lang="it-IT" sz="2400" dirty="0" smtClean="0">
                 <a:latin typeface="Book Antiqua" panose="02040602050305030304" pitchFamily="18" charset="0"/>
               </a:rPr>
-              <a:t>7/12</a:t>
+              <a:t>7/15</a:t>
             </a:r>
             <a:endParaRPr lang="it-IT" sz="2400" dirty="0">
               <a:latin typeface="Book Antiqua" panose="02040602050305030304" pitchFamily="18" charset="0"/>
@@ -8862,10 +9575,112 @@
           </a:p>
         </p:txBody>
       </p:sp>
+      <p:sp>
+        <p:nvSpPr>
+          <p:cNvPr id="10" name="Title 1"/>
+          <p:cNvSpPr txBox="1">
+            <a:spLocks/>
+          </p:cNvSpPr>
+          <p:nvPr/>
+        </p:nvSpPr>
+        <p:spPr>
+          <a:xfrm>
+            <a:off x="554574" y="437204"/>
+            <a:ext cx="8596668" cy="1320800"/>
+          </a:xfrm>
+          <a:prstGeom prst="rect">
+            <a:avLst/>
+          </a:prstGeom>
+        </p:spPr>
+        <p:txBody>
+          <a:bodyPr vert="horz" lIns="91440" tIns="45720" rIns="91440" bIns="45720" rtlCol="0" anchor="t">
+            <a:normAutofit/>
+          </a:bodyPr>
+          <a:lstStyle>
+            <a:lvl1pPr algn="l" defTabSz="457200" rtl="0" eaLnBrk="1" latinLnBrk="0" hangingPunct="1">
+              <a:spcBef>
+                <a:spcPct val="0"/>
+              </a:spcBef>
+              <a:buNone/>
+              <a:defRPr sz="3600" kern="1200">
+                <a:solidFill>
+                  <a:schemeClr val="accent1"/>
+                </a:solidFill>
+                <a:latin typeface="+mj-lt"/>
+                <a:ea typeface="+mj-ea"/>
+                <a:cs typeface="+mj-cs"/>
+              </a:defRPr>
+            </a:lvl1pPr>
+            <a:lvl2pPr eaLnBrk="1" hangingPunct="1">
+              <a:defRPr>
+                <a:solidFill>
+                  <a:schemeClr val="tx2"/>
+                </a:solidFill>
+              </a:defRPr>
+            </a:lvl2pPr>
+            <a:lvl3pPr eaLnBrk="1" hangingPunct="1">
+              <a:defRPr>
+                <a:solidFill>
+                  <a:schemeClr val="tx2"/>
+                </a:solidFill>
+              </a:defRPr>
+            </a:lvl3pPr>
+            <a:lvl4pPr eaLnBrk="1" hangingPunct="1">
+              <a:defRPr>
+                <a:solidFill>
+                  <a:schemeClr val="tx2"/>
+                </a:solidFill>
+              </a:defRPr>
+            </a:lvl4pPr>
+            <a:lvl5pPr eaLnBrk="1" hangingPunct="1">
+              <a:defRPr>
+                <a:solidFill>
+                  <a:schemeClr val="tx2"/>
+                </a:solidFill>
+              </a:defRPr>
+            </a:lvl5pPr>
+            <a:lvl6pPr eaLnBrk="1" hangingPunct="1">
+              <a:defRPr>
+                <a:solidFill>
+                  <a:schemeClr val="tx2"/>
+                </a:solidFill>
+              </a:defRPr>
+            </a:lvl6pPr>
+            <a:lvl7pPr eaLnBrk="1" hangingPunct="1">
+              <a:defRPr>
+                <a:solidFill>
+                  <a:schemeClr val="tx2"/>
+                </a:solidFill>
+              </a:defRPr>
+            </a:lvl7pPr>
+            <a:lvl8pPr eaLnBrk="1" hangingPunct="1">
+              <a:defRPr>
+                <a:solidFill>
+                  <a:schemeClr val="tx2"/>
+                </a:solidFill>
+              </a:defRPr>
+            </a:lvl8pPr>
+            <a:lvl9pPr eaLnBrk="1" hangingPunct="1">
+              <a:defRPr>
+                <a:solidFill>
+                  <a:schemeClr val="tx2"/>
+                </a:solidFill>
+              </a:defRPr>
+            </a:lvl9pPr>
+          </a:lstStyle>
+          <a:p>
+            <a:r>
+              <a:rPr lang="it-IT" sz="4000" dirty="0" smtClean="0"/>
+              <a:t>Soluzione – api.ai</a:t>
+            </a:r>
+            <a:endParaRPr lang="it-IT" sz="4000" dirty="0"/>
+          </a:p>
+        </p:txBody>
+      </p:sp>
     </p:spTree>
     <p:extLst>
       <p:ext uri="{BB962C8B-B14F-4D97-AF65-F5344CB8AC3E}">
-        <p14:creationId xmlns:p14="http://schemas.microsoft.com/office/powerpoint/2010/main" val="1755466869"/>
+        <p14:creationId xmlns:p14="http://schemas.microsoft.com/office/powerpoint/2010/main" val="2034187884"/>
       </p:ext>
     </p:extLst>
   </p:cSld>
@@ -8911,7 +9726,7 @@
         </p:nvSpPr>
         <p:spPr>
           <a:xfrm>
-            <a:off x="574303" y="432158"/>
+            <a:off x="503059" y="359930"/>
             <a:ext cx="8596668" cy="1320800"/>
           </a:xfrm>
         </p:spPr>
@@ -8923,15 +9738,141 @@
           <a:p>
             <a:r>
               <a:rPr lang="it-IT" sz="4000" dirty="0" smtClean="0"/>
-              <a:t>Strumenti utilizzati</a:t>
+              <a:t>Soluzione – Istruzione agent di api.ai </a:t>
             </a:r>
             <a:endParaRPr lang="it-IT" sz="4000" dirty="0"/>
+          </a:p>
+        </p:txBody>
+      </p:sp>
+      <p:sp>
+        <p:nvSpPr>
+          <p:cNvPr id="5" name="TextBox 4"/>
+          <p:cNvSpPr txBox="1"/>
+          <p:nvPr/>
+        </p:nvSpPr>
+        <p:spPr>
+          <a:xfrm>
+            <a:off x="7589379" y="2287606"/>
+            <a:ext cx="1306768" cy="523220"/>
+          </a:xfrm>
+          <a:prstGeom prst="rect">
+            <a:avLst/>
+          </a:prstGeom>
+          <a:noFill/>
+        </p:spPr>
+        <p:txBody>
+          <a:bodyPr wrap="none" rtlCol="0">
+            <a:spAutoFit/>
+          </a:bodyPr>
+          <a:lstStyle/>
+          <a:p>
+            <a:r>
+              <a:rPr lang="it-IT" sz="2800" dirty="0" smtClean="0">
+                <a:solidFill>
+                  <a:schemeClr val="accent1">
+                    <a:lumMod val="50000"/>
+                  </a:schemeClr>
+                </a:solidFill>
+              </a:rPr>
+              <a:t>Intenti</a:t>
+            </a:r>
+            <a:endParaRPr lang="it-IT" sz="2000" dirty="0">
+              <a:solidFill>
+                <a:schemeClr val="accent1">
+                  <a:lumMod val="50000"/>
+                </a:schemeClr>
+              </a:solidFill>
+            </a:endParaRPr>
+          </a:p>
+        </p:txBody>
+      </p:sp>
+      <p:sp>
+        <p:nvSpPr>
+          <p:cNvPr id="6" name="TextBox 5"/>
+          <p:cNvSpPr txBox="1"/>
+          <p:nvPr/>
+        </p:nvSpPr>
+        <p:spPr>
+          <a:xfrm>
+            <a:off x="7693574" y="3468165"/>
+            <a:ext cx="1183337" cy="523220"/>
+          </a:xfrm>
+          <a:prstGeom prst="rect">
+            <a:avLst/>
+          </a:prstGeom>
+          <a:noFill/>
+        </p:spPr>
+        <p:txBody>
+          <a:bodyPr wrap="none" rtlCol="0">
+            <a:spAutoFit/>
+          </a:bodyPr>
+          <a:lstStyle/>
+          <a:p>
+            <a:r>
+              <a:rPr lang="it-IT" sz="2800" dirty="0" smtClean="0">
+                <a:solidFill>
+                  <a:schemeClr val="accent1">
+                    <a:lumMod val="50000"/>
+                  </a:schemeClr>
+                </a:solidFill>
+              </a:rPr>
+              <a:t>Entità</a:t>
+            </a:r>
+            <a:endParaRPr lang="it-IT" sz="2000" dirty="0">
+              <a:solidFill>
+                <a:schemeClr val="accent1">
+                  <a:lumMod val="50000"/>
+                </a:schemeClr>
+              </a:solidFill>
+            </a:endParaRPr>
+          </a:p>
+        </p:txBody>
+      </p:sp>
+      <p:sp>
+        <p:nvSpPr>
+          <p:cNvPr id="7" name="TextBox 6"/>
+          <p:cNvSpPr txBox="1"/>
+          <p:nvPr/>
+        </p:nvSpPr>
+        <p:spPr>
+          <a:xfrm>
+            <a:off x="7526861" y="4648724"/>
+            <a:ext cx="1572866" cy="523220"/>
+          </a:xfrm>
+          <a:prstGeom prst="rect">
+            <a:avLst/>
+          </a:prstGeom>
+          <a:noFill/>
+        </p:spPr>
+        <p:txBody>
+          <a:bodyPr wrap="none" rtlCol="0">
+            <a:spAutoFit/>
+          </a:bodyPr>
+          <a:lstStyle/>
+          <a:p>
+            <a:r>
+              <a:rPr lang="it-IT" sz="2800" dirty="0" smtClean="0">
+                <a:solidFill>
+                  <a:schemeClr val="accent1">
+                    <a:lumMod val="50000"/>
+                  </a:schemeClr>
+                </a:solidFill>
+              </a:rPr>
+              <a:t>Contesti</a:t>
+            </a:r>
+            <a:endParaRPr lang="it-IT" sz="2000" dirty="0">
+              <a:solidFill>
+                <a:schemeClr val="accent1">
+                  <a:lumMod val="50000"/>
+                </a:schemeClr>
+              </a:solidFill>
+            </a:endParaRPr>
           </a:p>
         </p:txBody>
       </p:sp>
       <p:pic>
         <p:nvPicPr>
-          <p:cNvPr id="4" name="Picture 3"/>
+          <p:cNvPr id="8" name="Picture 7"/>
           <p:cNvPicPr>
             <a:picLocks noChangeAspect="1"/>
           </p:cNvPicPr>
@@ -8951,132 +9892,17 @@
         </p:blipFill>
         <p:spPr>
           <a:xfrm>
-            <a:off x="1564986" y="1890332"/>
-            <a:ext cx="3166586" cy="1142828"/>
+            <a:off x="677334" y="1260912"/>
+            <a:ext cx="5935264" cy="5329799"/>
           </a:xfrm>
           <a:prstGeom prst="rect">
             <a:avLst/>
           </a:prstGeom>
-        </p:spPr>
-      </p:pic>
-      <p:pic>
-        <p:nvPicPr>
-          <p:cNvPr id="5" name="Picture 4"/>
-          <p:cNvPicPr>
-            <a:picLocks noChangeAspect="1"/>
-          </p:cNvPicPr>
-          <p:nvPr/>
-        </p:nvPicPr>
-        <p:blipFill>
-          <a:blip r:embed="rId3">
-            <a:extLst>
-              <a:ext uri="{28A0092B-C50C-407E-A947-70E740481C1C}">
-                <a14:useLocalDpi xmlns:a14="http://schemas.microsoft.com/office/drawing/2010/main" val="0"/>
-              </a:ext>
-            </a:extLst>
-          </a:blip>
-          <a:stretch>
-            <a:fillRect/>
-          </a:stretch>
-        </p:blipFill>
-        <p:spPr>
-          <a:xfrm>
-            <a:off x="3841478" y="3436351"/>
-            <a:ext cx="3480001" cy="965915"/>
-          </a:xfrm>
-          <a:prstGeom prst="rect">
-            <a:avLst/>
-          </a:prstGeom>
-        </p:spPr>
-      </p:pic>
-      <p:pic>
-        <p:nvPicPr>
-          <p:cNvPr id="6" name="Picture 5"/>
-          <p:cNvPicPr>
-            <a:picLocks noChangeAspect="1"/>
-          </p:cNvPicPr>
-          <p:nvPr/>
-        </p:nvPicPr>
-        <p:blipFill>
-          <a:blip r:embed="rId4">
-            <a:extLst>
-              <a:ext uri="{28A0092B-C50C-407E-A947-70E740481C1C}">
-                <a14:useLocalDpi xmlns:a14="http://schemas.microsoft.com/office/drawing/2010/main" val="0"/>
-              </a:ext>
-            </a:extLst>
-          </a:blip>
-          <a:stretch>
-            <a:fillRect/>
-          </a:stretch>
-        </p:blipFill>
-        <p:spPr>
-          <a:xfrm>
-            <a:off x="1255892" y="5306096"/>
-            <a:ext cx="2499866" cy="715871"/>
-          </a:xfrm>
-          <a:prstGeom prst="rect">
-            <a:avLst/>
-          </a:prstGeom>
-        </p:spPr>
-      </p:pic>
-      <p:pic>
-        <p:nvPicPr>
-          <p:cNvPr id="3" name="Picture 2"/>
-          <p:cNvPicPr>
-            <a:picLocks noChangeAspect="1"/>
-          </p:cNvPicPr>
-          <p:nvPr/>
-        </p:nvPicPr>
-        <p:blipFill>
-          <a:blip r:embed="rId5">
-            <a:extLst>
-              <a:ext uri="{28A0092B-C50C-407E-A947-70E740481C1C}">
-                <a14:useLocalDpi xmlns:a14="http://schemas.microsoft.com/office/drawing/2010/main" val="0"/>
-              </a:ext>
-            </a:extLst>
-          </a:blip>
-          <a:stretch>
-            <a:fillRect/>
-          </a:stretch>
-        </p:blipFill>
-        <p:spPr>
-          <a:xfrm>
-            <a:off x="5246727" y="529625"/>
-            <a:ext cx="3638684" cy="2108952"/>
-          </a:xfrm>
-          <a:prstGeom prst="rect">
-            <a:avLst/>
-          </a:prstGeom>
-        </p:spPr>
-      </p:pic>
-      <p:pic>
-        <p:nvPicPr>
-          <p:cNvPr id="7" name="Picture 6"/>
-          <p:cNvPicPr>
-            <a:picLocks noChangeAspect="1"/>
-          </p:cNvPicPr>
-          <p:nvPr/>
-        </p:nvPicPr>
-        <p:blipFill>
-          <a:blip r:embed="rId6">
-            <a:extLst>
-              <a:ext uri="{28A0092B-C50C-407E-A947-70E740481C1C}">
-                <a14:useLocalDpi xmlns:a14="http://schemas.microsoft.com/office/drawing/2010/main" val="0"/>
-              </a:ext>
-            </a:extLst>
-          </a:blip>
-          <a:stretch>
-            <a:fillRect/>
-          </a:stretch>
-        </p:blipFill>
-        <p:spPr>
-          <a:xfrm>
-            <a:off x="6306292" y="4402266"/>
-            <a:ext cx="2030373" cy="2030373"/>
-          </a:xfrm>
-          <a:prstGeom prst="rect">
-            <a:avLst/>
-          </a:prstGeom>
+          <a:ln w="38100" cmpd="dbl">
+            <a:solidFill>
+              <a:schemeClr val="accent1"/>
+            </a:solidFill>
+          </a:ln>
         </p:spPr>
       </p:pic>
       <p:sp>
@@ -9106,7 +9932,7 @@
               <a:rPr lang="it-IT" sz="2400" dirty="0" smtClean="0">
                 <a:latin typeface="Book Antiqua" panose="02040602050305030304" pitchFamily="18" charset="0"/>
               </a:rPr>
-              <a:t>8/12</a:t>
+              <a:t>8/15</a:t>
             </a:r>
             <a:endParaRPr lang="it-IT" sz="2400" dirty="0">
               <a:latin typeface="Book Antiqua" panose="02040602050305030304" pitchFamily="18" charset="0"/>
@@ -9117,7 +9943,7 @@
     </p:spTree>
     <p:extLst>
       <p:ext uri="{BB962C8B-B14F-4D97-AF65-F5344CB8AC3E}">
-        <p14:creationId xmlns:p14="http://schemas.microsoft.com/office/powerpoint/2010/main" val="2711640985"/>
+        <p14:creationId xmlns:p14="http://schemas.microsoft.com/office/powerpoint/2010/main" val="2560453029"/>
       </p:ext>
     </p:extLst>
   </p:cSld>
@@ -9151,162 +9977,9 @@
           <a:chExt cx="0" cy="0"/>
         </a:xfrm>
       </p:grpSpPr>
-      <p:sp>
-        <p:nvSpPr>
-          <p:cNvPr id="2" name="Title 1"/>
-          <p:cNvSpPr>
-            <a:spLocks noGrp="1"/>
-          </p:cNvSpPr>
-          <p:nvPr>
-            <p:ph type="title"/>
-          </p:nvPr>
-        </p:nvSpPr>
-        <p:spPr>
-          <a:xfrm>
-            <a:off x="587182" y="447039"/>
-            <a:ext cx="8596668" cy="1320800"/>
-          </a:xfrm>
-        </p:spPr>
-        <p:txBody>
-          <a:bodyPr>
-            <a:normAutofit/>
-          </a:bodyPr>
-          <a:lstStyle/>
-          <a:p>
-            <a:r>
-              <a:rPr lang="it-IT" sz="4000" dirty="0" smtClean="0"/>
-              <a:t>Esempi – Meteo Veneto bot</a:t>
-            </a:r>
-            <a:endParaRPr lang="it-IT" sz="4000" dirty="0"/>
-          </a:p>
-        </p:txBody>
-      </p:sp>
-      <p:sp>
-        <p:nvSpPr>
-          <p:cNvPr id="6" name="TextBox 5"/>
-          <p:cNvSpPr txBox="1"/>
-          <p:nvPr/>
-        </p:nvSpPr>
-        <p:spPr>
-          <a:xfrm>
-            <a:off x="1070068" y="5946873"/>
-            <a:ext cx="3258136" cy="369332"/>
-          </a:xfrm>
-          <a:prstGeom prst="rect">
-            <a:avLst/>
-          </a:prstGeom>
-          <a:noFill/>
-        </p:spPr>
-        <p:txBody>
-          <a:bodyPr wrap="none" rtlCol="0">
-            <a:spAutoFit/>
-          </a:bodyPr>
-          <a:lstStyle/>
-          <a:p>
-            <a:r>
-              <a:rPr lang="it-IT" dirty="0" smtClean="0">
-                <a:solidFill>
-                  <a:schemeClr val="tx1">
-                    <a:lumMod val="75000"/>
-                    <a:lumOff val="25000"/>
-                  </a:schemeClr>
-                </a:solidFill>
-              </a:rPr>
-              <a:t>‘‘Che tempo ci sarà domani?’’</a:t>
-            </a:r>
-            <a:endParaRPr lang="it-IT" dirty="0">
-              <a:solidFill>
-                <a:schemeClr val="tx1">
-                  <a:lumMod val="75000"/>
-                  <a:lumOff val="25000"/>
-                </a:schemeClr>
-              </a:solidFill>
-            </a:endParaRPr>
-          </a:p>
-        </p:txBody>
-      </p:sp>
-      <p:sp>
-        <p:nvSpPr>
-          <p:cNvPr id="7" name="TextBox 6"/>
-          <p:cNvSpPr txBox="1"/>
-          <p:nvPr/>
-        </p:nvSpPr>
-        <p:spPr>
-          <a:xfrm>
-            <a:off x="4564781" y="1677687"/>
-            <a:ext cx="4142994" cy="369332"/>
-          </a:xfrm>
-          <a:prstGeom prst="rect">
-            <a:avLst/>
-          </a:prstGeom>
-          <a:noFill/>
-        </p:spPr>
-        <p:txBody>
-          <a:bodyPr wrap="none" rtlCol="0">
-            <a:spAutoFit/>
-          </a:bodyPr>
-          <a:lstStyle/>
-          <a:p>
-            <a:r>
-              <a:rPr lang="it-IT" dirty="0" smtClean="0">
-                <a:solidFill>
-                  <a:schemeClr val="tx1">
-                    <a:lumMod val="75000"/>
-                    <a:lumOff val="25000"/>
-                  </a:schemeClr>
-                </a:solidFill>
-              </a:rPr>
-              <a:t>‘‘È prevista pioggia questo weekend?’’</a:t>
-            </a:r>
-            <a:endParaRPr lang="it-IT" dirty="0">
-              <a:solidFill>
-                <a:schemeClr val="tx1">
-                  <a:lumMod val="75000"/>
-                  <a:lumOff val="25000"/>
-                </a:schemeClr>
-              </a:solidFill>
-            </a:endParaRPr>
-          </a:p>
-        </p:txBody>
-      </p:sp>
-      <p:sp>
-        <p:nvSpPr>
-          <p:cNvPr id="10" name="TextBox 9"/>
-          <p:cNvSpPr txBox="1"/>
-          <p:nvPr/>
-        </p:nvSpPr>
-        <p:spPr>
-          <a:xfrm>
-            <a:off x="11050073" y="6359879"/>
-            <a:ext cx="1013139" cy="461665"/>
-          </a:xfrm>
-          <a:prstGeom prst="rect">
-            <a:avLst/>
-          </a:prstGeom>
-          <a:noFill/>
-        </p:spPr>
-        <p:txBody>
-          <a:bodyPr wrap="square" rtlCol="0">
-            <a:spAutoFit/>
-          </a:bodyPr>
-          <a:lstStyle/>
-          <a:p>
-            <a:pPr algn="r"/>
-            <a:r>
-              <a:rPr lang="it-IT" sz="2400" dirty="0" smtClean="0">
-                <a:latin typeface="Book Antiqua" panose="02040602050305030304" pitchFamily="18" charset="0"/>
-              </a:rPr>
-              <a:t>9/12</a:t>
-            </a:r>
-            <a:endParaRPr lang="it-IT" sz="2400" dirty="0">
-              <a:latin typeface="Book Antiqua" panose="02040602050305030304" pitchFamily="18" charset="0"/>
-            </a:endParaRPr>
-          </a:p>
-        </p:txBody>
-      </p:sp>
       <p:pic>
         <p:nvPicPr>
-          <p:cNvPr id="4" name="Picture 3"/>
+          <p:cNvPr id="8" name="Picture 7"/>
           <p:cNvPicPr>
             <a:picLocks noChangeAspect="1"/>
           </p:cNvPicPr>
@@ -9326,48 +9999,587 @@
         </p:blipFill>
         <p:spPr>
           <a:xfrm>
-            <a:off x="1406275" y="1679676"/>
-            <a:ext cx="2585723" cy="4150578"/>
+            <a:off x="554574" y="3111251"/>
+            <a:ext cx="1201261" cy="1201261"/>
           </a:xfrm>
           <a:prstGeom prst="rect">
             <a:avLst/>
           </a:prstGeom>
         </p:spPr>
       </p:pic>
-      <p:pic>
-        <p:nvPicPr>
-          <p:cNvPr id="3" name="Picture 2"/>
-          <p:cNvPicPr>
-            <a:picLocks noChangeAspect="1"/>
-          </p:cNvPicPr>
+      <p:sp>
+        <p:nvSpPr>
+          <p:cNvPr id="26" name="TextBox 25"/>
+          <p:cNvSpPr txBox="1"/>
           <p:nvPr/>
-        </p:nvPicPr>
-        <p:blipFill>
-          <a:blip r:embed="rId3">
-            <a:extLst>
-              <a:ext uri="{28A0092B-C50C-407E-A947-70E740481C1C}">
-                <a14:useLocalDpi xmlns:a14="http://schemas.microsoft.com/office/drawing/2010/main" val="0"/>
-              </a:ext>
-            </a:extLst>
-          </a:blip>
-          <a:stretch>
-            <a:fillRect/>
-          </a:stretch>
-        </p:blipFill>
-        <p:spPr>
-          <a:xfrm>
-            <a:off x="5340138" y="2210792"/>
-            <a:ext cx="2592279" cy="4149087"/>
+        </p:nvSpPr>
+        <p:spPr>
+          <a:xfrm>
+            <a:off x="11050073" y="6359879"/>
+            <a:ext cx="1013139" cy="461665"/>
           </a:xfrm>
           <a:prstGeom prst="rect">
             <a:avLst/>
           </a:prstGeom>
-        </p:spPr>
-      </p:pic>
+          <a:noFill/>
+        </p:spPr>
+        <p:txBody>
+          <a:bodyPr wrap="square" rtlCol="0">
+            <a:spAutoFit/>
+          </a:bodyPr>
+          <a:lstStyle/>
+          <a:p>
+            <a:pPr algn="r"/>
+            <a:r>
+              <a:rPr lang="it-IT" sz="2400" dirty="0" smtClean="0">
+                <a:latin typeface="Book Antiqua" panose="02040602050305030304" pitchFamily="18" charset="0"/>
+              </a:rPr>
+              <a:t>9/15</a:t>
+            </a:r>
+            <a:endParaRPr lang="it-IT" sz="2400" dirty="0">
+              <a:latin typeface="Book Antiqua" panose="02040602050305030304" pitchFamily="18" charset="0"/>
+            </a:endParaRPr>
+          </a:p>
+        </p:txBody>
+      </p:sp>
+      <p:sp>
+        <p:nvSpPr>
+          <p:cNvPr id="29" name="Title 1"/>
+          <p:cNvSpPr txBox="1">
+            <a:spLocks/>
+          </p:cNvSpPr>
+          <p:nvPr/>
+        </p:nvSpPr>
+        <p:spPr>
+          <a:xfrm>
+            <a:off x="554574" y="437204"/>
+            <a:ext cx="8596668" cy="1320800"/>
+          </a:xfrm>
+          <a:prstGeom prst="rect">
+            <a:avLst/>
+          </a:prstGeom>
+        </p:spPr>
+        <p:txBody>
+          <a:bodyPr vert="horz" lIns="91440" tIns="45720" rIns="91440" bIns="45720" rtlCol="0" anchor="t">
+            <a:normAutofit/>
+          </a:bodyPr>
+          <a:lstStyle>
+            <a:lvl1pPr algn="l" defTabSz="457200" rtl="0" eaLnBrk="1" latinLnBrk="0" hangingPunct="1">
+              <a:spcBef>
+                <a:spcPct val="0"/>
+              </a:spcBef>
+              <a:buNone/>
+              <a:defRPr sz="3600" kern="1200">
+                <a:solidFill>
+                  <a:schemeClr val="accent1"/>
+                </a:solidFill>
+                <a:latin typeface="+mj-lt"/>
+                <a:ea typeface="+mj-ea"/>
+                <a:cs typeface="+mj-cs"/>
+              </a:defRPr>
+            </a:lvl1pPr>
+            <a:lvl2pPr eaLnBrk="1" hangingPunct="1">
+              <a:defRPr>
+                <a:solidFill>
+                  <a:schemeClr val="tx2"/>
+                </a:solidFill>
+              </a:defRPr>
+            </a:lvl2pPr>
+            <a:lvl3pPr eaLnBrk="1" hangingPunct="1">
+              <a:defRPr>
+                <a:solidFill>
+                  <a:schemeClr val="tx2"/>
+                </a:solidFill>
+              </a:defRPr>
+            </a:lvl3pPr>
+            <a:lvl4pPr eaLnBrk="1" hangingPunct="1">
+              <a:defRPr>
+                <a:solidFill>
+                  <a:schemeClr val="tx2"/>
+                </a:solidFill>
+              </a:defRPr>
+            </a:lvl4pPr>
+            <a:lvl5pPr eaLnBrk="1" hangingPunct="1">
+              <a:defRPr>
+                <a:solidFill>
+                  <a:schemeClr val="tx2"/>
+                </a:solidFill>
+              </a:defRPr>
+            </a:lvl5pPr>
+            <a:lvl6pPr eaLnBrk="1" hangingPunct="1">
+              <a:defRPr>
+                <a:solidFill>
+                  <a:schemeClr val="tx2"/>
+                </a:solidFill>
+              </a:defRPr>
+            </a:lvl6pPr>
+            <a:lvl7pPr eaLnBrk="1" hangingPunct="1">
+              <a:defRPr>
+                <a:solidFill>
+                  <a:schemeClr val="tx2"/>
+                </a:solidFill>
+              </a:defRPr>
+            </a:lvl7pPr>
+            <a:lvl8pPr eaLnBrk="1" hangingPunct="1">
+              <a:defRPr>
+                <a:solidFill>
+                  <a:schemeClr val="tx2"/>
+                </a:solidFill>
+              </a:defRPr>
+            </a:lvl8pPr>
+            <a:lvl9pPr eaLnBrk="1" hangingPunct="1">
+              <a:defRPr>
+                <a:solidFill>
+                  <a:schemeClr val="tx2"/>
+                </a:solidFill>
+              </a:defRPr>
+            </a:lvl9pPr>
+          </a:lstStyle>
+          <a:p>
+            <a:r>
+              <a:rPr lang="it-IT" sz="4000" dirty="0" smtClean="0"/>
+              <a:t>Soluzione – Costruzione risposta</a:t>
+            </a:r>
+            <a:endParaRPr lang="it-IT" sz="4000" dirty="0"/>
+          </a:p>
+        </p:txBody>
+      </p:sp>
+      <p:sp>
+        <p:nvSpPr>
+          <p:cNvPr id="32" name="TextBox 31"/>
+          <p:cNvSpPr txBox="1"/>
+          <p:nvPr/>
+        </p:nvSpPr>
+        <p:spPr>
+          <a:xfrm>
+            <a:off x="3482516" y="1938308"/>
+            <a:ext cx="1061509" cy="461665"/>
+          </a:xfrm>
+          <a:prstGeom prst="rect">
+            <a:avLst/>
+          </a:prstGeom>
+          <a:noFill/>
+        </p:spPr>
+        <p:txBody>
+          <a:bodyPr wrap="none" rtlCol="0">
+            <a:spAutoFit/>
+          </a:bodyPr>
+          <a:lstStyle/>
+          <a:p>
+            <a:r>
+              <a:rPr lang="it-IT" sz="2400" dirty="0" smtClean="0">
+                <a:solidFill>
+                  <a:schemeClr val="tx1">
+                    <a:lumMod val="75000"/>
+                    <a:lumOff val="25000"/>
+                  </a:schemeClr>
+                </a:solidFill>
+              </a:rPr>
+              <a:t>Action</a:t>
+            </a:r>
+            <a:endParaRPr lang="it-IT" sz="2400" dirty="0">
+              <a:solidFill>
+                <a:schemeClr val="tx1">
+                  <a:lumMod val="75000"/>
+                  <a:lumOff val="25000"/>
+                </a:schemeClr>
+              </a:solidFill>
+            </a:endParaRPr>
+          </a:p>
+        </p:txBody>
+      </p:sp>
+      <p:sp>
+        <p:nvSpPr>
+          <p:cNvPr id="33" name="TextBox 32"/>
+          <p:cNvSpPr txBox="1"/>
+          <p:nvPr/>
+        </p:nvSpPr>
+        <p:spPr>
+          <a:xfrm>
+            <a:off x="3507362" y="3058818"/>
+            <a:ext cx="1011815" cy="461665"/>
+          </a:xfrm>
+          <a:prstGeom prst="rect">
+            <a:avLst/>
+          </a:prstGeom>
+          <a:noFill/>
+        </p:spPr>
+        <p:txBody>
+          <a:bodyPr wrap="none" rtlCol="0">
+            <a:spAutoFit/>
+          </a:bodyPr>
+          <a:lstStyle/>
+          <a:p>
+            <a:r>
+              <a:rPr lang="it-IT" sz="2400" dirty="0" smtClean="0">
+                <a:solidFill>
+                  <a:schemeClr val="tx1">
+                    <a:lumMod val="75000"/>
+                    <a:lumOff val="25000"/>
+                  </a:schemeClr>
+                </a:solidFill>
+              </a:rPr>
+              <a:t>Entità</a:t>
+            </a:r>
+            <a:endParaRPr lang="it-IT" sz="2400" dirty="0">
+              <a:solidFill>
+                <a:schemeClr val="tx1">
+                  <a:lumMod val="75000"/>
+                  <a:lumOff val="25000"/>
+                </a:schemeClr>
+              </a:solidFill>
+            </a:endParaRPr>
+          </a:p>
+        </p:txBody>
+      </p:sp>
+      <p:sp>
+        <p:nvSpPr>
+          <p:cNvPr id="34" name="TextBox 33"/>
+          <p:cNvSpPr txBox="1"/>
+          <p:nvPr/>
+        </p:nvSpPr>
+        <p:spPr>
+          <a:xfrm>
+            <a:off x="3288423" y="4238037"/>
+            <a:ext cx="184731" cy="461665"/>
+          </a:xfrm>
+          <a:prstGeom prst="rect">
+            <a:avLst/>
+          </a:prstGeom>
+          <a:noFill/>
+        </p:spPr>
+        <p:txBody>
+          <a:bodyPr wrap="none" rtlCol="0">
+            <a:spAutoFit/>
+          </a:bodyPr>
+          <a:lstStyle/>
+          <a:p>
+            <a:endParaRPr lang="it-IT" sz="2400" dirty="0"/>
+          </a:p>
+        </p:txBody>
+      </p:sp>
+      <p:sp>
+        <p:nvSpPr>
+          <p:cNvPr id="35" name="TextBox 34"/>
+          <p:cNvSpPr txBox="1"/>
+          <p:nvPr/>
+        </p:nvSpPr>
+        <p:spPr>
+          <a:xfrm>
+            <a:off x="3268515" y="4179328"/>
+            <a:ext cx="1539204" cy="461665"/>
+          </a:xfrm>
+          <a:prstGeom prst="rect">
+            <a:avLst/>
+          </a:prstGeom>
+          <a:noFill/>
+        </p:spPr>
+        <p:txBody>
+          <a:bodyPr wrap="none" rtlCol="0">
+            <a:spAutoFit/>
+          </a:bodyPr>
+          <a:lstStyle/>
+          <a:p>
+            <a:r>
+              <a:rPr lang="it-IT" sz="2400" dirty="0" smtClean="0">
+                <a:solidFill>
+                  <a:schemeClr val="tx1">
+                    <a:lumMod val="75000"/>
+                    <a:lumOff val="25000"/>
+                  </a:schemeClr>
+                </a:solidFill>
+              </a:rPr>
+              <a:t>Parametri</a:t>
+            </a:r>
+            <a:endParaRPr lang="it-IT" sz="2400" dirty="0">
+              <a:solidFill>
+                <a:schemeClr val="tx1">
+                  <a:lumMod val="75000"/>
+                  <a:lumOff val="25000"/>
+                </a:schemeClr>
+              </a:solidFill>
+            </a:endParaRPr>
+          </a:p>
+        </p:txBody>
+      </p:sp>
+      <p:sp>
+        <p:nvSpPr>
+          <p:cNvPr id="36" name="TextBox 35"/>
+          <p:cNvSpPr txBox="1"/>
+          <p:nvPr/>
+        </p:nvSpPr>
+        <p:spPr>
+          <a:xfrm>
+            <a:off x="3310993" y="5299838"/>
+            <a:ext cx="1404552" cy="461665"/>
+          </a:xfrm>
+          <a:prstGeom prst="rect">
+            <a:avLst/>
+          </a:prstGeom>
+          <a:noFill/>
+        </p:spPr>
+        <p:txBody>
+          <a:bodyPr wrap="none" rtlCol="0">
+            <a:spAutoFit/>
+          </a:bodyPr>
+          <a:lstStyle/>
+          <a:p>
+            <a:r>
+              <a:rPr lang="it-IT" sz="2400" dirty="0" smtClean="0">
+                <a:solidFill>
+                  <a:schemeClr val="tx1">
+                    <a:lumMod val="75000"/>
+                    <a:lumOff val="25000"/>
+                  </a:schemeClr>
+                </a:solidFill>
+              </a:rPr>
+              <a:t>Contesto</a:t>
+            </a:r>
+            <a:endParaRPr lang="it-IT" sz="2400" dirty="0">
+              <a:solidFill>
+                <a:schemeClr val="tx1">
+                  <a:lumMod val="75000"/>
+                  <a:lumOff val="25000"/>
+                </a:schemeClr>
+              </a:solidFill>
+            </a:endParaRPr>
+          </a:p>
+        </p:txBody>
+      </p:sp>
+      <p:cxnSp>
+        <p:nvCxnSpPr>
+          <p:cNvPr id="38" name="Straight Arrow Connector 37"/>
+          <p:cNvCxnSpPr>
+            <a:endCxn id="32" idx="1"/>
+          </p:cNvCxnSpPr>
+          <p:nvPr/>
+        </p:nvCxnSpPr>
+        <p:spPr>
+          <a:xfrm flipV="1">
+            <a:off x="1909926" y="2169141"/>
+            <a:ext cx="1572590" cy="1517175"/>
+          </a:xfrm>
+          <a:prstGeom prst="straightConnector1">
+            <a:avLst/>
+          </a:prstGeom>
+          <a:ln w="38100">
+            <a:tailEnd type="triangle"/>
+          </a:ln>
+        </p:spPr>
+        <p:style>
+          <a:lnRef idx="1">
+            <a:schemeClr val="accent1"/>
+          </a:lnRef>
+          <a:fillRef idx="0">
+            <a:schemeClr val="accent1"/>
+          </a:fillRef>
+          <a:effectRef idx="0">
+            <a:schemeClr val="accent1"/>
+          </a:effectRef>
+          <a:fontRef idx="minor">
+            <a:schemeClr val="tx1"/>
+          </a:fontRef>
+        </p:style>
+      </p:cxnSp>
+      <p:cxnSp>
+        <p:nvCxnSpPr>
+          <p:cNvPr id="43" name="Straight Arrow Connector 42"/>
+          <p:cNvCxnSpPr>
+            <a:endCxn id="33" idx="1"/>
+          </p:cNvCxnSpPr>
+          <p:nvPr/>
+        </p:nvCxnSpPr>
+        <p:spPr>
+          <a:xfrm flipV="1">
+            <a:off x="1909926" y="3289651"/>
+            <a:ext cx="1597436" cy="464556"/>
+          </a:xfrm>
+          <a:prstGeom prst="straightConnector1">
+            <a:avLst/>
+          </a:prstGeom>
+          <a:ln w="38100">
+            <a:tailEnd type="triangle"/>
+          </a:ln>
+        </p:spPr>
+        <p:style>
+          <a:lnRef idx="1">
+            <a:schemeClr val="accent1"/>
+          </a:lnRef>
+          <a:fillRef idx="0">
+            <a:schemeClr val="accent1"/>
+          </a:fillRef>
+          <a:effectRef idx="0">
+            <a:schemeClr val="accent1"/>
+          </a:effectRef>
+          <a:fontRef idx="minor">
+            <a:schemeClr val="tx1"/>
+          </a:fontRef>
+        </p:style>
+      </p:cxnSp>
+      <p:cxnSp>
+        <p:nvCxnSpPr>
+          <p:cNvPr id="47" name="Straight Arrow Connector 46"/>
+          <p:cNvCxnSpPr>
+            <a:endCxn id="35" idx="1"/>
+          </p:cNvCxnSpPr>
+          <p:nvPr/>
+        </p:nvCxnSpPr>
+        <p:spPr>
+          <a:xfrm>
+            <a:off x="1909926" y="3815806"/>
+            <a:ext cx="1358589" cy="594355"/>
+          </a:xfrm>
+          <a:prstGeom prst="straightConnector1">
+            <a:avLst/>
+          </a:prstGeom>
+          <a:ln w="38100">
+            <a:tailEnd type="triangle"/>
+          </a:ln>
+        </p:spPr>
+        <p:style>
+          <a:lnRef idx="1">
+            <a:schemeClr val="accent1"/>
+          </a:lnRef>
+          <a:fillRef idx="0">
+            <a:schemeClr val="accent1"/>
+          </a:fillRef>
+          <a:effectRef idx="0">
+            <a:schemeClr val="accent1"/>
+          </a:effectRef>
+          <a:fontRef idx="minor">
+            <a:schemeClr val="tx1"/>
+          </a:fontRef>
+        </p:style>
+      </p:cxnSp>
+      <p:cxnSp>
+        <p:nvCxnSpPr>
+          <p:cNvPr id="49" name="Straight Arrow Connector 48"/>
+          <p:cNvCxnSpPr>
+            <a:endCxn id="36" idx="1"/>
+          </p:cNvCxnSpPr>
+          <p:nvPr/>
+        </p:nvCxnSpPr>
+        <p:spPr>
+          <a:xfrm>
+            <a:off x="1909926" y="3917149"/>
+            <a:ext cx="1401067" cy="1613522"/>
+          </a:xfrm>
+          <a:prstGeom prst="straightConnector1">
+            <a:avLst/>
+          </a:prstGeom>
+          <a:ln w="38100">
+            <a:tailEnd type="triangle"/>
+          </a:ln>
+        </p:spPr>
+        <p:style>
+          <a:lnRef idx="1">
+            <a:schemeClr val="accent1"/>
+          </a:lnRef>
+          <a:fillRef idx="0">
+            <a:schemeClr val="accent1"/>
+          </a:fillRef>
+          <a:effectRef idx="0">
+            <a:schemeClr val="accent1"/>
+          </a:effectRef>
+          <a:fontRef idx="minor">
+            <a:schemeClr val="tx1"/>
+          </a:fontRef>
+        </p:style>
+      </p:cxnSp>
+      <p:sp>
+        <p:nvSpPr>
+          <p:cNvPr id="58" name="Right Arrow 57"/>
+          <p:cNvSpPr/>
+          <p:nvPr/>
+        </p:nvSpPr>
+        <p:spPr>
+          <a:xfrm>
+            <a:off x="4988435" y="3520483"/>
+            <a:ext cx="935848" cy="556530"/>
+          </a:xfrm>
+          <a:prstGeom prst="rightArrow">
+            <a:avLst/>
+          </a:prstGeom>
+          <a:solidFill>
+            <a:schemeClr val="accent1">
+              <a:lumMod val="60000"/>
+              <a:lumOff val="40000"/>
+            </a:schemeClr>
+          </a:solidFill>
+        </p:spPr>
+        <p:style>
+          <a:lnRef idx="2">
+            <a:schemeClr val="accent1">
+              <a:shade val="50000"/>
+            </a:schemeClr>
+          </a:lnRef>
+          <a:fillRef idx="1">
+            <a:schemeClr val="accent1"/>
+          </a:fillRef>
+          <a:effectRef idx="0">
+            <a:schemeClr val="accent1"/>
+          </a:effectRef>
+          <a:fontRef idx="minor">
+            <a:schemeClr val="lt1"/>
+          </a:fontRef>
+        </p:style>
+        <p:txBody>
+          <a:bodyPr rtlCol="0" anchor="ctr"/>
+          <a:lstStyle/>
+          <a:p>
+            <a:pPr algn="ctr"/>
+            <a:endParaRPr lang="it-IT"/>
+          </a:p>
+        </p:txBody>
+      </p:sp>
+      <p:sp>
+        <p:nvSpPr>
+          <p:cNvPr id="59" name="TextBox 58"/>
+          <p:cNvSpPr txBox="1"/>
+          <p:nvPr/>
+        </p:nvSpPr>
+        <p:spPr>
+          <a:xfrm>
+            <a:off x="6192021" y="3554196"/>
+            <a:ext cx="3506088" cy="523220"/>
+          </a:xfrm>
+          <a:prstGeom prst="rect">
+            <a:avLst/>
+          </a:prstGeom>
+          <a:noFill/>
+        </p:spPr>
+        <p:txBody>
+          <a:bodyPr wrap="none" rtlCol="0">
+            <a:spAutoFit/>
+          </a:bodyPr>
+          <a:lstStyle/>
+          <a:p>
+            <a:r>
+              <a:rPr lang="it-IT" sz="2800" dirty="0" smtClean="0">
+                <a:solidFill>
+                  <a:schemeClr val="tx1">
+                    <a:lumMod val="75000"/>
+                    <a:lumOff val="25000"/>
+                  </a:schemeClr>
+                </a:solidFill>
+              </a:rPr>
+              <a:t>Risposta del Chatbot</a:t>
+            </a:r>
+            <a:endParaRPr lang="it-IT" sz="2800" dirty="0">
+              <a:solidFill>
+                <a:schemeClr val="tx1">
+                  <a:lumMod val="75000"/>
+                  <a:lumOff val="25000"/>
+                </a:schemeClr>
+              </a:solidFill>
+            </a:endParaRPr>
+          </a:p>
+        </p:txBody>
+      </p:sp>
     </p:spTree>
     <p:extLst>
       <p:ext uri="{BB962C8B-B14F-4D97-AF65-F5344CB8AC3E}">
-        <p14:creationId xmlns:p14="http://schemas.microsoft.com/office/powerpoint/2010/main" val="852627442"/>
+        <p14:creationId xmlns:p14="http://schemas.microsoft.com/office/powerpoint/2010/main" val="3409870370"/>
       </p:ext>
     </p:extLst>
   </p:cSld>

--- a/Presentazione_tesi.pptx
+++ b/Presentazione_tesi.pptx
@@ -849,7 +849,7 @@
             <a:fld id="{B61BEF0D-F0BB-DE4B-95CE-6DB70DBA9567}" type="datetimeFigureOut">
               <a:rPr lang="en-US" smtClean="0"/>
               <a:pPr/>
-              <a:t>11/20/2017</a:t>
+              <a:t>12/3/2017</a:t>
             </a:fld>
             <a:endParaRPr lang="en-US" dirty="0"/>
           </a:p>
@@ -1102,7 +1102,7 @@
             <a:fld id="{B61BEF0D-F0BB-DE4B-95CE-6DB70DBA9567}" type="datetimeFigureOut">
               <a:rPr lang="en-US" smtClean="0"/>
               <a:pPr/>
-              <a:t>11/20/2017</a:t>
+              <a:t>12/3/2017</a:t>
             </a:fld>
             <a:endParaRPr lang="en-US" dirty="0"/>
           </a:p>
@@ -1418,7 +1418,7 @@
             <a:fld id="{B61BEF0D-F0BB-DE4B-95CE-6DB70DBA9567}" type="datetimeFigureOut">
               <a:rPr lang="en-US" smtClean="0"/>
               <a:pPr/>
-              <a:t>11/20/2017</a:t>
+              <a:t>12/3/2017</a:t>
             </a:fld>
             <a:endParaRPr lang="en-US" dirty="0"/>
           </a:p>
@@ -1761,7 +1761,7 @@
             <a:fld id="{B61BEF0D-F0BB-DE4B-95CE-6DB70DBA9567}" type="datetimeFigureOut">
               <a:rPr lang="en-US" smtClean="0"/>
               <a:pPr/>
-              <a:t>11/20/2017</a:t>
+              <a:t>12/3/2017</a:t>
             </a:fld>
             <a:endParaRPr lang="en-US" dirty="0"/>
           </a:p>
@@ -2077,7 +2077,7 @@
             <a:fld id="{B61BEF0D-F0BB-DE4B-95CE-6DB70DBA9567}" type="datetimeFigureOut">
               <a:rPr lang="en-US" smtClean="0"/>
               <a:pPr/>
-              <a:t>11/20/2017</a:t>
+              <a:t>12/3/2017</a:t>
             </a:fld>
             <a:endParaRPr lang="en-US" dirty="0"/>
           </a:p>
@@ -2472,7 +2472,7 @@
             <a:fld id="{B61BEF0D-F0BB-DE4B-95CE-6DB70DBA9567}" type="datetimeFigureOut">
               <a:rPr lang="en-US" smtClean="0"/>
               <a:pPr/>
-              <a:t>11/20/2017</a:t>
+              <a:t>12/3/2017</a:t>
             </a:fld>
             <a:endParaRPr lang="en-US" dirty="0"/>
           </a:p>
@@ -2644,7 +2644,7 @@
             <a:fld id="{B61BEF0D-F0BB-DE4B-95CE-6DB70DBA9567}" type="datetimeFigureOut">
               <a:rPr lang="en-US" smtClean="0"/>
               <a:pPr/>
-              <a:t>11/20/2017</a:t>
+              <a:t>12/3/2017</a:t>
             </a:fld>
             <a:endParaRPr lang="en-US" dirty="0"/>
           </a:p>
@@ -2826,7 +2826,7 @@
             <a:fld id="{B61BEF0D-F0BB-DE4B-95CE-6DB70DBA9567}" type="datetimeFigureOut">
               <a:rPr lang="en-US" smtClean="0"/>
               <a:pPr/>
-              <a:t>11/20/2017</a:t>
+              <a:t>12/3/2017</a:t>
             </a:fld>
             <a:endParaRPr lang="en-US" dirty="0"/>
           </a:p>
@@ -3004,7 +3004,7 @@
             <a:fld id="{B61BEF0D-F0BB-DE4B-95CE-6DB70DBA9567}" type="datetimeFigureOut">
               <a:rPr lang="en-US" smtClean="0"/>
               <a:pPr/>
-              <a:t>11/20/2017</a:t>
+              <a:t>12/3/2017</a:t>
             </a:fld>
             <a:endParaRPr lang="en-US" dirty="0"/>
           </a:p>
@@ -3253,7 +3253,7 @@
             <a:fld id="{B61BEF0D-F0BB-DE4B-95CE-6DB70DBA9567}" type="datetimeFigureOut">
               <a:rPr lang="en-US" smtClean="0"/>
               <a:pPr/>
-              <a:t>11/20/2017</a:t>
+              <a:t>12/3/2017</a:t>
             </a:fld>
             <a:endParaRPr lang="en-US" dirty="0"/>
           </a:p>
@@ -3487,7 +3487,7 @@
             <a:fld id="{B61BEF0D-F0BB-DE4B-95CE-6DB70DBA9567}" type="datetimeFigureOut">
               <a:rPr lang="en-US" smtClean="0"/>
               <a:pPr/>
-              <a:t>11/20/2017</a:t>
+              <a:t>12/3/2017</a:t>
             </a:fld>
             <a:endParaRPr lang="en-US" dirty="0"/>
           </a:p>
@@ -3863,7 +3863,7 @@
             <a:fld id="{B61BEF0D-F0BB-DE4B-95CE-6DB70DBA9567}" type="datetimeFigureOut">
               <a:rPr lang="en-US" smtClean="0"/>
               <a:pPr/>
-              <a:t>11/20/2017</a:t>
+              <a:t>12/3/2017</a:t>
             </a:fld>
             <a:endParaRPr lang="en-US" dirty="0"/>
           </a:p>
@@ -3988,7 +3988,7 @@
             <a:fld id="{B61BEF0D-F0BB-DE4B-95CE-6DB70DBA9567}" type="datetimeFigureOut">
               <a:rPr lang="en-US" smtClean="0"/>
               <a:pPr/>
-              <a:t>11/20/2017</a:t>
+              <a:t>12/3/2017</a:t>
             </a:fld>
             <a:endParaRPr lang="en-US" dirty="0"/>
           </a:p>
@@ -4085,7 +4085,7 @@
             <a:fld id="{B61BEF0D-F0BB-DE4B-95CE-6DB70DBA9567}" type="datetimeFigureOut">
               <a:rPr lang="en-US" smtClean="0"/>
               <a:pPr/>
-              <a:t>11/20/2017</a:t>
+              <a:t>12/3/2017</a:t>
             </a:fld>
             <a:endParaRPr lang="en-US" dirty="0"/>
           </a:p>
@@ -4342,7 +4342,7 @@
             <a:fld id="{B61BEF0D-F0BB-DE4B-95CE-6DB70DBA9567}" type="datetimeFigureOut">
               <a:rPr lang="en-US" smtClean="0"/>
               <a:pPr/>
-              <a:t>11/20/2017</a:t>
+              <a:t>12/3/2017</a:t>
             </a:fld>
             <a:endParaRPr lang="en-US" dirty="0"/>
           </a:p>
@@ -4607,7 +4607,7 @@
             <a:fld id="{B61BEF0D-F0BB-DE4B-95CE-6DB70DBA9567}" type="datetimeFigureOut">
               <a:rPr lang="en-US" smtClean="0"/>
               <a:pPr/>
-              <a:t>11/20/2017</a:t>
+              <a:t>12/3/2017</a:t>
             </a:fld>
             <a:endParaRPr lang="en-US" dirty="0"/>
           </a:p>
@@ -5352,7 +5352,7 @@
             <a:fld id="{B61BEF0D-F0BB-DE4B-95CE-6DB70DBA9567}" type="datetimeFigureOut">
               <a:rPr lang="en-US" smtClean="0"/>
               <a:pPr/>
-              <a:t>11/20/2017</a:t>
+              <a:t>12/3/2017</a:t>
             </a:fld>
             <a:endParaRPr lang="en-US" dirty="0"/>
           </a:p>
@@ -7374,7 +7374,6 @@
               <a:rPr lang="it-IT" sz="2400" dirty="0" smtClean="0"/>
               <a:t>Utilizzo da parte dell’azienda del prodotto</a:t>
             </a:r>
-            <a:endParaRPr lang="it-IT" sz="2400" dirty="0" smtClean="0"/>
           </a:p>
           <a:p>
             <a:endParaRPr lang="it-IT" sz="2400" dirty="0"/>
@@ -8071,9 +8070,6 @@
               </a:rPr>
               <a:t>2/15</a:t>
             </a:r>
-            <a:endParaRPr lang="it-IT" sz="2400" dirty="0">
-              <a:latin typeface="Book Antiqua" panose="02040602050305030304" pitchFamily="18" charset="0"/>
-            </a:endParaRPr>
           </a:p>
         </p:txBody>
       </p:sp>
@@ -8403,9 +8399,6 @@
               </a:rPr>
               <a:t>3/15</a:t>
             </a:r>
-            <a:endParaRPr lang="it-IT" sz="2400" dirty="0">
-              <a:latin typeface="Book Antiqua" panose="02040602050305030304" pitchFamily="18" charset="0"/>
-            </a:endParaRPr>
           </a:p>
         </p:txBody>
       </p:sp>
@@ -8439,7 +8432,6 @@
               <a:rPr lang="it-IT" sz="2400" dirty="0" smtClean="0"/>
               <a:t>Gestione richieste non coerenti</a:t>
             </a:r>
-            <a:endParaRPr lang="it-IT" sz="2400" dirty="0" smtClean="0"/>
           </a:p>
           <a:p>
             <a:endParaRPr lang="it-IT" dirty="0"/>
@@ -8762,9 +8754,6 @@
               </a:rPr>
               <a:t>4/15</a:t>
             </a:r>
-            <a:endParaRPr lang="it-IT" sz="2400" dirty="0">
-              <a:latin typeface="Book Antiqua" panose="02040602050305030304" pitchFamily="18" charset="0"/>
-            </a:endParaRPr>
           </a:p>
         </p:txBody>
       </p:sp>
@@ -9128,9 +9117,6 @@
               </a:rPr>
               <a:t>5/15</a:t>
             </a:r>
-            <a:endParaRPr lang="it-IT" sz="2400" dirty="0">
-              <a:latin typeface="Book Antiqua" panose="02040602050305030304" pitchFamily="18" charset="0"/>
-            </a:endParaRPr>
           </a:p>
         </p:txBody>
       </p:sp>
